--- a/doc/PPT_final/ Automatic Mixing.pptx
+++ b/doc/PPT_final/ Automatic Mixing.pptx
@@ -159,7 +159,7 @@
           <p:cNvPr id="2" name="Header Placeholder 1">
             <a:extLst>
               <a:ext uri="{FF2B5EF4-FFF2-40B4-BE49-F238E27FC236}">
-                <a16:creationId xmlns="" xmlns:a16="http://schemas.microsoft.com/office/drawing/2014/main" id="{840B08AC-E5DB-2346-9522-E13FDAED48B6}"/>
+                <a16:creationId xmlns:a16="http://schemas.microsoft.com/office/drawing/2014/main" xmlns="" id="{840B08AC-E5DB-2346-9522-E13FDAED48B6}"/>
               </a:ext>
             </a:extLst>
           </p:cNvPr>
@@ -196,7 +196,7 @@
           <p:cNvPr id="3" name="Date Placeholder 2">
             <a:extLst>
               <a:ext uri="{FF2B5EF4-FFF2-40B4-BE49-F238E27FC236}">
-                <a16:creationId xmlns="" xmlns:a16="http://schemas.microsoft.com/office/drawing/2014/main" id="{8FEF2A5E-8AC0-D242-BDB0-D48C52EC46F6}"/>
+                <a16:creationId xmlns:a16="http://schemas.microsoft.com/office/drawing/2014/main" xmlns="" id="{8FEF2A5E-8AC0-D242-BDB0-D48C52EC46F6}"/>
               </a:ext>
             </a:extLst>
           </p:cNvPr>
@@ -226,7 +226,7 @@
           <a:p>
             <a:fld id="{1790BDCF-FDED-7944-8BF6-2AC6A3D70E73}" type="datetimeFigureOut">
               <a:rPr lang="en-US" smtClean="0"/>
-              <a:t>11/15/22</a:t>
+              <a:t>11/24/22</a:t>
             </a:fld>
             <a:endParaRPr lang="en-US"/>
           </a:p>
@@ -237,7 +237,7 @@
           <p:cNvPr id="4" name="Footer Placeholder 3">
             <a:extLst>
               <a:ext uri="{FF2B5EF4-FFF2-40B4-BE49-F238E27FC236}">
-                <a16:creationId xmlns="" xmlns:a16="http://schemas.microsoft.com/office/drawing/2014/main" id="{04CDD624-43F6-2E45-9536-1E4A096D8D9B}"/>
+                <a16:creationId xmlns:a16="http://schemas.microsoft.com/office/drawing/2014/main" xmlns="" id="{04CDD624-43F6-2E45-9536-1E4A096D8D9B}"/>
               </a:ext>
             </a:extLst>
           </p:cNvPr>
@@ -274,7 +274,7 @@
           <p:cNvPr id="5" name="Slide Number Placeholder 4">
             <a:extLst>
               <a:ext uri="{FF2B5EF4-FFF2-40B4-BE49-F238E27FC236}">
-                <a16:creationId xmlns="" xmlns:a16="http://schemas.microsoft.com/office/drawing/2014/main" id="{4BD07A2B-CDBD-BE48-8A80-8CCEF44924D9}"/>
+                <a16:creationId xmlns:a16="http://schemas.microsoft.com/office/drawing/2014/main" xmlns="" id="{4BD07A2B-CDBD-BE48-8A80-8CCEF44924D9}"/>
               </a:ext>
             </a:extLst>
           </p:cNvPr>
@@ -403,7 +403,7 @@
           <a:p>
             <a:fld id="{7FC19A01-7786-9E40-A342-3F309B51F3C8}" type="datetimeFigureOut">
               <a:rPr lang="en-US" smtClean="0"/>
-              <a:t>11/15/22</a:t>
+              <a:t>11/24/22</a:t>
             </a:fld>
             <a:endParaRPr lang="en-US"/>
           </a:p>
@@ -887,7 +887,7 @@
           <p:cNvPr id="5" name="Graphic 4">
             <a:extLst>
               <a:ext uri="{FF2B5EF4-FFF2-40B4-BE49-F238E27FC236}">
-                <a16:creationId xmlns="" xmlns:a16="http://schemas.microsoft.com/office/drawing/2014/main" id="{19727A66-6455-4B6B-B6B0-C885C09984FC}"/>
+                <a16:creationId xmlns:a16="http://schemas.microsoft.com/office/drawing/2014/main" xmlns="" id="{19727A66-6455-4B6B-B6B0-C885C09984FC}"/>
               </a:ext>
             </a:extLst>
           </p:cNvPr>
@@ -900,7 +900,7 @@
           <a:blip r:embed="rId2">
             <a:extLst>
               <a:ext uri="{96DAC541-7B7A-43D3-8B79-37D633B846F1}">
-                <asvg:svgBlip xmlns="" xmlns:asvg="http://schemas.microsoft.com/office/drawing/2016/SVG/main" r:embed="rId3"/>
+                <asvg:svgBlip xmlns:asvg="http://schemas.microsoft.com/office/drawing/2016/SVG/main" xmlns="" r:embed="rId3"/>
               </a:ext>
             </a:extLst>
           </a:blip>
@@ -1074,7 +1074,7 @@
           <p:cNvPr id="16" name="TextBox 15">
             <a:extLst>
               <a:ext uri="{FF2B5EF4-FFF2-40B4-BE49-F238E27FC236}">
-                <a16:creationId xmlns="" xmlns:a16="http://schemas.microsoft.com/office/drawing/2014/main" id="{4F90BFBB-34F3-6C4E-AE14-F79FC96106B4}"/>
+                <a16:creationId xmlns:a16="http://schemas.microsoft.com/office/drawing/2014/main" xmlns="" id="{4F90BFBB-34F3-6C4E-AE14-F79FC96106B4}"/>
               </a:ext>
             </a:extLst>
           </p:cNvPr>
@@ -1111,7 +1111,7 @@
           <p:cNvPr id="17" name="TextBox 16">
             <a:extLst>
               <a:ext uri="{FF2B5EF4-FFF2-40B4-BE49-F238E27FC236}">
-                <a16:creationId xmlns="" xmlns:a16="http://schemas.microsoft.com/office/drawing/2014/main" id="{C69906DC-87C5-E442-8918-7F76D287958D}"/>
+                <a16:creationId xmlns:a16="http://schemas.microsoft.com/office/drawing/2014/main" xmlns="" id="{C69906DC-87C5-E442-8918-7F76D287958D}"/>
               </a:ext>
             </a:extLst>
           </p:cNvPr>
@@ -1164,7 +1164,7 @@
           <p:cNvPr id="18" name="Graphic 17">
             <a:extLst>
               <a:ext uri="{FF2B5EF4-FFF2-40B4-BE49-F238E27FC236}">
-                <a16:creationId xmlns="" xmlns:a16="http://schemas.microsoft.com/office/drawing/2014/main" id="{C2C99E5F-79BF-4DC9-BB46-FFC780AFFE85}"/>
+                <a16:creationId xmlns:a16="http://schemas.microsoft.com/office/drawing/2014/main" xmlns="" id="{C2C99E5F-79BF-4DC9-BB46-FFC780AFFE85}"/>
               </a:ext>
             </a:extLst>
           </p:cNvPr>
@@ -1177,7 +1177,7 @@
           <a:blip r:embed="rId2">
             <a:extLst>
               <a:ext uri="{96DAC541-7B7A-43D3-8B79-37D633B846F1}">
-                <asvg:svgBlip xmlns="" xmlns:asvg="http://schemas.microsoft.com/office/drawing/2016/SVG/main" r:embed="rId3"/>
+                <asvg:svgBlip xmlns:asvg="http://schemas.microsoft.com/office/drawing/2016/SVG/main" xmlns="" r:embed="rId3"/>
               </a:ext>
             </a:extLst>
           </a:blip>
@@ -1361,7 +1361,7 @@
           <p:cNvPr id="16" name="TextBox 15">
             <a:extLst>
               <a:ext uri="{FF2B5EF4-FFF2-40B4-BE49-F238E27FC236}">
-                <a16:creationId xmlns="" xmlns:a16="http://schemas.microsoft.com/office/drawing/2014/main" id="{00F103E9-D16A-EB46-9F7B-A8705483339D}"/>
+                <a16:creationId xmlns:a16="http://schemas.microsoft.com/office/drawing/2014/main" xmlns="" id="{00F103E9-D16A-EB46-9F7B-A8705483339D}"/>
               </a:ext>
             </a:extLst>
           </p:cNvPr>
@@ -1398,7 +1398,7 @@
           <p:cNvPr id="17" name="TextBox 16">
             <a:extLst>
               <a:ext uri="{FF2B5EF4-FFF2-40B4-BE49-F238E27FC236}">
-                <a16:creationId xmlns="" xmlns:a16="http://schemas.microsoft.com/office/drawing/2014/main" id="{66CFA407-F8A1-7642-9F56-93689CE11E42}"/>
+                <a16:creationId xmlns:a16="http://schemas.microsoft.com/office/drawing/2014/main" xmlns="" id="{66CFA407-F8A1-7642-9F56-93689CE11E42}"/>
               </a:ext>
             </a:extLst>
           </p:cNvPr>
@@ -1451,7 +1451,7 @@
           <p:cNvPr id="18" name="Graphic 17">
             <a:extLst>
               <a:ext uri="{FF2B5EF4-FFF2-40B4-BE49-F238E27FC236}">
-                <a16:creationId xmlns="" xmlns:a16="http://schemas.microsoft.com/office/drawing/2014/main" id="{E219413A-BB37-4E7C-B085-A0D943A15432}"/>
+                <a16:creationId xmlns:a16="http://schemas.microsoft.com/office/drawing/2014/main" xmlns="" id="{E219413A-BB37-4E7C-B085-A0D943A15432}"/>
               </a:ext>
             </a:extLst>
           </p:cNvPr>
@@ -1464,7 +1464,7 @@
           <a:blip r:embed="rId2">
             <a:extLst>
               <a:ext uri="{96DAC541-7B7A-43D3-8B79-37D633B846F1}">
-                <asvg:svgBlip xmlns="" xmlns:asvg="http://schemas.microsoft.com/office/drawing/2016/SVG/main" r:embed="rId3"/>
+                <asvg:svgBlip xmlns:asvg="http://schemas.microsoft.com/office/drawing/2016/SVG/main" xmlns="" r:embed="rId3"/>
               </a:ext>
             </a:extLst>
           </a:blip>
@@ -1877,7 +1877,7 @@
           <p:cNvPr id="15" name="Graphic 14">
             <a:extLst>
               <a:ext uri="{FF2B5EF4-FFF2-40B4-BE49-F238E27FC236}">
-                <a16:creationId xmlns="" xmlns:a16="http://schemas.microsoft.com/office/drawing/2014/main" id="{94289BB5-E802-4E3E-9EF3-493812A6E29A}"/>
+                <a16:creationId xmlns:a16="http://schemas.microsoft.com/office/drawing/2014/main" xmlns="" id="{94289BB5-E802-4E3E-9EF3-493812A6E29A}"/>
               </a:ext>
             </a:extLst>
           </p:cNvPr>
@@ -1890,7 +1890,7 @@
           <a:blip r:embed="rId2">
             <a:extLst>
               <a:ext uri="{96DAC541-7B7A-43D3-8B79-37D633B846F1}">
-                <asvg:svgBlip xmlns="" xmlns:asvg="http://schemas.microsoft.com/office/drawing/2016/SVG/main" r:embed="rId3"/>
+                <asvg:svgBlip xmlns:asvg="http://schemas.microsoft.com/office/drawing/2016/SVG/main" xmlns="" r:embed="rId3"/>
               </a:ext>
             </a:extLst>
           </a:blip>
@@ -2071,7 +2071,7 @@
           <p:cNvPr id="28" name="TextBox 27">
             <a:extLst>
               <a:ext uri="{FF2B5EF4-FFF2-40B4-BE49-F238E27FC236}">
-                <a16:creationId xmlns="" xmlns:a16="http://schemas.microsoft.com/office/drawing/2014/main" id="{E766909F-446E-5A44-9EA1-75B086A02941}"/>
+                <a16:creationId xmlns:a16="http://schemas.microsoft.com/office/drawing/2014/main" xmlns="" id="{E766909F-446E-5A44-9EA1-75B086A02941}"/>
               </a:ext>
             </a:extLst>
           </p:cNvPr>
@@ -2108,7 +2108,7 @@
           <p:cNvPr id="6" name="Graphic 5">
             <a:extLst>
               <a:ext uri="{FF2B5EF4-FFF2-40B4-BE49-F238E27FC236}">
-                <a16:creationId xmlns="" xmlns:a16="http://schemas.microsoft.com/office/drawing/2014/main" id="{5C1EAA8F-F34E-45FC-9E10-C12246B4945A}"/>
+                <a16:creationId xmlns:a16="http://schemas.microsoft.com/office/drawing/2014/main" xmlns="" id="{5C1EAA8F-F34E-45FC-9E10-C12246B4945A}"/>
               </a:ext>
             </a:extLst>
           </p:cNvPr>
@@ -2121,7 +2121,7 @@
           <a:blip r:embed="rId2">
             <a:extLst>
               <a:ext uri="{96DAC541-7B7A-43D3-8B79-37D633B846F1}">
-                <asvg:svgBlip xmlns="" xmlns:asvg="http://schemas.microsoft.com/office/drawing/2016/SVG/main" r:embed="rId3"/>
+                <asvg:svgBlip xmlns:asvg="http://schemas.microsoft.com/office/drawing/2016/SVG/main" xmlns="" r:embed="rId3"/>
               </a:ext>
             </a:extLst>
           </a:blip>
@@ -2372,7 +2372,7 @@
           <p:cNvPr id="18" name="TextBox 17">
             <a:extLst>
               <a:ext uri="{FF2B5EF4-FFF2-40B4-BE49-F238E27FC236}">
-                <a16:creationId xmlns="" xmlns:a16="http://schemas.microsoft.com/office/drawing/2014/main" id="{B09DEBDD-94B7-DE41-A403-C96CB3E1D8AE}"/>
+                <a16:creationId xmlns:a16="http://schemas.microsoft.com/office/drawing/2014/main" xmlns="" id="{B09DEBDD-94B7-DE41-A403-C96CB3E1D8AE}"/>
               </a:ext>
             </a:extLst>
           </p:cNvPr>
@@ -2409,7 +2409,7 @@
           <p:cNvPr id="19" name="TextBox 18">
             <a:extLst>
               <a:ext uri="{FF2B5EF4-FFF2-40B4-BE49-F238E27FC236}">
-                <a16:creationId xmlns="" xmlns:a16="http://schemas.microsoft.com/office/drawing/2014/main" id="{EB58DFE1-15D0-9443-B5D0-33A92FE3806F}"/>
+                <a16:creationId xmlns:a16="http://schemas.microsoft.com/office/drawing/2014/main" xmlns="" id="{EB58DFE1-15D0-9443-B5D0-33A92FE3806F}"/>
               </a:ext>
             </a:extLst>
           </p:cNvPr>
@@ -2462,7 +2462,7 @@
           <p:cNvPr id="17" name="Graphic 16">
             <a:extLst>
               <a:ext uri="{FF2B5EF4-FFF2-40B4-BE49-F238E27FC236}">
-                <a16:creationId xmlns="" xmlns:a16="http://schemas.microsoft.com/office/drawing/2014/main" id="{16F8265F-1D5C-47BE-B72E-76932958F3A6}"/>
+                <a16:creationId xmlns:a16="http://schemas.microsoft.com/office/drawing/2014/main" xmlns="" id="{16F8265F-1D5C-47BE-B72E-76932958F3A6}"/>
               </a:ext>
             </a:extLst>
           </p:cNvPr>
@@ -2475,7 +2475,7 @@
           <a:blip r:embed="rId2">
             <a:extLst>
               <a:ext uri="{96DAC541-7B7A-43D3-8B79-37D633B846F1}">
-                <asvg:svgBlip xmlns="" xmlns:asvg="http://schemas.microsoft.com/office/drawing/2016/SVG/main" r:embed="rId3"/>
+                <asvg:svgBlip xmlns:asvg="http://schemas.microsoft.com/office/drawing/2016/SVG/main" xmlns="" r:embed="rId3"/>
               </a:ext>
             </a:extLst>
           </a:blip>
@@ -2787,7 +2787,7 @@
           <p:cNvPr id="19" name="TextBox 18">
             <a:extLst>
               <a:ext uri="{FF2B5EF4-FFF2-40B4-BE49-F238E27FC236}">
-                <a16:creationId xmlns="" xmlns:a16="http://schemas.microsoft.com/office/drawing/2014/main" id="{BEF3DDB2-0665-BB4D-A7BB-D6E15B1BDEBE}"/>
+                <a16:creationId xmlns:a16="http://schemas.microsoft.com/office/drawing/2014/main" xmlns="" id="{BEF3DDB2-0665-BB4D-A7BB-D6E15B1BDEBE}"/>
               </a:ext>
             </a:extLst>
           </p:cNvPr>
@@ -2824,7 +2824,7 @@
           <p:cNvPr id="20" name="TextBox 19">
             <a:extLst>
               <a:ext uri="{FF2B5EF4-FFF2-40B4-BE49-F238E27FC236}">
-                <a16:creationId xmlns="" xmlns:a16="http://schemas.microsoft.com/office/drawing/2014/main" id="{C2F0BE45-414F-044C-A933-3D62AEBB17B5}"/>
+                <a16:creationId xmlns:a16="http://schemas.microsoft.com/office/drawing/2014/main" xmlns="" id="{C2F0BE45-414F-044C-A933-3D62AEBB17B5}"/>
               </a:ext>
             </a:extLst>
           </p:cNvPr>
@@ -2877,7 +2877,7 @@
           <p:cNvPr id="18" name="Graphic 17">
             <a:extLst>
               <a:ext uri="{FF2B5EF4-FFF2-40B4-BE49-F238E27FC236}">
-                <a16:creationId xmlns="" xmlns:a16="http://schemas.microsoft.com/office/drawing/2014/main" id="{679613E3-F659-4F6B-A525-3814C323F7E8}"/>
+                <a16:creationId xmlns:a16="http://schemas.microsoft.com/office/drawing/2014/main" xmlns="" id="{679613E3-F659-4F6B-A525-3814C323F7E8}"/>
               </a:ext>
             </a:extLst>
           </p:cNvPr>
@@ -2890,7 +2890,7 @@
           <a:blip r:embed="rId2">
             <a:extLst>
               <a:ext uri="{96DAC541-7B7A-43D3-8B79-37D633B846F1}">
-                <asvg:svgBlip xmlns="" xmlns:asvg="http://schemas.microsoft.com/office/drawing/2016/SVG/main" r:embed="rId3"/>
+                <asvg:svgBlip xmlns:asvg="http://schemas.microsoft.com/office/drawing/2016/SVG/main" xmlns="" r:embed="rId3"/>
               </a:ext>
             </a:extLst>
           </a:blip>
@@ -3012,7 +3012,7 @@
           <p:cNvPr id="15" name="TextBox 14">
             <a:extLst>
               <a:ext uri="{FF2B5EF4-FFF2-40B4-BE49-F238E27FC236}">
-                <a16:creationId xmlns="" xmlns:a16="http://schemas.microsoft.com/office/drawing/2014/main" id="{61E30C84-59E8-9E44-A555-8B1373AB1B1A}"/>
+                <a16:creationId xmlns:a16="http://schemas.microsoft.com/office/drawing/2014/main" xmlns="" id="{61E30C84-59E8-9E44-A555-8B1373AB1B1A}"/>
               </a:ext>
             </a:extLst>
           </p:cNvPr>
@@ -3049,7 +3049,7 @@
           <p:cNvPr id="16" name="TextBox 15">
             <a:extLst>
               <a:ext uri="{FF2B5EF4-FFF2-40B4-BE49-F238E27FC236}">
-                <a16:creationId xmlns="" xmlns:a16="http://schemas.microsoft.com/office/drawing/2014/main" id="{F2BA38A8-83A5-E149-BF88-F17D812DBE80}"/>
+                <a16:creationId xmlns:a16="http://schemas.microsoft.com/office/drawing/2014/main" xmlns="" id="{F2BA38A8-83A5-E149-BF88-F17D812DBE80}"/>
               </a:ext>
             </a:extLst>
           </p:cNvPr>
@@ -3102,7 +3102,7 @@
           <p:cNvPr id="18" name="Graphic 17">
             <a:extLst>
               <a:ext uri="{FF2B5EF4-FFF2-40B4-BE49-F238E27FC236}">
-                <a16:creationId xmlns="" xmlns:a16="http://schemas.microsoft.com/office/drawing/2014/main" id="{F533209D-E000-476D-B7FA-1A35997E0521}"/>
+                <a16:creationId xmlns:a16="http://schemas.microsoft.com/office/drawing/2014/main" xmlns="" id="{F533209D-E000-476D-B7FA-1A35997E0521}"/>
               </a:ext>
             </a:extLst>
           </p:cNvPr>
@@ -3115,7 +3115,7 @@
           <a:blip r:embed="rId2">
             <a:extLst>
               <a:ext uri="{96DAC541-7B7A-43D3-8B79-37D633B846F1}">
-                <asvg:svgBlip xmlns="" xmlns:asvg="http://schemas.microsoft.com/office/drawing/2016/SVG/main" r:embed="rId3"/>
+                <asvg:svgBlip xmlns:asvg="http://schemas.microsoft.com/office/drawing/2016/SVG/main" xmlns="" r:embed="rId3"/>
               </a:ext>
             </a:extLst>
           </a:blip>
@@ -3214,7 +3214,7 @@
           <p:cNvPr id="19" name="TextBox 18">
             <a:extLst>
               <a:ext uri="{FF2B5EF4-FFF2-40B4-BE49-F238E27FC236}">
-                <a16:creationId xmlns="" xmlns:a16="http://schemas.microsoft.com/office/drawing/2014/main" id="{3814FAE4-C3CE-8945-8C50-23225D3560EE}"/>
+                <a16:creationId xmlns:a16="http://schemas.microsoft.com/office/drawing/2014/main" xmlns="" id="{3814FAE4-C3CE-8945-8C50-23225D3560EE}"/>
               </a:ext>
             </a:extLst>
           </p:cNvPr>
@@ -3251,7 +3251,7 @@
           <p:cNvPr id="20" name="TextBox 19">
             <a:extLst>
               <a:ext uri="{FF2B5EF4-FFF2-40B4-BE49-F238E27FC236}">
-                <a16:creationId xmlns="" xmlns:a16="http://schemas.microsoft.com/office/drawing/2014/main" id="{ED8E22FF-8F07-5448-88EA-2ADF8A34A1E6}"/>
+                <a16:creationId xmlns:a16="http://schemas.microsoft.com/office/drawing/2014/main" xmlns="" id="{ED8E22FF-8F07-5448-88EA-2ADF8A34A1E6}"/>
               </a:ext>
             </a:extLst>
           </p:cNvPr>
@@ -3304,7 +3304,7 @@
           <p:cNvPr id="14" name="Graphic 13">
             <a:extLst>
               <a:ext uri="{FF2B5EF4-FFF2-40B4-BE49-F238E27FC236}">
-                <a16:creationId xmlns="" xmlns:a16="http://schemas.microsoft.com/office/drawing/2014/main" id="{AB16132E-0B74-4CB4-818A-E7CB3F95FB55}"/>
+                <a16:creationId xmlns:a16="http://schemas.microsoft.com/office/drawing/2014/main" xmlns="" id="{AB16132E-0B74-4CB4-818A-E7CB3F95FB55}"/>
               </a:ext>
             </a:extLst>
           </p:cNvPr>
@@ -3317,7 +3317,7 @@
           <a:blip r:embed="rId2">
             <a:extLst>
               <a:ext uri="{96DAC541-7B7A-43D3-8B79-37D633B846F1}">
-                <asvg:svgBlip xmlns="" xmlns:asvg="http://schemas.microsoft.com/office/drawing/2016/SVG/main" r:embed="rId3"/>
+                <asvg:svgBlip xmlns:asvg="http://schemas.microsoft.com/office/drawing/2016/SVG/main" xmlns="" r:embed="rId3"/>
               </a:ext>
             </a:extLst>
           </a:blip>
@@ -3598,7 +3598,7 @@
           <p:cNvPr id="17" name="TextBox 16">
             <a:extLst>
               <a:ext uri="{FF2B5EF4-FFF2-40B4-BE49-F238E27FC236}">
-                <a16:creationId xmlns="" xmlns:a16="http://schemas.microsoft.com/office/drawing/2014/main" id="{EF90A807-0D75-8046-B1F9-FB7BE21BCEB5}"/>
+                <a16:creationId xmlns:a16="http://schemas.microsoft.com/office/drawing/2014/main" xmlns="" id="{EF90A807-0D75-8046-B1F9-FB7BE21BCEB5}"/>
               </a:ext>
             </a:extLst>
           </p:cNvPr>
@@ -3635,7 +3635,7 @@
           <p:cNvPr id="18" name="TextBox 17">
             <a:extLst>
               <a:ext uri="{FF2B5EF4-FFF2-40B4-BE49-F238E27FC236}">
-                <a16:creationId xmlns="" xmlns:a16="http://schemas.microsoft.com/office/drawing/2014/main" id="{DB11F5CE-32A3-7C4F-9727-B808DCFEDD2D}"/>
+                <a16:creationId xmlns:a16="http://schemas.microsoft.com/office/drawing/2014/main" xmlns="" id="{DB11F5CE-32A3-7C4F-9727-B808DCFEDD2D}"/>
               </a:ext>
             </a:extLst>
           </p:cNvPr>
@@ -3688,7 +3688,7 @@
           <p:cNvPr id="19" name="Graphic 18">
             <a:extLst>
               <a:ext uri="{FF2B5EF4-FFF2-40B4-BE49-F238E27FC236}">
-                <a16:creationId xmlns="" xmlns:a16="http://schemas.microsoft.com/office/drawing/2014/main" id="{EBD44E6D-3D6F-4868-AA74-A0E507BB7E75}"/>
+                <a16:creationId xmlns:a16="http://schemas.microsoft.com/office/drawing/2014/main" xmlns="" id="{EBD44E6D-3D6F-4868-AA74-A0E507BB7E75}"/>
               </a:ext>
             </a:extLst>
           </p:cNvPr>
@@ -3701,7 +3701,7 @@
           <a:blip r:embed="rId2">
             <a:extLst>
               <a:ext uri="{96DAC541-7B7A-43D3-8B79-37D633B846F1}">
-                <asvg:svgBlip xmlns="" xmlns:asvg="http://schemas.microsoft.com/office/drawing/2016/SVG/main" r:embed="rId3"/>
+                <asvg:svgBlip xmlns:asvg="http://schemas.microsoft.com/office/drawing/2016/SVG/main" xmlns="" r:embed="rId3"/>
               </a:ext>
             </a:extLst>
           </a:blip>
@@ -3962,7 +3962,7 @@
           <p:cNvPr id="17" name="TextBox 16">
             <a:extLst>
               <a:ext uri="{FF2B5EF4-FFF2-40B4-BE49-F238E27FC236}">
-                <a16:creationId xmlns="" xmlns:a16="http://schemas.microsoft.com/office/drawing/2014/main" id="{3CAF80FF-3C5D-6F43-8A74-58134F834FB5}"/>
+                <a16:creationId xmlns:a16="http://schemas.microsoft.com/office/drawing/2014/main" xmlns="" id="{3CAF80FF-3C5D-6F43-8A74-58134F834FB5}"/>
               </a:ext>
             </a:extLst>
           </p:cNvPr>
@@ -3999,7 +3999,7 @@
           <p:cNvPr id="18" name="TextBox 17">
             <a:extLst>
               <a:ext uri="{FF2B5EF4-FFF2-40B4-BE49-F238E27FC236}">
-                <a16:creationId xmlns="" xmlns:a16="http://schemas.microsoft.com/office/drawing/2014/main" id="{4024CBF7-36BB-C848-9C0A-A657B15810D9}"/>
+                <a16:creationId xmlns:a16="http://schemas.microsoft.com/office/drawing/2014/main" xmlns="" id="{4024CBF7-36BB-C848-9C0A-A657B15810D9}"/>
               </a:ext>
             </a:extLst>
           </p:cNvPr>
@@ -4052,7 +4052,7 @@
           <p:cNvPr id="19" name="Graphic 18">
             <a:extLst>
               <a:ext uri="{FF2B5EF4-FFF2-40B4-BE49-F238E27FC236}">
-                <a16:creationId xmlns="" xmlns:a16="http://schemas.microsoft.com/office/drawing/2014/main" id="{E0509593-4E93-46FF-B3D2-A6EC0CBF0985}"/>
+                <a16:creationId xmlns:a16="http://schemas.microsoft.com/office/drawing/2014/main" xmlns="" id="{E0509593-4E93-46FF-B3D2-A6EC0CBF0985}"/>
               </a:ext>
             </a:extLst>
           </p:cNvPr>
@@ -4065,7 +4065,7 @@
           <a:blip r:embed="rId2">
             <a:extLst>
               <a:ext uri="{96DAC541-7B7A-43D3-8B79-37D633B846F1}">
-                <asvg:svgBlip xmlns="" xmlns:asvg="http://schemas.microsoft.com/office/drawing/2016/SVG/main" r:embed="rId3"/>
+                <asvg:svgBlip xmlns:asvg="http://schemas.microsoft.com/office/drawing/2016/SVG/main" xmlns="" r:embed="rId3"/>
               </a:ext>
             </a:extLst>
           </a:blip>
@@ -4540,7 +4540,7 @@
           <p:cNvPr id="2" name="Title 1">
             <a:extLst>
               <a:ext uri="{FF2B5EF4-FFF2-40B4-BE49-F238E27FC236}">
-                <a16:creationId xmlns="" xmlns:a16="http://schemas.microsoft.com/office/drawing/2014/main" id="{B100FC07-DFB9-468B-95C1-22281A00D4C4}"/>
+                <a16:creationId xmlns:a16="http://schemas.microsoft.com/office/drawing/2014/main" xmlns="" id="{B100FC07-DFB9-468B-95C1-22281A00D4C4}"/>
               </a:ext>
             </a:extLst>
           </p:cNvPr>
@@ -4576,7 +4576,7 @@
           <p:cNvPr id="3" name="Subtitle 2">
             <a:extLst>
               <a:ext uri="{FF2B5EF4-FFF2-40B4-BE49-F238E27FC236}">
-                <a16:creationId xmlns="" xmlns:a16="http://schemas.microsoft.com/office/drawing/2014/main" id="{F939B8E8-A3AB-46B3-8726-E933C8297D94}"/>
+                <a16:creationId xmlns:a16="http://schemas.microsoft.com/office/drawing/2014/main" xmlns="" id="{F939B8E8-A3AB-46B3-8726-E933C8297D94}"/>
               </a:ext>
             </a:extLst>
           </p:cNvPr>
@@ -4655,7 +4655,7 @@
           <p:cNvPr id="2" name="Title 1">
             <a:extLst>
               <a:ext uri="{FF2B5EF4-FFF2-40B4-BE49-F238E27FC236}">
-                <a16:creationId xmlns="" xmlns:a16="http://schemas.microsoft.com/office/drawing/2014/main" id="{9045A477-9EA3-4F5C-B4B9-8CE29E6FF138}"/>
+                <a16:creationId xmlns:a16="http://schemas.microsoft.com/office/drawing/2014/main" xmlns="" id="{9045A477-9EA3-4F5C-B4B9-8CE29E6FF138}"/>
               </a:ext>
             </a:extLst>
           </p:cNvPr>
@@ -5145,7 +5145,7 @@
           <p:cNvPr id="2" name="Title 1">
             <a:extLst>
               <a:ext uri="{FF2B5EF4-FFF2-40B4-BE49-F238E27FC236}">
-                <a16:creationId xmlns="" xmlns:a16="http://schemas.microsoft.com/office/drawing/2014/main" id="{9045A477-9EA3-4F5C-B4B9-8CE29E6FF138}"/>
+                <a16:creationId xmlns:a16="http://schemas.microsoft.com/office/drawing/2014/main" xmlns="" id="{9045A477-9EA3-4F5C-B4B9-8CE29E6FF138}"/>
               </a:ext>
             </a:extLst>
           </p:cNvPr>
@@ -5481,15 +5481,26 @@
             <p:ph type="title"/>
           </p:nvPr>
         </p:nvSpPr>
-        <p:spPr/>
+        <p:spPr>
+          <a:xfrm>
+            <a:off x="505968" y="11234"/>
+            <a:ext cx="7235952" cy="4005181"/>
+          </a:xfrm>
+        </p:spPr>
         <p:txBody>
           <a:bodyPr/>
           <a:lstStyle/>
           <a:p>
             <a:pPr algn="ctr"/>
             <a:r>
+              <a:rPr lang="en-US" dirty="0">
+                <a:hlinkClick r:id="rId2"/>
+              </a:rPr>
+              <a:t>https://t.ly/0kur</a:t>
+            </a:r>
+            <a:r>
               <a:rPr lang="en-US" dirty="0" smtClean="0"/>
-              <a:t>[Short link to the survey]</a:t>
+              <a:t/>
             </a:r>
             <a:br>
               <a:rPr lang="en-US" dirty="0" smtClean="0"/>
@@ -5501,14 +5512,40 @@
             <a:br>
               <a:rPr lang="en-US" dirty="0"/>
             </a:br>
-            <a:r>
-              <a:rPr lang="en-US" dirty="0" smtClean="0"/>
-              <a:t>[QR code]</a:t>
-            </a:r>
             <a:endParaRPr lang="en-US" dirty="0"/>
           </a:p>
         </p:txBody>
       </p:sp>
+      <p:pic>
+        <p:nvPicPr>
+          <p:cNvPr id="3" name="Picture 2"/>
+          <p:cNvPicPr>
+            <a:picLocks noChangeAspect="1"/>
+          </p:cNvPicPr>
+          <p:nvPr/>
+        </p:nvPicPr>
+        <p:blipFill>
+          <a:blip r:embed="rId3">
+            <a:extLst>
+              <a:ext uri="{28A0092B-C50C-407E-A947-70E740481C1C}">
+                <a14:useLocalDpi xmlns:a14="http://schemas.microsoft.com/office/drawing/2010/main" val="0"/>
+              </a:ext>
+            </a:extLst>
+          </a:blip>
+          <a:stretch>
+            <a:fillRect/>
+          </a:stretch>
+        </p:blipFill>
+        <p:spPr>
+          <a:xfrm>
+            <a:off x="2536444" y="2172976"/>
+            <a:ext cx="3175000" cy="3175000"/>
+          </a:xfrm>
+          <a:prstGeom prst="rect">
+            <a:avLst/>
+          </a:prstGeom>
+        </p:spPr>
+      </p:pic>
     </p:spTree>
     <p:extLst>
       <p:ext uri="{BB962C8B-B14F-4D97-AF65-F5344CB8AC3E}">
@@ -5551,7 +5588,7 @@
           <p:cNvPr id="2" name="Title 1">
             <a:extLst>
               <a:ext uri="{FF2B5EF4-FFF2-40B4-BE49-F238E27FC236}">
-                <a16:creationId xmlns="" xmlns:a16="http://schemas.microsoft.com/office/drawing/2014/main" id="{9045A477-9EA3-4F5C-B4B9-8CE29E6FF138}"/>
+                <a16:creationId xmlns:a16="http://schemas.microsoft.com/office/drawing/2014/main" xmlns="" id="{9045A477-9EA3-4F5C-B4B9-8CE29E6FF138}"/>
               </a:ext>
             </a:extLst>
           </p:cNvPr>
@@ -5580,7 +5617,7 @@
           <p:cNvPr id="3" name="Content Placeholder 2">
             <a:extLst>
               <a:ext uri="{FF2B5EF4-FFF2-40B4-BE49-F238E27FC236}">
-                <a16:creationId xmlns="" xmlns:a16="http://schemas.microsoft.com/office/drawing/2014/main" id="{4FFC9F3E-C7DF-44CE-A057-14D5228F5C26}"/>
+                <a16:creationId xmlns:a16="http://schemas.microsoft.com/office/drawing/2014/main" xmlns="" id="{4FFC9F3E-C7DF-44CE-A057-14D5228F5C26}"/>
               </a:ext>
             </a:extLst>
           </p:cNvPr>
@@ -5694,7 +5731,7 @@
           <p:cNvPr id="2" name="Title 1">
             <a:extLst>
               <a:ext uri="{FF2B5EF4-FFF2-40B4-BE49-F238E27FC236}">
-                <a16:creationId xmlns="" xmlns:a16="http://schemas.microsoft.com/office/drawing/2014/main" id="{9045A477-9EA3-4F5C-B4B9-8CE29E6FF138}"/>
+                <a16:creationId xmlns:a16="http://schemas.microsoft.com/office/drawing/2014/main" xmlns="" id="{9045A477-9EA3-4F5C-B4B9-8CE29E6FF138}"/>
               </a:ext>
             </a:extLst>
           </p:cNvPr>
@@ -5712,11 +5749,7 @@
           <a:p>
             <a:r>
               <a:rPr lang="en-US" dirty="0" smtClean="0"/>
-              <a:t>Baseline </a:t>
-            </a:r>
-            <a:r>
-              <a:rPr lang="en-US" dirty="0" smtClean="0"/>
-              <a:t>System: level and compression</a:t>
+              <a:t>Baseline System: level and compression</a:t>
             </a:r>
             <a:endParaRPr lang="en-US" dirty="0"/>
           </a:p>
@@ -5727,7 +5760,7 @@
           <p:cNvPr id="3" name="Content Placeholder 2">
             <a:extLst>
               <a:ext uri="{FF2B5EF4-FFF2-40B4-BE49-F238E27FC236}">
-                <a16:creationId xmlns="" xmlns:a16="http://schemas.microsoft.com/office/drawing/2014/main" id="{4FFC9F3E-C7DF-44CE-A057-14D5228F5C26}"/>
+                <a16:creationId xmlns:a16="http://schemas.microsoft.com/office/drawing/2014/main" xmlns="" id="{4FFC9F3E-C7DF-44CE-A057-14D5228F5C26}"/>
               </a:ext>
             </a:extLst>
           </p:cNvPr>
@@ -5762,11 +5795,7 @@
           <a:p>
             <a:r>
               <a:rPr lang="en-US" sz="2800" b="1" dirty="0" smtClean="0"/>
-              <a:t>Level </a:t>
-            </a:r>
-            <a:r>
-              <a:rPr lang="en-US" sz="2800" b="1" dirty="0" smtClean="0"/>
-              <a:t>balance</a:t>
+              <a:t>Level balance</a:t>
             </a:r>
           </a:p>
           <a:p>
@@ -5781,23 +5810,11 @@
             </a:r>
             <a:r>
               <a:rPr lang="sk-SK" sz="2400" dirty="0" smtClean="0"/>
-              <a:t> </a:t>
-            </a:r>
-            <a:r>
-              <a:rPr lang="sk-SK" sz="2400" dirty="0" smtClean="0"/>
-              <a:t>dB</a:t>
+              <a:t> dB</a:t>
             </a:r>
             <a:r>
               <a:rPr lang="en-US" sz="2400" dirty="0" smtClean="0"/>
-              <a:t> </a:t>
-            </a:r>
-            <a:r>
-              <a:rPr lang="en-US" sz="2400" dirty="0" smtClean="0"/>
-              <a:t>vocal-to-backing track </a:t>
-            </a:r>
-            <a:r>
-              <a:rPr lang="en-US" sz="2400" dirty="0" smtClean="0"/>
-              <a:t>ratio </a:t>
+              <a:t> vocal-to-backing track ratio </a:t>
             </a:r>
           </a:p>
           <a:p>
@@ -5814,11 +5831,7 @@
             <a:pPr lvl="1"/>
             <a:r>
               <a:rPr lang="en-US" sz="2400" dirty="0" smtClean="0"/>
-              <a:t>16.4 </a:t>
-            </a:r>
-            <a:r>
-              <a:rPr lang="en-US" sz="2400" dirty="0" smtClean="0"/>
-              <a:t>dB </a:t>
+              <a:t>16.4 dB </a:t>
             </a:r>
             <a:r>
               <a:rPr lang="en-US" sz="2400" dirty="0"/>
@@ -5826,13 +5839,8 @@
             </a:r>
             <a:r>
               <a:rPr lang="en-US" sz="2400" dirty="0" smtClean="0"/>
-              <a:t>oudness </a:t>
-            </a:r>
-            <a:r>
-              <a:rPr lang="en-US" sz="2400" dirty="0" smtClean="0"/>
-              <a:t>range</a:t>
-            </a:r>
-            <a:endParaRPr lang="en-US" sz="2400" dirty="0" smtClean="0"/>
+              <a:t>oudness range</a:t>
+            </a:r>
           </a:p>
         </p:txBody>
       </p:sp>
@@ -5878,7 +5886,7 @@
           <p:cNvPr id="2" name="Title 1">
             <a:extLst>
               <a:ext uri="{FF2B5EF4-FFF2-40B4-BE49-F238E27FC236}">
-                <a16:creationId xmlns="" xmlns:a16="http://schemas.microsoft.com/office/drawing/2014/main" id="{9045A477-9EA3-4F5C-B4B9-8CE29E6FF138}"/>
+                <a16:creationId xmlns:a16="http://schemas.microsoft.com/office/drawing/2014/main" xmlns="" id="{9045A477-9EA3-4F5C-B4B9-8CE29E6FF138}"/>
               </a:ext>
             </a:extLst>
           </p:cNvPr>
@@ -5896,11 +5904,7 @@
           <a:p>
             <a:r>
               <a:rPr lang="en-US" dirty="0" smtClean="0"/>
-              <a:t>Baseline </a:t>
-            </a:r>
-            <a:r>
-              <a:rPr lang="en-US" dirty="0" smtClean="0"/>
-              <a:t>System: EQ</a:t>
+              <a:t>Baseline System: EQ</a:t>
             </a:r>
             <a:endParaRPr lang="en-US" dirty="0"/>
           </a:p>
@@ -5911,7 +5915,7 @@
           <p:cNvPr id="3" name="Content Placeholder 2">
             <a:extLst>
               <a:ext uri="{FF2B5EF4-FFF2-40B4-BE49-F238E27FC236}">
-                <a16:creationId xmlns="" xmlns:a16="http://schemas.microsoft.com/office/drawing/2014/main" id="{4FFC9F3E-C7DF-44CE-A057-14D5228F5C26}"/>
+                <a16:creationId xmlns:a16="http://schemas.microsoft.com/office/drawing/2014/main" xmlns="" id="{4FFC9F3E-C7DF-44CE-A057-14D5228F5C26}"/>
               </a:ext>
             </a:extLst>
           </p:cNvPr>
@@ -5933,19 +5937,13 @@
               <a:rPr lang="en-US" sz="2800" b="1" dirty="0" smtClean="0"/>
               <a:t>EQ</a:t>
             </a:r>
-            <a:endParaRPr lang="en-US" sz="2800" b="1" dirty="0" smtClean="0"/>
           </a:p>
           <a:p>
             <a:pPr lvl="1"/>
             <a:r>
               <a:rPr lang="en-US" sz="2400" dirty="0" smtClean="0"/>
-              <a:t>Frequency </a:t>
-            </a:r>
-            <a:r>
-              <a:rPr lang="en-US" sz="2400" dirty="0" smtClean="0"/>
-              <a:t>unmasking</a:t>
-            </a:r>
-            <a:endParaRPr lang="en-US" sz="2400" dirty="0" smtClean="0"/>
+              <a:t>Frequency unmasking</a:t>
+            </a:r>
           </a:p>
         </p:txBody>
       </p:sp>
@@ -6021,7 +6019,7 @@
           <p:cNvPr id="2" name="Title 1">
             <a:extLst>
               <a:ext uri="{FF2B5EF4-FFF2-40B4-BE49-F238E27FC236}">
-                <a16:creationId xmlns="" xmlns:a16="http://schemas.microsoft.com/office/drawing/2014/main" id="{9045A477-9EA3-4F5C-B4B9-8CE29E6FF138}"/>
+                <a16:creationId xmlns:a16="http://schemas.microsoft.com/office/drawing/2014/main" xmlns="" id="{9045A477-9EA3-4F5C-B4B9-8CE29E6FF138}"/>
               </a:ext>
             </a:extLst>
           </p:cNvPr>
@@ -6039,11 +6037,7 @@
           <a:p>
             <a:r>
               <a:rPr lang="en-US" dirty="0" smtClean="0"/>
-              <a:t>Rule-based </a:t>
-            </a:r>
-            <a:r>
-              <a:rPr lang="en-US" dirty="0" smtClean="0"/>
-              <a:t>System: reverb</a:t>
+              <a:t>Rule-based System: reverb</a:t>
             </a:r>
             <a:endParaRPr lang="en-US" dirty="0"/>
           </a:p>
@@ -6054,7 +6048,7 @@
           <p:cNvPr id="3" name="Content Placeholder 2">
             <a:extLst>
               <a:ext uri="{FF2B5EF4-FFF2-40B4-BE49-F238E27FC236}">
-                <a16:creationId xmlns="" xmlns:a16="http://schemas.microsoft.com/office/drawing/2014/main" id="{4FFC9F3E-C7DF-44CE-A057-14D5228F5C26}"/>
+                <a16:creationId xmlns:a16="http://schemas.microsoft.com/office/drawing/2014/main" xmlns="" id="{4FFC9F3E-C7DF-44CE-A057-14D5228F5C26}"/>
               </a:ext>
             </a:extLst>
           </p:cNvPr>
@@ -6238,7 +6232,7 @@
           <p:cNvPr id="2" name="Title 1">
             <a:extLst>
               <a:ext uri="{FF2B5EF4-FFF2-40B4-BE49-F238E27FC236}">
-                <a16:creationId xmlns="" xmlns:a16="http://schemas.microsoft.com/office/drawing/2014/main" id="{9045A477-9EA3-4F5C-B4B9-8CE29E6FF138}"/>
+                <a16:creationId xmlns:a16="http://schemas.microsoft.com/office/drawing/2014/main" xmlns="" id="{9045A477-9EA3-4F5C-B4B9-8CE29E6FF138}"/>
               </a:ext>
             </a:extLst>
           </p:cNvPr>
@@ -6258,11 +6252,7 @@
           <a:p>
             <a:r>
               <a:rPr lang="en-US" dirty="0" smtClean="0"/>
-              <a:t>Data-driven </a:t>
-            </a:r>
-            <a:r>
-              <a:rPr lang="en-US" dirty="0" smtClean="0"/>
-              <a:t>System</a:t>
+              <a:t>Data-driven System</a:t>
             </a:r>
             <a:endParaRPr lang="en-US" dirty="0"/>
           </a:p>
@@ -6394,7 +6384,7 @@
           <p:cNvPr id="2" name="Title 1">
             <a:extLst>
               <a:ext uri="{FF2B5EF4-FFF2-40B4-BE49-F238E27FC236}">
-                <a16:creationId xmlns="" xmlns:a16="http://schemas.microsoft.com/office/drawing/2014/main" id="{9045A477-9EA3-4F5C-B4B9-8CE29E6FF138}"/>
+                <a16:creationId xmlns:a16="http://schemas.microsoft.com/office/drawing/2014/main" xmlns="" id="{9045A477-9EA3-4F5C-B4B9-8CE29E6FF138}"/>
               </a:ext>
             </a:extLst>
           </p:cNvPr>
@@ -6414,11 +6404,7 @@
           <a:p>
             <a:r>
               <a:rPr lang="en-US" dirty="0" smtClean="0"/>
-              <a:t>Data-driven </a:t>
-            </a:r>
-            <a:r>
-              <a:rPr lang="en-US" dirty="0" smtClean="0"/>
-              <a:t>System</a:t>
+              <a:t>Data-driven System</a:t>
             </a:r>
             <a:endParaRPr lang="en-US" dirty="0"/>
           </a:p>
@@ -6951,7 +6937,7 @@
           <p:cNvPr id="2" name="Title 1">
             <a:extLst>
               <a:ext uri="{FF2B5EF4-FFF2-40B4-BE49-F238E27FC236}">
-                <a16:creationId xmlns="" xmlns:a16="http://schemas.microsoft.com/office/drawing/2014/main" id="{9045A477-9EA3-4F5C-B4B9-8CE29E6FF138}"/>
+                <a16:creationId xmlns:a16="http://schemas.microsoft.com/office/drawing/2014/main" xmlns="" id="{9045A477-9EA3-4F5C-B4B9-8CE29E6FF138}"/>
               </a:ext>
             </a:extLst>
           </p:cNvPr>
@@ -7321,39 +7307,7 @@
                   </a:outerShdw>
                 </a:effectLst>
               </a:rPr>
-              <a:t>If the mixed vocal is boosted at </a:t>
-            </a:r>
-            <a:r>
-              <a:rPr lang="en-US" dirty="0" smtClean="0">
-                <a:ln w="0"/>
-                <a:solidFill>
-                  <a:schemeClr val="accent1"/>
-                </a:solidFill>
-                <a:effectLst>
-                  <a:outerShdw blurRad="38100" dist="25400" dir="5400000" algn="ctr" rotWithShape="0">
-                    <a:srgbClr val="6E747A">
-                      <a:alpha val="43000"/>
-                    </a:srgbClr>
-                  </a:outerShdw>
-                </a:effectLst>
-              </a:rPr>
-              <a:t>a center frequency,  </a:t>
-            </a:r>
-            <a:r>
-              <a:rPr lang="en-US" dirty="0" smtClean="0">
-                <a:ln w="0"/>
-                <a:solidFill>
-                  <a:schemeClr val="accent1"/>
-                </a:solidFill>
-                <a:effectLst>
-                  <a:outerShdw blurRad="38100" dist="25400" dir="5400000" algn="ctr" rotWithShape="0">
-                    <a:srgbClr val="6E747A">
-                      <a:alpha val="43000"/>
-                    </a:srgbClr>
-                  </a:outerShdw>
-                </a:effectLst>
-              </a:rPr>
-              <a:t>we should learn to cut at that frequency.</a:t>
+              <a:t>If the mixed vocal is boosted at a center frequency,  we should learn to cut at that frequency.</a:t>
             </a:r>
             <a:endParaRPr lang="en-US" dirty="0">
               <a:ln w="0"/>

--- a/doc/PPT_final/ Automatic Mixing.pptx
+++ b/doc/PPT_final/ Automatic Mixing.pptx
@@ -5,24 +5,28 @@
     <p:sldMasterId id="2147483648" r:id="rId1"/>
   </p:sldMasterIdLst>
   <p:notesMasterIdLst>
-    <p:notesMasterId r:id="rId14"/>
+    <p:notesMasterId r:id="rId18"/>
   </p:notesMasterIdLst>
   <p:handoutMasterIdLst>
-    <p:handoutMasterId r:id="rId15"/>
+    <p:handoutMasterId r:id="rId19"/>
   </p:handoutMasterIdLst>
   <p:sldIdLst>
     <p:sldId id="256" r:id="rId2"/>
     <p:sldId id="264" r:id="rId3"/>
-    <p:sldId id="261" r:id="rId4"/>
-    <p:sldId id="298" r:id="rId5"/>
-    <p:sldId id="297" r:id="rId6"/>
-    <p:sldId id="275" r:id="rId7"/>
-    <p:sldId id="299" r:id="rId8"/>
-    <p:sldId id="288" r:id="rId9"/>
-    <p:sldId id="303" r:id="rId10"/>
-    <p:sldId id="300" r:id="rId11"/>
-    <p:sldId id="302" r:id="rId12"/>
-    <p:sldId id="301" r:id="rId13"/>
+    <p:sldId id="304" r:id="rId4"/>
+    <p:sldId id="305" r:id="rId5"/>
+    <p:sldId id="306" r:id="rId6"/>
+    <p:sldId id="307" r:id="rId7"/>
+    <p:sldId id="261" r:id="rId8"/>
+    <p:sldId id="298" r:id="rId9"/>
+    <p:sldId id="297" r:id="rId10"/>
+    <p:sldId id="275" r:id="rId11"/>
+    <p:sldId id="299" r:id="rId12"/>
+    <p:sldId id="288" r:id="rId13"/>
+    <p:sldId id="303" r:id="rId14"/>
+    <p:sldId id="300" r:id="rId15"/>
+    <p:sldId id="302" r:id="rId16"/>
+    <p:sldId id="301" r:id="rId17"/>
   </p:sldIdLst>
   <p:sldSz cx="12192000" cy="6858000"/>
   <p:notesSz cx="6858000" cy="9144000"/>
@@ -159,7 +163,7 @@
           <p:cNvPr id="2" name="Header Placeholder 1">
             <a:extLst>
               <a:ext uri="{FF2B5EF4-FFF2-40B4-BE49-F238E27FC236}">
-                <a16:creationId xmlns:a16="http://schemas.microsoft.com/office/drawing/2014/main" xmlns="" id="{840B08AC-E5DB-2346-9522-E13FDAED48B6}"/>
+                <a16:creationId xmlns="" xmlns:a16="http://schemas.microsoft.com/office/drawing/2014/main" id="{840B08AC-E5DB-2346-9522-E13FDAED48B6}"/>
               </a:ext>
             </a:extLst>
           </p:cNvPr>
@@ -196,7 +200,7 @@
           <p:cNvPr id="3" name="Date Placeholder 2">
             <a:extLst>
               <a:ext uri="{FF2B5EF4-FFF2-40B4-BE49-F238E27FC236}">
-                <a16:creationId xmlns:a16="http://schemas.microsoft.com/office/drawing/2014/main" xmlns="" id="{8FEF2A5E-8AC0-D242-BDB0-D48C52EC46F6}"/>
+                <a16:creationId xmlns="" xmlns:a16="http://schemas.microsoft.com/office/drawing/2014/main" id="{8FEF2A5E-8AC0-D242-BDB0-D48C52EC46F6}"/>
               </a:ext>
             </a:extLst>
           </p:cNvPr>
@@ -226,7 +230,7 @@
           <a:p>
             <a:fld id="{1790BDCF-FDED-7944-8BF6-2AC6A3D70E73}" type="datetimeFigureOut">
               <a:rPr lang="en-US" smtClean="0"/>
-              <a:t>11/24/22</a:t>
+              <a:t>11/25/22</a:t>
             </a:fld>
             <a:endParaRPr lang="en-US"/>
           </a:p>
@@ -237,7 +241,7 @@
           <p:cNvPr id="4" name="Footer Placeholder 3">
             <a:extLst>
               <a:ext uri="{FF2B5EF4-FFF2-40B4-BE49-F238E27FC236}">
-                <a16:creationId xmlns:a16="http://schemas.microsoft.com/office/drawing/2014/main" xmlns="" id="{04CDD624-43F6-2E45-9536-1E4A096D8D9B}"/>
+                <a16:creationId xmlns="" xmlns:a16="http://schemas.microsoft.com/office/drawing/2014/main" id="{04CDD624-43F6-2E45-9536-1E4A096D8D9B}"/>
               </a:ext>
             </a:extLst>
           </p:cNvPr>
@@ -274,7 +278,7 @@
           <p:cNvPr id="5" name="Slide Number Placeholder 4">
             <a:extLst>
               <a:ext uri="{FF2B5EF4-FFF2-40B4-BE49-F238E27FC236}">
-                <a16:creationId xmlns:a16="http://schemas.microsoft.com/office/drawing/2014/main" xmlns="" id="{4BD07A2B-CDBD-BE48-8A80-8CCEF44924D9}"/>
+                <a16:creationId xmlns="" xmlns:a16="http://schemas.microsoft.com/office/drawing/2014/main" id="{4BD07A2B-CDBD-BE48-8A80-8CCEF44924D9}"/>
               </a:ext>
             </a:extLst>
           </p:cNvPr>
@@ -403,7 +407,7 @@
           <a:p>
             <a:fld id="{7FC19A01-7786-9E40-A342-3F309B51F3C8}" type="datetimeFigureOut">
               <a:rPr lang="en-US" smtClean="0"/>
-              <a:t>11/24/22</a:t>
+              <a:t>11/25/22</a:t>
             </a:fld>
             <a:endParaRPr lang="en-US"/>
           </a:p>
@@ -887,7 +891,7 @@
           <p:cNvPr id="5" name="Graphic 4">
             <a:extLst>
               <a:ext uri="{FF2B5EF4-FFF2-40B4-BE49-F238E27FC236}">
-                <a16:creationId xmlns:a16="http://schemas.microsoft.com/office/drawing/2014/main" xmlns="" id="{19727A66-6455-4B6B-B6B0-C885C09984FC}"/>
+                <a16:creationId xmlns="" xmlns:a16="http://schemas.microsoft.com/office/drawing/2014/main" id="{19727A66-6455-4B6B-B6B0-C885C09984FC}"/>
               </a:ext>
             </a:extLst>
           </p:cNvPr>
@@ -900,7 +904,7 @@
           <a:blip r:embed="rId2">
             <a:extLst>
               <a:ext uri="{96DAC541-7B7A-43D3-8B79-37D633B846F1}">
-                <asvg:svgBlip xmlns:asvg="http://schemas.microsoft.com/office/drawing/2016/SVG/main" xmlns="" r:embed="rId3"/>
+                <asvg:svgBlip xmlns="" xmlns:asvg="http://schemas.microsoft.com/office/drawing/2016/SVG/main" r:embed="rId3"/>
               </a:ext>
             </a:extLst>
           </a:blip>
@@ -1074,7 +1078,7 @@
           <p:cNvPr id="16" name="TextBox 15">
             <a:extLst>
               <a:ext uri="{FF2B5EF4-FFF2-40B4-BE49-F238E27FC236}">
-                <a16:creationId xmlns:a16="http://schemas.microsoft.com/office/drawing/2014/main" xmlns="" id="{4F90BFBB-34F3-6C4E-AE14-F79FC96106B4}"/>
+                <a16:creationId xmlns="" xmlns:a16="http://schemas.microsoft.com/office/drawing/2014/main" id="{4F90BFBB-34F3-6C4E-AE14-F79FC96106B4}"/>
               </a:ext>
             </a:extLst>
           </p:cNvPr>
@@ -1111,7 +1115,7 @@
           <p:cNvPr id="17" name="TextBox 16">
             <a:extLst>
               <a:ext uri="{FF2B5EF4-FFF2-40B4-BE49-F238E27FC236}">
-                <a16:creationId xmlns:a16="http://schemas.microsoft.com/office/drawing/2014/main" xmlns="" id="{C69906DC-87C5-E442-8918-7F76D287958D}"/>
+                <a16:creationId xmlns="" xmlns:a16="http://schemas.microsoft.com/office/drawing/2014/main" id="{C69906DC-87C5-E442-8918-7F76D287958D}"/>
               </a:ext>
             </a:extLst>
           </p:cNvPr>
@@ -1164,7 +1168,7 @@
           <p:cNvPr id="18" name="Graphic 17">
             <a:extLst>
               <a:ext uri="{FF2B5EF4-FFF2-40B4-BE49-F238E27FC236}">
-                <a16:creationId xmlns:a16="http://schemas.microsoft.com/office/drawing/2014/main" xmlns="" id="{C2C99E5F-79BF-4DC9-BB46-FFC780AFFE85}"/>
+                <a16:creationId xmlns="" xmlns:a16="http://schemas.microsoft.com/office/drawing/2014/main" id="{C2C99E5F-79BF-4DC9-BB46-FFC780AFFE85}"/>
               </a:ext>
             </a:extLst>
           </p:cNvPr>
@@ -1177,7 +1181,7 @@
           <a:blip r:embed="rId2">
             <a:extLst>
               <a:ext uri="{96DAC541-7B7A-43D3-8B79-37D633B846F1}">
-                <asvg:svgBlip xmlns:asvg="http://schemas.microsoft.com/office/drawing/2016/SVG/main" xmlns="" r:embed="rId3"/>
+                <asvg:svgBlip xmlns="" xmlns:asvg="http://schemas.microsoft.com/office/drawing/2016/SVG/main" r:embed="rId3"/>
               </a:ext>
             </a:extLst>
           </a:blip>
@@ -1361,7 +1365,7 @@
           <p:cNvPr id="16" name="TextBox 15">
             <a:extLst>
               <a:ext uri="{FF2B5EF4-FFF2-40B4-BE49-F238E27FC236}">
-                <a16:creationId xmlns:a16="http://schemas.microsoft.com/office/drawing/2014/main" xmlns="" id="{00F103E9-D16A-EB46-9F7B-A8705483339D}"/>
+                <a16:creationId xmlns="" xmlns:a16="http://schemas.microsoft.com/office/drawing/2014/main" id="{00F103E9-D16A-EB46-9F7B-A8705483339D}"/>
               </a:ext>
             </a:extLst>
           </p:cNvPr>
@@ -1398,7 +1402,7 @@
           <p:cNvPr id="17" name="TextBox 16">
             <a:extLst>
               <a:ext uri="{FF2B5EF4-FFF2-40B4-BE49-F238E27FC236}">
-                <a16:creationId xmlns:a16="http://schemas.microsoft.com/office/drawing/2014/main" xmlns="" id="{66CFA407-F8A1-7642-9F56-93689CE11E42}"/>
+                <a16:creationId xmlns="" xmlns:a16="http://schemas.microsoft.com/office/drawing/2014/main" id="{66CFA407-F8A1-7642-9F56-93689CE11E42}"/>
               </a:ext>
             </a:extLst>
           </p:cNvPr>
@@ -1451,7 +1455,7 @@
           <p:cNvPr id="18" name="Graphic 17">
             <a:extLst>
               <a:ext uri="{FF2B5EF4-FFF2-40B4-BE49-F238E27FC236}">
-                <a16:creationId xmlns:a16="http://schemas.microsoft.com/office/drawing/2014/main" xmlns="" id="{E219413A-BB37-4E7C-B085-A0D943A15432}"/>
+                <a16:creationId xmlns="" xmlns:a16="http://schemas.microsoft.com/office/drawing/2014/main" id="{E219413A-BB37-4E7C-B085-A0D943A15432}"/>
               </a:ext>
             </a:extLst>
           </p:cNvPr>
@@ -1464,7 +1468,7 @@
           <a:blip r:embed="rId2">
             <a:extLst>
               <a:ext uri="{96DAC541-7B7A-43D3-8B79-37D633B846F1}">
-                <asvg:svgBlip xmlns:asvg="http://schemas.microsoft.com/office/drawing/2016/SVG/main" xmlns="" r:embed="rId3"/>
+                <asvg:svgBlip xmlns="" xmlns:asvg="http://schemas.microsoft.com/office/drawing/2016/SVG/main" r:embed="rId3"/>
               </a:ext>
             </a:extLst>
           </a:blip>
@@ -1877,7 +1881,7 @@
           <p:cNvPr id="15" name="Graphic 14">
             <a:extLst>
               <a:ext uri="{FF2B5EF4-FFF2-40B4-BE49-F238E27FC236}">
-                <a16:creationId xmlns:a16="http://schemas.microsoft.com/office/drawing/2014/main" xmlns="" id="{94289BB5-E802-4E3E-9EF3-493812A6E29A}"/>
+                <a16:creationId xmlns="" xmlns:a16="http://schemas.microsoft.com/office/drawing/2014/main" id="{94289BB5-E802-4E3E-9EF3-493812A6E29A}"/>
               </a:ext>
             </a:extLst>
           </p:cNvPr>
@@ -1890,7 +1894,7 @@
           <a:blip r:embed="rId2">
             <a:extLst>
               <a:ext uri="{96DAC541-7B7A-43D3-8B79-37D633B846F1}">
-                <asvg:svgBlip xmlns:asvg="http://schemas.microsoft.com/office/drawing/2016/SVG/main" xmlns="" r:embed="rId3"/>
+                <asvg:svgBlip xmlns="" xmlns:asvg="http://schemas.microsoft.com/office/drawing/2016/SVG/main" r:embed="rId3"/>
               </a:ext>
             </a:extLst>
           </a:blip>
@@ -2071,7 +2075,7 @@
           <p:cNvPr id="28" name="TextBox 27">
             <a:extLst>
               <a:ext uri="{FF2B5EF4-FFF2-40B4-BE49-F238E27FC236}">
-                <a16:creationId xmlns:a16="http://schemas.microsoft.com/office/drawing/2014/main" xmlns="" id="{E766909F-446E-5A44-9EA1-75B086A02941}"/>
+                <a16:creationId xmlns="" xmlns:a16="http://schemas.microsoft.com/office/drawing/2014/main" id="{E766909F-446E-5A44-9EA1-75B086A02941}"/>
               </a:ext>
             </a:extLst>
           </p:cNvPr>
@@ -2108,7 +2112,7 @@
           <p:cNvPr id="6" name="Graphic 5">
             <a:extLst>
               <a:ext uri="{FF2B5EF4-FFF2-40B4-BE49-F238E27FC236}">
-                <a16:creationId xmlns:a16="http://schemas.microsoft.com/office/drawing/2014/main" xmlns="" id="{5C1EAA8F-F34E-45FC-9E10-C12246B4945A}"/>
+                <a16:creationId xmlns="" xmlns:a16="http://schemas.microsoft.com/office/drawing/2014/main" id="{5C1EAA8F-F34E-45FC-9E10-C12246B4945A}"/>
               </a:ext>
             </a:extLst>
           </p:cNvPr>
@@ -2121,7 +2125,7 @@
           <a:blip r:embed="rId2">
             <a:extLst>
               <a:ext uri="{96DAC541-7B7A-43D3-8B79-37D633B846F1}">
-                <asvg:svgBlip xmlns:asvg="http://schemas.microsoft.com/office/drawing/2016/SVG/main" xmlns="" r:embed="rId3"/>
+                <asvg:svgBlip xmlns="" xmlns:asvg="http://schemas.microsoft.com/office/drawing/2016/SVG/main" r:embed="rId3"/>
               </a:ext>
             </a:extLst>
           </a:blip>
@@ -2372,7 +2376,7 @@
           <p:cNvPr id="18" name="TextBox 17">
             <a:extLst>
               <a:ext uri="{FF2B5EF4-FFF2-40B4-BE49-F238E27FC236}">
-                <a16:creationId xmlns:a16="http://schemas.microsoft.com/office/drawing/2014/main" xmlns="" id="{B09DEBDD-94B7-DE41-A403-C96CB3E1D8AE}"/>
+                <a16:creationId xmlns="" xmlns:a16="http://schemas.microsoft.com/office/drawing/2014/main" id="{B09DEBDD-94B7-DE41-A403-C96CB3E1D8AE}"/>
               </a:ext>
             </a:extLst>
           </p:cNvPr>
@@ -2409,7 +2413,7 @@
           <p:cNvPr id="19" name="TextBox 18">
             <a:extLst>
               <a:ext uri="{FF2B5EF4-FFF2-40B4-BE49-F238E27FC236}">
-                <a16:creationId xmlns:a16="http://schemas.microsoft.com/office/drawing/2014/main" xmlns="" id="{EB58DFE1-15D0-9443-B5D0-33A92FE3806F}"/>
+                <a16:creationId xmlns="" xmlns:a16="http://schemas.microsoft.com/office/drawing/2014/main" id="{EB58DFE1-15D0-9443-B5D0-33A92FE3806F}"/>
               </a:ext>
             </a:extLst>
           </p:cNvPr>
@@ -2462,7 +2466,7 @@
           <p:cNvPr id="17" name="Graphic 16">
             <a:extLst>
               <a:ext uri="{FF2B5EF4-FFF2-40B4-BE49-F238E27FC236}">
-                <a16:creationId xmlns:a16="http://schemas.microsoft.com/office/drawing/2014/main" xmlns="" id="{16F8265F-1D5C-47BE-B72E-76932958F3A6}"/>
+                <a16:creationId xmlns="" xmlns:a16="http://schemas.microsoft.com/office/drawing/2014/main" id="{16F8265F-1D5C-47BE-B72E-76932958F3A6}"/>
               </a:ext>
             </a:extLst>
           </p:cNvPr>
@@ -2475,7 +2479,7 @@
           <a:blip r:embed="rId2">
             <a:extLst>
               <a:ext uri="{96DAC541-7B7A-43D3-8B79-37D633B846F1}">
-                <asvg:svgBlip xmlns:asvg="http://schemas.microsoft.com/office/drawing/2016/SVG/main" xmlns="" r:embed="rId3"/>
+                <asvg:svgBlip xmlns="" xmlns:asvg="http://schemas.microsoft.com/office/drawing/2016/SVG/main" r:embed="rId3"/>
               </a:ext>
             </a:extLst>
           </a:blip>
@@ -2787,7 +2791,7 @@
           <p:cNvPr id="19" name="TextBox 18">
             <a:extLst>
               <a:ext uri="{FF2B5EF4-FFF2-40B4-BE49-F238E27FC236}">
-                <a16:creationId xmlns:a16="http://schemas.microsoft.com/office/drawing/2014/main" xmlns="" id="{BEF3DDB2-0665-BB4D-A7BB-D6E15B1BDEBE}"/>
+                <a16:creationId xmlns="" xmlns:a16="http://schemas.microsoft.com/office/drawing/2014/main" id="{BEF3DDB2-0665-BB4D-A7BB-D6E15B1BDEBE}"/>
               </a:ext>
             </a:extLst>
           </p:cNvPr>
@@ -2824,7 +2828,7 @@
           <p:cNvPr id="20" name="TextBox 19">
             <a:extLst>
               <a:ext uri="{FF2B5EF4-FFF2-40B4-BE49-F238E27FC236}">
-                <a16:creationId xmlns:a16="http://schemas.microsoft.com/office/drawing/2014/main" xmlns="" id="{C2F0BE45-414F-044C-A933-3D62AEBB17B5}"/>
+                <a16:creationId xmlns="" xmlns:a16="http://schemas.microsoft.com/office/drawing/2014/main" id="{C2F0BE45-414F-044C-A933-3D62AEBB17B5}"/>
               </a:ext>
             </a:extLst>
           </p:cNvPr>
@@ -2877,7 +2881,7 @@
           <p:cNvPr id="18" name="Graphic 17">
             <a:extLst>
               <a:ext uri="{FF2B5EF4-FFF2-40B4-BE49-F238E27FC236}">
-                <a16:creationId xmlns:a16="http://schemas.microsoft.com/office/drawing/2014/main" xmlns="" id="{679613E3-F659-4F6B-A525-3814C323F7E8}"/>
+                <a16:creationId xmlns="" xmlns:a16="http://schemas.microsoft.com/office/drawing/2014/main" id="{679613E3-F659-4F6B-A525-3814C323F7E8}"/>
               </a:ext>
             </a:extLst>
           </p:cNvPr>
@@ -2890,7 +2894,7 @@
           <a:blip r:embed="rId2">
             <a:extLst>
               <a:ext uri="{96DAC541-7B7A-43D3-8B79-37D633B846F1}">
-                <asvg:svgBlip xmlns:asvg="http://schemas.microsoft.com/office/drawing/2016/SVG/main" xmlns="" r:embed="rId3"/>
+                <asvg:svgBlip xmlns="" xmlns:asvg="http://schemas.microsoft.com/office/drawing/2016/SVG/main" r:embed="rId3"/>
               </a:ext>
             </a:extLst>
           </a:blip>
@@ -3012,7 +3016,7 @@
           <p:cNvPr id="15" name="TextBox 14">
             <a:extLst>
               <a:ext uri="{FF2B5EF4-FFF2-40B4-BE49-F238E27FC236}">
-                <a16:creationId xmlns:a16="http://schemas.microsoft.com/office/drawing/2014/main" xmlns="" id="{61E30C84-59E8-9E44-A555-8B1373AB1B1A}"/>
+                <a16:creationId xmlns="" xmlns:a16="http://schemas.microsoft.com/office/drawing/2014/main" id="{61E30C84-59E8-9E44-A555-8B1373AB1B1A}"/>
               </a:ext>
             </a:extLst>
           </p:cNvPr>
@@ -3049,7 +3053,7 @@
           <p:cNvPr id="16" name="TextBox 15">
             <a:extLst>
               <a:ext uri="{FF2B5EF4-FFF2-40B4-BE49-F238E27FC236}">
-                <a16:creationId xmlns:a16="http://schemas.microsoft.com/office/drawing/2014/main" xmlns="" id="{F2BA38A8-83A5-E149-BF88-F17D812DBE80}"/>
+                <a16:creationId xmlns="" xmlns:a16="http://schemas.microsoft.com/office/drawing/2014/main" id="{F2BA38A8-83A5-E149-BF88-F17D812DBE80}"/>
               </a:ext>
             </a:extLst>
           </p:cNvPr>
@@ -3102,7 +3106,7 @@
           <p:cNvPr id="18" name="Graphic 17">
             <a:extLst>
               <a:ext uri="{FF2B5EF4-FFF2-40B4-BE49-F238E27FC236}">
-                <a16:creationId xmlns:a16="http://schemas.microsoft.com/office/drawing/2014/main" xmlns="" id="{F533209D-E000-476D-B7FA-1A35997E0521}"/>
+                <a16:creationId xmlns="" xmlns:a16="http://schemas.microsoft.com/office/drawing/2014/main" id="{F533209D-E000-476D-B7FA-1A35997E0521}"/>
               </a:ext>
             </a:extLst>
           </p:cNvPr>
@@ -3115,7 +3119,7 @@
           <a:blip r:embed="rId2">
             <a:extLst>
               <a:ext uri="{96DAC541-7B7A-43D3-8B79-37D633B846F1}">
-                <asvg:svgBlip xmlns:asvg="http://schemas.microsoft.com/office/drawing/2016/SVG/main" xmlns="" r:embed="rId3"/>
+                <asvg:svgBlip xmlns="" xmlns:asvg="http://schemas.microsoft.com/office/drawing/2016/SVG/main" r:embed="rId3"/>
               </a:ext>
             </a:extLst>
           </a:blip>
@@ -3214,7 +3218,7 @@
           <p:cNvPr id="19" name="TextBox 18">
             <a:extLst>
               <a:ext uri="{FF2B5EF4-FFF2-40B4-BE49-F238E27FC236}">
-                <a16:creationId xmlns:a16="http://schemas.microsoft.com/office/drawing/2014/main" xmlns="" id="{3814FAE4-C3CE-8945-8C50-23225D3560EE}"/>
+                <a16:creationId xmlns="" xmlns:a16="http://schemas.microsoft.com/office/drawing/2014/main" id="{3814FAE4-C3CE-8945-8C50-23225D3560EE}"/>
               </a:ext>
             </a:extLst>
           </p:cNvPr>
@@ -3251,7 +3255,7 @@
           <p:cNvPr id="20" name="TextBox 19">
             <a:extLst>
               <a:ext uri="{FF2B5EF4-FFF2-40B4-BE49-F238E27FC236}">
-                <a16:creationId xmlns:a16="http://schemas.microsoft.com/office/drawing/2014/main" xmlns="" id="{ED8E22FF-8F07-5448-88EA-2ADF8A34A1E6}"/>
+                <a16:creationId xmlns="" xmlns:a16="http://schemas.microsoft.com/office/drawing/2014/main" id="{ED8E22FF-8F07-5448-88EA-2ADF8A34A1E6}"/>
               </a:ext>
             </a:extLst>
           </p:cNvPr>
@@ -3304,7 +3308,7 @@
           <p:cNvPr id="14" name="Graphic 13">
             <a:extLst>
               <a:ext uri="{FF2B5EF4-FFF2-40B4-BE49-F238E27FC236}">
-                <a16:creationId xmlns:a16="http://schemas.microsoft.com/office/drawing/2014/main" xmlns="" id="{AB16132E-0B74-4CB4-818A-E7CB3F95FB55}"/>
+                <a16:creationId xmlns="" xmlns:a16="http://schemas.microsoft.com/office/drawing/2014/main" id="{AB16132E-0B74-4CB4-818A-E7CB3F95FB55}"/>
               </a:ext>
             </a:extLst>
           </p:cNvPr>
@@ -3317,7 +3321,7 @@
           <a:blip r:embed="rId2">
             <a:extLst>
               <a:ext uri="{96DAC541-7B7A-43D3-8B79-37D633B846F1}">
-                <asvg:svgBlip xmlns:asvg="http://schemas.microsoft.com/office/drawing/2016/SVG/main" xmlns="" r:embed="rId3"/>
+                <asvg:svgBlip xmlns="" xmlns:asvg="http://schemas.microsoft.com/office/drawing/2016/SVG/main" r:embed="rId3"/>
               </a:ext>
             </a:extLst>
           </a:blip>
@@ -3598,7 +3602,7 @@
           <p:cNvPr id="17" name="TextBox 16">
             <a:extLst>
               <a:ext uri="{FF2B5EF4-FFF2-40B4-BE49-F238E27FC236}">
-                <a16:creationId xmlns:a16="http://schemas.microsoft.com/office/drawing/2014/main" xmlns="" id="{EF90A807-0D75-8046-B1F9-FB7BE21BCEB5}"/>
+                <a16:creationId xmlns="" xmlns:a16="http://schemas.microsoft.com/office/drawing/2014/main" id="{EF90A807-0D75-8046-B1F9-FB7BE21BCEB5}"/>
               </a:ext>
             </a:extLst>
           </p:cNvPr>
@@ -3635,7 +3639,7 @@
           <p:cNvPr id="18" name="TextBox 17">
             <a:extLst>
               <a:ext uri="{FF2B5EF4-FFF2-40B4-BE49-F238E27FC236}">
-                <a16:creationId xmlns:a16="http://schemas.microsoft.com/office/drawing/2014/main" xmlns="" id="{DB11F5CE-32A3-7C4F-9727-B808DCFEDD2D}"/>
+                <a16:creationId xmlns="" xmlns:a16="http://schemas.microsoft.com/office/drawing/2014/main" id="{DB11F5CE-32A3-7C4F-9727-B808DCFEDD2D}"/>
               </a:ext>
             </a:extLst>
           </p:cNvPr>
@@ -3688,7 +3692,7 @@
           <p:cNvPr id="19" name="Graphic 18">
             <a:extLst>
               <a:ext uri="{FF2B5EF4-FFF2-40B4-BE49-F238E27FC236}">
-                <a16:creationId xmlns:a16="http://schemas.microsoft.com/office/drawing/2014/main" xmlns="" id="{EBD44E6D-3D6F-4868-AA74-A0E507BB7E75}"/>
+                <a16:creationId xmlns="" xmlns:a16="http://schemas.microsoft.com/office/drawing/2014/main" id="{EBD44E6D-3D6F-4868-AA74-A0E507BB7E75}"/>
               </a:ext>
             </a:extLst>
           </p:cNvPr>
@@ -3701,7 +3705,7 @@
           <a:blip r:embed="rId2">
             <a:extLst>
               <a:ext uri="{96DAC541-7B7A-43D3-8B79-37D633B846F1}">
-                <asvg:svgBlip xmlns:asvg="http://schemas.microsoft.com/office/drawing/2016/SVG/main" xmlns="" r:embed="rId3"/>
+                <asvg:svgBlip xmlns="" xmlns:asvg="http://schemas.microsoft.com/office/drawing/2016/SVG/main" r:embed="rId3"/>
               </a:ext>
             </a:extLst>
           </a:blip>
@@ -3962,7 +3966,7 @@
           <p:cNvPr id="17" name="TextBox 16">
             <a:extLst>
               <a:ext uri="{FF2B5EF4-FFF2-40B4-BE49-F238E27FC236}">
-                <a16:creationId xmlns:a16="http://schemas.microsoft.com/office/drawing/2014/main" xmlns="" id="{3CAF80FF-3C5D-6F43-8A74-58134F834FB5}"/>
+                <a16:creationId xmlns="" xmlns:a16="http://schemas.microsoft.com/office/drawing/2014/main" id="{3CAF80FF-3C5D-6F43-8A74-58134F834FB5}"/>
               </a:ext>
             </a:extLst>
           </p:cNvPr>
@@ -3999,7 +4003,7 @@
           <p:cNvPr id="18" name="TextBox 17">
             <a:extLst>
               <a:ext uri="{FF2B5EF4-FFF2-40B4-BE49-F238E27FC236}">
-                <a16:creationId xmlns:a16="http://schemas.microsoft.com/office/drawing/2014/main" xmlns="" id="{4024CBF7-36BB-C848-9C0A-A657B15810D9}"/>
+                <a16:creationId xmlns="" xmlns:a16="http://schemas.microsoft.com/office/drawing/2014/main" id="{4024CBF7-36BB-C848-9C0A-A657B15810D9}"/>
               </a:ext>
             </a:extLst>
           </p:cNvPr>
@@ -4052,7 +4056,7 @@
           <p:cNvPr id="19" name="Graphic 18">
             <a:extLst>
               <a:ext uri="{FF2B5EF4-FFF2-40B4-BE49-F238E27FC236}">
-                <a16:creationId xmlns:a16="http://schemas.microsoft.com/office/drawing/2014/main" xmlns="" id="{E0509593-4E93-46FF-B3D2-A6EC0CBF0985}"/>
+                <a16:creationId xmlns="" xmlns:a16="http://schemas.microsoft.com/office/drawing/2014/main" id="{E0509593-4E93-46FF-B3D2-A6EC0CBF0985}"/>
               </a:ext>
             </a:extLst>
           </p:cNvPr>
@@ -4065,7 +4069,7 @@
           <a:blip r:embed="rId2">
             <a:extLst>
               <a:ext uri="{96DAC541-7B7A-43D3-8B79-37D633B846F1}">
-                <asvg:svgBlip xmlns:asvg="http://schemas.microsoft.com/office/drawing/2016/SVG/main" xmlns="" r:embed="rId3"/>
+                <asvg:svgBlip xmlns="" xmlns:asvg="http://schemas.microsoft.com/office/drawing/2016/SVG/main" r:embed="rId3"/>
               </a:ext>
             </a:extLst>
           </a:blip>
@@ -4540,7 +4544,7 @@
           <p:cNvPr id="2" name="Title 1">
             <a:extLst>
               <a:ext uri="{FF2B5EF4-FFF2-40B4-BE49-F238E27FC236}">
-                <a16:creationId xmlns:a16="http://schemas.microsoft.com/office/drawing/2014/main" xmlns="" id="{B100FC07-DFB9-468B-95C1-22281A00D4C4}"/>
+                <a16:creationId xmlns="" xmlns:a16="http://schemas.microsoft.com/office/drawing/2014/main" id="{B100FC07-DFB9-468B-95C1-22281A00D4C4}"/>
               </a:ext>
             </a:extLst>
           </p:cNvPr>
@@ -4576,7 +4580,7 @@
           <p:cNvPr id="3" name="Subtitle 2">
             <a:extLst>
               <a:ext uri="{FF2B5EF4-FFF2-40B4-BE49-F238E27FC236}">
-                <a16:creationId xmlns:a16="http://schemas.microsoft.com/office/drawing/2014/main" xmlns="" id="{F939B8E8-A3AB-46B3-8726-E933C8297D94}"/>
+                <a16:creationId xmlns="" xmlns:a16="http://schemas.microsoft.com/office/drawing/2014/main" id="{F939B8E8-A3AB-46B3-8726-E933C8297D94}"/>
               </a:ext>
             </a:extLst>
           </p:cNvPr>
@@ -4655,7 +4659,1142 @@
           <p:cNvPr id="2" name="Title 1">
             <a:extLst>
               <a:ext uri="{FF2B5EF4-FFF2-40B4-BE49-F238E27FC236}">
-                <a16:creationId xmlns:a16="http://schemas.microsoft.com/office/drawing/2014/main" xmlns="" id="{9045A477-9EA3-4F5C-B4B9-8CE29E6FF138}"/>
+                <a16:creationId xmlns="" xmlns:a16="http://schemas.microsoft.com/office/drawing/2014/main" id="{9045A477-9EA3-4F5C-B4B9-8CE29E6FF138}"/>
+              </a:ext>
+            </a:extLst>
+          </p:cNvPr>
+          <p:cNvSpPr>
+            <a:spLocks noGrp="1"/>
+          </p:cNvSpPr>
+          <p:nvPr>
+            <p:ph type="title"/>
+          </p:nvPr>
+        </p:nvSpPr>
+        <p:spPr/>
+        <p:txBody>
+          <a:bodyPr>
+            <a:normAutofit/>
+          </a:bodyPr>
+          <a:lstStyle/>
+          <a:p>
+            <a:r>
+              <a:rPr lang="en-US" dirty="0" smtClean="0"/>
+              <a:t>Data-driven System</a:t>
+            </a:r>
+            <a:endParaRPr lang="en-US" dirty="0"/>
+          </a:p>
+        </p:txBody>
+      </p:sp>
+      <p:sp>
+        <p:nvSpPr>
+          <p:cNvPr id="5" name="Content Placeholder 4"/>
+          <p:cNvSpPr>
+            <a:spLocks noGrp="1"/>
+          </p:cNvSpPr>
+          <p:nvPr>
+            <p:ph idx="1"/>
+          </p:nvPr>
+        </p:nvSpPr>
+        <p:spPr/>
+        <p:txBody>
+          <a:bodyPr>
+            <a:normAutofit/>
+          </a:bodyPr>
+          <a:lstStyle/>
+          <a:p>
+            <a:pPr marL="0" indent="0">
+              <a:buNone/>
+            </a:pPr>
+            <a:r>
+              <a:rPr lang="en-US" sz="3200" dirty="0" smtClean="0"/>
+              <a:t>Train a convolutional neural network to </a:t>
+            </a:r>
+            <a:r>
+              <a:rPr lang="en-US" sz="3200" dirty="0"/>
+              <a:t>predict </a:t>
+            </a:r>
+            <a:r>
+              <a:rPr lang="en-US" sz="3200" dirty="0" smtClean="0"/>
+              <a:t>direct or intermediate mixing parameters based on the input audio</a:t>
+            </a:r>
+          </a:p>
+          <a:p>
+            <a:pPr marL="0" indent="0">
+              <a:buNone/>
+            </a:pPr>
+            <a:endParaRPr lang="en-US" sz="3200" dirty="0"/>
+          </a:p>
+          <a:p>
+            <a:r>
+              <a:rPr lang="en-US" sz="3200" dirty="0" smtClean="0"/>
+              <a:t>model input</a:t>
+            </a:r>
+            <a:r>
+              <a:rPr lang="en-US" sz="3200" dirty="0"/>
+              <a:t>:</a:t>
+            </a:r>
+          </a:p>
+          <a:p>
+            <a:pPr marL="0" indent="0">
+              <a:buNone/>
+            </a:pPr>
+            <a:r>
+              <a:rPr lang="en-US" sz="3200" dirty="0"/>
+              <a:t>	</a:t>
+            </a:r>
+            <a:r>
+              <a:rPr lang="en-US" altLang="zh-CN" sz="3200" dirty="0" smtClean="0"/>
+              <a:t>M</a:t>
+            </a:r>
+            <a:r>
+              <a:rPr lang="en-US" sz="3200" dirty="0" smtClean="0"/>
+              <a:t>el-spectrogram of </a:t>
+            </a:r>
+            <a:r>
+              <a:rPr lang="en-US" sz="3200" dirty="0"/>
+              <a:t>the vocal and the backing track</a:t>
+            </a:r>
+          </a:p>
+          <a:p>
+            <a:pPr marL="0" indent="0">
+              <a:buNone/>
+            </a:pPr>
+            <a:endParaRPr lang="en-US" sz="3200" dirty="0"/>
+          </a:p>
+          <a:p>
+            <a:pPr marL="0" indent="0">
+              <a:buNone/>
+            </a:pPr>
+            <a:endParaRPr lang="en-US" sz="3200" dirty="0"/>
+          </a:p>
+        </p:txBody>
+      </p:sp>
+    </p:spTree>
+    <p:extLst>
+      <p:ext uri="{BB962C8B-B14F-4D97-AF65-F5344CB8AC3E}">
+        <p14:creationId xmlns:p14="http://schemas.microsoft.com/office/powerpoint/2010/main" val="304958843"/>
+      </p:ext>
+    </p:extLst>
+  </p:cSld>
+  <p:clrMapOvr>
+    <a:masterClrMapping/>
+  </p:clrMapOvr>
+  <p:timing>
+    <p:tnLst>
+      <p:par>
+        <p:cTn id="1" dur="indefinite" restart="never" nodeType="tmRoot"/>
+      </p:par>
+    </p:tnLst>
+  </p:timing>
+</p:sld>
+</file>
+
+<file path=ppt/slides/slide11.xml><?xml version="1.0" encoding="utf-8"?>
+<p:sld xmlns:a="http://schemas.openxmlformats.org/drawingml/2006/main" xmlns:r="http://schemas.openxmlformats.org/officeDocument/2006/relationships" xmlns:p="http://schemas.openxmlformats.org/presentationml/2006/main">
+  <p:cSld>
+    <p:spTree>
+      <p:nvGrpSpPr>
+        <p:cNvPr id="1" name=""/>
+        <p:cNvGrpSpPr/>
+        <p:nvPr/>
+      </p:nvGrpSpPr>
+      <p:grpSpPr>
+        <a:xfrm>
+          <a:off x="0" y="0"/>
+          <a:ext cx="0" cy="0"/>
+          <a:chOff x="0" y="0"/>
+          <a:chExt cx="0" cy="0"/>
+        </a:xfrm>
+      </p:grpSpPr>
+      <p:sp>
+        <p:nvSpPr>
+          <p:cNvPr id="2" name="Title 1">
+            <a:extLst>
+              <a:ext uri="{FF2B5EF4-FFF2-40B4-BE49-F238E27FC236}">
+                <a16:creationId xmlns="" xmlns:a16="http://schemas.microsoft.com/office/drawing/2014/main" id="{9045A477-9EA3-4F5C-B4B9-8CE29E6FF138}"/>
+              </a:ext>
+            </a:extLst>
+          </p:cNvPr>
+          <p:cNvSpPr>
+            <a:spLocks noGrp="1"/>
+          </p:cNvSpPr>
+          <p:nvPr>
+            <p:ph type="title"/>
+          </p:nvPr>
+        </p:nvSpPr>
+        <p:spPr/>
+        <p:txBody>
+          <a:bodyPr>
+            <a:normAutofit/>
+          </a:bodyPr>
+          <a:lstStyle/>
+          <a:p>
+            <a:r>
+              <a:rPr lang="en-US" dirty="0" smtClean="0"/>
+              <a:t>Data-driven System</a:t>
+            </a:r>
+            <a:endParaRPr lang="en-US" dirty="0"/>
+          </a:p>
+        </p:txBody>
+      </p:sp>
+      <p:sp>
+        <p:nvSpPr>
+          <p:cNvPr id="5" name="Content Placeholder 4"/>
+          <p:cNvSpPr>
+            <a:spLocks noGrp="1"/>
+          </p:cNvSpPr>
+          <p:nvPr>
+            <p:ph idx="1"/>
+          </p:nvPr>
+        </p:nvSpPr>
+        <p:spPr/>
+        <p:txBody>
+          <a:bodyPr>
+            <a:normAutofit/>
+          </a:bodyPr>
+          <a:lstStyle/>
+          <a:p>
+            <a:pPr marL="0" indent="0">
+              <a:buNone/>
+            </a:pPr>
+            <a:endParaRPr lang="en-US" sz="3200" dirty="0"/>
+          </a:p>
+          <a:p>
+            <a:pPr marL="0" indent="0">
+              <a:buNone/>
+            </a:pPr>
+            <a:endParaRPr lang="en-US" sz="3200" dirty="0"/>
+          </a:p>
+        </p:txBody>
+      </p:sp>
+      <p:pic>
+        <p:nvPicPr>
+          <p:cNvPr id="3" name="Picture 2"/>
+          <p:cNvPicPr>
+            <a:picLocks noChangeAspect="1"/>
+          </p:cNvPicPr>
+          <p:nvPr/>
+        </p:nvPicPr>
+        <p:blipFill>
+          <a:blip r:embed="rId2">
+            <a:extLst>
+              <a:ext uri="{28A0092B-C50C-407E-A947-70E740481C1C}">
+                <a14:useLocalDpi xmlns:a14="http://schemas.microsoft.com/office/drawing/2010/main" val="0"/>
+              </a:ext>
+            </a:extLst>
+          </a:blip>
+          <a:stretch>
+            <a:fillRect/>
+          </a:stretch>
+        </p:blipFill>
+        <p:spPr>
+          <a:xfrm>
+            <a:off x="3224033" y="1371823"/>
+            <a:ext cx="5341233" cy="5169488"/>
+          </a:xfrm>
+          <a:prstGeom prst="rect">
+            <a:avLst/>
+          </a:prstGeom>
+        </p:spPr>
+      </p:pic>
+    </p:spTree>
+    <p:extLst>
+      <p:ext uri="{BB962C8B-B14F-4D97-AF65-F5344CB8AC3E}">
+        <p14:creationId xmlns:p14="http://schemas.microsoft.com/office/powerpoint/2010/main" val="377634786"/>
+      </p:ext>
+    </p:extLst>
+  </p:cSld>
+  <p:clrMapOvr>
+    <a:masterClrMapping/>
+  </p:clrMapOvr>
+  <p:timing>
+    <p:tnLst>
+      <p:par>
+        <p:cTn id="1" dur="indefinite" restart="never" nodeType="tmRoot"/>
+      </p:par>
+    </p:tnLst>
+  </p:timing>
+</p:sld>
+</file>
+
+<file path=ppt/slides/slide12.xml><?xml version="1.0" encoding="utf-8"?>
+<p:sld xmlns:a="http://schemas.openxmlformats.org/drawingml/2006/main" xmlns:r="http://schemas.openxmlformats.org/officeDocument/2006/relationships" xmlns:p="http://schemas.openxmlformats.org/presentationml/2006/main">
+  <p:cSld>
+    <p:spTree>
+      <p:nvGrpSpPr>
+        <p:cNvPr id="1" name=""/>
+        <p:cNvGrpSpPr/>
+        <p:nvPr/>
+      </p:nvGrpSpPr>
+      <p:grpSpPr>
+        <a:xfrm>
+          <a:off x="0" y="0"/>
+          <a:ext cx="0" cy="0"/>
+          <a:chOff x="0" y="0"/>
+          <a:chExt cx="0" cy="0"/>
+        </a:xfrm>
+      </p:grpSpPr>
+      <p:pic>
+        <p:nvPicPr>
+          <p:cNvPr id="2" name="Picture 1"/>
+          <p:cNvPicPr>
+            <a:picLocks noChangeAspect="1"/>
+          </p:cNvPicPr>
+          <p:nvPr/>
+        </p:nvPicPr>
+        <p:blipFill>
+          <a:blip r:embed="rId2">
+            <a:extLst>
+              <a:ext uri="{28A0092B-C50C-407E-A947-70E740481C1C}">
+                <a14:useLocalDpi xmlns:a14="http://schemas.microsoft.com/office/drawing/2010/main" val="0"/>
+              </a:ext>
+            </a:extLst>
+          </a:blip>
+          <a:stretch>
+            <a:fillRect/>
+          </a:stretch>
+        </p:blipFill>
+        <p:spPr>
+          <a:xfrm>
+            <a:off x="164432" y="6306552"/>
+            <a:ext cx="1816100" cy="381000"/>
+          </a:xfrm>
+          <a:prstGeom prst="rect">
+            <a:avLst/>
+          </a:prstGeom>
+        </p:spPr>
+      </p:pic>
+      <p:sp>
+        <p:nvSpPr>
+          <p:cNvPr id="6" name="Rounded Rectangle 5"/>
+          <p:cNvSpPr/>
+          <p:nvPr/>
+        </p:nvSpPr>
+        <p:spPr>
+          <a:xfrm>
+            <a:off x="2188436" y="0"/>
+            <a:ext cx="7385929" cy="2199503"/>
+          </a:xfrm>
+          <a:prstGeom prst="roundRect">
+            <a:avLst/>
+          </a:prstGeom>
+          <a:solidFill>
+            <a:schemeClr val="accent1">
+              <a:lumMod val="60000"/>
+              <a:lumOff val="40000"/>
+              <a:alpha val="16000"/>
+            </a:schemeClr>
+          </a:solidFill>
+          <a:ln>
+            <a:noFill/>
+          </a:ln>
+        </p:spPr>
+        <p:style>
+          <a:lnRef idx="2">
+            <a:schemeClr val="accent1">
+              <a:shade val="50000"/>
+            </a:schemeClr>
+          </a:lnRef>
+          <a:fillRef idx="1">
+            <a:schemeClr val="accent1"/>
+          </a:fillRef>
+          <a:effectRef idx="0">
+            <a:schemeClr val="accent1"/>
+          </a:effectRef>
+          <a:fontRef idx="minor">
+            <a:schemeClr val="lt1"/>
+          </a:fontRef>
+        </p:style>
+        <p:txBody>
+          <a:bodyPr rtlCol="0" anchor="ctr"/>
+          <a:lstStyle/>
+          <a:p>
+            <a:pPr algn="ctr"/>
+            <a:endParaRPr lang="en-US">
+              <a:ln>
+                <a:solidFill>
+                  <a:sysClr val="windowText" lastClr="000000"/>
+                </a:solidFill>
+              </a:ln>
+            </a:endParaRPr>
+          </a:p>
+        </p:txBody>
+      </p:sp>
+      <p:sp>
+        <p:nvSpPr>
+          <p:cNvPr id="9" name="TextBox 8"/>
+          <p:cNvSpPr txBox="1"/>
+          <p:nvPr/>
+        </p:nvSpPr>
+        <p:spPr>
+          <a:xfrm>
+            <a:off x="112516" y="756730"/>
+            <a:ext cx="2054152" cy="461665"/>
+          </a:xfrm>
+          <a:prstGeom prst="rect">
+            <a:avLst/>
+          </a:prstGeom>
+          <a:noFill/>
+        </p:spPr>
+        <p:txBody>
+          <a:bodyPr wrap="none" rtlCol="0">
+            <a:spAutoFit/>
+          </a:bodyPr>
+          <a:lstStyle/>
+          <a:p>
+            <a:r>
+              <a:rPr lang="en-US" sz="2400" dirty="0" smtClean="0">
+                <a:ln w="0"/>
+                <a:solidFill>
+                  <a:schemeClr val="accent1"/>
+                </a:solidFill>
+                <a:effectLst>
+                  <a:outerShdw blurRad="38100" dist="25400" dir="5400000" algn="ctr" rotWithShape="0">
+                    <a:srgbClr val="6E747A">
+                      <a:alpha val="43000"/>
+                    </a:srgbClr>
+                  </a:outerShdw>
+                </a:effectLst>
+              </a:rPr>
+              <a:t>Model Training</a:t>
+            </a:r>
+            <a:endParaRPr lang="en-US" sz="2400" dirty="0">
+              <a:ln w="0"/>
+              <a:solidFill>
+                <a:schemeClr val="accent1"/>
+              </a:solidFill>
+              <a:effectLst>
+                <a:outerShdw blurRad="38100" dist="25400" dir="5400000" algn="ctr" rotWithShape="0">
+                  <a:srgbClr val="6E747A">
+                    <a:alpha val="43000"/>
+                  </a:srgbClr>
+                </a:outerShdw>
+              </a:effectLst>
+            </a:endParaRPr>
+          </a:p>
+        </p:txBody>
+      </p:sp>
+      <p:sp>
+        <p:nvSpPr>
+          <p:cNvPr id="8" name="Rounded Rectangle 7"/>
+          <p:cNvSpPr/>
+          <p:nvPr/>
+        </p:nvSpPr>
+        <p:spPr>
+          <a:xfrm>
+            <a:off x="2188436" y="2409568"/>
+            <a:ext cx="7385929" cy="3373394"/>
+          </a:xfrm>
+          <a:prstGeom prst="roundRect">
+            <a:avLst/>
+          </a:prstGeom>
+          <a:solidFill>
+            <a:schemeClr val="accent2">
+              <a:lumMod val="60000"/>
+              <a:lumOff val="40000"/>
+              <a:alpha val="16000"/>
+            </a:schemeClr>
+          </a:solidFill>
+          <a:ln>
+            <a:noFill/>
+          </a:ln>
+        </p:spPr>
+        <p:style>
+          <a:lnRef idx="2">
+            <a:schemeClr val="accent1">
+              <a:shade val="50000"/>
+            </a:schemeClr>
+          </a:lnRef>
+          <a:fillRef idx="1">
+            <a:schemeClr val="accent1"/>
+          </a:fillRef>
+          <a:effectRef idx="0">
+            <a:schemeClr val="accent1"/>
+          </a:effectRef>
+          <a:fontRef idx="minor">
+            <a:schemeClr val="lt1"/>
+          </a:fontRef>
+        </p:style>
+        <p:txBody>
+          <a:bodyPr rtlCol="0" anchor="ctr"/>
+          <a:lstStyle/>
+          <a:p>
+            <a:pPr algn="ctr"/>
+            <a:endParaRPr lang="en-US">
+              <a:ln>
+                <a:solidFill>
+                  <a:sysClr val="windowText" lastClr="000000"/>
+                </a:solidFill>
+              </a:ln>
+            </a:endParaRPr>
+          </a:p>
+        </p:txBody>
+      </p:sp>
+      <p:sp>
+        <p:nvSpPr>
+          <p:cNvPr id="10" name="TextBox 9"/>
+          <p:cNvSpPr txBox="1"/>
+          <p:nvPr/>
+        </p:nvSpPr>
+        <p:spPr>
+          <a:xfrm>
+            <a:off x="-4022" y="4069618"/>
+            <a:ext cx="2287229" cy="461665"/>
+          </a:xfrm>
+          <a:prstGeom prst="rect">
+            <a:avLst/>
+          </a:prstGeom>
+          <a:noFill/>
+        </p:spPr>
+        <p:txBody>
+          <a:bodyPr wrap="none" rtlCol="0">
+            <a:spAutoFit/>
+          </a:bodyPr>
+          <a:lstStyle/>
+          <a:p>
+            <a:r>
+              <a:rPr lang="en-US" sz="2400" dirty="0" smtClean="0">
+                <a:ln w="0"/>
+                <a:solidFill>
+                  <a:schemeClr val="accent2"/>
+                </a:solidFill>
+                <a:effectLst>
+                  <a:outerShdw blurRad="38100" dist="25400" dir="5400000" algn="ctr" rotWithShape="0">
+                    <a:srgbClr val="6E747A">
+                      <a:alpha val="43000"/>
+                    </a:srgbClr>
+                  </a:outerShdw>
+                </a:effectLst>
+              </a:rPr>
+              <a:t>Model Inference</a:t>
+            </a:r>
+            <a:endParaRPr lang="en-US" sz="2400" dirty="0">
+              <a:ln w="0"/>
+              <a:solidFill>
+                <a:schemeClr val="accent2"/>
+              </a:solidFill>
+              <a:effectLst>
+                <a:outerShdw blurRad="38100" dist="25400" dir="5400000" algn="ctr" rotWithShape="0">
+                  <a:srgbClr val="6E747A">
+                    <a:alpha val="43000"/>
+                  </a:srgbClr>
+                </a:outerShdw>
+              </a:effectLst>
+            </a:endParaRPr>
+          </a:p>
+        </p:txBody>
+      </p:sp>
+      <p:sp>
+        <p:nvSpPr>
+          <p:cNvPr id="12" name="TextBox 11"/>
+          <p:cNvSpPr txBox="1"/>
+          <p:nvPr/>
+        </p:nvSpPr>
+        <p:spPr>
+          <a:xfrm>
+            <a:off x="9782269" y="3496100"/>
+            <a:ext cx="2277926" cy="1200329"/>
+          </a:xfrm>
+          <a:prstGeom prst="rect">
+            <a:avLst/>
+          </a:prstGeom>
+          <a:noFill/>
+        </p:spPr>
+        <p:txBody>
+          <a:bodyPr wrap="square" rtlCol="0">
+            <a:spAutoFit/>
+          </a:bodyPr>
+          <a:lstStyle/>
+          <a:p>
+            <a:r>
+              <a:rPr lang="en-US" dirty="0" smtClean="0">
+                <a:ln w="0"/>
+                <a:solidFill>
+                  <a:schemeClr val="accent2"/>
+                </a:solidFill>
+                <a:effectLst>
+                  <a:outerShdw blurRad="38100" dist="25400" dir="5400000" algn="ctr" rotWithShape="0">
+                    <a:srgbClr val="6E747A">
+                      <a:alpha val="43000"/>
+                    </a:srgbClr>
+                  </a:outerShdw>
+                </a:effectLst>
+              </a:rPr>
+              <a:t>Optionally, convert intermediate model outputs into direct mixing parameters </a:t>
+            </a:r>
+            <a:endParaRPr lang="en-US" dirty="0">
+              <a:ln w="0"/>
+              <a:solidFill>
+                <a:schemeClr val="accent2"/>
+              </a:solidFill>
+              <a:effectLst>
+                <a:outerShdw blurRad="38100" dist="25400" dir="5400000" algn="ctr" rotWithShape="0">
+                  <a:srgbClr val="6E747A">
+                    <a:alpha val="43000"/>
+                  </a:srgbClr>
+                </a:outerShdw>
+              </a:effectLst>
+            </a:endParaRPr>
+          </a:p>
+        </p:txBody>
+      </p:sp>
+      <p:sp>
+        <p:nvSpPr>
+          <p:cNvPr id="13" name="TextBox 12"/>
+          <p:cNvSpPr txBox="1"/>
+          <p:nvPr/>
+        </p:nvSpPr>
+        <p:spPr>
+          <a:xfrm>
+            <a:off x="9782269" y="987562"/>
+            <a:ext cx="2277926" cy="923330"/>
+          </a:xfrm>
+          <a:prstGeom prst="rect">
+            <a:avLst/>
+          </a:prstGeom>
+          <a:noFill/>
+        </p:spPr>
+        <p:txBody>
+          <a:bodyPr wrap="square" rtlCol="0">
+            <a:spAutoFit/>
+          </a:bodyPr>
+          <a:lstStyle/>
+          <a:p>
+            <a:r>
+              <a:rPr lang="en-US" dirty="0" smtClean="0">
+                <a:ln w="0"/>
+                <a:solidFill>
+                  <a:schemeClr val="accent1"/>
+                </a:solidFill>
+                <a:effectLst>
+                  <a:outerShdw blurRad="38100" dist="25400" dir="5400000" algn="ctr" rotWithShape="0">
+                    <a:srgbClr val="6E747A">
+                      <a:alpha val="43000"/>
+                    </a:srgbClr>
+                  </a:outerShdw>
+                </a:effectLst>
+              </a:rPr>
+              <a:t>Ground truth is the direct or intermediate mixing parameters </a:t>
+            </a:r>
+            <a:endParaRPr lang="en-US" dirty="0">
+              <a:ln w="0"/>
+              <a:solidFill>
+                <a:schemeClr val="accent1"/>
+              </a:solidFill>
+              <a:effectLst>
+                <a:outerShdw blurRad="38100" dist="25400" dir="5400000" algn="ctr" rotWithShape="0">
+                  <a:srgbClr val="6E747A">
+                    <a:alpha val="43000"/>
+                  </a:srgbClr>
+                </a:outerShdw>
+              </a:effectLst>
+            </a:endParaRPr>
+          </a:p>
+        </p:txBody>
+      </p:sp>
+      <p:pic>
+        <p:nvPicPr>
+          <p:cNvPr id="11" name="Picture 10"/>
+          <p:cNvPicPr>
+            <a:picLocks noChangeAspect="1"/>
+          </p:cNvPicPr>
+          <p:nvPr/>
+        </p:nvPicPr>
+        <p:blipFill>
+          <a:blip r:embed="rId3">
+            <a:extLst>
+              <a:ext uri="{28A0092B-C50C-407E-A947-70E740481C1C}">
+                <a14:useLocalDpi xmlns:a14="http://schemas.microsoft.com/office/drawing/2010/main" val="0"/>
+              </a:ext>
+            </a:extLst>
+          </a:blip>
+          <a:stretch>
+            <a:fillRect/>
+          </a:stretch>
+        </p:blipFill>
+        <p:spPr>
+          <a:xfrm>
+            <a:off x="2188436" y="0"/>
+            <a:ext cx="7385928" cy="6858000"/>
+          </a:xfrm>
+          <a:prstGeom prst="rect">
+            <a:avLst/>
+          </a:prstGeom>
+        </p:spPr>
+      </p:pic>
+    </p:spTree>
+    <p:extLst>
+      <p:ext uri="{BB962C8B-B14F-4D97-AF65-F5344CB8AC3E}">
+        <p14:creationId xmlns:p14="http://schemas.microsoft.com/office/powerpoint/2010/main" val="1644841035"/>
+      </p:ext>
+    </p:extLst>
+  </p:cSld>
+  <p:clrMapOvr>
+    <a:masterClrMapping/>
+  </p:clrMapOvr>
+  <p:timing>
+    <p:tnLst>
+      <p:par>
+        <p:cTn id="1" dur="indefinite" restart="never" nodeType="tmRoot"/>
+      </p:par>
+    </p:tnLst>
+  </p:timing>
+</p:sld>
+</file>
+
+<file path=ppt/slides/slide13.xml><?xml version="1.0" encoding="utf-8"?>
+<p:sld xmlns:a="http://schemas.openxmlformats.org/drawingml/2006/main" xmlns:r="http://schemas.openxmlformats.org/officeDocument/2006/relationships" xmlns:p="http://schemas.openxmlformats.org/presentationml/2006/main">
+  <p:cSld>
+    <p:spTree>
+      <p:nvGrpSpPr>
+        <p:cNvPr id="1" name=""/>
+        <p:cNvGrpSpPr/>
+        <p:nvPr/>
+      </p:nvGrpSpPr>
+      <p:grpSpPr>
+        <a:xfrm>
+          <a:off x="0" y="0"/>
+          <a:ext cx="0" cy="0"/>
+          <a:chOff x="0" y="0"/>
+          <a:chExt cx="0" cy="0"/>
+        </a:xfrm>
+      </p:grpSpPr>
+      <p:sp>
+        <p:nvSpPr>
+          <p:cNvPr id="2" name="Title 1">
+            <a:extLst>
+              <a:ext uri="{FF2B5EF4-FFF2-40B4-BE49-F238E27FC236}">
+                <a16:creationId xmlns="" xmlns:a16="http://schemas.microsoft.com/office/drawing/2014/main" id="{9045A477-9EA3-4F5C-B4B9-8CE29E6FF138}"/>
+              </a:ext>
+            </a:extLst>
+          </p:cNvPr>
+          <p:cNvSpPr>
+            <a:spLocks noGrp="1"/>
+          </p:cNvSpPr>
+          <p:nvPr>
+            <p:ph type="title"/>
+          </p:nvPr>
+        </p:nvSpPr>
+        <p:spPr/>
+        <p:txBody>
+          <a:bodyPr>
+            <a:normAutofit/>
+          </a:bodyPr>
+          <a:lstStyle/>
+          <a:p>
+            <a:r>
+              <a:rPr lang="en-US" dirty="0"/>
+              <a:t>Data-driven </a:t>
+            </a:r>
+            <a:r>
+              <a:rPr lang="en-US" dirty="0" smtClean="0"/>
+              <a:t>System: EQ</a:t>
+            </a:r>
+            <a:endParaRPr lang="en-US" dirty="0"/>
+          </a:p>
+        </p:txBody>
+      </p:sp>
+      <p:sp>
+        <p:nvSpPr>
+          <p:cNvPr id="6" name="TextBox 5"/>
+          <p:cNvSpPr txBox="1"/>
+          <p:nvPr/>
+        </p:nvSpPr>
+        <p:spPr>
+          <a:xfrm>
+            <a:off x="276639" y="1905592"/>
+            <a:ext cx="2054152" cy="461665"/>
+          </a:xfrm>
+          <a:prstGeom prst="rect">
+            <a:avLst/>
+          </a:prstGeom>
+          <a:noFill/>
+        </p:spPr>
+        <p:txBody>
+          <a:bodyPr wrap="none" rtlCol="0">
+            <a:spAutoFit/>
+          </a:bodyPr>
+          <a:lstStyle/>
+          <a:p>
+            <a:r>
+              <a:rPr lang="en-US" sz="2400" dirty="0" smtClean="0">
+                <a:ln w="0"/>
+                <a:solidFill>
+                  <a:schemeClr val="accent1"/>
+                </a:solidFill>
+                <a:effectLst>
+                  <a:outerShdw blurRad="38100" dist="25400" dir="5400000" algn="ctr" rotWithShape="0">
+                    <a:srgbClr val="6E747A">
+                      <a:alpha val="43000"/>
+                    </a:srgbClr>
+                  </a:outerShdw>
+                </a:effectLst>
+              </a:rPr>
+              <a:t>Model Training</a:t>
+            </a:r>
+            <a:endParaRPr lang="en-US" sz="2400" dirty="0">
+              <a:ln w="0"/>
+              <a:solidFill>
+                <a:schemeClr val="accent1"/>
+              </a:solidFill>
+              <a:effectLst>
+                <a:outerShdw blurRad="38100" dist="25400" dir="5400000" algn="ctr" rotWithShape="0">
+                  <a:srgbClr val="6E747A">
+                    <a:alpha val="43000"/>
+                  </a:srgbClr>
+                </a:outerShdw>
+              </a:effectLst>
+            </a:endParaRPr>
+          </a:p>
+        </p:txBody>
+      </p:sp>
+      <p:sp>
+        <p:nvSpPr>
+          <p:cNvPr id="7" name="TextBox 6"/>
+          <p:cNvSpPr txBox="1"/>
+          <p:nvPr/>
+        </p:nvSpPr>
+        <p:spPr>
+          <a:xfrm>
+            <a:off x="160100" y="4163402"/>
+            <a:ext cx="2287229" cy="461665"/>
+          </a:xfrm>
+          <a:prstGeom prst="rect">
+            <a:avLst/>
+          </a:prstGeom>
+          <a:noFill/>
+        </p:spPr>
+        <p:txBody>
+          <a:bodyPr wrap="none" rtlCol="0">
+            <a:spAutoFit/>
+          </a:bodyPr>
+          <a:lstStyle/>
+          <a:p>
+            <a:r>
+              <a:rPr lang="en-US" sz="2400" dirty="0" smtClean="0">
+                <a:ln w="0"/>
+                <a:solidFill>
+                  <a:schemeClr val="accent2"/>
+                </a:solidFill>
+                <a:effectLst>
+                  <a:outerShdw blurRad="38100" dist="25400" dir="5400000" algn="ctr" rotWithShape="0">
+                    <a:srgbClr val="6E747A">
+                      <a:alpha val="43000"/>
+                    </a:srgbClr>
+                  </a:outerShdw>
+                </a:effectLst>
+              </a:rPr>
+              <a:t>Model Inference</a:t>
+            </a:r>
+            <a:endParaRPr lang="en-US" sz="2400" dirty="0">
+              <a:ln w="0"/>
+              <a:solidFill>
+                <a:schemeClr val="accent2"/>
+              </a:solidFill>
+              <a:effectLst>
+                <a:outerShdw blurRad="38100" dist="25400" dir="5400000" algn="ctr" rotWithShape="0">
+                  <a:srgbClr val="6E747A">
+                    <a:alpha val="43000"/>
+                  </a:srgbClr>
+                </a:outerShdw>
+              </a:effectLst>
+            </a:endParaRPr>
+          </a:p>
+        </p:txBody>
+      </p:sp>
+      <p:sp>
+        <p:nvSpPr>
+          <p:cNvPr id="8" name="Rounded Rectangle 7"/>
+          <p:cNvSpPr/>
+          <p:nvPr/>
+        </p:nvSpPr>
+        <p:spPr>
+          <a:xfrm>
+            <a:off x="2447329" y="1352540"/>
+            <a:ext cx="7095255" cy="1636846"/>
+          </a:xfrm>
+          <a:prstGeom prst="roundRect">
+            <a:avLst/>
+          </a:prstGeom>
+          <a:solidFill>
+            <a:schemeClr val="accent1">
+              <a:lumMod val="60000"/>
+              <a:lumOff val="40000"/>
+              <a:alpha val="16000"/>
+            </a:schemeClr>
+          </a:solidFill>
+          <a:ln>
+            <a:noFill/>
+          </a:ln>
+        </p:spPr>
+        <p:style>
+          <a:lnRef idx="2">
+            <a:schemeClr val="accent1">
+              <a:shade val="50000"/>
+            </a:schemeClr>
+          </a:lnRef>
+          <a:fillRef idx="1">
+            <a:schemeClr val="accent1"/>
+          </a:fillRef>
+          <a:effectRef idx="0">
+            <a:schemeClr val="accent1"/>
+          </a:effectRef>
+          <a:fontRef idx="minor">
+            <a:schemeClr val="lt1"/>
+          </a:fontRef>
+        </p:style>
+        <p:txBody>
+          <a:bodyPr rtlCol="0" anchor="ctr"/>
+          <a:lstStyle/>
+          <a:p>
+            <a:pPr algn="ctr"/>
+            <a:endParaRPr lang="en-US">
+              <a:ln>
+                <a:solidFill>
+                  <a:sysClr val="windowText" lastClr="000000"/>
+                </a:solidFill>
+              </a:ln>
+            </a:endParaRPr>
+          </a:p>
+        </p:txBody>
+      </p:sp>
+      <p:sp>
+        <p:nvSpPr>
+          <p:cNvPr id="9" name="Rounded Rectangle 8"/>
+          <p:cNvSpPr/>
+          <p:nvPr/>
+        </p:nvSpPr>
+        <p:spPr>
+          <a:xfrm>
+            <a:off x="2447328" y="3321935"/>
+            <a:ext cx="7095255" cy="2083442"/>
+          </a:xfrm>
+          <a:prstGeom prst="roundRect">
+            <a:avLst/>
+          </a:prstGeom>
+          <a:solidFill>
+            <a:schemeClr val="accent2">
+              <a:lumMod val="60000"/>
+              <a:lumOff val="40000"/>
+              <a:alpha val="16000"/>
+            </a:schemeClr>
+          </a:solidFill>
+          <a:ln>
+            <a:noFill/>
+          </a:ln>
+        </p:spPr>
+        <p:style>
+          <a:lnRef idx="2">
+            <a:schemeClr val="accent1">
+              <a:shade val="50000"/>
+            </a:schemeClr>
+          </a:lnRef>
+          <a:fillRef idx="1">
+            <a:schemeClr val="accent1"/>
+          </a:fillRef>
+          <a:effectRef idx="0">
+            <a:schemeClr val="accent1"/>
+          </a:effectRef>
+          <a:fontRef idx="minor">
+            <a:schemeClr val="lt1"/>
+          </a:fontRef>
+        </p:style>
+        <p:txBody>
+          <a:bodyPr rtlCol="0" anchor="ctr"/>
+          <a:lstStyle/>
+          <a:p>
+            <a:pPr algn="ctr"/>
+            <a:endParaRPr lang="en-US">
+              <a:ln>
+                <a:solidFill>
+                  <a:sysClr val="windowText" lastClr="000000"/>
+                </a:solidFill>
+              </a:ln>
+            </a:endParaRPr>
+          </a:p>
+        </p:txBody>
+      </p:sp>
+      <p:pic>
+        <p:nvPicPr>
+          <p:cNvPr id="5" name="Picture 4"/>
+          <p:cNvPicPr>
+            <a:picLocks noChangeAspect="1"/>
+          </p:cNvPicPr>
+          <p:nvPr/>
+        </p:nvPicPr>
+        <p:blipFill>
+          <a:blip r:embed="rId2">
+            <a:extLst>
+              <a:ext uri="{28A0092B-C50C-407E-A947-70E740481C1C}">
+                <a14:useLocalDpi xmlns:a14="http://schemas.microsoft.com/office/drawing/2010/main" val="0"/>
+              </a:ext>
+            </a:extLst>
+          </a:blip>
+          <a:stretch>
+            <a:fillRect/>
+          </a:stretch>
+        </p:blipFill>
+        <p:spPr>
+          <a:xfrm>
+            <a:off x="2389059" y="1352540"/>
+            <a:ext cx="7211792" cy="5137900"/>
+          </a:xfrm>
+          <a:prstGeom prst="rect">
+            <a:avLst/>
+          </a:prstGeom>
+        </p:spPr>
+      </p:pic>
+      <p:sp>
+        <p:nvSpPr>
+          <p:cNvPr id="11" name="Rounded Rectangle 10"/>
+          <p:cNvSpPr/>
+          <p:nvPr/>
+        </p:nvSpPr>
+        <p:spPr>
+          <a:xfrm>
+            <a:off x="7799479" y="2075131"/>
+            <a:ext cx="1743103" cy="914255"/>
+          </a:xfrm>
+          <a:prstGeom prst="roundRect">
+            <a:avLst/>
+          </a:prstGeom>
+          <a:solidFill>
+            <a:srgbClr val="0070C0">
+              <a:alpha val="46000"/>
+            </a:srgbClr>
+          </a:solidFill>
+          <a:ln>
+            <a:noFill/>
+          </a:ln>
+        </p:spPr>
+        <p:style>
+          <a:lnRef idx="2">
+            <a:schemeClr val="accent1">
+              <a:shade val="50000"/>
+            </a:schemeClr>
+          </a:lnRef>
+          <a:fillRef idx="1">
+            <a:schemeClr val="accent1"/>
+          </a:fillRef>
+          <a:effectRef idx="0">
+            <a:schemeClr val="accent1"/>
+          </a:effectRef>
+          <a:fontRef idx="minor">
+            <a:schemeClr val="lt1"/>
+          </a:fontRef>
+        </p:style>
+        <p:txBody>
+          <a:bodyPr rtlCol="0" anchor="ctr"/>
+          <a:lstStyle/>
+          <a:p>
+            <a:pPr algn="ctr"/>
+            <a:endParaRPr lang="en-US">
+              <a:ln>
+                <a:solidFill>
+                  <a:sysClr val="windowText" lastClr="000000"/>
+                </a:solidFill>
+              </a:ln>
+            </a:endParaRPr>
+          </a:p>
+        </p:txBody>
+      </p:sp>
+      <p:sp>
+        <p:nvSpPr>
+          <p:cNvPr id="12" name="TextBox 11"/>
+          <p:cNvSpPr txBox="1"/>
+          <p:nvPr/>
+        </p:nvSpPr>
+        <p:spPr>
+          <a:xfrm>
+            <a:off x="9747909" y="1793594"/>
+            <a:ext cx="2277926" cy="1477328"/>
+          </a:xfrm>
+          <a:prstGeom prst="rect">
+            <a:avLst/>
+          </a:prstGeom>
+          <a:noFill/>
+        </p:spPr>
+        <p:txBody>
+          <a:bodyPr wrap="square" rtlCol="0">
+            <a:spAutoFit/>
+          </a:bodyPr>
+          <a:lstStyle/>
+          <a:p>
+            <a:r>
+              <a:rPr lang="en-US" dirty="0" smtClean="0">
+                <a:ln w="0"/>
+                <a:solidFill>
+                  <a:schemeClr val="accent1"/>
+                </a:solidFill>
+                <a:effectLst>
+                  <a:outerShdw blurRad="38100" dist="25400" dir="5400000" algn="ctr" rotWithShape="0">
+                    <a:srgbClr val="6E747A">
+                      <a:alpha val="43000"/>
+                    </a:srgbClr>
+                  </a:outerShdw>
+                </a:effectLst>
+              </a:rPr>
+              <a:t>If the mixed vocal is boosted at a center frequency,  we should learn to cut at that frequency.</a:t>
+            </a:r>
+            <a:endParaRPr lang="en-US" dirty="0">
+              <a:ln w="0"/>
+              <a:solidFill>
+                <a:schemeClr val="accent1"/>
+              </a:solidFill>
+              <a:effectLst>
+                <a:outerShdw blurRad="38100" dist="25400" dir="5400000" algn="ctr" rotWithShape="0">
+                  <a:srgbClr val="6E747A">
+                    <a:alpha val="43000"/>
+                  </a:srgbClr>
+                </a:outerShdw>
+              </a:effectLst>
+            </a:endParaRPr>
+          </a:p>
+        </p:txBody>
+      </p:sp>
+    </p:spTree>
+    <p:extLst>
+      <p:ext uri="{BB962C8B-B14F-4D97-AF65-F5344CB8AC3E}">
+        <p14:creationId xmlns:p14="http://schemas.microsoft.com/office/powerpoint/2010/main" val="917035409"/>
+      </p:ext>
+    </p:extLst>
+  </p:cSld>
+  <p:clrMapOvr>
+    <a:masterClrMapping/>
+  </p:clrMapOvr>
+  <p:timing>
+    <p:tnLst>
+      <p:par>
+        <p:cTn id="1" dur="indefinite" restart="never" nodeType="tmRoot"/>
+      </p:par>
+    </p:tnLst>
+  </p:timing>
+</p:sld>
+</file>
+
+<file path=ppt/slides/slide14.xml><?xml version="1.0" encoding="utf-8"?>
+<p:sld xmlns:a="http://schemas.openxmlformats.org/drawingml/2006/main" xmlns:r="http://schemas.openxmlformats.org/officeDocument/2006/relationships" xmlns:p="http://schemas.openxmlformats.org/presentationml/2006/main">
+  <p:cSld>
+    <p:spTree>
+      <p:nvGrpSpPr>
+        <p:cNvPr id="1" name=""/>
+        <p:cNvGrpSpPr/>
+        <p:nvPr/>
+      </p:nvGrpSpPr>
+      <p:grpSpPr>
+        <a:xfrm>
+          <a:off x="0" y="0"/>
+          <a:ext cx="0" cy="0"/>
+          <a:chOff x="0" y="0"/>
+          <a:chExt cx="0" cy="0"/>
+        </a:xfrm>
+      </p:grpSpPr>
+      <p:sp>
+        <p:nvSpPr>
+          <p:cNvPr id="2" name="Title 1">
+            <a:extLst>
+              <a:ext uri="{FF2B5EF4-FFF2-40B4-BE49-F238E27FC236}">
+                <a16:creationId xmlns="" xmlns:a16="http://schemas.microsoft.com/office/drawing/2014/main" id="{9045A477-9EA3-4F5C-B4B9-8CE29E6FF138}"/>
               </a:ext>
             </a:extLst>
           </p:cNvPr>
@@ -5123,7 +6262,7 @@
 </p:sld>
 </file>
 
-<file path=ppt/slides/slide11.xml><?xml version="1.0" encoding="utf-8"?>
+<file path=ppt/slides/slide15.xml><?xml version="1.0" encoding="utf-8"?>
 <p:sld xmlns:a="http://schemas.openxmlformats.org/drawingml/2006/main" xmlns:r="http://schemas.openxmlformats.org/officeDocument/2006/relationships" xmlns:p="http://schemas.openxmlformats.org/presentationml/2006/main">
   <p:cSld>
     <p:spTree>
@@ -5145,7 +6284,7 @@
           <p:cNvPr id="2" name="Title 1">
             <a:extLst>
               <a:ext uri="{FF2B5EF4-FFF2-40B4-BE49-F238E27FC236}">
-                <a16:creationId xmlns:a16="http://schemas.microsoft.com/office/drawing/2014/main" xmlns="" id="{9045A477-9EA3-4F5C-B4B9-8CE29E6FF138}"/>
+                <a16:creationId xmlns="" xmlns:a16="http://schemas.microsoft.com/office/drawing/2014/main" id="{9045A477-9EA3-4F5C-B4B9-8CE29E6FF138}"/>
               </a:ext>
             </a:extLst>
           </p:cNvPr>
@@ -5454,7 +6593,7 @@
 </p:sld>
 </file>
 
-<file path=ppt/slides/slide12.xml><?xml version="1.0" encoding="utf-8"?>
+<file path=ppt/slides/slide16.xml><?xml version="1.0" encoding="utf-8"?>
 <p:sld xmlns:a="http://schemas.openxmlformats.org/drawingml/2006/main" xmlns:r="http://schemas.openxmlformats.org/officeDocument/2006/relationships" xmlns:p="http://schemas.openxmlformats.org/presentationml/2006/main">
   <p:cSld>
     <p:spTree>
@@ -5588,7 +6727,7 @@
           <p:cNvPr id="2" name="Title 1">
             <a:extLst>
               <a:ext uri="{FF2B5EF4-FFF2-40B4-BE49-F238E27FC236}">
-                <a16:creationId xmlns:a16="http://schemas.microsoft.com/office/drawing/2014/main" xmlns="" id="{9045A477-9EA3-4F5C-B4B9-8CE29E6FF138}"/>
+                <a16:creationId xmlns="" xmlns:a16="http://schemas.microsoft.com/office/drawing/2014/main" id="{9045A477-9EA3-4F5C-B4B9-8CE29E6FF138}"/>
               </a:ext>
             </a:extLst>
           </p:cNvPr>
@@ -5617,7 +6756,7 @@
           <p:cNvPr id="3" name="Content Placeholder 2">
             <a:extLst>
               <a:ext uri="{FF2B5EF4-FFF2-40B4-BE49-F238E27FC236}">
-                <a16:creationId xmlns:a16="http://schemas.microsoft.com/office/drawing/2014/main" xmlns="" id="{4FFC9F3E-C7DF-44CE-A057-14D5228F5C26}"/>
+                <a16:creationId xmlns="" xmlns:a16="http://schemas.microsoft.com/office/drawing/2014/main" id="{4FFC9F3E-C7DF-44CE-A057-14D5228F5C26}"/>
               </a:ext>
             </a:extLst>
           </p:cNvPr>
@@ -5731,7 +6870,7 @@
           <p:cNvPr id="2" name="Title 1">
             <a:extLst>
               <a:ext uri="{FF2B5EF4-FFF2-40B4-BE49-F238E27FC236}">
-                <a16:creationId xmlns:a16="http://schemas.microsoft.com/office/drawing/2014/main" xmlns="" id="{9045A477-9EA3-4F5C-B4B9-8CE29E6FF138}"/>
+                <a16:creationId xmlns="" xmlns:a16="http://schemas.microsoft.com/office/drawing/2014/main" id="{9045A477-9EA3-4F5C-B4B9-8CE29E6FF138}"/>
               </a:ext>
             </a:extLst>
           </p:cNvPr>
@@ -5749,97 +6888,236 @@
           <a:p>
             <a:r>
               <a:rPr lang="en-US" dirty="0" smtClean="0"/>
-              <a:t>Baseline System: level and compression</a:t>
+              <a:t>Audio Processing</a:t>
             </a:r>
             <a:endParaRPr lang="en-US" dirty="0"/>
           </a:p>
         </p:txBody>
       </p:sp>
-      <p:sp>
-        <p:nvSpPr>
-          <p:cNvPr id="3" name="Content Placeholder 2">
+      <p:pic>
+        <p:nvPicPr>
+          <p:cNvPr id="4" name="Content Placeholder 3"/>
+          <p:cNvPicPr>
+            <a:picLocks noGrp="1" noChangeAspect="1"/>
+          </p:cNvPicPr>
+          <p:nvPr>
+            <p:ph idx="1"/>
+          </p:nvPr>
+        </p:nvPicPr>
+        <p:blipFill>
+          <a:blip r:embed="rId2">
+            <a:extLst>
+              <a:ext uri="{28A0092B-C50C-407E-A947-70E740481C1C}">
+                <a14:useLocalDpi xmlns:a14="http://schemas.microsoft.com/office/drawing/2010/main" val="0"/>
+              </a:ext>
+            </a:extLst>
+          </a:blip>
+          <a:stretch>
+            <a:fillRect/>
+          </a:stretch>
+        </p:blipFill>
+        <p:spPr>
+          <a:xfrm>
+            <a:off x="4111693" y="1553550"/>
+            <a:ext cx="5539470" cy="2317016"/>
+          </a:xfrm>
+        </p:spPr>
+      </p:pic>
+      <p:sp>
+        <p:nvSpPr>
+          <p:cNvPr id="9" name="Content Placeholder 2">
             <a:extLst>
               <a:ext uri="{FF2B5EF4-FFF2-40B4-BE49-F238E27FC236}">
-                <a16:creationId xmlns:a16="http://schemas.microsoft.com/office/drawing/2014/main" xmlns="" id="{4FFC9F3E-C7DF-44CE-A057-14D5228F5C26}"/>
+                <a16:creationId xmlns="" xmlns:a16="http://schemas.microsoft.com/office/drawing/2014/main" id="{4FFC9F3E-C7DF-44CE-A057-14D5228F5C26}"/>
               </a:ext>
             </a:extLst>
           </p:cNvPr>
-          <p:cNvSpPr>
-            <a:spLocks noGrp="1"/>
+          <p:cNvSpPr txBox="1">
+            <a:spLocks/>
           </p:cNvSpPr>
-          <p:nvPr>
-            <p:ph idx="1"/>
-          </p:nvPr>
-        </p:nvSpPr>
-        <p:spPr/>
-        <p:txBody>
-          <a:bodyPr>
-            <a:noAutofit/>
+          <p:nvPr/>
+        </p:nvSpPr>
+        <p:spPr>
+          <a:xfrm>
+            <a:off x="560831" y="1604309"/>
+            <a:ext cx="11070336" cy="4640166"/>
+          </a:xfrm>
+          <a:prstGeom prst="rect">
+            <a:avLst/>
+          </a:prstGeom>
+        </p:spPr>
+        <p:txBody>
+          <a:bodyPr vert="horz" lIns="91440" tIns="45720" rIns="91440" bIns="45720" rtlCol="0">
+            <a:normAutofit/>
           </a:bodyPr>
-          <a:lstStyle/>
-          <a:p>
-            <a:pPr marL="0" indent="0">
-              <a:buNone/>
-            </a:pPr>
-            <a:r>
-              <a:rPr lang="en-US" sz="2800" b="1" dirty="0" smtClean="0"/>
-              <a:t>Use the average values extracted from the source-separated Million Song Dataset</a:t>
-            </a:r>
-          </a:p>
-          <a:p>
-            <a:pPr marL="0" indent="0">
-              <a:buNone/>
-            </a:pPr>
-            <a:endParaRPr lang="en-US" sz="2800" b="1" dirty="0"/>
-          </a:p>
-          <a:p>
-            <a:r>
-              <a:rPr lang="en-US" sz="2800" b="1" dirty="0" smtClean="0"/>
-              <a:t>Level balance</a:t>
-            </a:r>
-          </a:p>
-          <a:p>
-            <a:pPr lvl="1"/>
-            <a:r>
-              <a:rPr lang="nb-NO" sz="2400" b="1" dirty="0"/>
-              <a:t>-</a:t>
-            </a:r>
-            <a:r>
-              <a:rPr lang="nb-NO" sz="2400" b="1" dirty="0" smtClean="0"/>
-              <a:t>1.77</a:t>
-            </a:r>
-            <a:r>
-              <a:rPr lang="sk-SK" sz="2400" dirty="0" smtClean="0"/>
-              <a:t> dB</a:t>
-            </a:r>
-            <a:r>
-              <a:rPr lang="en-US" sz="2400" dirty="0" smtClean="0"/>
-              <a:t> vocal-to-backing track ratio </a:t>
-            </a:r>
-          </a:p>
-          <a:p>
-            <a:pPr lvl="1"/>
-            <a:endParaRPr lang="en-US" sz="2400" dirty="0" smtClean="0"/>
-          </a:p>
-          <a:p>
-            <a:r>
-              <a:rPr lang="en-US" sz="2800" b="1" dirty="0" smtClean="0"/>
-              <a:t>Compression</a:t>
-            </a:r>
-          </a:p>
-          <a:p>
-            <a:pPr lvl="1"/>
-            <a:r>
-              <a:rPr lang="en-US" sz="2400" dirty="0" smtClean="0"/>
-              <a:t>16.4 dB </a:t>
-            </a:r>
-            <a:r>
-              <a:rPr lang="en-US" sz="2400" dirty="0"/>
-              <a:t>l</a:t>
-            </a:r>
-            <a:r>
-              <a:rPr lang="en-US" sz="2400" dirty="0" smtClean="0"/>
-              <a:t>oudness range</a:t>
+          <a:lstStyle>
+            <a:lvl1pPr marL="228600" indent="-228600" algn="l" defTabSz="914400" rtl="0" eaLnBrk="1" latinLnBrk="0" hangingPunct="1">
+              <a:lnSpc>
+                <a:spcPct val="90000"/>
+              </a:lnSpc>
+              <a:spcBef>
+                <a:spcPts val="1000"/>
+              </a:spcBef>
+              <a:buFont typeface="Wingdings" panose="05000000000000000000" pitchFamily="2" charset="2"/>
+              <a:buChar char="§"/>
+              <a:defRPr sz="2400" kern="1200">
+                <a:solidFill>
+                  <a:schemeClr val="tx1"/>
+                </a:solidFill>
+                <a:latin typeface="+mj-lt"/>
+                <a:ea typeface="+mn-ea"/>
+                <a:cs typeface="+mn-cs"/>
+              </a:defRPr>
+            </a:lvl1pPr>
+            <a:lvl2pPr marL="685800" indent="-228600" algn="l" defTabSz="914400" rtl="0" eaLnBrk="1" latinLnBrk="0" hangingPunct="1">
+              <a:lnSpc>
+                <a:spcPct val="90000"/>
+              </a:lnSpc>
+              <a:spcBef>
+                <a:spcPts val="500"/>
+              </a:spcBef>
+              <a:buFont typeface="Arial" panose="020B0604020202020204" pitchFamily="34" charset="0"/>
+              <a:buChar char="•"/>
+              <a:defRPr sz="2000" kern="1200">
+                <a:solidFill>
+                  <a:schemeClr val="tx1"/>
+                </a:solidFill>
+                <a:latin typeface="+mj-lt"/>
+                <a:ea typeface="+mn-ea"/>
+                <a:cs typeface="+mn-cs"/>
+              </a:defRPr>
+            </a:lvl2pPr>
+            <a:lvl3pPr marL="1143000" indent="-228600" algn="l" defTabSz="914400" rtl="0" eaLnBrk="1" latinLnBrk="0" hangingPunct="1">
+              <a:lnSpc>
+                <a:spcPct val="90000"/>
+              </a:lnSpc>
+              <a:spcBef>
+                <a:spcPts val="500"/>
+              </a:spcBef>
+              <a:buFont typeface=".AppleSystemUIFont" charset="-120"/>
+              <a:buChar char="−"/>
+              <a:defRPr sz="1800" kern="1200">
+                <a:solidFill>
+                  <a:schemeClr val="tx1"/>
+                </a:solidFill>
+                <a:latin typeface="+mj-lt"/>
+                <a:ea typeface="+mn-ea"/>
+                <a:cs typeface="+mn-cs"/>
+              </a:defRPr>
+            </a:lvl3pPr>
+            <a:lvl4pPr marL="1600200" indent="-228600" algn="l" defTabSz="914400" rtl="0" eaLnBrk="1" latinLnBrk="0" hangingPunct="1">
+              <a:lnSpc>
+                <a:spcPct val="90000"/>
+              </a:lnSpc>
+              <a:spcBef>
+                <a:spcPts val="500"/>
+              </a:spcBef>
+              <a:buFont typeface=".AppleSystemUIFont" charset="-120"/>
+              <a:buChar char="−"/>
+              <a:defRPr sz="1600" kern="1200">
+                <a:solidFill>
+                  <a:schemeClr val="tx1"/>
+                </a:solidFill>
+                <a:latin typeface="+mj-lt"/>
+                <a:ea typeface="+mn-ea"/>
+                <a:cs typeface="+mn-cs"/>
+              </a:defRPr>
+            </a:lvl4pPr>
+            <a:lvl5pPr marL="2057400" indent="-228600" algn="l" defTabSz="914400" rtl="0" eaLnBrk="1" latinLnBrk="0" hangingPunct="1">
+              <a:lnSpc>
+                <a:spcPct val="90000"/>
+              </a:lnSpc>
+              <a:spcBef>
+                <a:spcPts val="500"/>
+              </a:spcBef>
+              <a:buFont typeface=".AppleSystemUIFont" charset="-120"/>
+              <a:buChar char="−"/>
+              <a:defRPr sz="1400" kern="1200">
+                <a:solidFill>
+                  <a:schemeClr val="tx1"/>
+                </a:solidFill>
+                <a:latin typeface="+mj-lt"/>
+                <a:ea typeface="+mn-ea"/>
+                <a:cs typeface="+mn-cs"/>
+              </a:defRPr>
+            </a:lvl5pPr>
+            <a:lvl6pPr marL="2514600" indent="-228600" algn="l" defTabSz="914400" rtl="0" eaLnBrk="1" latinLnBrk="0" hangingPunct="1">
+              <a:lnSpc>
+                <a:spcPct val="90000"/>
+              </a:lnSpc>
+              <a:spcBef>
+                <a:spcPts val="500"/>
+              </a:spcBef>
+              <a:buFont typeface="Arial"/>
+              <a:buChar char="•"/>
+              <a:defRPr sz="1800" kern="1200">
+                <a:solidFill>
+                  <a:schemeClr val="tx1"/>
+                </a:solidFill>
+                <a:latin typeface="+mn-lt"/>
+                <a:ea typeface="+mn-ea"/>
+                <a:cs typeface="+mn-cs"/>
+              </a:defRPr>
+            </a:lvl6pPr>
+            <a:lvl7pPr marL="2971800" indent="-228600" algn="l" defTabSz="914400" rtl="0" eaLnBrk="1" latinLnBrk="0" hangingPunct="1">
+              <a:lnSpc>
+                <a:spcPct val="90000"/>
+              </a:lnSpc>
+              <a:spcBef>
+                <a:spcPts val="500"/>
+              </a:spcBef>
+              <a:buFont typeface="Arial"/>
+              <a:buChar char="•"/>
+              <a:defRPr sz="1800" kern="1200">
+                <a:solidFill>
+                  <a:schemeClr val="tx1"/>
+                </a:solidFill>
+                <a:latin typeface="+mn-lt"/>
+                <a:ea typeface="+mn-ea"/>
+                <a:cs typeface="+mn-cs"/>
+              </a:defRPr>
+            </a:lvl7pPr>
+            <a:lvl8pPr marL="3429000" indent="-228600" algn="l" defTabSz="914400" rtl="0" eaLnBrk="1" latinLnBrk="0" hangingPunct="1">
+              <a:lnSpc>
+                <a:spcPct val="90000"/>
+              </a:lnSpc>
+              <a:spcBef>
+                <a:spcPts val="500"/>
+              </a:spcBef>
+              <a:buFont typeface="Arial"/>
+              <a:buChar char="•"/>
+              <a:defRPr sz="1800" kern="1200">
+                <a:solidFill>
+                  <a:schemeClr val="tx1"/>
+                </a:solidFill>
+                <a:latin typeface="+mn-lt"/>
+                <a:ea typeface="+mn-ea"/>
+                <a:cs typeface="+mn-cs"/>
+              </a:defRPr>
+            </a:lvl8pPr>
+            <a:lvl9pPr marL="3886200" indent="-228600" algn="l" defTabSz="914400" rtl="0" eaLnBrk="1" latinLnBrk="0" hangingPunct="1">
+              <a:lnSpc>
+                <a:spcPct val="90000"/>
+              </a:lnSpc>
+              <a:spcBef>
+                <a:spcPts val="500"/>
+              </a:spcBef>
+              <a:buFont typeface="Arial"/>
+              <a:buChar char="•"/>
+              <a:defRPr sz="1800" kern="1200">
+                <a:solidFill>
+                  <a:schemeClr val="tx1"/>
+                </a:solidFill>
+                <a:latin typeface="+mn-lt"/>
+                <a:ea typeface="+mn-ea"/>
+                <a:cs typeface="+mn-cs"/>
+              </a:defRPr>
+            </a:lvl9pPr>
+          </a:lstStyle>
+          <a:p>
+            <a:r>
+              <a:rPr lang="en-US" sz="2800" dirty="0" smtClean="0"/>
+              <a:t>EQ</a:t>
             </a:r>
           </a:p>
         </p:txBody>
@@ -5847,7 +7125,7 @@
     </p:spTree>
     <p:extLst>
       <p:ext uri="{BB962C8B-B14F-4D97-AF65-F5344CB8AC3E}">
-        <p14:creationId xmlns:p14="http://schemas.microsoft.com/office/powerpoint/2010/main" val="2109491910"/>
+        <p14:creationId xmlns:p14="http://schemas.microsoft.com/office/powerpoint/2010/main" val="529462887"/>
       </p:ext>
     </p:extLst>
   </p:cSld>
@@ -5886,7 +7164,7 @@
           <p:cNvPr id="2" name="Title 1">
             <a:extLst>
               <a:ext uri="{FF2B5EF4-FFF2-40B4-BE49-F238E27FC236}">
-                <a16:creationId xmlns:a16="http://schemas.microsoft.com/office/drawing/2014/main" xmlns="" id="{9045A477-9EA3-4F5C-B4B9-8CE29E6FF138}"/>
+                <a16:creationId xmlns="" xmlns:a16="http://schemas.microsoft.com/office/drawing/2014/main" id="{9045A477-9EA3-4F5C-B4B9-8CE29E6FF138}"/>
               </a:ext>
             </a:extLst>
           </p:cNvPr>
@@ -5904,56 +7182,21 @@
           <a:p>
             <a:r>
               <a:rPr lang="en-US" dirty="0" smtClean="0"/>
-              <a:t>Baseline System: EQ</a:t>
+              <a:t>Audio Processing</a:t>
             </a:r>
             <a:endParaRPr lang="en-US" dirty="0"/>
           </a:p>
         </p:txBody>
       </p:sp>
-      <p:sp>
-        <p:nvSpPr>
-          <p:cNvPr id="3" name="Content Placeholder 2">
-            <a:extLst>
-              <a:ext uri="{FF2B5EF4-FFF2-40B4-BE49-F238E27FC236}">
-                <a16:creationId xmlns:a16="http://schemas.microsoft.com/office/drawing/2014/main" xmlns="" id="{4FFC9F3E-C7DF-44CE-A057-14D5228F5C26}"/>
-              </a:ext>
-            </a:extLst>
-          </p:cNvPr>
-          <p:cNvSpPr>
-            <a:spLocks noGrp="1"/>
-          </p:cNvSpPr>
+      <p:pic>
+        <p:nvPicPr>
+          <p:cNvPr id="4" name="Content Placeholder 3"/>
+          <p:cNvPicPr>
+            <a:picLocks noGrp="1" noChangeAspect="1"/>
+          </p:cNvPicPr>
           <p:nvPr>
             <p:ph idx="1"/>
           </p:nvPr>
-        </p:nvSpPr>
-        <p:spPr/>
-        <p:txBody>
-          <a:bodyPr>
-            <a:noAutofit/>
-          </a:bodyPr>
-          <a:lstStyle/>
-          <a:p>
-            <a:r>
-              <a:rPr lang="en-US" sz="2800" b="1" dirty="0" smtClean="0"/>
-              <a:t>EQ</a:t>
-            </a:r>
-          </a:p>
-          <a:p>
-            <a:pPr lvl="1"/>
-            <a:r>
-              <a:rPr lang="en-US" sz="2400" dirty="0" smtClean="0"/>
-              <a:t>Frequency unmasking</a:t>
-            </a:r>
-          </a:p>
-        </p:txBody>
-      </p:sp>
-      <p:pic>
-        <p:nvPicPr>
-          <p:cNvPr id="4" name="Picture 3"/>
-          <p:cNvPicPr>
-            <a:picLocks noChangeAspect="1"/>
-          </p:cNvPicPr>
-          <p:nvPr/>
         </p:nvPicPr>
         <p:blipFill>
           <a:blip r:embed="rId2">
@@ -5969,18 +7212,253 @@
         </p:blipFill>
         <p:spPr>
           <a:xfrm>
-            <a:off x="6095999" y="2099349"/>
-            <a:ext cx="3526903" cy="3650085"/>
+            <a:off x="4111693" y="1553550"/>
+            <a:ext cx="5539470" cy="2317016"/>
+          </a:xfrm>
+        </p:spPr>
+      </p:pic>
+      <p:pic>
+        <p:nvPicPr>
+          <p:cNvPr id="6" name="Picture 5"/>
+          <p:cNvPicPr>
+            <a:picLocks noChangeAspect="1"/>
+          </p:cNvPicPr>
+          <p:nvPr/>
+        </p:nvPicPr>
+        <p:blipFill>
+          <a:blip r:embed="rId3">
+            <a:extLst>
+              <a:ext uri="{28A0092B-C50C-407E-A947-70E740481C1C}">
+                <a14:useLocalDpi xmlns:a14="http://schemas.microsoft.com/office/drawing/2010/main" val="0"/>
+              </a:ext>
+            </a:extLst>
+          </a:blip>
+          <a:stretch>
+            <a:fillRect/>
+          </a:stretch>
+        </p:blipFill>
+        <p:spPr>
+          <a:xfrm>
+            <a:off x="8996882" y="1846662"/>
+            <a:ext cx="2634285" cy="3524491"/>
           </a:xfrm>
           <a:prstGeom prst="rect">
             <a:avLst/>
           </a:prstGeom>
         </p:spPr>
       </p:pic>
+      <p:sp>
+        <p:nvSpPr>
+          <p:cNvPr id="9" name="Content Placeholder 2">
+            <a:extLst>
+              <a:ext uri="{FF2B5EF4-FFF2-40B4-BE49-F238E27FC236}">
+                <a16:creationId xmlns="" xmlns:a16="http://schemas.microsoft.com/office/drawing/2014/main" id="{4FFC9F3E-C7DF-44CE-A057-14D5228F5C26}"/>
+              </a:ext>
+            </a:extLst>
+          </p:cNvPr>
+          <p:cNvSpPr txBox="1">
+            <a:spLocks/>
+          </p:cNvSpPr>
+          <p:nvPr/>
+        </p:nvSpPr>
+        <p:spPr>
+          <a:xfrm>
+            <a:off x="560831" y="1604309"/>
+            <a:ext cx="11070336" cy="4640166"/>
+          </a:xfrm>
+          <a:prstGeom prst="rect">
+            <a:avLst/>
+          </a:prstGeom>
+        </p:spPr>
+        <p:txBody>
+          <a:bodyPr vert="horz" lIns="91440" tIns="45720" rIns="91440" bIns="45720" rtlCol="0">
+            <a:normAutofit/>
+          </a:bodyPr>
+          <a:lstStyle>
+            <a:lvl1pPr marL="228600" indent="-228600" algn="l" defTabSz="914400" rtl="0" eaLnBrk="1" latinLnBrk="0" hangingPunct="1">
+              <a:lnSpc>
+                <a:spcPct val="90000"/>
+              </a:lnSpc>
+              <a:spcBef>
+                <a:spcPts val="1000"/>
+              </a:spcBef>
+              <a:buFont typeface="Wingdings" panose="05000000000000000000" pitchFamily="2" charset="2"/>
+              <a:buChar char="§"/>
+              <a:defRPr sz="2400" kern="1200">
+                <a:solidFill>
+                  <a:schemeClr val="tx1"/>
+                </a:solidFill>
+                <a:latin typeface="+mj-lt"/>
+                <a:ea typeface="+mn-ea"/>
+                <a:cs typeface="+mn-cs"/>
+              </a:defRPr>
+            </a:lvl1pPr>
+            <a:lvl2pPr marL="685800" indent="-228600" algn="l" defTabSz="914400" rtl="0" eaLnBrk="1" latinLnBrk="0" hangingPunct="1">
+              <a:lnSpc>
+                <a:spcPct val="90000"/>
+              </a:lnSpc>
+              <a:spcBef>
+                <a:spcPts val="500"/>
+              </a:spcBef>
+              <a:buFont typeface="Arial" panose="020B0604020202020204" pitchFamily="34" charset="0"/>
+              <a:buChar char="•"/>
+              <a:defRPr sz="2000" kern="1200">
+                <a:solidFill>
+                  <a:schemeClr val="tx1"/>
+                </a:solidFill>
+                <a:latin typeface="+mj-lt"/>
+                <a:ea typeface="+mn-ea"/>
+                <a:cs typeface="+mn-cs"/>
+              </a:defRPr>
+            </a:lvl2pPr>
+            <a:lvl3pPr marL="1143000" indent="-228600" algn="l" defTabSz="914400" rtl="0" eaLnBrk="1" latinLnBrk="0" hangingPunct="1">
+              <a:lnSpc>
+                <a:spcPct val="90000"/>
+              </a:lnSpc>
+              <a:spcBef>
+                <a:spcPts val="500"/>
+              </a:spcBef>
+              <a:buFont typeface=".AppleSystemUIFont" charset="-120"/>
+              <a:buChar char="−"/>
+              <a:defRPr sz="1800" kern="1200">
+                <a:solidFill>
+                  <a:schemeClr val="tx1"/>
+                </a:solidFill>
+                <a:latin typeface="+mj-lt"/>
+                <a:ea typeface="+mn-ea"/>
+                <a:cs typeface="+mn-cs"/>
+              </a:defRPr>
+            </a:lvl3pPr>
+            <a:lvl4pPr marL="1600200" indent="-228600" algn="l" defTabSz="914400" rtl="0" eaLnBrk="1" latinLnBrk="0" hangingPunct="1">
+              <a:lnSpc>
+                <a:spcPct val="90000"/>
+              </a:lnSpc>
+              <a:spcBef>
+                <a:spcPts val="500"/>
+              </a:spcBef>
+              <a:buFont typeface=".AppleSystemUIFont" charset="-120"/>
+              <a:buChar char="−"/>
+              <a:defRPr sz="1600" kern="1200">
+                <a:solidFill>
+                  <a:schemeClr val="tx1"/>
+                </a:solidFill>
+                <a:latin typeface="+mj-lt"/>
+                <a:ea typeface="+mn-ea"/>
+                <a:cs typeface="+mn-cs"/>
+              </a:defRPr>
+            </a:lvl4pPr>
+            <a:lvl5pPr marL="2057400" indent="-228600" algn="l" defTabSz="914400" rtl="0" eaLnBrk="1" latinLnBrk="0" hangingPunct="1">
+              <a:lnSpc>
+                <a:spcPct val="90000"/>
+              </a:lnSpc>
+              <a:spcBef>
+                <a:spcPts val="500"/>
+              </a:spcBef>
+              <a:buFont typeface=".AppleSystemUIFont" charset="-120"/>
+              <a:buChar char="−"/>
+              <a:defRPr sz="1400" kern="1200">
+                <a:solidFill>
+                  <a:schemeClr val="tx1"/>
+                </a:solidFill>
+                <a:latin typeface="+mj-lt"/>
+                <a:ea typeface="+mn-ea"/>
+                <a:cs typeface="+mn-cs"/>
+              </a:defRPr>
+            </a:lvl5pPr>
+            <a:lvl6pPr marL="2514600" indent="-228600" algn="l" defTabSz="914400" rtl="0" eaLnBrk="1" latinLnBrk="0" hangingPunct="1">
+              <a:lnSpc>
+                <a:spcPct val="90000"/>
+              </a:lnSpc>
+              <a:spcBef>
+                <a:spcPts val="500"/>
+              </a:spcBef>
+              <a:buFont typeface="Arial"/>
+              <a:buChar char="•"/>
+              <a:defRPr sz="1800" kern="1200">
+                <a:solidFill>
+                  <a:schemeClr val="tx1"/>
+                </a:solidFill>
+                <a:latin typeface="+mn-lt"/>
+                <a:ea typeface="+mn-ea"/>
+                <a:cs typeface="+mn-cs"/>
+              </a:defRPr>
+            </a:lvl6pPr>
+            <a:lvl7pPr marL="2971800" indent="-228600" algn="l" defTabSz="914400" rtl="0" eaLnBrk="1" latinLnBrk="0" hangingPunct="1">
+              <a:lnSpc>
+                <a:spcPct val="90000"/>
+              </a:lnSpc>
+              <a:spcBef>
+                <a:spcPts val="500"/>
+              </a:spcBef>
+              <a:buFont typeface="Arial"/>
+              <a:buChar char="•"/>
+              <a:defRPr sz="1800" kern="1200">
+                <a:solidFill>
+                  <a:schemeClr val="tx1"/>
+                </a:solidFill>
+                <a:latin typeface="+mn-lt"/>
+                <a:ea typeface="+mn-ea"/>
+                <a:cs typeface="+mn-cs"/>
+              </a:defRPr>
+            </a:lvl7pPr>
+            <a:lvl8pPr marL="3429000" indent="-228600" algn="l" defTabSz="914400" rtl="0" eaLnBrk="1" latinLnBrk="0" hangingPunct="1">
+              <a:lnSpc>
+                <a:spcPct val="90000"/>
+              </a:lnSpc>
+              <a:spcBef>
+                <a:spcPts val="500"/>
+              </a:spcBef>
+              <a:buFont typeface="Arial"/>
+              <a:buChar char="•"/>
+              <a:defRPr sz="1800" kern="1200">
+                <a:solidFill>
+                  <a:schemeClr val="tx1"/>
+                </a:solidFill>
+                <a:latin typeface="+mn-lt"/>
+                <a:ea typeface="+mn-ea"/>
+                <a:cs typeface="+mn-cs"/>
+              </a:defRPr>
+            </a:lvl8pPr>
+            <a:lvl9pPr marL="3886200" indent="-228600" algn="l" defTabSz="914400" rtl="0" eaLnBrk="1" latinLnBrk="0" hangingPunct="1">
+              <a:lnSpc>
+                <a:spcPct val="90000"/>
+              </a:lnSpc>
+              <a:spcBef>
+                <a:spcPts val="500"/>
+              </a:spcBef>
+              <a:buFont typeface="Arial"/>
+              <a:buChar char="•"/>
+              <a:defRPr sz="1800" kern="1200">
+                <a:solidFill>
+                  <a:schemeClr val="tx1"/>
+                </a:solidFill>
+                <a:latin typeface="+mn-lt"/>
+                <a:ea typeface="+mn-ea"/>
+                <a:cs typeface="+mn-cs"/>
+              </a:defRPr>
+            </a:lvl9pPr>
+          </a:lstStyle>
+          <a:p>
+            <a:r>
+              <a:rPr lang="en-US" sz="2800" dirty="0" smtClean="0"/>
+              <a:t>EQ</a:t>
+            </a:r>
+          </a:p>
+          <a:p>
+            <a:r>
+              <a:rPr lang="en-US" sz="2800" dirty="0" smtClean="0"/>
+              <a:t>Compression</a:t>
+            </a:r>
+          </a:p>
+          <a:p>
+            <a:endParaRPr lang="en-US" sz="2800" dirty="0"/>
+          </a:p>
+        </p:txBody>
+      </p:sp>
     </p:spTree>
     <p:extLst>
       <p:ext uri="{BB962C8B-B14F-4D97-AF65-F5344CB8AC3E}">
-        <p14:creationId xmlns:p14="http://schemas.microsoft.com/office/powerpoint/2010/main" val="2075727282"/>
+        <p14:creationId xmlns:p14="http://schemas.microsoft.com/office/powerpoint/2010/main" val="908518647"/>
       </p:ext>
     </p:extLst>
   </p:cSld>
@@ -6019,7 +7497,7 @@
           <p:cNvPr id="2" name="Title 1">
             <a:extLst>
               <a:ext uri="{FF2B5EF4-FFF2-40B4-BE49-F238E27FC236}">
-                <a16:creationId xmlns:a16="http://schemas.microsoft.com/office/drawing/2014/main" xmlns="" id="{9045A477-9EA3-4F5C-B4B9-8CE29E6FF138}"/>
+                <a16:creationId xmlns="" xmlns:a16="http://schemas.microsoft.com/office/drawing/2014/main" id="{9045A477-9EA3-4F5C-B4B9-8CE29E6FF138}"/>
               </a:ext>
             </a:extLst>
           </p:cNvPr>
@@ -6037,136 +7515,21 @@
           <a:p>
             <a:r>
               <a:rPr lang="en-US" dirty="0" smtClean="0"/>
-              <a:t>Rule-based System: reverb</a:t>
+              <a:t>Audio Processing</a:t>
             </a:r>
             <a:endParaRPr lang="en-US" dirty="0"/>
           </a:p>
         </p:txBody>
       </p:sp>
-      <p:sp>
-        <p:nvSpPr>
-          <p:cNvPr id="3" name="Content Placeholder 2">
-            <a:extLst>
-              <a:ext uri="{FF2B5EF4-FFF2-40B4-BE49-F238E27FC236}">
-                <a16:creationId xmlns:a16="http://schemas.microsoft.com/office/drawing/2014/main" xmlns="" id="{4FFC9F3E-C7DF-44CE-A057-14D5228F5C26}"/>
-              </a:ext>
-            </a:extLst>
-          </p:cNvPr>
-          <p:cNvSpPr>
-            <a:spLocks noGrp="1"/>
-          </p:cNvSpPr>
+      <p:pic>
+        <p:nvPicPr>
+          <p:cNvPr id="4" name="Content Placeholder 3"/>
+          <p:cNvPicPr>
+            <a:picLocks noGrp="1" noChangeAspect="1"/>
+          </p:cNvPicPr>
           <p:nvPr>
             <p:ph idx="1"/>
           </p:nvPr>
-        </p:nvSpPr>
-        <p:spPr/>
-        <p:txBody>
-          <a:bodyPr>
-            <a:noAutofit/>
-          </a:bodyPr>
-          <a:lstStyle/>
-          <a:p>
-            <a:pPr marL="514350" indent="-514350">
-              <a:buFont typeface="+mj-lt"/>
-              <a:buAutoNum type="arabicPeriod"/>
-            </a:pPr>
-            <a:r>
-              <a:rPr lang="en-US" sz="2800" b="1" dirty="0" smtClean="0"/>
-              <a:t>Get the estimated impulse responses from the Chameleon plugin</a:t>
-            </a:r>
-          </a:p>
-          <a:p>
-            <a:pPr marL="514350" indent="-514350">
-              <a:buFont typeface="+mj-lt"/>
-              <a:buAutoNum type="arabicPeriod"/>
-            </a:pPr>
-            <a:r>
-              <a:rPr lang="en-US" sz="2800" b="1" dirty="0" smtClean="0"/>
-              <a:t>Estimate the reverb parameters by the genetic algorithm</a:t>
-            </a:r>
-          </a:p>
-          <a:p>
-            <a:pPr marL="514350" indent="-514350">
-              <a:buFont typeface="+mj-lt"/>
-              <a:buAutoNum type="arabicPeriod"/>
-            </a:pPr>
-            <a:r>
-              <a:rPr lang="en-US" sz="2800" b="1" dirty="0" smtClean="0"/>
-              <a:t>Use mean </a:t>
-            </a:r>
-            <a:r>
-              <a:rPr lang="en-US" sz="2800" b="1" dirty="0"/>
-              <a:t>values extracted from the MUSDB18 </a:t>
-            </a:r>
-            <a:r>
-              <a:rPr lang="en-US" sz="2800" b="1" dirty="0" smtClean="0"/>
-              <a:t>train </a:t>
-            </a:r>
-            <a:r>
-              <a:rPr lang="en-US" sz="2800" b="1" dirty="0"/>
-              <a:t>set</a:t>
-            </a:r>
-          </a:p>
-          <a:p>
-            <a:endParaRPr lang="en-US" sz="2800" b="1" dirty="0" smtClean="0"/>
-          </a:p>
-          <a:p>
-            <a:r>
-              <a:rPr lang="en-US" sz="2800" b="1" dirty="0" smtClean="0"/>
-              <a:t>Reverb</a:t>
-            </a:r>
-            <a:endParaRPr lang="en-US" sz="2400" dirty="0"/>
-          </a:p>
-          <a:p>
-            <a:pPr lvl="1"/>
-            <a:r>
-              <a:rPr lang="en-US" sz="2400" dirty="0" smtClean="0"/>
-              <a:t>Dry/wet ratio: 11.5%</a:t>
-            </a:r>
-          </a:p>
-          <a:p>
-            <a:pPr lvl="1"/>
-            <a:r>
-              <a:rPr lang="en-US" sz="2400" dirty="0"/>
-              <a:t>Reverb time: Linear mapping from </a:t>
-            </a:r>
-            <a:r>
-              <a:rPr lang="en-US" sz="2400" dirty="0" smtClean="0"/>
-              <a:t>tempo</a:t>
-            </a:r>
-          </a:p>
-          <a:p>
-            <a:pPr lvl="1"/>
-            <a:r>
-              <a:rPr lang="en-US" sz="2400" dirty="0" smtClean="0"/>
-              <a:t>Room size: </a:t>
-            </a:r>
-            <a:r>
-              <a:rPr lang="en-US" sz="2400" dirty="0"/>
-              <a:t>14.54</a:t>
-            </a:r>
-          </a:p>
-          <a:p>
-            <a:pPr lvl="1"/>
-            <a:r>
-              <a:rPr lang="en-US" sz="2400" dirty="0"/>
-              <a:t>Fade in time: 0.68 </a:t>
-            </a:r>
-            <a:r>
-              <a:rPr lang="en-US" sz="2400" dirty="0" smtClean="0"/>
-              <a:t>s</a:t>
-            </a:r>
-            <a:endParaRPr lang="en-US" sz="2400" dirty="0"/>
-          </a:p>
-        </p:txBody>
-      </p:sp>
-      <p:pic>
-        <p:nvPicPr>
-          <p:cNvPr id="4" name="Picture 3"/>
-          <p:cNvPicPr>
-            <a:picLocks noChangeAspect="1"/>
-          </p:cNvPicPr>
-          <p:nvPr/>
         </p:nvPicPr>
         <p:blipFill>
           <a:blip r:embed="rId2">
@@ -6182,18 +7545,289 @@
         </p:blipFill>
         <p:spPr>
           <a:xfrm>
-            <a:off x="9323239" y="3356658"/>
-            <a:ext cx="2307928" cy="2673350"/>
+            <a:off x="4111693" y="1553550"/>
+            <a:ext cx="5539470" cy="2317016"/>
+          </a:xfrm>
+        </p:spPr>
+      </p:pic>
+      <p:pic>
+        <p:nvPicPr>
+          <p:cNvPr id="6" name="Picture 5"/>
+          <p:cNvPicPr>
+            <a:picLocks noChangeAspect="1"/>
+          </p:cNvPicPr>
+          <p:nvPr/>
+        </p:nvPicPr>
+        <p:blipFill>
+          <a:blip r:embed="rId3">
+            <a:extLst>
+              <a:ext uri="{28A0092B-C50C-407E-A947-70E740481C1C}">
+                <a14:useLocalDpi xmlns:a14="http://schemas.microsoft.com/office/drawing/2010/main" val="0"/>
+              </a:ext>
+            </a:extLst>
+          </a:blip>
+          <a:stretch>
+            <a:fillRect/>
+          </a:stretch>
+        </p:blipFill>
+        <p:spPr>
+          <a:xfrm>
+            <a:off x="8996882" y="1846662"/>
+            <a:ext cx="2634285" cy="3524491"/>
           </a:xfrm>
           <a:prstGeom prst="rect">
             <a:avLst/>
           </a:prstGeom>
         </p:spPr>
       </p:pic>
+      <p:pic>
+        <p:nvPicPr>
+          <p:cNvPr id="7" name="Picture 6"/>
+          <p:cNvPicPr>
+            <a:picLocks noChangeAspect="1"/>
+          </p:cNvPicPr>
+          <p:nvPr/>
+        </p:nvPicPr>
+        <p:blipFill>
+          <a:blip r:embed="rId4">
+            <a:extLst>
+              <a:ext uri="{28A0092B-C50C-407E-A947-70E740481C1C}">
+                <a14:useLocalDpi xmlns:a14="http://schemas.microsoft.com/office/drawing/2010/main" val="0"/>
+              </a:ext>
+            </a:extLst>
+          </a:blip>
+          <a:stretch>
+            <a:fillRect/>
+          </a:stretch>
+        </p:blipFill>
+        <p:spPr>
+          <a:xfrm>
+            <a:off x="6202526" y="3049273"/>
+            <a:ext cx="4008216" cy="3195202"/>
+          </a:xfrm>
+          <a:prstGeom prst="rect">
+            <a:avLst/>
+          </a:prstGeom>
+        </p:spPr>
+      </p:pic>
+      <p:sp>
+        <p:nvSpPr>
+          <p:cNvPr id="9" name="Content Placeholder 2">
+            <a:extLst>
+              <a:ext uri="{FF2B5EF4-FFF2-40B4-BE49-F238E27FC236}">
+                <a16:creationId xmlns="" xmlns:a16="http://schemas.microsoft.com/office/drawing/2014/main" id="{4FFC9F3E-C7DF-44CE-A057-14D5228F5C26}"/>
+              </a:ext>
+            </a:extLst>
+          </p:cNvPr>
+          <p:cNvSpPr txBox="1">
+            <a:spLocks/>
+          </p:cNvSpPr>
+          <p:nvPr/>
+        </p:nvSpPr>
+        <p:spPr>
+          <a:xfrm>
+            <a:off x="560831" y="1604309"/>
+            <a:ext cx="11070336" cy="4640166"/>
+          </a:xfrm>
+          <a:prstGeom prst="rect">
+            <a:avLst/>
+          </a:prstGeom>
+        </p:spPr>
+        <p:txBody>
+          <a:bodyPr vert="horz" lIns="91440" tIns="45720" rIns="91440" bIns="45720" rtlCol="0">
+            <a:normAutofit/>
+          </a:bodyPr>
+          <a:lstStyle>
+            <a:lvl1pPr marL="228600" indent="-228600" algn="l" defTabSz="914400" rtl="0" eaLnBrk="1" latinLnBrk="0" hangingPunct="1">
+              <a:lnSpc>
+                <a:spcPct val="90000"/>
+              </a:lnSpc>
+              <a:spcBef>
+                <a:spcPts val="1000"/>
+              </a:spcBef>
+              <a:buFont typeface="Wingdings" panose="05000000000000000000" pitchFamily="2" charset="2"/>
+              <a:buChar char="§"/>
+              <a:defRPr sz="2400" kern="1200">
+                <a:solidFill>
+                  <a:schemeClr val="tx1"/>
+                </a:solidFill>
+                <a:latin typeface="+mj-lt"/>
+                <a:ea typeface="+mn-ea"/>
+                <a:cs typeface="+mn-cs"/>
+              </a:defRPr>
+            </a:lvl1pPr>
+            <a:lvl2pPr marL="685800" indent="-228600" algn="l" defTabSz="914400" rtl="0" eaLnBrk="1" latinLnBrk="0" hangingPunct="1">
+              <a:lnSpc>
+                <a:spcPct val="90000"/>
+              </a:lnSpc>
+              <a:spcBef>
+                <a:spcPts val="500"/>
+              </a:spcBef>
+              <a:buFont typeface="Arial" panose="020B0604020202020204" pitchFamily="34" charset="0"/>
+              <a:buChar char="•"/>
+              <a:defRPr sz="2000" kern="1200">
+                <a:solidFill>
+                  <a:schemeClr val="tx1"/>
+                </a:solidFill>
+                <a:latin typeface="+mj-lt"/>
+                <a:ea typeface="+mn-ea"/>
+                <a:cs typeface="+mn-cs"/>
+              </a:defRPr>
+            </a:lvl2pPr>
+            <a:lvl3pPr marL="1143000" indent="-228600" algn="l" defTabSz="914400" rtl="0" eaLnBrk="1" latinLnBrk="0" hangingPunct="1">
+              <a:lnSpc>
+                <a:spcPct val="90000"/>
+              </a:lnSpc>
+              <a:spcBef>
+                <a:spcPts val="500"/>
+              </a:spcBef>
+              <a:buFont typeface=".AppleSystemUIFont" charset="-120"/>
+              <a:buChar char="−"/>
+              <a:defRPr sz="1800" kern="1200">
+                <a:solidFill>
+                  <a:schemeClr val="tx1"/>
+                </a:solidFill>
+                <a:latin typeface="+mj-lt"/>
+                <a:ea typeface="+mn-ea"/>
+                <a:cs typeface="+mn-cs"/>
+              </a:defRPr>
+            </a:lvl3pPr>
+            <a:lvl4pPr marL="1600200" indent="-228600" algn="l" defTabSz="914400" rtl="0" eaLnBrk="1" latinLnBrk="0" hangingPunct="1">
+              <a:lnSpc>
+                <a:spcPct val="90000"/>
+              </a:lnSpc>
+              <a:spcBef>
+                <a:spcPts val="500"/>
+              </a:spcBef>
+              <a:buFont typeface=".AppleSystemUIFont" charset="-120"/>
+              <a:buChar char="−"/>
+              <a:defRPr sz="1600" kern="1200">
+                <a:solidFill>
+                  <a:schemeClr val="tx1"/>
+                </a:solidFill>
+                <a:latin typeface="+mj-lt"/>
+                <a:ea typeface="+mn-ea"/>
+                <a:cs typeface="+mn-cs"/>
+              </a:defRPr>
+            </a:lvl4pPr>
+            <a:lvl5pPr marL="2057400" indent="-228600" algn="l" defTabSz="914400" rtl="0" eaLnBrk="1" latinLnBrk="0" hangingPunct="1">
+              <a:lnSpc>
+                <a:spcPct val="90000"/>
+              </a:lnSpc>
+              <a:spcBef>
+                <a:spcPts val="500"/>
+              </a:spcBef>
+              <a:buFont typeface=".AppleSystemUIFont" charset="-120"/>
+              <a:buChar char="−"/>
+              <a:defRPr sz="1400" kern="1200">
+                <a:solidFill>
+                  <a:schemeClr val="tx1"/>
+                </a:solidFill>
+                <a:latin typeface="+mj-lt"/>
+                <a:ea typeface="+mn-ea"/>
+                <a:cs typeface="+mn-cs"/>
+              </a:defRPr>
+            </a:lvl5pPr>
+            <a:lvl6pPr marL="2514600" indent="-228600" algn="l" defTabSz="914400" rtl="0" eaLnBrk="1" latinLnBrk="0" hangingPunct="1">
+              <a:lnSpc>
+                <a:spcPct val="90000"/>
+              </a:lnSpc>
+              <a:spcBef>
+                <a:spcPts val="500"/>
+              </a:spcBef>
+              <a:buFont typeface="Arial"/>
+              <a:buChar char="•"/>
+              <a:defRPr sz="1800" kern="1200">
+                <a:solidFill>
+                  <a:schemeClr val="tx1"/>
+                </a:solidFill>
+                <a:latin typeface="+mn-lt"/>
+                <a:ea typeface="+mn-ea"/>
+                <a:cs typeface="+mn-cs"/>
+              </a:defRPr>
+            </a:lvl6pPr>
+            <a:lvl7pPr marL="2971800" indent="-228600" algn="l" defTabSz="914400" rtl="0" eaLnBrk="1" latinLnBrk="0" hangingPunct="1">
+              <a:lnSpc>
+                <a:spcPct val="90000"/>
+              </a:lnSpc>
+              <a:spcBef>
+                <a:spcPts val="500"/>
+              </a:spcBef>
+              <a:buFont typeface="Arial"/>
+              <a:buChar char="•"/>
+              <a:defRPr sz="1800" kern="1200">
+                <a:solidFill>
+                  <a:schemeClr val="tx1"/>
+                </a:solidFill>
+                <a:latin typeface="+mn-lt"/>
+                <a:ea typeface="+mn-ea"/>
+                <a:cs typeface="+mn-cs"/>
+              </a:defRPr>
+            </a:lvl7pPr>
+            <a:lvl8pPr marL="3429000" indent="-228600" algn="l" defTabSz="914400" rtl="0" eaLnBrk="1" latinLnBrk="0" hangingPunct="1">
+              <a:lnSpc>
+                <a:spcPct val="90000"/>
+              </a:lnSpc>
+              <a:spcBef>
+                <a:spcPts val="500"/>
+              </a:spcBef>
+              <a:buFont typeface="Arial"/>
+              <a:buChar char="•"/>
+              <a:defRPr sz="1800" kern="1200">
+                <a:solidFill>
+                  <a:schemeClr val="tx1"/>
+                </a:solidFill>
+                <a:latin typeface="+mn-lt"/>
+                <a:ea typeface="+mn-ea"/>
+                <a:cs typeface="+mn-cs"/>
+              </a:defRPr>
+            </a:lvl8pPr>
+            <a:lvl9pPr marL="3886200" indent="-228600" algn="l" defTabSz="914400" rtl="0" eaLnBrk="1" latinLnBrk="0" hangingPunct="1">
+              <a:lnSpc>
+                <a:spcPct val="90000"/>
+              </a:lnSpc>
+              <a:spcBef>
+                <a:spcPts val="500"/>
+              </a:spcBef>
+              <a:buFont typeface="Arial"/>
+              <a:buChar char="•"/>
+              <a:defRPr sz="1800" kern="1200">
+                <a:solidFill>
+                  <a:schemeClr val="tx1"/>
+                </a:solidFill>
+                <a:latin typeface="+mn-lt"/>
+                <a:ea typeface="+mn-ea"/>
+                <a:cs typeface="+mn-cs"/>
+              </a:defRPr>
+            </a:lvl9pPr>
+          </a:lstStyle>
+          <a:p>
+            <a:r>
+              <a:rPr lang="en-US" sz="2800" dirty="0" smtClean="0"/>
+              <a:t>EQ</a:t>
+            </a:r>
+          </a:p>
+          <a:p>
+            <a:r>
+              <a:rPr lang="en-US" sz="2800" dirty="0" smtClean="0"/>
+              <a:t>Compression</a:t>
+            </a:r>
+          </a:p>
+          <a:p>
+            <a:r>
+              <a:rPr lang="en-US" sz="2800" dirty="0" smtClean="0"/>
+              <a:t>Reverb</a:t>
+            </a:r>
+          </a:p>
+          <a:p>
+            <a:endParaRPr lang="en-US" sz="2800" dirty="0"/>
+          </a:p>
+        </p:txBody>
+      </p:sp>
     </p:spTree>
     <p:extLst>
       <p:ext uri="{BB962C8B-B14F-4D97-AF65-F5344CB8AC3E}">
-        <p14:creationId xmlns:p14="http://schemas.microsoft.com/office/powerpoint/2010/main" val="1210131308"/>
+        <p14:creationId xmlns:p14="http://schemas.microsoft.com/office/powerpoint/2010/main" val="1526898543"/>
       </p:ext>
     </p:extLst>
   </p:cSld>
@@ -6232,7 +7866,7 @@
           <p:cNvPr id="2" name="Title 1">
             <a:extLst>
               <a:ext uri="{FF2B5EF4-FFF2-40B4-BE49-F238E27FC236}">
-                <a16:creationId xmlns:a16="http://schemas.microsoft.com/office/drawing/2014/main" xmlns="" id="{9045A477-9EA3-4F5C-B4B9-8CE29E6FF138}"/>
+                <a16:creationId xmlns="" xmlns:a16="http://schemas.microsoft.com/office/drawing/2014/main" id="{9045A477-9EA3-4F5C-B4B9-8CE29E6FF138}"/>
               </a:ext>
             </a:extLst>
           </p:cNvPr>
@@ -6245,107 +7879,360 @@
         </p:nvSpPr>
         <p:spPr/>
         <p:txBody>
-          <a:bodyPr>
-            <a:normAutofit/>
-          </a:bodyPr>
+          <a:bodyPr/>
           <a:lstStyle/>
           <a:p>
             <a:r>
               <a:rPr lang="en-US" dirty="0" smtClean="0"/>
-              <a:t>Data-driven System</a:t>
+              <a:t>Audio Processing</a:t>
             </a:r>
             <a:endParaRPr lang="en-US" dirty="0"/>
           </a:p>
         </p:txBody>
       </p:sp>
-      <p:sp>
-        <p:nvSpPr>
-          <p:cNvPr id="5" name="Content Placeholder 4"/>
-          <p:cNvSpPr>
-            <a:spLocks noGrp="1"/>
-          </p:cNvSpPr>
+      <p:pic>
+        <p:nvPicPr>
+          <p:cNvPr id="4" name="Content Placeholder 3"/>
+          <p:cNvPicPr>
+            <a:picLocks noGrp="1" noChangeAspect="1"/>
+          </p:cNvPicPr>
           <p:nvPr>
             <p:ph idx="1"/>
           </p:nvPr>
-        </p:nvSpPr>
-        <p:spPr/>
-        <p:txBody>
-          <a:bodyPr>
+        </p:nvPicPr>
+        <p:blipFill>
+          <a:blip r:embed="rId2">
+            <a:extLst>
+              <a:ext uri="{28A0092B-C50C-407E-A947-70E740481C1C}">
+                <a14:useLocalDpi xmlns:a14="http://schemas.microsoft.com/office/drawing/2010/main" val="0"/>
+              </a:ext>
+            </a:extLst>
+          </a:blip>
+          <a:stretch>
+            <a:fillRect/>
+          </a:stretch>
+        </p:blipFill>
+        <p:spPr>
+          <a:xfrm>
+            <a:off x="4111693" y="1553550"/>
+            <a:ext cx="5539470" cy="2317016"/>
+          </a:xfrm>
+        </p:spPr>
+      </p:pic>
+      <p:pic>
+        <p:nvPicPr>
+          <p:cNvPr id="6" name="Picture 5"/>
+          <p:cNvPicPr>
+            <a:picLocks noChangeAspect="1"/>
+          </p:cNvPicPr>
+          <p:nvPr/>
+        </p:nvPicPr>
+        <p:blipFill>
+          <a:blip r:embed="rId3">
+            <a:extLst>
+              <a:ext uri="{28A0092B-C50C-407E-A947-70E740481C1C}">
+                <a14:useLocalDpi xmlns:a14="http://schemas.microsoft.com/office/drawing/2010/main" val="0"/>
+              </a:ext>
+            </a:extLst>
+          </a:blip>
+          <a:stretch>
+            <a:fillRect/>
+          </a:stretch>
+        </p:blipFill>
+        <p:spPr>
+          <a:xfrm>
+            <a:off x="8996882" y="1846662"/>
+            <a:ext cx="2634285" cy="3524491"/>
+          </a:xfrm>
+          <a:prstGeom prst="rect">
+            <a:avLst/>
+          </a:prstGeom>
+        </p:spPr>
+      </p:pic>
+      <p:pic>
+        <p:nvPicPr>
+          <p:cNvPr id="7" name="Picture 6"/>
+          <p:cNvPicPr>
+            <a:picLocks noChangeAspect="1"/>
+          </p:cNvPicPr>
+          <p:nvPr/>
+        </p:nvPicPr>
+        <p:blipFill>
+          <a:blip r:embed="rId4">
+            <a:extLst>
+              <a:ext uri="{28A0092B-C50C-407E-A947-70E740481C1C}">
+                <a14:useLocalDpi xmlns:a14="http://schemas.microsoft.com/office/drawing/2010/main" val="0"/>
+              </a:ext>
+            </a:extLst>
+          </a:blip>
+          <a:stretch>
+            <a:fillRect/>
+          </a:stretch>
+        </p:blipFill>
+        <p:spPr>
+          <a:xfrm>
+            <a:off x="6202526" y="3049273"/>
+            <a:ext cx="4008216" cy="3195202"/>
+          </a:xfrm>
+          <a:prstGeom prst="rect">
+            <a:avLst/>
+          </a:prstGeom>
+        </p:spPr>
+      </p:pic>
+      <p:sp>
+        <p:nvSpPr>
+          <p:cNvPr id="9" name="Content Placeholder 2">
+            <a:extLst>
+              <a:ext uri="{FF2B5EF4-FFF2-40B4-BE49-F238E27FC236}">
+                <a16:creationId xmlns="" xmlns:a16="http://schemas.microsoft.com/office/drawing/2014/main" id="{4FFC9F3E-C7DF-44CE-A057-14D5228F5C26}"/>
+              </a:ext>
+            </a:extLst>
+          </p:cNvPr>
+          <p:cNvSpPr txBox="1">
+            <a:spLocks/>
+          </p:cNvSpPr>
+          <p:nvPr/>
+        </p:nvSpPr>
+        <p:spPr>
+          <a:xfrm>
+            <a:off x="560831" y="1604309"/>
+            <a:ext cx="11070336" cy="4640166"/>
+          </a:xfrm>
+          <a:prstGeom prst="rect">
+            <a:avLst/>
+          </a:prstGeom>
+        </p:spPr>
+        <p:txBody>
+          <a:bodyPr vert="horz" lIns="91440" tIns="45720" rIns="91440" bIns="45720" rtlCol="0">
             <a:normAutofit/>
           </a:bodyPr>
-          <a:lstStyle/>
-          <a:p>
-            <a:pPr marL="0" indent="0">
-              <a:buNone/>
-            </a:pPr>
-            <a:r>
-              <a:rPr lang="en-US" sz="3200" dirty="0" smtClean="0"/>
-              <a:t>Train a convolutional neural network to </a:t>
-            </a:r>
-            <a:r>
-              <a:rPr lang="en-US" sz="3200" dirty="0"/>
-              <a:t>predict </a:t>
-            </a:r>
-            <a:r>
-              <a:rPr lang="en-US" sz="3200" dirty="0" smtClean="0"/>
-              <a:t>direct or intermediate mixing parameters based on the input audio</a:t>
-            </a:r>
-          </a:p>
-          <a:p>
-            <a:pPr marL="0" indent="0">
-              <a:buNone/>
-            </a:pPr>
-            <a:endParaRPr lang="en-US" sz="3200" dirty="0"/>
-          </a:p>
-          <a:p>
-            <a:r>
-              <a:rPr lang="en-US" sz="3200" dirty="0" smtClean="0"/>
-              <a:t>model input</a:t>
-            </a:r>
-            <a:r>
-              <a:rPr lang="en-US" sz="3200" dirty="0"/>
-              <a:t>:</a:t>
-            </a:r>
-          </a:p>
-          <a:p>
-            <a:pPr marL="0" indent="0">
-              <a:buNone/>
-            </a:pPr>
-            <a:r>
-              <a:rPr lang="en-US" sz="3200" dirty="0"/>
-              <a:t>	</a:t>
-            </a:r>
-            <a:r>
-              <a:rPr lang="en-US" altLang="zh-CN" sz="3200" dirty="0" smtClean="0"/>
-              <a:t>M</a:t>
-            </a:r>
-            <a:r>
-              <a:rPr lang="en-US" sz="3200" dirty="0" smtClean="0"/>
-              <a:t>el-spectrogram of </a:t>
-            </a:r>
-            <a:r>
-              <a:rPr lang="en-US" sz="3200" dirty="0"/>
-              <a:t>the vocal and the backing track</a:t>
-            </a:r>
-          </a:p>
-          <a:p>
-            <a:pPr marL="0" indent="0">
-              <a:buNone/>
-            </a:pPr>
-            <a:endParaRPr lang="en-US" sz="3200" dirty="0"/>
-          </a:p>
-          <a:p>
-            <a:pPr marL="0" indent="0">
-              <a:buNone/>
-            </a:pPr>
-            <a:endParaRPr lang="en-US" sz="3200" dirty="0"/>
-          </a:p>
-        </p:txBody>
-      </p:sp>
+          <a:lstStyle>
+            <a:lvl1pPr marL="228600" indent="-228600" algn="l" defTabSz="914400" rtl="0" eaLnBrk="1" latinLnBrk="0" hangingPunct="1">
+              <a:lnSpc>
+                <a:spcPct val="90000"/>
+              </a:lnSpc>
+              <a:spcBef>
+                <a:spcPts val="1000"/>
+              </a:spcBef>
+              <a:buFont typeface="Wingdings" panose="05000000000000000000" pitchFamily="2" charset="2"/>
+              <a:buChar char="§"/>
+              <a:defRPr sz="2400" kern="1200">
+                <a:solidFill>
+                  <a:schemeClr val="tx1"/>
+                </a:solidFill>
+                <a:latin typeface="+mj-lt"/>
+                <a:ea typeface="+mn-ea"/>
+                <a:cs typeface="+mn-cs"/>
+              </a:defRPr>
+            </a:lvl1pPr>
+            <a:lvl2pPr marL="685800" indent="-228600" algn="l" defTabSz="914400" rtl="0" eaLnBrk="1" latinLnBrk="0" hangingPunct="1">
+              <a:lnSpc>
+                <a:spcPct val="90000"/>
+              </a:lnSpc>
+              <a:spcBef>
+                <a:spcPts val="500"/>
+              </a:spcBef>
+              <a:buFont typeface="Arial" panose="020B0604020202020204" pitchFamily="34" charset="0"/>
+              <a:buChar char="•"/>
+              <a:defRPr sz="2000" kern="1200">
+                <a:solidFill>
+                  <a:schemeClr val="tx1"/>
+                </a:solidFill>
+                <a:latin typeface="+mj-lt"/>
+                <a:ea typeface="+mn-ea"/>
+                <a:cs typeface="+mn-cs"/>
+              </a:defRPr>
+            </a:lvl2pPr>
+            <a:lvl3pPr marL="1143000" indent="-228600" algn="l" defTabSz="914400" rtl="0" eaLnBrk="1" latinLnBrk="0" hangingPunct="1">
+              <a:lnSpc>
+                <a:spcPct val="90000"/>
+              </a:lnSpc>
+              <a:spcBef>
+                <a:spcPts val="500"/>
+              </a:spcBef>
+              <a:buFont typeface=".AppleSystemUIFont" charset="-120"/>
+              <a:buChar char="−"/>
+              <a:defRPr sz="1800" kern="1200">
+                <a:solidFill>
+                  <a:schemeClr val="tx1"/>
+                </a:solidFill>
+                <a:latin typeface="+mj-lt"/>
+                <a:ea typeface="+mn-ea"/>
+                <a:cs typeface="+mn-cs"/>
+              </a:defRPr>
+            </a:lvl3pPr>
+            <a:lvl4pPr marL="1600200" indent="-228600" algn="l" defTabSz="914400" rtl="0" eaLnBrk="1" latinLnBrk="0" hangingPunct="1">
+              <a:lnSpc>
+                <a:spcPct val="90000"/>
+              </a:lnSpc>
+              <a:spcBef>
+                <a:spcPts val="500"/>
+              </a:spcBef>
+              <a:buFont typeface=".AppleSystemUIFont" charset="-120"/>
+              <a:buChar char="−"/>
+              <a:defRPr sz="1600" kern="1200">
+                <a:solidFill>
+                  <a:schemeClr val="tx1"/>
+                </a:solidFill>
+                <a:latin typeface="+mj-lt"/>
+                <a:ea typeface="+mn-ea"/>
+                <a:cs typeface="+mn-cs"/>
+              </a:defRPr>
+            </a:lvl4pPr>
+            <a:lvl5pPr marL="2057400" indent="-228600" algn="l" defTabSz="914400" rtl="0" eaLnBrk="1" latinLnBrk="0" hangingPunct="1">
+              <a:lnSpc>
+                <a:spcPct val="90000"/>
+              </a:lnSpc>
+              <a:spcBef>
+                <a:spcPts val="500"/>
+              </a:spcBef>
+              <a:buFont typeface=".AppleSystemUIFont" charset="-120"/>
+              <a:buChar char="−"/>
+              <a:defRPr sz="1400" kern="1200">
+                <a:solidFill>
+                  <a:schemeClr val="tx1"/>
+                </a:solidFill>
+                <a:latin typeface="+mj-lt"/>
+                <a:ea typeface="+mn-ea"/>
+                <a:cs typeface="+mn-cs"/>
+              </a:defRPr>
+            </a:lvl5pPr>
+            <a:lvl6pPr marL="2514600" indent="-228600" algn="l" defTabSz="914400" rtl="0" eaLnBrk="1" latinLnBrk="0" hangingPunct="1">
+              <a:lnSpc>
+                <a:spcPct val="90000"/>
+              </a:lnSpc>
+              <a:spcBef>
+                <a:spcPts val="500"/>
+              </a:spcBef>
+              <a:buFont typeface="Arial"/>
+              <a:buChar char="•"/>
+              <a:defRPr sz="1800" kern="1200">
+                <a:solidFill>
+                  <a:schemeClr val="tx1"/>
+                </a:solidFill>
+                <a:latin typeface="+mn-lt"/>
+                <a:ea typeface="+mn-ea"/>
+                <a:cs typeface="+mn-cs"/>
+              </a:defRPr>
+            </a:lvl6pPr>
+            <a:lvl7pPr marL="2971800" indent="-228600" algn="l" defTabSz="914400" rtl="0" eaLnBrk="1" latinLnBrk="0" hangingPunct="1">
+              <a:lnSpc>
+                <a:spcPct val="90000"/>
+              </a:lnSpc>
+              <a:spcBef>
+                <a:spcPts val="500"/>
+              </a:spcBef>
+              <a:buFont typeface="Arial"/>
+              <a:buChar char="•"/>
+              <a:defRPr sz="1800" kern="1200">
+                <a:solidFill>
+                  <a:schemeClr val="tx1"/>
+                </a:solidFill>
+                <a:latin typeface="+mn-lt"/>
+                <a:ea typeface="+mn-ea"/>
+                <a:cs typeface="+mn-cs"/>
+              </a:defRPr>
+            </a:lvl7pPr>
+            <a:lvl8pPr marL="3429000" indent="-228600" algn="l" defTabSz="914400" rtl="0" eaLnBrk="1" latinLnBrk="0" hangingPunct="1">
+              <a:lnSpc>
+                <a:spcPct val="90000"/>
+              </a:lnSpc>
+              <a:spcBef>
+                <a:spcPts val="500"/>
+              </a:spcBef>
+              <a:buFont typeface="Arial"/>
+              <a:buChar char="•"/>
+              <a:defRPr sz="1800" kern="1200">
+                <a:solidFill>
+                  <a:schemeClr val="tx1"/>
+                </a:solidFill>
+                <a:latin typeface="+mn-lt"/>
+                <a:ea typeface="+mn-ea"/>
+                <a:cs typeface="+mn-cs"/>
+              </a:defRPr>
+            </a:lvl8pPr>
+            <a:lvl9pPr marL="3886200" indent="-228600" algn="l" defTabSz="914400" rtl="0" eaLnBrk="1" latinLnBrk="0" hangingPunct="1">
+              <a:lnSpc>
+                <a:spcPct val="90000"/>
+              </a:lnSpc>
+              <a:spcBef>
+                <a:spcPts val="500"/>
+              </a:spcBef>
+              <a:buFont typeface="Arial"/>
+              <a:buChar char="•"/>
+              <a:defRPr sz="1800" kern="1200">
+                <a:solidFill>
+                  <a:schemeClr val="tx1"/>
+                </a:solidFill>
+                <a:latin typeface="+mn-lt"/>
+                <a:ea typeface="+mn-ea"/>
+                <a:cs typeface="+mn-cs"/>
+              </a:defRPr>
+            </a:lvl9pPr>
+          </a:lstStyle>
+          <a:p>
+            <a:r>
+              <a:rPr lang="en-US" sz="2800" dirty="0" smtClean="0"/>
+              <a:t>EQ</a:t>
+            </a:r>
+          </a:p>
+          <a:p>
+            <a:r>
+              <a:rPr lang="en-US" sz="2800" dirty="0" smtClean="0"/>
+              <a:t>Compression</a:t>
+            </a:r>
+          </a:p>
+          <a:p>
+            <a:r>
+              <a:rPr lang="en-US" sz="2800" dirty="0" smtClean="0"/>
+              <a:t>Reverb</a:t>
+            </a:r>
+          </a:p>
+          <a:p>
+            <a:r>
+              <a:rPr lang="en-US" sz="2800" dirty="0" smtClean="0"/>
+              <a:t>Level Balance</a:t>
+            </a:r>
+          </a:p>
+          <a:p>
+            <a:endParaRPr lang="en-US" sz="2800" dirty="0"/>
+          </a:p>
+        </p:txBody>
+      </p:sp>
+      <p:pic>
+        <p:nvPicPr>
+          <p:cNvPr id="3" name="Picture 2"/>
+          <p:cNvPicPr>
+            <a:picLocks noChangeAspect="1"/>
+          </p:cNvPicPr>
+          <p:nvPr/>
+        </p:nvPicPr>
+        <p:blipFill>
+          <a:blip r:embed="rId5">
+            <a:extLst>
+              <a:ext uri="{28A0092B-C50C-407E-A947-70E740481C1C}">
+                <a14:useLocalDpi xmlns:a14="http://schemas.microsoft.com/office/drawing/2010/main" val="0"/>
+              </a:ext>
+            </a:extLst>
+          </a:blip>
+          <a:stretch>
+            <a:fillRect/>
+          </a:stretch>
+        </p:blipFill>
+        <p:spPr>
+          <a:xfrm>
+            <a:off x="6202526" y="3262011"/>
+            <a:ext cx="1066800" cy="3200400"/>
+          </a:xfrm>
+          <a:prstGeom prst="rect">
+            <a:avLst/>
+          </a:prstGeom>
+        </p:spPr>
+      </p:pic>
     </p:spTree>
     <p:extLst>
       <p:ext uri="{BB962C8B-B14F-4D97-AF65-F5344CB8AC3E}">
-        <p14:creationId xmlns:p14="http://schemas.microsoft.com/office/powerpoint/2010/main" val="304958843"/>
+        <p14:creationId xmlns:p14="http://schemas.microsoft.com/office/powerpoint/2010/main" val="387991248"/>
       </p:ext>
     </p:extLst>
   </p:cSld>
@@ -6384,7 +8271,7 @@
           <p:cNvPr id="2" name="Title 1">
             <a:extLst>
               <a:ext uri="{FF2B5EF4-FFF2-40B4-BE49-F238E27FC236}">
-                <a16:creationId xmlns:a16="http://schemas.microsoft.com/office/drawing/2014/main" xmlns="" id="{9045A477-9EA3-4F5C-B4B9-8CE29E6FF138}"/>
+                <a16:creationId xmlns="" xmlns:a16="http://schemas.microsoft.com/office/drawing/2014/main" id="{9045A477-9EA3-4F5C-B4B9-8CE29E6FF138}"/>
               </a:ext>
             </a:extLst>
           </p:cNvPr>
@@ -6397,14 +8284,12 @@
         </p:nvSpPr>
         <p:spPr/>
         <p:txBody>
-          <a:bodyPr>
-            <a:normAutofit/>
-          </a:bodyPr>
+          <a:bodyPr/>
           <a:lstStyle/>
           <a:p>
             <a:r>
               <a:rPr lang="en-US" dirty="0" smtClean="0"/>
-              <a:t>Data-driven System</a:t>
+              <a:t>Baseline System: level and compression</a:t>
             </a:r>
             <a:endParaRPr lang="en-US" dirty="0"/>
           </a:p>
@@ -6412,7 +8297,13 @@
       </p:sp>
       <p:sp>
         <p:nvSpPr>
-          <p:cNvPr id="5" name="Content Placeholder 4"/>
+          <p:cNvPr id="3" name="Content Placeholder 2">
+            <a:extLst>
+              <a:ext uri="{FF2B5EF4-FFF2-40B4-BE49-F238E27FC236}">
+                <a16:creationId xmlns="" xmlns:a16="http://schemas.microsoft.com/office/drawing/2014/main" id="{4FFC9F3E-C7DF-44CE-A057-14D5228F5C26}"/>
+              </a:ext>
+            </a:extLst>
+          </p:cNvPr>
           <p:cNvSpPr>
             <a:spLocks noGrp="1"/>
           </p:cNvSpPr>
@@ -6423,57 +8314,80 @@
         <p:spPr/>
         <p:txBody>
           <a:bodyPr>
-            <a:normAutofit/>
+            <a:noAutofit/>
           </a:bodyPr>
           <a:lstStyle/>
           <a:p>
             <a:pPr marL="0" indent="0">
               <a:buNone/>
             </a:pPr>
-            <a:endParaRPr lang="en-US" sz="3200" dirty="0"/>
+            <a:r>
+              <a:rPr lang="en-US" sz="2800" b="1" dirty="0" smtClean="0"/>
+              <a:t>Use the average values extracted from the source-separated Million Song Dataset</a:t>
+            </a:r>
           </a:p>
           <a:p>
             <a:pPr marL="0" indent="0">
               <a:buNone/>
             </a:pPr>
-            <a:endParaRPr lang="en-US" sz="3200" dirty="0"/>
-          </a:p>
-        </p:txBody>
-      </p:sp>
-      <p:pic>
-        <p:nvPicPr>
-          <p:cNvPr id="3" name="Picture 2"/>
-          <p:cNvPicPr>
-            <a:picLocks noChangeAspect="1"/>
-          </p:cNvPicPr>
-          <p:nvPr/>
-        </p:nvPicPr>
-        <p:blipFill>
-          <a:blip r:embed="rId2">
-            <a:extLst>
-              <a:ext uri="{28A0092B-C50C-407E-A947-70E740481C1C}">
-                <a14:useLocalDpi xmlns:a14="http://schemas.microsoft.com/office/drawing/2010/main" val="0"/>
-              </a:ext>
-            </a:extLst>
-          </a:blip>
-          <a:stretch>
-            <a:fillRect/>
-          </a:stretch>
-        </p:blipFill>
-        <p:spPr>
-          <a:xfrm>
-            <a:off x="3224033" y="1371823"/>
-            <a:ext cx="5341233" cy="5169488"/>
-          </a:xfrm>
-          <a:prstGeom prst="rect">
-            <a:avLst/>
-          </a:prstGeom>
-        </p:spPr>
-      </p:pic>
+            <a:endParaRPr lang="en-US" sz="2800" b="1" dirty="0"/>
+          </a:p>
+          <a:p>
+            <a:r>
+              <a:rPr lang="en-US" sz="2800" b="1" dirty="0" smtClean="0"/>
+              <a:t>Level balance</a:t>
+            </a:r>
+          </a:p>
+          <a:p>
+            <a:pPr lvl="1"/>
+            <a:r>
+              <a:rPr lang="nb-NO" sz="2400" b="1" dirty="0"/>
+              <a:t>-</a:t>
+            </a:r>
+            <a:r>
+              <a:rPr lang="nb-NO" sz="2400" b="1" dirty="0" smtClean="0"/>
+              <a:t>1.77</a:t>
+            </a:r>
+            <a:r>
+              <a:rPr lang="sk-SK" sz="2400" dirty="0" smtClean="0"/>
+              <a:t> dB</a:t>
+            </a:r>
+            <a:r>
+              <a:rPr lang="en-US" sz="2400" dirty="0" smtClean="0"/>
+              <a:t> vocal-to-backing track ratio </a:t>
+            </a:r>
+          </a:p>
+          <a:p>
+            <a:pPr lvl="1"/>
+            <a:endParaRPr lang="en-US" sz="2400" dirty="0" smtClean="0"/>
+          </a:p>
+          <a:p>
+            <a:r>
+              <a:rPr lang="en-US" sz="2800" b="1" dirty="0" smtClean="0"/>
+              <a:t>Compression</a:t>
+            </a:r>
+          </a:p>
+          <a:p>
+            <a:pPr lvl="1"/>
+            <a:r>
+              <a:rPr lang="en-US" sz="2400" dirty="0" smtClean="0"/>
+              <a:t>16.4 dB </a:t>
+            </a:r>
+            <a:r>
+              <a:rPr lang="en-US" sz="2400" dirty="0"/>
+              <a:t>l</a:t>
+            </a:r>
+            <a:r>
+              <a:rPr lang="en-US" sz="2400" dirty="0" smtClean="0"/>
+              <a:t>oudness range</a:t>
+            </a:r>
+          </a:p>
+        </p:txBody>
+      </p:sp>
     </p:spTree>
     <p:extLst>
       <p:ext uri="{BB962C8B-B14F-4D97-AF65-F5344CB8AC3E}">
-        <p14:creationId xmlns:p14="http://schemas.microsoft.com/office/powerpoint/2010/main" val="377634786"/>
+        <p14:creationId xmlns:p14="http://schemas.microsoft.com/office/powerpoint/2010/main" val="2109491910"/>
       </p:ext>
     </p:extLst>
   </p:cSld>
@@ -6507,9 +8421,75 @@
           <a:chExt cx="0" cy="0"/>
         </a:xfrm>
       </p:grpSpPr>
+      <p:sp>
+        <p:nvSpPr>
+          <p:cNvPr id="2" name="Title 1">
+            <a:extLst>
+              <a:ext uri="{FF2B5EF4-FFF2-40B4-BE49-F238E27FC236}">
+                <a16:creationId xmlns="" xmlns:a16="http://schemas.microsoft.com/office/drawing/2014/main" id="{9045A477-9EA3-4F5C-B4B9-8CE29E6FF138}"/>
+              </a:ext>
+            </a:extLst>
+          </p:cNvPr>
+          <p:cNvSpPr>
+            <a:spLocks noGrp="1"/>
+          </p:cNvSpPr>
+          <p:nvPr>
+            <p:ph type="title"/>
+          </p:nvPr>
+        </p:nvSpPr>
+        <p:spPr/>
+        <p:txBody>
+          <a:bodyPr/>
+          <a:lstStyle/>
+          <a:p>
+            <a:r>
+              <a:rPr lang="en-US" dirty="0" smtClean="0"/>
+              <a:t>Baseline System: EQ</a:t>
+            </a:r>
+            <a:endParaRPr lang="en-US" dirty="0"/>
+          </a:p>
+        </p:txBody>
+      </p:sp>
+      <p:sp>
+        <p:nvSpPr>
+          <p:cNvPr id="3" name="Content Placeholder 2">
+            <a:extLst>
+              <a:ext uri="{FF2B5EF4-FFF2-40B4-BE49-F238E27FC236}">
+                <a16:creationId xmlns="" xmlns:a16="http://schemas.microsoft.com/office/drawing/2014/main" id="{4FFC9F3E-C7DF-44CE-A057-14D5228F5C26}"/>
+              </a:ext>
+            </a:extLst>
+          </p:cNvPr>
+          <p:cNvSpPr>
+            <a:spLocks noGrp="1"/>
+          </p:cNvSpPr>
+          <p:nvPr>
+            <p:ph idx="1"/>
+          </p:nvPr>
+        </p:nvSpPr>
+        <p:spPr/>
+        <p:txBody>
+          <a:bodyPr>
+            <a:noAutofit/>
+          </a:bodyPr>
+          <a:lstStyle/>
+          <a:p>
+            <a:r>
+              <a:rPr lang="en-US" sz="2800" b="1" dirty="0" smtClean="0"/>
+              <a:t>EQ</a:t>
+            </a:r>
+          </a:p>
+          <a:p>
+            <a:pPr lvl="1"/>
+            <a:r>
+              <a:rPr lang="en-US" sz="2400" dirty="0" smtClean="0"/>
+              <a:t>Frequency unmasking</a:t>
+            </a:r>
+          </a:p>
+        </p:txBody>
+      </p:sp>
       <p:pic>
         <p:nvPicPr>
-          <p:cNvPr id="2" name="Picture 1"/>
+          <p:cNvPr id="4" name="Picture 3"/>
           <p:cNvPicPr>
             <a:picLocks noChangeAspect="1"/>
           </p:cNvPicPr>
@@ -6529,366 +8509,8 @@
         </p:blipFill>
         <p:spPr>
           <a:xfrm>
-            <a:off x="164432" y="6306552"/>
-            <a:ext cx="1816100" cy="381000"/>
-          </a:xfrm>
-          <a:prstGeom prst="rect">
-            <a:avLst/>
-          </a:prstGeom>
-        </p:spPr>
-      </p:pic>
-      <p:sp>
-        <p:nvSpPr>
-          <p:cNvPr id="6" name="Rounded Rectangle 5"/>
-          <p:cNvSpPr/>
-          <p:nvPr/>
-        </p:nvSpPr>
-        <p:spPr>
-          <a:xfrm>
-            <a:off x="2188436" y="0"/>
-            <a:ext cx="7385929" cy="2199503"/>
-          </a:xfrm>
-          <a:prstGeom prst="roundRect">
-            <a:avLst/>
-          </a:prstGeom>
-          <a:solidFill>
-            <a:schemeClr val="accent1">
-              <a:lumMod val="60000"/>
-              <a:lumOff val="40000"/>
-              <a:alpha val="16000"/>
-            </a:schemeClr>
-          </a:solidFill>
-          <a:ln>
-            <a:noFill/>
-          </a:ln>
-        </p:spPr>
-        <p:style>
-          <a:lnRef idx="2">
-            <a:schemeClr val="accent1">
-              <a:shade val="50000"/>
-            </a:schemeClr>
-          </a:lnRef>
-          <a:fillRef idx="1">
-            <a:schemeClr val="accent1"/>
-          </a:fillRef>
-          <a:effectRef idx="0">
-            <a:schemeClr val="accent1"/>
-          </a:effectRef>
-          <a:fontRef idx="minor">
-            <a:schemeClr val="lt1"/>
-          </a:fontRef>
-        </p:style>
-        <p:txBody>
-          <a:bodyPr rtlCol="0" anchor="ctr"/>
-          <a:lstStyle/>
-          <a:p>
-            <a:pPr algn="ctr"/>
-            <a:endParaRPr lang="en-US">
-              <a:ln>
-                <a:solidFill>
-                  <a:sysClr val="windowText" lastClr="000000"/>
-                </a:solidFill>
-              </a:ln>
-            </a:endParaRPr>
-          </a:p>
-        </p:txBody>
-      </p:sp>
-      <p:sp>
-        <p:nvSpPr>
-          <p:cNvPr id="9" name="TextBox 8"/>
-          <p:cNvSpPr txBox="1"/>
-          <p:nvPr/>
-        </p:nvSpPr>
-        <p:spPr>
-          <a:xfrm>
-            <a:off x="112516" y="756730"/>
-            <a:ext cx="2054152" cy="461665"/>
-          </a:xfrm>
-          <a:prstGeom prst="rect">
-            <a:avLst/>
-          </a:prstGeom>
-          <a:noFill/>
-        </p:spPr>
-        <p:txBody>
-          <a:bodyPr wrap="none" rtlCol="0">
-            <a:spAutoFit/>
-          </a:bodyPr>
-          <a:lstStyle/>
-          <a:p>
-            <a:r>
-              <a:rPr lang="en-US" sz="2400" dirty="0" smtClean="0">
-                <a:ln w="0"/>
-                <a:solidFill>
-                  <a:schemeClr val="accent1"/>
-                </a:solidFill>
-                <a:effectLst>
-                  <a:outerShdw blurRad="38100" dist="25400" dir="5400000" algn="ctr" rotWithShape="0">
-                    <a:srgbClr val="6E747A">
-                      <a:alpha val="43000"/>
-                    </a:srgbClr>
-                  </a:outerShdw>
-                </a:effectLst>
-              </a:rPr>
-              <a:t>Model Training</a:t>
-            </a:r>
-            <a:endParaRPr lang="en-US" sz="2400" dirty="0">
-              <a:ln w="0"/>
-              <a:solidFill>
-                <a:schemeClr val="accent1"/>
-              </a:solidFill>
-              <a:effectLst>
-                <a:outerShdw blurRad="38100" dist="25400" dir="5400000" algn="ctr" rotWithShape="0">
-                  <a:srgbClr val="6E747A">
-                    <a:alpha val="43000"/>
-                  </a:srgbClr>
-                </a:outerShdw>
-              </a:effectLst>
-            </a:endParaRPr>
-          </a:p>
-        </p:txBody>
-      </p:sp>
-      <p:sp>
-        <p:nvSpPr>
-          <p:cNvPr id="8" name="Rounded Rectangle 7"/>
-          <p:cNvSpPr/>
-          <p:nvPr/>
-        </p:nvSpPr>
-        <p:spPr>
-          <a:xfrm>
-            <a:off x="2188436" y="2409568"/>
-            <a:ext cx="7385929" cy="3373394"/>
-          </a:xfrm>
-          <a:prstGeom prst="roundRect">
-            <a:avLst/>
-          </a:prstGeom>
-          <a:solidFill>
-            <a:schemeClr val="accent2">
-              <a:lumMod val="60000"/>
-              <a:lumOff val="40000"/>
-              <a:alpha val="16000"/>
-            </a:schemeClr>
-          </a:solidFill>
-          <a:ln>
-            <a:noFill/>
-          </a:ln>
-        </p:spPr>
-        <p:style>
-          <a:lnRef idx="2">
-            <a:schemeClr val="accent1">
-              <a:shade val="50000"/>
-            </a:schemeClr>
-          </a:lnRef>
-          <a:fillRef idx="1">
-            <a:schemeClr val="accent1"/>
-          </a:fillRef>
-          <a:effectRef idx="0">
-            <a:schemeClr val="accent1"/>
-          </a:effectRef>
-          <a:fontRef idx="minor">
-            <a:schemeClr val="lt1"/>
-          </a:fontRef>
-        </p:style>
-        <p:txBody>
-          <a:bodyPr rtlCol="0" anchor="ctr"/>
-          <a:lstStyle/>
-          <a:p>
-            <a:pPr algn="ctr"/>
-            <a:endParaRPr lang="en-US">
-              <a:ln>
-                <a:solidFill>
-                  <a:sysClr val="windowText" lastClr="000000"/>
-                </a:solidFill>
-              </a:ln>
-            </a:endParaRPr>
-          </a:p>
-        </p:txBody>
-      </p:sp>
-      <p:sp>
-        <p:nvSpPr>
-          <p:cNvPr id="10" name="TextBox 9"/>
-          <p:cNvSpPr txBox="1"/>
-          <p:nvPr/>
-        </p:nvSpPr>
-        <p:spPr>
-          <a:xfrm>
-            <a:off x="-4022" y="4069618"/>
-            <a:ext cx="2287229" cy="461665"/>
-          </a:xfrm>
-          <a:prstGeom prst="rect">
-            <a:avLst/>
-          </a:prstGeom>
-          <a:noFill/>
-        </p:spPr>
-        <p:txBody>
-          <a:bodyPr wrap="none" rtlCol="0">
-            <a:spAutoFit/>
-          </a:bodyPr>
-          <a:lstStyle/>
-          <a:p>
-            <a:r>
-              <a:rPr lang="en-US" sz="2400" dirty="0" smtClean="0">
-                <a:ln w="0"/>
-                <a:solidFill>
-                  <a:schemeClr val="accent2"/>
-                </a:solidFill>
-                <a:effectLst>
-                  <a:outerShdw blurRad="38100" dist="25400" dir="5400000" algn="ctr" rotWithShape="0">
-                    <a:srgbClr val="6E747A">
-                      <a:alpha val="43000"/>
-                    </a:srgbClr>
-                  </a:outerShdw>
-                </a:effectLst>
-              </a:rPr>
-              <a:t>Model Inference</a:t>
-            </a:r>
-            <a:endParaRPr lang="en-US" sz="2400" dirty="0">
-              <a:ln w="0"/>
-              <a:solidFill>
-                <a:schemeClr val="accent2"/>
-              </a:solidFill>
-              <a:effectLst>
-                <a:outerShdw blurRad="38100" dist="25400" dir="5400000" algn="ctr" rotWithShape="0">
-                  <a:srgbClr val="6E747A">
-                    <a:alpha val="43000"/>
-                  </a:srgbClr>
-                </a:outerShdw>
-              </a:effectLst>
-            </a:endParaRPr>
-          </a:p>
-        </p:txBody>
-      </p:sp>
-      <p:sp>
-        <p:nvSpPr>
-          <p:cNvPr id="12" name="TextBox 11"/>
-          <p:cNvSpPr txBox="1"/>
-          <p:nvPr/>
-        </p:nvSpPr>
-        <p:spPr>
-          <a:xfrm>
-            <a:off x="9782269" y="3496100"/>
-            <a:ext cx="2277926" cy="1200329"/>
-          </a:xfrm>
-          <a:prstGeom prst="rect">
-            <a:avLst/>
-          </a:prstGeom>
-          <a:noFill/>
-        </p:spPr>
-        <p:txBody>
-          <a:bodyPr wrap="square" rtlCol="0">
-            <a:spAutoFit/>
-          </a:bodyPr>
-          <a:lstStyle/>
-          <a:p>
-            <a:r>
-              <a:rPr lang="en-US" dirty="0" smtClean="0">
-                <a:ln w="0"/>
-                <a:solidFill>
-                  <a:schemeClr val="accent2"/>
-                </a:solidFill>
-                <a:effectLst>
-                  <a:outerShdw blurRad="38100" dist="25400" dir="5400000" algn="ctr" rotWithShape="0">
-                    <a:srgbClr val="6E747A">
-                      <a:alpha val="43000"/>
-                    </a:srgbClr>
-                  </a:outerShdw>
-                </a:effectLst>
-              </a:rPr>
-              <a:t>Optionally, convert intermediate model outputs into direct mixing parameters </a:t>
-            </a:r>
-            <a:endParaRPr lang="en-US" dirty="0">
-              <a:ln w="0"/>
-              <a:solidFill>
-                <a:schemeClr val="accent2"/>
-              </a:solidFill>
-              <a:effectLst>
-                <a:outerShdw blurRad="38100" dist="25400" dir="5400000" algn="ctr" rotWithShape="0">
-                  <a:srgbClr val="6E747A">
-                    <a:alpha val="43000"/>
-                  </a:srgbClr>
-                </a:outerShdw>
-              </a:effectLst>
-            </a:endParaRPr>
-          </a:p>
-        </p:txBody>
-      </p:sp>
-      <p:sp>
-        <p:nvSpPr>
-          <p:cNvPr id="13" name="TextBox 12"/>
-          <p:cNvSpPr txBox="1"/>
-          <p:nvPr/>
-        </p:nvSpPr>
-        <p:spPr>
-          <a:xfrm>
-            <a:off x="9782269" y="987562"/>
-            <a:ext cx="2277926" cy="923330"/>
-          </a:xfrm>
-          <a:prstGeom prst="rect">
-            <a:avLst/>
-          </a:prstGeom>
-          <a:noFill/>
-        </p:spPr>
-        <p:txBody>
-          <a:bodyPr wrap="square" rtlCol="0">
-            <a:spAutoFit/>
-          </a:bodyPr>
-          <a:lstStyle/>
-          <a:p>
-            <a:r>
-              <a:rPr lang="en-US" dirty="0" smtClean="0">
-                <a:ln w="0"/>
-                <a:solidFill>
-                  <a:schemeClr val="accent1"/>
-                </a:solidFill>
-                <a:effectLst>
-                  <a:outerShdw blurRad="38100" dist="25400" dir="5400000" algn="ctr" rotWithShape="0">
-                    <a:srgbClr val="6E747A">
-                      <a:alpha val="43000"/>
-                    </a:srgbClr>
-                  </a:outerShdw>
-                </a:effectLst>
-              </a:rPr>
-              <a:t>Ground truth is the direct or intermediate mixing parameters </a:t>
-            </a:r>
-            <a:endParaRPr lang="en-US" dirty="0">
-              <a:ln w="0"/>
-              <a:solidFill>
-                <a:schemeClr val="accent1"/>
-              </a:solidFill>
-              <a:effectLst>
-                <a:outerShdw blurRad="38100" dist="25400" dir="5400000" algn="ctr" rotWithShape="0">
-                  <a:srgbClr val="6E747A">
-                    <a:alpha val="43000"/>
-                  </a:srgbClr>
-                </a:outerShdw>
-              </a:effectLst>
-            </a:endParaRPr>
-          </a:p>
-        </p:txBody>
-      </p:sp>
-      <p:pic>
-        <p:nvPicPr>
-          <p:cNvPr id="11" name="Picture 10"/>
-          <p:cNvPicPr>
-            <a:picLocks noChangeAspect="1"/>
-          </p:cNvPicPr>
-          <p:nvPr/>
-        </p:nvPicPr>
-        <p:blipFill>
-          <a:blip r:embed="rId3">
-            <a:extLst>
-              <a:ext uri="{28A0092B-C50C-407E-A947-70E740481C1C}">
-                <a14:useLocalDpi xmlns:a14="http://schemas.microsoft.com/office/drawing/2010/main" val="0"/>
-              </a:ext>
-            </a:extLst>
-          </a:blip>
-          <a:stretch>
-            <a:fillRect/>
-          </a:stretch>
-        </p:blipFill>
-        <p:spPr>
-          <a:xfrm>
-            <a:off x="2188436" y="0"/>
-            <a:ext cx="7385928" cy="6858000"/>
+            <a:off x="6095999" y="2099349"/>
+            <a:ext cx="3526903" cy="3650085"/>
           </a:xfrm>
           <a:prstGeom prst="rect">
             <a:avLst/>
@@ -6898,7 +8520,7 @@
     </p:spTree>
     <p:extLst>
       <p:ext uri="{BB962C8B-B14F-4D97-AF65-F5344CB8AC3E}">
-        <p14:creationId xmlns:p14="http://schemas.microsoft.com/office/powerpoint/2010/main" val="1644841035"/>
+        <p14:creationId xmlns:p14="http://schemas.microsoft.com/office/powerpoint/2010/main" val="2075727282"/>
       </p:ext>
     </p:extLst>
   </p:cSld>
@@ -6937,7 +8559,7 @@
           <p:cNvPr id="2" name="Title 1">
             <a:extLst>
               <a:ext uri="{FF2B5EF4-FFF2-40B4-BE49-F238E27FC236}">
-                <a16:creationId xmlns:a16="http://schemas.microsoft.com/office/drawing/2014/main" xmlns="" id="{9045A477-9EA3-4F5C-B4B9-8CE29E6FF138}"/>
+                <a16:creationId xmlns="" xmlns:a16="http://schemas.microsoft.com/office/drawing/2014/main" id="{9045A477-9EA3-4F5C-B4B9-8CE29E6FF138}"/>
               </a:ext>
             </a:extLst>
           </p:cNvPr>
@@ -6950,246 +8572,137 @@
         </p:nvSpPr>
         <p:spPr/>
         <p:txBody>
+          <a:bodyPr/>
+          <a:lstStyle/>
+          <a:p>
+            <a:r>
+              <a:rPr lang="en-US" dirty="0" smtClean="0"/>
+              <a:t>Rule-based System: reverb</a:t>
+            </a:r>
+            <a:endParaRPr lang="en-US" dirty="0"/>
+          </a:p>
+        </p:txBody>
+      </p:sp>
+      <p:sp>
+        <p:nvSpPr>
+          <p:cNvPr id="3" name="Content Placeholder 2">
+            <a:extLst>
+              <a:ext uri="{FF2B5EF4-FFF2-40B4-BE49-F238E27FC236}">
+                <a16:creationId xmlns="" xmlns:a16="http://schemas.microsoft.com/office/drawing/2014/main" id="{4FFC9F3E-C7DF-44CE-A057-14D5228F5C26}"/>
+              </a:ext>
+            </a:extLst>
+          </p:cNvPr>
+          <p:cNvSpPr>
+            <a:spLocks noGrp="1"/>
+          </p:cNvSpPr>
+          <p:nvPr>
+            <p:ph idx="1"/>
+          </p:nvPr>
+        </p:nvSpPr>
+        <p:spPr/>
+        <p:txBody>
           <a:bodyPr>
-            <a:normAutofit/>
+            <a:noAutofit/>
           </a:bodyPr>
           <a:lstStyle/>
           <a:p>
-            <a:r>
-              <a:rPr lang="en-US" dirty="0"/>
-              <a:t>Data-driven </a:t>
-            </a:r>
-            <a:r>
-              <a:rPr lang="en-US" dirty="0" smtClean="0"/>
-              <a:t>System: EQ</a:t>
-            </a:r>
-            <a:endParaRPr lang="en-US" dirty="0"/>
-          </a:p>
-        </p:txBody>
-      </p:sp>
-      <p:sp>
-        <p:nvSpPr>
-          <p:cNvPr id="6" name="TextBox 5"/>
-          <p:cNvSpPr txBox="1"/>
-          <p:nvPr/>
-        </p:nvSpPr>
-        <p:spPr>
-          <a:xfrm>
-            <a:off x="276639" y="1905592"/>
-            <a:ext cx="2054152" cy="461665"/>
-          </a:xfrm>
-          <a:prstGeom prst="rect">
-            <a:avLst/>
-          </a:prstGeom>
-          <a:noFill/>
-        </p:spPr>
-        <p:txBody>
-          <a:bodyPr wrap="none" rtlCol="0">
-            <a:spAutoFit/>
-          </a:bodyPr>
-          <a:lstStyle/>
-          <a:p>
-            <a:r>
-              <a:rPr lang="en-US" sz="2400" dirty="0" smtClean="0">
-                <a:ln w="0"/>
-                <a:solidFill>
-                  <a:schemeClr val="accent1"/>
-                </a:solidFill>
-                <a:effectLst>
-                  <a:outerShdw blurRad="38100" dist="25400" dir="5400000" algn="ctr" rotWithShape="0">
-                    <a:srgbClr val="6E747A">
-                      <a:alpha val="43000"/>
-                    </a:srgbClr>
-                  </a:outerShdw>
-                </a:effectLst>
-              </a:rPr>
-              <a:t>Model Training</a:t>
-            </a:r>
-            <a:endParaRPr lang="en-US" sz="2400" dirty="0">
-              <a:ln w="0"/>
-              <a:solidFill>
-                <a:schemeClr val="accent1"/>
-              </a:solidFill>
-              <a:effectLst>
-                <a:outerShdw blurRad="38100" dist="25400" dir="5400000" algn="ctr" rotWithShape="0">
-                  <a:srgbClr val="6E747A">
-                    <a:alpha val="43000"/>
-                  </a:srgbClr>
-                </a:outerShdw>
-              </a:effectLst>
-            </a:endParaRPr>
-          </a:p>
-        </p:txBody>
-      </p:sp>
-      <p:sp>
-        <p:nvSpPr>
-          <p:cNvPr id="7" name="TextBox 6"/>
-          <p:cNvSpPr txBox="1"/>
-          <p:nvPr/>
-        </p:nvSpPr>
-        <p:spPr>
-          <a:xfrm>
-            <a:off x="160100" y="4163402"/>
-            <a:ext cx="2287229" cy="461665"/>
-          </a:xfrm>
-          <a:prstGeom prst="rect">
-            <a:avLst/>
-          </a:prstGeom>
-          <a:noFill/>
-        </p:spPr>
-        <p:txBody>
-          <a:bodyPr wrap="none" rtlCol="0">
-            <a:spAutoFit/>
-          </a:bodyPr>
-          <a:lstStyle/>
-          <a:p>
-            <a:r>
-              <a:rPr lang="en-US" sz="2400" dirty="0" smtClean="0">
-                <a:ln w="0"/>
-                <a:solidFill>
-                  <a:schemeClr val="accent2"/>
-                </a:solidFill>
-                <a:effectLst>
-                  <a:outerShdw blurRad="38100" dist="25400" dir="5400000" algn="ctr" rotWithShape="0">
-                    <a:srgbClr val="6E747A">
-                      <a:alpha val="43000"/>
-                    </a:srgbClr>
-                  </a:outerShdw>
-                </a:effectLst>
-              </a:rPr>
-              <a:t>Model Inference</a:t>
-            </a:r>
-            <a:endParaRPr lang="en-US" sz="2400" dirty="0">
-              <a:ln w="0"/>
-              <a:solidFill>
-                <a:schemeClr val="accent2"/>
-              </a:solidFill>
-              <a:effectLst>
-                <a:outerShdw blurRad="38100" dist="25400" dir="5400000" algn="ctr" rotWithShape="0">
-                  <a:srgbClr val="6E747A">
-                    <a:alpha val="43000"/>
-                  </a:srgbClr>
-                </a:outerShdw>
-              </a:effectLst>
-            </a:endParaRPr>
-          </a:p>
-        </p:txBody>
-      </p:sp>
-      <p:sp>
-        <p:nvSpPr>
-          <p:cNvPr id="8" name="Rounded Rectangle 7"/>
-          <p:cNvSpPr/>
-          <p:nvPr/>
-        </p:nvSpPr>
-        <p:spPr>
-          <a:xfrm>
-            <a:off x="2447329" y="1352540"/>
-            <a:ext cx="7095255" cy="1636846"/>
-          </a:xfrm>
-          <a:prstGeom prst="roundRect">
-            <a:avLst/>
-          </a:prstGeom>
-          <a:solidFill>
-            <a:schemeClr val="accent1">
-              <a:lumMod val="60000"/>
-              <a:lumOff val="40000"/>
-              <a:alpha val="16000"/>
-            </a:schemeClr>
-          </a:solidFill>
-          <a:ln>
-            <a:noFill/>
-          </a:ln>
-        </p:spPr>
-        <p:style>
-          <a:lnRef idx="2">
-            <a:schemeClr val="accent1">
-              <a:shade val="50000"/>
-            </a:schemeClr>
-          </a:lnRef>
-          <a:fillRef idx="1">
-            <a:schemeClr val="accent1"/>
-          </a:fillRef>
-          <a:effectRef idx="0">
-            <a:schemeClr val="accent1"/>
-          </a:effectRef>
-          <a:fontRef idx="minor">
-            <a:schemeClr val="lt1"/>
-          </a:fontRef>
-        </p:style>
-        <p:txBody>
-          <a:bodyPr rtlCol="0" anchor="ctr"/>
-          <a:lstStyle/>
-          <a:p>
-            <a:pPr algn="ctr"/>
-            <a:endParaRPr lang="en-US">
-              <a:ln>
-                <a:solidFill>
-                  <a:sysClr val="windowText" lastClr="000000"/>
-                </a:solidFill>
-              </a:ln>
-            </a:endParaRPr>
-          </a:p>
-        </p:txBody>
-      </p:sp>
-      <p:sp>
-        <p:nvSpPr>
-          <p:cNvPr id="9" name="Rounded Rectangle 8"/>
-          <p:cNvSpPr/>
-          <p:nvPr/>
-        </p:nvSpPr>
-        <p:spPr>
-          <a:xfrm>
-            <a:off x="2447328" y="3321935"/>
-            <a:ext cx="7095255" cy="2083442"/>
-          </a:xfrm>
-          <a:prstGeom prst="roundRect">
-            <a:avLst/>
-          </a:prstGeom>
-          <a:solidFill>
-            <a:schemeClr val="accent2">
-              <a:lumMod val="60000"/>
-              <a:lumOff val="40000"/>
-              <a:alpha val="16000"/>
-            </a:schemeClr>
-          </a:solidFill>
-          <a:ln>
-            <a:noFill/>
-          </a:ln>
-        </p:spPr>
-        <p:style>
-          <a:lnRef idx="2">
-            <a:schemeClr val="accent1">
-              <a:shade val="50000"/>
-            </a:schemeClr>
-          </a:lnRef>
-          <a:fillRef idx="1">
-            <a:schemeClr val="accent1"/>
-          </a:fillRef>
-          <a:effectRef idx="0">
-            <a:schemeClr val="accent1"/>
-          </a:effectRef>
-          <a:fontRef idx="minor">
-            <a:schemeClr val="lt1"/>
-          </a:fontRef>
-        </p:style>
-        <p:txBody>
-          <a:bodyPr rtlCol="0" anchor="ctr"/>
-          <a:lstStyle/>
-          <a:p>
-            <a:pPr algn="ctr"/>
-            <a:endParaRPr lang="en-US">
-              <a:ln>
-                <a:solidFill>
-                  <a:sysClr val="windowText" lastClr="000000"/>
-                </a:solidFill>
-              </a:ln>
-            </a:endParaRPr>
+            <a:pPr marL="514350" indent="-514350">
+              <a:buFont typeface="+mj-lt"/>
+              <a:buAutoNum type="arabicPeriod"/>
+            </a:pPr>
+            <a:r>
+              <a:rPr lang="en-US" sz="2800" b="1" dirty="0" smtClean="0"/>
+              <a:t>Get the estimated impulse responses from the Chameleon plugin</a:t>
+            </a:r>
+          </a:p>
+          <a:p>
+            <a:pPr marL="514350" indent="-514350">
+              <a:buFont typeface="+mj-lt"/>
+              <a:buAutoNum type="arabicPeriod"/>
+            </a:pPr>
+            <a:r>
+              <a:rPr lang="en-US" sz="2800" b="1" dirty="0" smtClean="0"/>
+              <a:t>Estimate the reverb parameters by the genetic algorithm</a:t>
+            </a:r>
+          </a:p>
+          <a:p>
+            <a:pPr marL="514350" indent="-514350">
+              <a:buFont typeface="+mj-lt"/>
+              <a:buAutoNum type="arabicPeriod"/>
+            </a:pPr>
+            <a:r>
+              <a:rPr lang="en-US" sz="2800" b="1" dirty="0" smtClean="0"/>
+              <a:t>Use mean </a:t>
+            </a:r>
+            <a:r>
+              <a:rPr lang="en-US" sz="2800" b="1" dirty="0"/>
+              <a:t>values extracted from the MUSDB18 </a:t>
+            </a:r>
+            <a:r>
+              <a:rPr lang="en-US" sz="2800" b="1" dirty="0" smtClean="0"/>
+              <a:t>train </a:t>
+            </a:r>
+            <a:r>
+              <a:rPr lang="en-US" sz="2800" b="1" dirty="0"/>
+              <a:t>set</a:t>
+            </a:r>
+          </a:p>
+          <a:p>
+            <a:endParaRPr lang="en-US" sz="2800" b="1" dirty="0" smtClean="0"/>
+          </a:p>
+          <a:p>
+            <a:r>
+              <a:rPr lang="en-US" sz="2800" b="1" dirty="0" smtClean="0"/>
+              <a:t>Reverb</a:t>
+            </a:r>
+            <a:endParaRPr lang="en-US" sz="2400" dirty="0"/>
+          </a:p>
+          <a:p>
+            <a:pPr lvl="1"/>
+            <a:r>
+              <a:rPr lang="en-US" sz="2400" dirty="0" smtClean="0"/>
+              <a:t>Dry/wet ratio: 11.5%</a:t>
+            </a:r>
+          </a:p>
+          <a:p>
+            <a:pPr lvl="1"/>
+            <a:r>
+              <a:rPr lang="en-US" sz="2400" dirty="0"/>
+              <a:t>Reverb time: Linear mapping from </a:t>
+            </a:r>
+            <a:r>
+              <a:rPr lang="en-US" sz="2400" dirty="0" smtClean="0"/>
+              <a:t>tempo</a:t>
+            </a:r>
+          </a:p>
+          <a:p>
+            <a:pPr lvl="1"/>
+            <a:r>
+              <a:rPr lang="en-US" sz="2400" dirty="0" smtClean="0"/>
+              <a:t>Room size: </a:t>
+            </a:r>
+            <a:r>
+              <a:rPr lang="en-US" sz="2400" dirty="0"/>
+              <a:t>14.54</a:t>
+            </a:r>
+          </a:p>
+          <a:p>
+            <a:pPr lvl="1"/>
+            <a:r>
+              <a:rPr lang="en-US" sz="2400" dirty="0"/>
+              <a:t>Fade in time: 0.68 </a:t>
+            </a:r>
+            <a:r>
+              <a:rPr lang="en-US" sz="2400" dirty="0" smtClean="0"/>
+              <a:t>s</a:t>
+            </a:r>
+            <a:endParaRPr lang="en-US" sz="2400" dirty="0"/>
           </a:p>
         </p:txBody>
       </p:sp>
       <p:pic>
         <p:nvPicPr>
-          <p:cNvPr id="5" name="Picture 4"/>
+          <p:cNvPr id="4" name="Picture 3"/>
           <p:cNvPicPr>
             <a:picLocks noChangeAspect="1"/>
           </p:cNvPicPr>
@@ -7209,126 +8722,18 @@
         </p:blipFill>
         <p:spPr>
           <a:xfrm>
-            <a:off x="2389059" y="1352540"/>
-            <a:ext cx="7211792" cy="5137900"/>
+            <a:off x="9323239" y="3356658"/>
+            <a:ext cx="2307928" cy="2673350"/>
           </a:xfrm>
           <a:prstGeom prst="rect">
             <a:avLst/>
           </a:prstGeom>
         </p:spPr>
       </p:pic>
-      <p:sp>
-        <p:nvSpPr>
-          <p:cNvPr id="11" name="Rounded Rectangle 10"/>
-          <p:cNvSpPr/>
-          <p:nvPr/>
-        </p:nvSpPr>
-        <p:spPr>
-          <a:xfrm>
-            <a:off x="7799479" y="2075131"/>
-            <a:ext cx="1743103" cy="914255"/>
-          </a:xfrm>
-          <a:prstGeom prst="roundRect">
-            <a:avLst/>
-          </a:prstGeom>
-          <a:solidFill>
-            <a:srgbClr val="0070C0">
-              <a:alpha val="46000"/>
-            </a:srgbClr>
-          </a:solidFill>
-          <a:ln>
-            <a:noFill/>
-          </a:ln>
-        </p:spPr>
-        <p:style>
-          <a:lnRef idx="2">
-            <a:schemeClr val="accent1">
-              <a:shade val="50000"/>
-            </a:schemeClr>
-          </a:lnRef>
-          <a:fillRef idx="1">
-            <a:schemeClr val="accent1"/>
-          </a:fillRef>
-          <a:effectRef idx="0">
-            <a:schemeClr val="accent1"/>
-          </a:effectRef>
-          <a:fontRef idx="minor">
-            <a:schemeClr val="lt1"/>
-          </a:fontRef>
-        </p:style>
-        <p:txBody>
-          <a:bodyPr rtlCol="0" anchor="ctr"/>
-          <a:lstStyle/>
-          <a:p>
-            <a:pPr algn="ctr"/>
-            <a:endParaRPr lang="en-US">
-              <a:ln>
-                <a:solidFill>
-                  <a:sysClr val="windowText" lastClr="000000"/>
-                </a:solidFill>
-              </a:ln>
-            </a:endParaRPr>
-          </a:p>
-        </p:txBody>
-      </p:sp>
-      <p:sp>
-        <p:nvSpPr>
-          <p:cNvPr id="12" name="TextBox 11"/>
-          <p:cNvSpPr txBox="1"/>
-          <p:nvPr/>
-        </p:nvSpPr>
-        <p:spPr>
-          <a:xfrm>
-            <a:off x="9747909" y="1793594"/>
-            <a:ext cx="2277926" cy="1477328"/>
-          </a:xfrm>
-          <a:prstGeom prst="rect">
-            <a:avLst/>
-          </a:prstGeom>
-          <a:noFill/>
-        </p:spPr>
-        <p:txBody>
-          <a:bodyPr wrap="square" rtlCol="0">
-            <a:spAutoFit/>
-          </a:bodyPr>
-          <a:lstStyle/>
-          <a:p>
-            <a:r>
-              <a:rPr lang="en-US" dirty="0" smtClean="0">
-                <a:ln w="0"/>
-                <a:solidFill>
-                  <a:schemeClr val="accent1"/>
-                </a:solidFill>
-                <a:effectLst>
-                  <a:outerShdw blurRad="38100" dist="25400" dir="5400000" algn="ctr" rotWithShape="0">
-                    <a:srgbClr val="6E747A">
-                      <a:alpha val="43000"/>
-                    </a:srgbClr>
-                  </a:outerShdw>
-                </a:effectLst>
-              </a:rPr>
-              <a:t>If the mixed vocal is boosted at a center frequency,  we should learn to cut at that frequency.</a:t>
-            </a:r>
-            <a:endParaRPr lang="en-US" dirty="0">
-              <a:ln w="0"/>
-              <a:solidFill>
-                <a:schemeClr val="accent1"/>
-              </a:solidFill>
-              <a:effectLst>
-                <a:outerShdw blurRad="38100" dist="25400" dir="5400000" algn="ctr" rotWithShape="0">
-                  <a:srgbClr val="6E747A">
-                    <a:alpha val="43000"/>
-                  </a:srgbClr>
-                </a:outerShdw>
-              </a:effectLst>
-            </a:endParaRPr>
-          </a:p>
-        </p:txBody>
-      </p:sp>
     </p:spTree>
     <p:extLst>
       <p:ext uri="{BB962C8B-B14F-4D97-AF65-F5344CB8AC3E}">
-        <p14:creationId xmlns:p14="http://schemas.microsoft.com/office/powerpoint/2010/main" val="917035409"/>
+        <p14:creationId xmlns:p14="http://schemas.microsoft.com/office/powerpoint/2010/main" val="1210131308"/>
       </p:ext>
     </p:extLst>
   </p:cSld>

--- a/doc/PPT_final/ Automatic Mixing.pptx
+++ b/doc/PPT_final/ Automatic Mixing.pptx
@@ -5,10 +5,10 @@
     <p:sldMasterId id="2147483648" r:id="rId1"/>
   </p:sldMasterIdLst>
   <p:notesMasterIdLst>
-    <p:notesMasterId r:id="rId18"/>
+    <p:notesMasterId r:id="rId19"/>
   </p:notesMasterIdLst>
   <p:handoutMasterIdLst>
-    <p:handoutMasterId r:id="rId19"/>
+    <p:handoutMasterId r:id="rId20"/>
   </p:handoutMasterIdLst>
   <p:sldIdLst>
     <p:sldId id="256" r:id="rId2"/>
@@ -17,16 +17,17 @@
     <p:sldId id="305" r:id="rId5"/>
     <p:sldId id="306" r:id="rId6"/>
     <p:sldId id="307" r:id="rId7"/>
-    <p:sldId id="261" r:id="rId8"/>
-    <p:sldId id="298" r:id="rId9"/>
-    <p:sldId id="297" r:id="rId10"/>
-    <p:sldId id="275" r:id="rId11"/>
-    <p:sldId id="299" r:id="rId12"/>
-    <p:sldId id="288" r:id="rId13"/>
-    <p:sldId id="303" r:id="rId14"/>
-    <p:sldId id="300" r:id="rId15"/>
-    <p:sldId id="302" r:id="rId16"/>
-    <p:sldId id="301" r:id="rId17"/>
+    <p:sldId id="308" r:id="rId8"/>
+    <p:sldId id="309" r:id="rId9"/>
+    <p:sldId id="261" r:id="rId10"/>
+    <p:sldId id="298" r:id="rId11"/>
+    <p:sldId id="297" r:id="rId12"/>
+    <p:sldId id="275" r:id="rId13"/>
+    <p:sldId id="288" r:id="rId14"/>
+    <p:sldId id="303" r:id="rId15"/>
+    <p:sldId id="300" r:id="rId16"/>
+    <p:sldId id="302" r:id="rId17"/>
+    <p:sldId id="301" r:id="rId18"/>
   </p:sldIdLst>
   <p:sldSz cx="12192000" cy="6858000"/>
   <p:notesSz cx="6858000" cy="9144000"/>
@@ -672,6 +673,122 @@
     </a:lvl9pPr>
   </p:notesStyle>
 </p:notesMaster>
+</file>
+
+<file path=ppt/notesSlides/notesSlide1.xml><?xml version="1.0" encoding="utf-8"?>
+<p:notes xmlns:a="http://schemas.openxmlformats.org/drawingml/2006/main" xmlns:r="http://schemas.openxmlformats.org/officeDocument/2006/relationships" xmlns:p="http://schemas.openxmlformats.org/presentationml/2006/main">
+  <p:cSld>
+    <p:spTree>
+      <p:nvGrpSpPr>
+        <p:cNvPr id="1" name=""/>
+        <p:cNvGrpSpPr/>
+        <p:nvPr/>
+      </p:nvGrpSpPr>
+      <p:grpSpPr>
+        <a:xfrm>
+          <a:off x="0" y="0"/>
+          <a:ext cx="0" cy="0"/>
+          <a:chOff x="0" y="0"/>
+          <a:chExt cx="0" cy="0"/>
+        </a:xfrm>
+      </p:grpSpPr>
+      <p:sp>
+        <p:nvSpPr>
+          <p:cNvPr id="2" name="Slide Image Placeholder 1"/>
+          <p:cNvSpPr>
+            <a:spLocks noGrp="1" noRot="1" noChangeAspect="1"/>
+          </p:cNvSpPr>
+          <p:nvPr>
+            <p:ph type="sldImg"/>
+          </p:nvPr>
+        </p:nvSpPr>
+        <p:spPr/>
+      </p:sp>
+      <p:sp>
+        <p:nvSpPr>
+          <p:cNvPr id="3" name="Notes Placeholder 2"/>
+          <p:cNvSpPr>
+            <a:spLocks noGrp="1"/>
+          </p:cNvSpPr>
+          <p:nvPr>
+            <p:ph type="body" idx="1"/>
+          </p:nvPr>
+        </p:nvSpPr>
+        <p:spPr/>
+        <p:txBody>
+          <a:bodyPr/>
+          <a:lstStyle/>
+          <a:p>
+            <a:r>
+              <a:rPr lang="en-US" dirty="0" smtClean="0"/>
+              <a:t>inference the same for both system </a:t>
+            </a:r>
+          </a:p>
+          <a:p>
+            <a:endParaRPr lang="en-US" dirty="0" smtClean="0"/>
+          </a:p>
+          <a:p>
+            <a:pPr marL="0" marR="0" indent="0" algn="l" defTabSz="914400" rtl="0" eaLnBrk="1" fontAlgn="auto" latinLnBrk="0" hangingPunct="1">
+              <a:lnSpc>
+                <a:spcPct val="100000"/>
+              </a:lnSpc>
+              <a:spcBef>
+                <a:spcPts val="0"/>
+              </a:spcBef>
+              <a:spcAft>
+                <a:spcPts val="0"/>
+              </a:spcAft>
+              <a:buClrTx/>
+              <a:buSzTx/>
+              <a:buFontTx/>
+              <a:buNone/>
+              <a:tabLst/>
+              <a:defRPr/>
+            </a:pPr>
+            <a:r>
+              <a:rPr lang="en-US" dirty="0" smtClean="0"/>
+              <a:t>separate training and inference </a:t>
+            </a:r>
+          </a:p>
+          <a:p>
+            <a:endParaRPr lang="en-US" dirty="0"/>
+          </a:p>
+        </p:txBody>
+      </p:sp>
+      <p:sp>
+        <p:nvSpPr>
+          <p:cNvPr id="4" name="Slide Number Placeholder 3"/>
+          <p:cNvSpPr>
+            <a:spLocks noGrp="1"/>
+          </p:cNvSpPr>
+          <p:nvPr>
+            <p:ph type="sldNum" sz="quarter" idx="10"/>
+          </p:nvPr>
+        </p:nvSpPr>
+        <p:spPr/>
+        <p:txBody>
+          <a:bodyPr/>
+          <a:lstStyle/>
+          <a:p>
+            <a:fld id="{DBFC0A0D-D265-1E4C-84AF-204ED6BDECB7}" type="slidenum">
+              <a:rPr lang="en-US" smtClean="0"/>
+              <a:t>13</a:t>
+            </a:fld>
+            <a:endParaRPr lang="en-US"/>
+          </a:p>
+        </p:txBody>
+      </p:sp>
+    </p:spTree>
+    <p:extLst>
+      <p:ext uri="{BB962C8B-B14F-4D97-AF65-F5344CB8AC3E}">
+        <p14:creationId xmlns:p14="http://schemas.microsoft.com/office/powerpoint/2010/main" val="1300743846"/>
+      </p:ext>
+    </p:extLst>
+  </p:cSld>
+  <p:clrMapOvr>
+    <a:masterClrMapping/>
+  </p:clrMapOvr>
+</p:notes>
 </file>
 
 <file path=ppt/slideLayouts/slideLayout1.xml><?xml version="1.0" encoding="utf-8"?>
@@ -4672,14 +4789,20 @@
         </p:nvSpPr>
         <p:spPr/>
         <p:txBody>
-          <a:bodyPr>
-            <a:normAutofit/>
-          </a:bodyPr>
+          <a:bodyPr/>
           <a:lstStyle/>
           <a:p>
             <a:r>
+              <a:rPr lang="en-US" dirty="0"/>
+              <a:t>Data Analysis </a:t>
+            </a:r>
+            <a:r>
               <a:rPr lang="en-US" dirty="0" smtClean="0"/>
-              <a:t>Data-driven System</a:t>
+              <a:t>Approach: </a:t>
+            </a:r>
+            <a:r>
+              <a:rPr lang="en-US" dirty="0" smtClean="0"/>
+              <a:t>EQ</a:t>
             </a:r>
             <a:endParaRPr lang="en-US" dirty="0"/>
           </a:p>
@@ -4687,7 +4810,13 @@
       </p:sp>
       <p:sp>
         <p:nvSpPr>
-          <p:cNvPr id="5" name="Content Placeholder 4"/>
+          <p:cNvPr id="3" name="Content Placeholder 2">
+            <a:extLst>
+              <a:ext uri="{FF2B5EF4-FFF2-40B4-BE49-F238E27FC236}">
+                <a16:creationId xmlns="" xmlns:a16="http://schemas.microsoft.com/office/drawing/2014/main" id="{4FFC9F3E-C7DF-44CE-A057-14D5228F5C26}"/>
+              </a:ext>
+            </a:extLst>
+          </p:cNvPr>
           <p:cNvSpPr>
             <a:spLocks noGrp="1"/>
           </p:cNvSpPr>
@@ -4698,81 +4827,58 @@
         <p:spPr/>
         <p:txBody>
           <a:bodyPr>
-            <a:normAutofit/>
+            <a:noAutofit/>
           </a:bodyPr>
           <a:lstStyle/>
           <a:p>
-            <a:pPr marL="0" indent="0">
-              <a:buNone/>
-            </a:pPr>
-            <a:r>
-              <a:rPr lang="en-US" sz="3200" dirty="0" smtClean="0"/>
-              <a:t>Train a convolutional neural network to </a:t>
-            </a:r>
-            <a:r>
-              <a:rPr lang="en-US" sz="3200" dirty="0"/>
-              <a:t>predict </a:t>
-            </a:r>
-            <a:r>
-              <a:rPr lang="en-US" sz="3200" dirty="0" smtClean="0"/>
-              <a:t>direct or intermediate mixing parameters based on the input audio</a:t>
-            </a:r>
-          </a:p>
-          <a:p>
-            <a:pPr marL="0" indent="0">
-              <a:buNone/>
-            </a:pPr>
-            <a:endParaRPr lang="en-US" sz="3200" dirty="0"/>
-          </a:p>
-          <a:p>
-            <a:r>
-              <a:rPr lang="en-US" sz="3200" dirty="0" smtClean="0"/>
-              <a:t>model input</a:t>
-            </a:r>
-            <a:r>
-              <a:rPr lang="en-US" sz="3200" dirty="0"/>
-              <a:t>:</a:t>
-            </a:r>
-          </a:p>
-          <a:p>
-            <a:pPr marL="0" indent="0">
-              <a:buNone/>
-            </a:pPr>
-            <a:r>
-              <a:rPr lang="en-US" sz="3200" dirty="0"/>
-              <a:t>	</a:t>
-            </a:r>
-            <a:r>
-              <a:rPr lang="en-US" altLang="zh-CN" sz="3200" dirty="0" smtClean="0"/>
-              <a:t>M</a:t>
-            </a:r>
-            <a:r>
-              <a:rPr lang="en-US" sz="3200" dirty="0" smtClean="0"/>
-              <a:t>el-spectrogram of </a:t>
-            </a:r>
-            <a:r>
-              <a:rPr lang="en-US" sz="3200" dirty="0"/>
-              <a:t>the vocal and the backing track</a:t>
-            </a:r>
-          </a:p>
-          <a:p>
-            <a:pPr marL="0" indent="0">
-              <a:buNone/>
-            </a:pPr>
-            <a:endParaRPr lang="en-US" sz="3200" dirty="0"/>
-          </a:p>
-          <a:p>
-            <a:pPr marL="0" indent="0">
-              <a:buNone/>
-            </a:pPr>
-            <a:endParaRPr lang="en-US" sz="3200" dirty="0"/>
-          </a:p>
-        </p:txBody>
-      </p:sp>
+            <a:r>
+              <a:rPr lang="en-US" sz="2800" b="1" dirty="0" smtClean="0"/>
+              <a:t>EQ</a:t>
+            </a:r>
+          </a:p>
+          <a:p>
+            <a:pPr lvl="1"/>
+            <a:r>
+              <a:rPr lang="en-US" sz="2400" dirty="0" smtClean="0"/>
+              <a:t>Frequency unmasking</a:t>
+            </a:r>
+          </a:p>
+        </p:txBody>
+      </p:sp>
+      <p:pic>
+        <p:nvPicPr>
+          <p:cNvPr id="4" name="Picture 3"/>
+          <p:cNvPicPr>
+            <a:picLocks noChangeAspect="1"/>
+          </p:cNvPicPr>
+          <p:nvPr/>
+        </p:nvPicPr>
+        <p:blipFill>
+          <a:blip r:embed="rId2">
+            <a:extLst>
+              <a:ext uri="{28A0092B-C50C-407E-A947-70E740481C1C}">
+                <a14:useLocalDpi xmlns:a14="http://schemas.microsoft.com/office/drawing/2010/main" val="0"/>
+              </a:ext>
+            </a:extLst>
+          </a:blip>
+          <a:stretch>
+            <a:fillRect/>
+          </a:stretch>
+        </p:blipFill>
+        <p:spPr>
+          <a:xfrm>
+            <a:off x="6095999" y="2099349"/>
+            <a:ext cx="3526903" cy="3650085"/>
+          </a:xfrm>
+          <a:prstGeom prst="rect">
+            <a:avLst/>
+          </a:prstGeom>
+        </p:spPr>
+      </p:pic>
     </p:spTree>
     <p:extLst>
       <p:ext uri="{BB962C8B-B14F-4D97-AF65-F5344CB8AC3E}">
-        <p14:creationId xmlns:p14="http://schemas.microsoft.com/office/powerpoint/2010/main" val="304958843"/>
+        <p14:creationId xmlns:p14="http://schemas.microsoft.com/office/powerpoint/2010/main" val="2075727282"/>
       </p:ext>
     </p:extLst>
   </p:cSld>
@@ -4824,14 +4930,20 @@
         </p:nvSpPr>
         <p:spPr/>
         <p:txBody>
-          <a:bodyPr>
-            <a:normAutofit/>
-          </a:bodyPr>
+          <a:bodyPr/>
           <a:lstStyle/>
           <a:p>
             <a:r>
+              <a:rPr lang="en-US" dirty="0"/>
+              <a:t>Data Analysis </a:t>
+            </a:r>
+            <a:r>
               <a:rPr lang="en-US" dirty="0" smtClean="0"/>
-              <a:t>Data-driven System</a:t>
+              <a:t>Approach: </a:t>
+            </a:r>
+            <a:r>
+              <a:rPr lang="en-US" dirty="0" smtClean="0"/>
+              <a:t>reverb</a:t>
             </a:r>
             <a:endParaRPr lang="en-US" dirty="0"/>
           </a:p>
@@ -4839,7 +4951,13 @@
       </p:sp>
       <p:sp>
         <p:nvSpPr>
-          <p:cNvPr id="5" name="Content Placeholder 4"/>
+          <p:cNvPr id="3" name="Content Placeholder 2">
+            <a:extLst>
+              <a:ext uri="{FF2B5EF4-FFF2-40B4-BE49-F238E27FC236}">
+                <a16:creationId xmlns="" xmlns:a16="http://schemas.microsoft.com/office/drawing/2014/main" id="{4FFC9F3E-C7DF-44CE-A057-14D5228F5C26}"/>
+              </a:ext>
+            </a:extLst>
+          </p:cNvPr>
           <p:cNvSpPr>
             <a:spLocks noGrp="1"/>
           </p:cNvSpPr>
@@ -4850,26 +4968,107 @@
         <p:spPr/>
         <p:txBody>
           <a:bodyPr>
-            <a:normAutofit/>
+            <a:noAutofit/>
           </a:bodyPr>
           <a:lstStyle/>
           <a:p>
-            <a:pPr marL="0" indent="0">
-              <a:buNone/>
+            <a:pPr marL="514350" indent="-514350">
+              <a:buFont typeface="+mj-lt"/>
+              <a:buAutoNum type="arabicPeriod"/>
             </a:pPr>
-            <a:endParaRPr lang="en-US" sz="3200" dirty="0"/>
-          </a:p>
-          <a:p>
-            <a:pPr marL="0" indent="0">
-              <a:buNone/>
+            <a:r>
+              <a:rPr lang="en-US" sz="2800" b="1" dirty="0" smtClean="0"/>
+              <a:t>Get the estimated impulse responses from the Chameleon plugin</a:t>
+            </a:r>
+          </a:p>
+          <a:p>
+            <a:pPr marL="514350" indent="-514350">
+              <a:buFont typeface="+mj-lt"/>
+              <a:buAutoNum type="arabicPeriod"/>
             </a:pPr>
-            <a:endParaRPr lang="en-US" sz="3200" dirty="0"/>
+            <a:r>
+              <a:rPr lang="en-US" sz="2800" b="1" dirty="0" smtClean="0"/>
+              <a:t>Estimate the reverb parameters by the genetic algorithm</a:t>
+            </a:r>
+          </a:p>
+          <a:p>
+            <a:pPr marL="514350" indent="-514350">
+              <a:buFont typeface="+mj-lt"/>
+              <a:buAutoNum type="arabicPeriod"/>
+            </a:pPr>
+            <a:r>
+              <a:rPr lang="en-US" sz="2800" b="1" dirty="0" smtClean="0"/>
+              <a:t>Use mean </a:t>
+            </a:r>
+            <a:r>
+              <a:rPr lang="en-US" sz="2800" b="1" dirty="0"/>
+              <a:t>values extracted from the MUSDB18 </a:t>
+            </a:r>
+            <a:r>
+              <a:rPr lang="en-US" sz="2800" b="1" dirty="0" smtClean="0"/>
+              <a:t>train </a:t>
+            </a:r>
+            <a:r>
+              <a:rPr lang="en-US" sz="2800" b="1" dirty="0"/>
+              <a:t>set</a:t>
+            </a:r>
+          </a:p>
+          <a:p>
+            <a:endParaRPr lang="en-US" sz="2800" b="1" dirty="0" smtClean="0"/>
+          </a:p>
+          <a:p>
+            <a:r>
+              <a:rPr lang="en-US" sz="2800" b="1" dirty="0" smtClean="0"/>
+              <a:t>Reverb</a:t>
+            </a:r>
+            <a:endParaRPr lang="en-US" sz="2400" dirty="0"/>
+          </a:p>
+          <a:p>
+            <a:pPr lvl="1"/>
+            <a:r>
+              <a:rPr lang="en-US" sz="2400" dirty="0" smtClean="0"/>
+              <a:t>Dry/wet ratio: 11.5%</a:t>
+            </a:r>
+          </a:p>
+          <a:p>
+            <a:pPr lvl="1"/>
+            <a:r>
+              <a:rPr lang="en-US" sz="2400" dirty="0"/>
+              <a:t>Reverb time: Linear mapping from </a:t>
+            </a:r>
+            <a:r>
+              <a:rPr lang="en-US" sz="2400" dirty="0" smtClean="0"/>
+              <a:t>tempo</a:t>
+            </a:r>
+          </a:p>
+          <a:p>
+            <a:pPr lvl="1"/>
+            <a:r>
+              <a:rPr lang="en-US" sz="2400" dirty="0" smtClean="0"/>
+              <a:t>Room size: </a:t>
+            </a:r>
+            <a:r>
+              <a:rPr lang="en-US" sz="2400" dirty="0"/>
+              <a:t>14.54</a:t>
+            </a:r>
+          </a:p>
+          <a:p>
+            <a:pPr lvl="1"/>
+            <a:r>
+              <a:rPr lang="en-US" sz="2400" dirty="0"/>
+              <a:t>Fade in time: 0.68 </a:t>
+            </a:r>
+            <a:r>
+              <a:rPr lang="en-US" sz="2400" dirty="0" smtClean="0"/>
+              <a:t>s</a:t>
+            </a:r>
+            <a:endParaRPr lang="en-US" sz="2400" dirty="0"/>
           </a:p>
         </p:txBody>
       </p:sp>
       <p:pic>
         <p:nvPicPr>
-          <p:cNvPr id="3" name="Picture 2"/>
+          <p:cNvPr id="4" name="Picture 3"/>
           <p:cNvPicPr>
             <a:picLocks noChangeAspect="1"/>
           </p:cNvPicPr>
@@ -4889,8 +5088,8 @@
         </p:blipFill>
         <p:spPr>
           <a:xfrm>
-            <a:off x="3224033" y="1371823"/>
-            <a:ext cx="5341233" cy="5169488"/>
+            <a:off x="9323239" y="3356658"/>
+            <a:ext cx="2307928" cy="2673350"/>
           </a:xfrm>
           <a:prstGeom prst="rect">
             <a:avLst/>
@@ -4900,7 +5099,7 @@
     </p:spTree>
     <p:extLst>
       <p:ext uri="{BB962C8B-B14F-4D97-AF65-F5344CB8AC3E}">
-        <p14:creationId xmlns:p14="http://schemas.microsoft.com/office/powerpoint/2010/main" val="377634786"/>
+        <p14:creationId xmlns:p14="http://schemas.microsoft.com/office/powerpoint/2010/main" val="1210131308"/>
       </p:ext>
     </p:extLst>
   </p:cSld>
@@ -4934,398 +5133,166 @@
           <a:chExt cx="0" cy="0"/>
         </a:xfrm>
       </p:grpSpPr>
-      <p:pic>
-        <p:nvPicPr>
-          <p:cNvPr id="2" name="Picture 1"/>
-          <p:cNvPicPr>
-            <a:picLocks noChangeAspect="1"/>
-          </p:cNvPicPr>
-          <p:nvPr/>
-        </p:nvPicPr>
-        <p:blipFill>
-          <a:blip r:embed="rId2">
+      <p:sp>
+        <p:nvSpPr>
+          <p:cNvPr id="2" name="Title 1">
             <a:extLst>
-              <a:ext uri="{28A0092B-C50C-407E-A947-70E740481C1C}">
-                <a14:useLocalDpi xmlns:a14="http://schemas.microsoft.com/office/drawing/2010/main" val="0"/>
+              <a:ext uri="{FF2B5EF4-FFF2-40B4-BE49-F238E27FC236}">
+                <a16:creationId xmlns="" xmlns:a16="http://schemas.microsoft.com/office/drawing/2014/main" id="{9045A477-9EA3-4F5C-B4B9-8CE29E6FF138}"/>
               </a:ext>
             </a:extLst>
-          </a:blip>
-          <a:stretch>
-            <a:fillRect/>
-          </a:stretch>
-        </p:blipFill>
-        <p:spPr>
-          <a:xfrm>
-            <a:off x="164432" y="6306552"/>
-            <a:ext cx="1816100" cy="381000"/>
-          </a:xfrm>
-          <a:prstGeom prst="rect">
-            <a:avLst/>
-          </a:prstGeom>
-        </p:spPr>
-      </p:pic>
-      <p:sp>
-        <p:nvSpPr>
-          <p:cNvPr id="6" name="Rounded Rectangle 5"/>
-          <p:cNvSpPr/>
-          <p:nvPr/>
-        </p:nvSpPr>
-        <p:spPr>
-          <a:xfrm>
-            <a:off x="2188436" y="0"/>
-            <a:ext cx="7385929" cy="2199503"/>
-          </a:xfrm>
-          <a:prstGeom prst="roundRect">
-            <a:avLst/>
-          </a:prstGeom>
-          <a:solidFill>
-            <a:schemeClr val="accent1">
-              <a:lumMod val="60000"/>
-              <a:lumOff val="40000"/>
-              <a:alpha val="16000"/>
-            </a:schemeClr>
-          </a:solidFill>
-          <a:ln>
-            <a:noFill/>
-          </a:ln>
-        </p:spPr>
-        <p:style>
-          <a:lnRef idx="2">
-            <a:schemeClr val="accent1">
-              <a:shade val="50000"/>
-            </a:schemeClr>
-          </a:lnRef>
-          <a:fillRef idx="1">
-            <a:schemeClr val="accent1"/>
-          </a:fillRef>
-          <a:effectRef idx="0">
-            <a:schemeClr val="accent1"/>
-          </a:effectRef>
-          <a:fontRef idx="minor">
-            <a:schemeClr val="lt1"/>
-          </a:fontRef>
-        </p:style>
-        <p:txBody>
-          <a:bodyPr rtlCol="0" anchor="ctr"/>
-          <a:lstStyle/>
-          <a:p>
-            <a:pPr algn="ctr"/>
-            <a:endParaRPr lang="en-US">
-              <a:ln>
-                <a:solidFill>
-                  <a:sysClr val="windowText" lastClr="000000"/>
-                </a:solidFill>
-              </a:ln>
-            </a:endParaRPr>
-          </a:p>
-        </p:txBody>
-      </p:sp>
-      <p:sp>
-        <p:nvSpPr>
-          <p:cNvPr id="9" name="TextBox 8"/>
-          <p:cNvSpPr txBox="1"/>
-          <p:nvPr/>
-        </p:nvSpPr>
-        <p:spPr>
-          <a:xfrm>
-            <a:off x="112516" y="756730"/>
-            <a:ext cx="2054152" cy="461665"/>
-          </a:xfrm>
-          <a:prstGeom prst="rect">
-            <a:avLst/>
-          </a:prstGeom>
-          <a:noFill/>
-        </p:spPr>
-        <p:txBody>
-          <a:bodyPr wrap="none" rtlCol="0">
-            <a:spAutoFit/>
+          </p:cNvPr>
+          <p:cNvSpPr>
+            <a:spLocks noGrp="1"/>
+          </p:cNvSpPr>
+          <p:nvPr>
+            <p:ph type="title"/>
+          </p:nvPr>
+        </p:nvSpPr>
+        <p:spPr/>
+        <p:txBody>
+          <a:bodyPr>
+            <a:normAutofit/>
           </a:bodyPr>
           <a:lstStyle/>
           <a:p>
             <a:r>
-              <a:rPr lang="en-US" sz="2400" dirty="0" smtClean="0">
-                <a:ln w="0"/>
-                <a:solidFill>
-                  <a:schemeClr val="accent1"/>
-                </a:solidFill>
-                <a:effectLst>
-                  <a:outerShdw blurRad="38100" dist="25400" dir="5400000" algn="ctr" rotWithShape="0">
-                    <a:srgbClr val="6E747A">
-                      <a:alpha val="43000"/>
-                    </a:srgbClr>
-                  </a:outerShdw>
-                </a:effectLst>
-              </a:rPr>
-              <a:t>Model Training</a:t>
-            </a:r>
-            <a:endParaRPr lang="en-US" sz="2400" dirty="0">
-              <a:ln w="0"/>
-              <a:solidFill>
-                <a:schemeClr val="accent1"/>
-              </a:solidFill>
-              <a:effectLst>
-                <a:outerShdw blurRad="38100" dist="25400" dir="5400000" algn="ctr" rotWithShape="0">
-                  <a:srgbClr val="6E747A">
-                    <a:alpha val="43000"/>
-                  </a:srgbClr>
-                </a:outerShdw>
-              </a:effectLst>
-            </a:endParaRPr>
-          </a:p>
-        </p:txBody>
-      </p:sp>
-      <p:sp>
-        <p:nvSpPr>
-          <p:cNvPr id="8" name="Rounded Rectangle 7"/>
-          <p:cNvSpPr/>
-          <p:nvPr/>
-        </p:nvSpPr>
-        <p:spPr>
-          <a:xfrm>
-            <a:off x="2188436" y="2409568"/>
-            <a:ext cx="7385929" cy="3373394"/>
-          </a:xfrm>
-          <a:prstGeom prst="roundRect">
-            <a:avLst/>
-          </a:prstGeom>
-          <a:solidFill>
-            <a:schemeClr val="accent2">
-              <a:lumMod val="60000"/>
-              <a:lumOff val="40000"/>
-              <a:alpha val="16000"/>
-            </a:schemeClr>
-          </a:solidFill>
-          <a:ln>
-            <a:noFill/>
-          </a:ln>
-        </p:spPr>
-        <p:style>
-          <a:lnRef idx="2">
-            <a:schemeClr val="accent1">
-              <a:shade val="50000"/>
-            </a:schemeClr>
-          </a:lnRef>
-          <a:fillRef idx="1">
-            <a:schemeClr val="accent1"/>
-          </a:fillRef>
-          <a:effectRef idx="0">
-            <a:schemeClr val="accent1"/>
-          </a:effectRef>
-          <a:fontRef idx="minor">
-            <a:schemeClr val="lt1"/>
-          </a:fontRef>
-        </p:style>
-        <p:txBody>
-          <a:bodyPr rtlCol="0" anchor="ctr"/>
-          <a:lstStyle/>
-          <a:p>
-            <a:pPr algn="ctr"/>
-            <a:endParaRPr lang="en-US">
-              <a:ln>
-                <a:solidFill>
-                  <a:sysClr val="windowText" lastClr="000000"/>
-                </a:solidFill>
-              </a:ln>
-            </a:endParaRPr>
-          </a:p>
-        </p:txBody>
-      </p:sp>
-      <p:sp>
-        <p:nvSpPr>
-          <p:cNvPr id="10" name="TextBox 9"/>
-          <p:cNvSpPr txBox="1"/>
-          <p:nvPr/>
-        </p:nvSpPr>
-        <p:spPr>
-          <a:xfrm>
-            <a:off x="-4022" y="4069618"/>
-            <a:ext cx="2287229" cy="461665"/>
-          </a:xfrm>
-          <a:prstGeom prst="rect">
-            <a:avLst/>
-          </a:prstGeom>
-          <a:noFill/>
-        </p:spPr>
-        <p:txBody>
-          <a:bodyPr wrap="none" rtlCol="0">
-            <a:spAutoFit/>
+              <a:rPr lang="en-US" dirty="0" smtClean="0"/>
+              <a:t>Deep Learning Approach</a:t>
+            </a:r>
+            <a:endParaRPr lang="en-US" dirty="0"/>
+          </a:p>
+        </p:txBody>
+      </p:sp>
+      <p:sp>
+        <p:nvSpPr>
+          <p:cNvPr id="5" name="Content Placeholder 4"/>
+          <p:cNvSpPr>
+            <a:spLocks noGrp="1"/>
+          </p:cNvSpPr>
+          <p:nvPr>
+            <p:ph idx="1"/>
+          </p:nvPr>
+        </p:nvSpPr>
+        <p:spPr/>
+        <p:txBody>
+          <a:bodyPr>
+            <a:normAutofit/>
           </a:bodyPr>
           <a:lstStyle/>
           <a:p>
-            <a:r>
-              <a:rPr lang="en-US" sz="2400" dirty="0" smtClean="0">
-                <a:ln w="0"/>
-                <a:solidFill>
-                  <a:schemeClr val="accent2"/>
-                </a:solidFill>
-                <a:effectLst>
-                  <a:outerShdw blurRad="38100" dist="25400" dir="5400000" algn="ctr" rotWithShape="0">
-                    <a:srgbClr val="6E747A">
-                      <a:alpha val="43000"/>
-                    </a:srgbClr>
-                  </a:outerShdw>
-                </a:effectLst>
-              </a:rPr>
-              <a:t>Model Inference</a:t>
-            </a:r>
-            <a:endParaRPr lang="en-US" sz="2400" dirty="0">
-              <a:ln w="0"/>
-              <a:solidFill>
-                <a:schemeClr val="accent2"/>
-              </a:solidFill>
-              <a:effectLst>
-                <a:outerShdw blurRad="38100" dist="25400" dir="5400000" algn="ctr" rotWithShape="0">
-                  <a:srgbClr val="6E747A">
-                    <a:alpha val="43000"/>
-                  </a:srgbClr>
-                </a:outerShdw>
-              </a:effectLst>
-            </a:endParaRPr>
-          </a:p>
-        </p:txBody>
-      </p:sp>
-      <p:sp>
-        <p:nvSpPr>
-          <p:cNvPr id="12" name="TextBox 11"/>
-          <p:cNvSpPr txBox="1"/>
-          <p:nvPr/>
-        </p:nvSpPr>
-        <p:spPr>
-          <a:xfrm>
-            <a:off x="9782269" y="3496100"/>
-            <a:ext cx="2277926" cy="1200329"/>
-          </a:xfrm>
-          <a:prstGeom prst="rect">
-            <a:avLst/>
-          </a:prstGeom>
-          <a:noFill/>
-        </p:spPr>
-        <p:txBody>
-          <a:bodyPr wrap="square" rtlCol="0">
-            <a:spAutoFit/>
-          </a:bodyPr>
-          <a:lstStyle/>
-          <a:p>
-            <a:r>
-              <a:rPr lang="en-US" dirty="0" smtClean="0">
-                <a:ln w="0"/>
-                <a:solidFill>
-                  <a:schemeClr val="accent2"/>
-                </a:solidFill>
-                <a:effectLst>
-                  <a:outerShdw blurRad="38100" dist="25400" dir="5400000" algn="ctr" rotWithShape="0">
-                    <a:srgbClr val="6E747A">
-                      <a:alpha val="43000"/>
-                    </a:srgbClr>
-                  </a:outerShdw>
-                </a:effectLst>
-              </a:rPr>
-              <a:t>Optionally, convert intermediate model outputs into direct mixing parameters </a:t>
-            </a:r>
-            <a:endParaRPr lang="en-US" dirty="0">
-              <a:ln w="0"/>
-              <a:solidFill>
-                <a:schemeClr val="accent2"/>
-              </a:solidFill>
-              <a:effectLst>
-                <a:outerShdw blurRad="38100" dist="25400" dir="5400000" algn="ctr" rotWithShape="0">
-                  <a:srgbClr val="6E747A">
-                    <a:alpha val="43000"/>
-                  </a:srgbClr>
-                </a:outerShdw>
-              </a:effectLst>
-            </a:endParaRPr>
-          </a:p>
-        </p:txBody>
-      </p:sp>
-      <p:sp>
-        <p:nvSpPr>
-          <p:cNvPr id="13" name="TextBox 12"/>
-          <p:cNvSpPr txBox="1"/>
-          <p:nvPr/>
-        </p:nvSpPr>
-        <p:spPr>
-          <a:xfrm>
-            <a:off x="9782269" y="987562"/>
-            <a:ext cx="2277926" cy="923330"/>
-          </a:xfrm>
-          <a:prstGeom prst="rect">
-            <a:avLst/>
-          </a:prstGeom>
-          <a:noFill/>
-        </p:spPr>
-        <p:txBody>
-          <a:bodyPr wrap="square" rtlCol="0">
-            <a:spAutoFit/>
-          </a:bodyPr>
-          <a:lstStyle/>
-          <a:p>
-            <a:r>
-              <a:rPr lang="en-US" dirty="0" smtClean="0">
-                <a:ln w="0"/>
-                <a:solidFill>
-                  <a:schemeClr val="accent1"/>
-                </a:solidFill>
-                <a:effectLst>
-                  <a:outerShdw blurRad="38100" dist="25400" dir="5400000" algn="ctr" rotWithShape="0">
-                    <a:srgbClr val="6E747A">
-                      <a:alpha val="43000"/>
-                    </a:srgbClr>
-                  </a:outerShdw>
-                </a:effectLst>
-              </a:rPr>
-              <a:t>Ground truth is the direct or intermediate mixing parameters </a:t>
-            </a:r>
-            <a:endParaRPr lang="en-US" dirty="0">
-              <a:ln w="0"/>
-              <a:solidFill>
-                <a:schemeClr val="accent1"/>
-              </a:solidFill>
-              <a:effectLst>
-                <a:outerShdw blurRad="38100" dist="25400" dir="5400000" algn="ctr" rotWithShape="0">
-                  <a:srgbClr val="6E747A">
-                    <a:alpha val="43000"/>
-                  </a:srgbClr>
-                </a:outerShdw>
-              </a:effectLst>
-            </a:endParaRPr>
-          </a:p>
-        </p:txBody>
-      </p:sp>
-      <p:pic>
-        <p:nvPicPr>
-          <p:cNvPr id="11" name="Picture 10"/>
-          <p:cNvPicPr>
-            <a:picLocks noChangeAspect="1"/>
-          </p:cNvPicPr>
-          <p:nvPr/>
-        </p:nvPicPr>
-        <p:blipFill>
-          <a:blip r:embed="rId3">
-            <a:extLst>
-              <a:ext uri="{28A0092B-C50C-407E-A947-70E740481C1C}">
-                <a14:useLocalDpi xmlns:a14="http://schemas.microsoft.com/office/drawing/2010/main" val="0"/>
-              </a:ext>
-            </a:extLst>
-          </a:blip>
-          <a:stretch>
-            <a:fillRect/>
-          </a:stretch>
-        </p:blipFill>
-        <p:spPr>
-          <a:xfrm>
-            <a:off x="2188436" y="0"/>
-            <a:ext cx="7385928" cy="6858000"/>
-          </a:xfrm>
-          <a:prstGeom prst="rect">
-            <a:avLst/>
-          </a:prstGeom>
-        </p:spPr>
-      </p:pic>
+            <a:pPr marL="0" indent="0">
+              <a:buNone/>
+            </a:pPr>
+            <a:r>
+              <a:rPr lang="en-US" sz="3200" dirty="0" smtClean="0"/>
+              <a:t>Train a convolutional neural network to </a:t>
+            </a:r>
+            <a:r>
+              <a:rPr lang="en-US" sz="3200" dirty="0"/>
+              <a:t>predict </a:t>
+            </a:r>
+            <a:r>
+              <a:rPr lang="en-US" sz="3200" dirty="0" smtClean="0"/>
+              <a:t>direct or intermediate mixing parameters based on the input audio</a:t>
+            </a:r>
+          </a:p>
+          <a:p>
+            <a:pPr marL="0" indent="0">
+              <a:buNone/>
+            </a:pPr>
+            <a:endParaRPr lang="en-US" sz="3200" dirty="0"/>
+          </a:p>
+          <a:p>
+            <a:r>
+              <a:rPr lang="en-US" sz="3200" dirty="0" smtClean="0"/>
+              <a:t>model input</a:t>
+            </a:r>
+            <a:r>
+              <a:rPr lang="en-US" sz="3200" dirty="0"/>
+              <a:t>:</a:t>
+            </a:r>
+          </a:p>
+          <a:p>
+            <a:pPr marL="0" indent="0">
+              <a:buNone/>
+            </a:pPr>
+            <a:r>
+              <a:rPr lang="en-US" sz="3200" dirty="0"/>
+              <a:t>	</a:t>
+            </a:r>
+            <a:r>
+              <a:rPr lang="en-US" altLang="zh-CN" sz="3200" dirty="0" smtClean="0"/>
+              <a:t>M</a:t>
+            </a:r>
+            <a:r>
+              <a:rPr lang="en-US" sz="3200" dirty="0" smtClean="0"/>
+              <a:t>el-spectrogram of </a:t>
+            </a:r>
+            <a:r>
+              <a:rPr lang="en-US" sz="3200" dirty="0"/>
+              <a:t>the vocal and the backing </a:t>
+            </a:r>
+            <a:r>
+              <a:rPr lang="en-US" sz="3200" dirty="0" smtClean="0"/>
+              <a:t>track</a:t>
+            </a:r>
+          </a:p>
+          <a:p>
+            <a:pPr marL="0" indent="0">
+              <a:buNone/>
+            </a:pPr>
+            <a:endParaRPr lang="en-US" sz="3200" dirty="0"/>
+          </a:p>
+          <a:p>
+            <a:r>
+              <a:rPr lang="en-US" sz="3200" dirty="0"/>
+              <a:t>model </a:t>
+            </a:r>
+            <a:r>
+              <a:rPr lang="en-US" sz="3200" dirty="0" smtClean="0"/>
+              <a:t>output:</a:t>
+            </a:r>
+            <a:endParaRPr lang="en-US" sz="3200" dirty="0"/>
+          </a:p>
+          <a:p>
+            <a:pPr marL="0" indent="0">
+              <a:buNone/>
+            </a:pPr>
+            <a:r>
+              <a:rPr lang="en-US" sz="3200" dirty="0"/>
+              <a:t>	</a:t>
+            </a:r>
+            <a:r>
+              <a:rPr lang="en-US" sz="3200" dirty="0" smtClean="0"/>
+              <a:t>the same as the previous approach</a:t>
+            </a:r>
+            <a:endParaRPr lang="en-US" sz="3200" dirty="0"/>
+          </a:p>
+          <a:p>
+            <a:pPr marL="0" indent="0">
+              <a:buNone/>
+            </a:pPr>
+            <a:endParaRPr lang="en-US" sz="3200" dirty="0"/>
+          </a:p>
+          <a:p>
+            <a:pPr marL="0" indent="0">
+              <a:buNone/>
+            </a:pPr>
+            <a:endParaRPr lang="en-US" sz="3200" dirty="0"/>
+          </a:p>
+          <a:p>
+            <a:pPr marL="0" indent="0">
+              <a:buNone/>
+            </a:pPr>
+            <a:endParaRPr lang="en-US" sz="3200" dirty="0"/>
+          </a:p>
+        </p:txBody>
+      </p:sp>
     </p:spTree>
     <p:extLst>
       <p:ext uri="{BB962C8B-B14F-4D97-AF65-F5344CB8AC3E}">
-        <p14:creationId xmlns:p14="http://schemas.microsoft.com/office/powerpoint/2010/main" val="1644841035"/>
+        <p14:creationId xmlns:p14="http://schemas.microsoft.com/office/powerpoint/2010/main" val="304958843"/>
       </p:ext>
     </p:extLst>
   </p:cSld>
@@ -5359,159 +5326,46 @@
           <a:chExt cx="0" cy="0"/>
         </a:xfrm>
       </p:grpSpPr>
-      <p:sp>
-        <p:nvSpPr>
-          <p:cNvPr id="2" name="Title 1">
+      <p:pic>
+        <p:nvPicPr>
+          <p:cNvPr id="2" name="Picture 1"/>
+          <p:cNvPicPr>
+            <a:picLocks noChangeAspect="1"/>
+          </p:cNvPicPr>
+          <p:nvPr/>
+        </p:nvPicPr>
+        <p:blipFill>
+          <a:blip r:embed="rId3">
             <a:extLst>
-              <a:ext uri="{FF2B5EF4-FFF2-40B4-BE49-F238E27FC236}">
-                <a16:creationId xmlns="" xmlns:a16="http://schemas.microsoft.com/office/drawing/2014/main" id="{9045A477-9EA3-4F5C-B4B9-8CE29E6FF138}"/>
+              <a:ext uri="{28A0092B-C50C-407E-A947-70E740481C1C}">
+                <a14:useLocalDpi xmlns:a14="http://schemas.microsoft.com/office/drawing/2010/main" val="0"/>
               </a:ext>
             </a:extLst>
-          </p:cNvPr>
-          <p:cNvSpPr>
-            <a:spLocks noGrp="1"/>
-          </p:cNvSpPr>
-          <p:nvPr>
-            <p:ph type="title"/>
-          </p:nvPr>
-        </p:nvSpPr>
-        <p:spPr/>
-        <p:txBody>
-          <a:bodyPr>
-            <a:normAutofit/>
-          </a:bodyPr>
-          <a:lstStyle/>
-          <a:p>
-            <a:r>
-              <a:rPr lang="en-US" dirty="0"/>
-              <a:t>Data-driven </a:t>
-            </a:r>
-            <a:r>
-              <a:rPr lang="en-US" dirty="0" smtClean="0"/>
-              <a:t>System: EQ</a:t>
-            </a:r>
-            <a:endParaRPr lang="en-US" dirty="0"/>
-          </a:p>
-        </p:txBody>
-      </p:sp>
-      <p:sp>
-        <p:nvSpPr>
-          <p:cNvPr id="6" name="TextBox 5"/>
-          <p:cNvSpPr txBox="1"/>
-          <p:nvPr/>
-        </p:nvSpPr>
-        <p:spPr>
-          <a:xfrm>
-            <a:off x="276639" y="1905592"/>
-            <a:ext cx="2054152" cy="461665"/>
+          </a:blip>
+          <a:stretch>
+            <a:fillRect/>
+          </a:stretch>
+        </p:blipFill>
+        <p:spPr>
+          <a:xfrm>
+            <a:off x="164432" y="6306552"/>
+            <a:ext cx="1816100" cy="381000"/>
           </a:xfrm>
           <a:prstGeom prst="rect">
             <a:avLst/>
           </a:prstGeom>
-          <a:noFill/>
-        </p:spPr>
-        <p:txBody>
-          <a:bodyPr wrap="none" rtlCol="0">
-            <a:spAutoFit/>
-          </a:bodyPr>
-          <a:lstStyle/>
-          <a:p>
-            <a:r>
-              <a:rPr lang="en-US" sz="2400" dirty="0" smtClean="0">
-                <a:ln w="0"/>
-                <a:solidFill>
-                  <a:schemeClr val="accent1"/>
-                </a:solidFill>
-                <a:effectLst>
-                  <a:outerShdw blurRad="38100" dist="25400" dir="5400000" algn="ctr" rotWithShape="0">
-                    <a:srgbClr val="6E747A">
-                      <a:alpha val="43000"/>
-                    </a:srgbClr>
-                  </a:outerShdw>
-                </a:effectLst>
-              </a:rPr>
-              <a:t>Model Training</a:t>
-            </a:r>
-            <a:endParaRPr lang="en-US" sz="2400" dirty="0">
-              <a:ln w="0"/>
-              <a:solidFill>
-                <a:schemeClr val="accent1"/>
-              </a:solidFill>
-              <a:effectLst>
-                <a:outerShdw blurRad="38100" dist="25400" dir="5400000" algn="ctr" rotWithShape="0">
-                  <a:srgbClr val="6E747A">
-                    <a:alpha val="43000"/>
-                  </a:srgbClr>
-                </a:outerShdw>
-              </a:effectLst>
-            </a:endParaRPr>
-          </a:p>
-        </p:txBody>
-      </p:sp>
-      <p:sp>
-        <p:nvSpPr>
-          <p:cNvPr id="7" name="TextBox 6"/>
-          <p:cNvSpPr txBox="1"/>
-          <p:nvPr/>
-        </p:nvSpPr>
-        <p:spPr>
-          <a:xfrm>
-            <a:off x="160100" y="4163402"/>
-            <a:ext cx="2287229" cy="461665"/>
-          </a:xfrm>
-          <a:prstGeom prst="rect">
-            <a:avLst/>
-          </a:prstGeom>
-          <a:noFill/>
-        </p:spPr>
-        <p:txBody>
-          <a:bodyPr wrap="none" rtlCol="0">
-            <a:spAutoFit/>
-          </a:bodyPr>
-          <a:lstStyle/>
-          <a:p>
-            <a:r>
-              <a:rPr lang="en-US" sz="2400" dirty="0" smtClean="0">
-                <a:ln w="0"/>
-                <a:solidFill>
-                  <a:schemeClr val="accent2"/>
-                </a:solidFill>
-                <a:effectLst>
-                  <a:outerShdw blurRad="38100" dist="25400" dir="5400000" algn="ctr" rotWithShape="0">
-                    <a:srgbClr val="6E747A">
-                      <a:alpha val="43000"/>
-                    </a:srgbClr>
-                  </a:outerShdw>
-                </a:effectLst>
-              </a:rPr>
-              <a:t>Model Inference</a:t>
-            </a:r>
-            <a:endParaRPr lang="en-US" sz="2400" dirty="0">
-              <a:ln w="0"/>
-              <a:solidFill>
-                <a:schemeClr val="accent2"/>
-              </a:solidFill>
-              <a:effectLst>
-                <a:outerShdw blurRad="38100" dist="25400" dir="5400000" algn="ctr" rotWithShape="0">
-                  <a:srgbClr val="6E747A">
-                    <a:alpha val="43000"/>
-                  </a:srgbClr>
-                </a:outerShdw>
-              </a:effectLst>
-            </a:endParaRPr>
-          </a:p>
-        </p:txBody>
-      </p:sp>
-      <p:sp>
-        <p:nvSpPr>
-          <p:cNvPr id="8" name="Rounded Rectangle 7"/>
+        </p:spPr>
+      </p:pic>
+      <p:sp>
+        <p:nvSpPr>
+          <p:cNvPr id="6" name="Rounded Rectangle 5"/>
           <p:cNvSpPr/>
           <p:nvPr/>
         </p:nvSpPr>
         <p:spPr>
           <a:xfrm>
-            <a:off x="2447329" y="1352540"/>
-            <a:ext cx="7095255" cy="1636846"/>
+            <a:off x="2188436" y="0"/>
+            <a:ext cx="7385929" cy="2199503"/>
           </a:xfrm>
           <a:prstGeom prst="roundRect">
             <a:avLst/>
@@ -5560,14 +5414,68 @@
       </p:sp>
       <p:sp>
         <p:nvSpPr>
-          <p:cNvPr id="9" name="Rounded Rectangle 8"/>
+          <p:cNvPr id="9" name="TextBox 8"/>
+          <p:cNvSpPr txBox="1"/>
+          <p:nvPr/>
+        </p:nvSpPr>
+        <p:spPr>
+          <a:xfrm>
+            <a:off x="112516" y="756730"/>
+            <a:ext cx="2054152" cy="461665"/>
+          </a:xfrm>
+          <a:prstGeom prst="rect">
+            <a:avLst/>
+          </a:prstGeom>
+          <a:noFill/>
+        </p:spPr>
+        <p:txBody>
+          <a:bodyPr wrap="none" rtlCol="0">
+            <a:spAutoFit/>
+          </a:bodyPr>
+          <a:lstStyle/>
+          <a:p>
+            <a:r>
+              <a:rPr lang="en-US" sz="2400" dirty="0" smtClean="0">
+                <a:ln w="0"/>
+                <a:solidFill>
+                  <a:schemeClr val="accent1"/>
+                </a:solidFill>
+                <a:effectLst>
+                  <a:outerShdw blurRad="38100" dist="25400" dir="5400000" algn="ctr" rotWithShape="0">
+                    <a:srgbClr val="6E747A">
+                      <a:alpha val="43000"/>
+                    </a:srgbClr>
+                  </a:outerShdw>
+                </a:effectLst>
+              </a:rPr>
+              <a:t>Model Training</a:t>
+            </a:r>
+            <a:endParaRPr lang="en-US" sz="2400" dirty="0">
+              <a:ln w="0"/>
+              <a:solidFill>
+                <a:schemeClr val="accent1"/>
+              </a:solidFill>
+              <a:effectLst>
+                <a:outerShdw blurRad="38100" dist="25400" dir="5400000" algn="ctr" rotWithShape="0">
+                  <a:srgbClr val="6E747A">
+                    <a:alpha val="43000"/>
+                  </a:srgbClr>
+                </a:outerShdw>
+              </a:effectLst>
+            </a:endParaRPr>
+          </a:p>
+        </p:txBody>
+      </p:sp>
+      <p:sp>
+        <p:nvSpPr>
+          <p:cNvPr id="8" name="Rounded Rectangle 7"/>
           <p:cNvSpPr/>
           <p:nvPr/>
         </p:nvSpPr>
         <p:spPr>
           <a:xfrm>
-            <a:off x="2447328" y="3321935"/>
-            <a:ext cx="7095255" cy="2083442"/>
+            <a:off x="2188436" y="2409568"/>
+            <a:ext cx="7385929" cy="3373394"/>
           </a:xfrm>
           <a:prstGeom prst="roundRect">
             <a:avLst/>
@@ -5614,100 +5522,16 @@
           </a:p>
         </p:txBody>
       </p:sp>
-      <p:pic>
-        <p:nvPicPr>
-          <p:cNvPr id="5" name="Picture 4"/>
-          <p:cNvPicPr>
-            <a:picLocks noChangeAspect="1"/>
-          </p:cNvPicPr>
-          <p:nvPr/>
-        </p:nvPicPr>
-        <p:blipFill>
-          <a:blip r:embed="rId2">
-            <a:extLst>
-              <a:ext uri="{28A0092B-C50C-407E-A947-70E740481C1C}">
-                <a14:useLocalDpi xmlns:a14="http://schemas.microsoft.com/office/drawing/2010/main" val="0"/>
-              </a:ext>
-            </a:extLst>
-          </a:blip>
-          <a:stretch>
-            <a:fillRect/>
-          </a:stretch>
-        </p:blipFill>
-        <p:spPr>
-          <a:xfrm>
-            <a:off x="2389059" y="1352540"/>
-            <a:ext cx="7211792" cy="5137900"/>
-          </a:xfrm>
-          <a:prstGeom prst="rect">
-            <a:avLst/>
-          </a:prstGeom>
-        </p:spPr>
-      </p:pic>
-      <p:sp>
-        <p:nvSpPr>
-          <p:cNvPr id="11" name="Rounded Rectangle 10"/>
-          <p:cNvSpPr/>
-          <p:nvPr/>
-        </p:nvSpPr>
-        <p:spPr>
-          <a:xfrm>
-            <a:off x="7799479" y="2075131"/>
-            <a:ext cx="1743103" cy="914255"/>
-          </a:xfrm>
-          <a:prstGeom prst="roundRect">
-            <a:avLst/>
-          </a:prstGeom>
-          <a:solidFill>
-            <a:srgbClr val="0070C0">
-              <a:alpha val="46000"/>
-            </a:srgbClr>
-          </a:solidFill>
-          <a:ln>
-            <a:noFill/>
-          </a:ln>
-        </p:spPr>
-        <p:style>
-          <a:lnRef idx="2">
-            <a:schemeClr val="accent1">
-              <a:shade val="50000"/>
-            </a:schemeClr>
-          </a:lnRef>
-          <a:fillRef idx="1">
-            <a:schemeClr val="accent1"/>
-          </a:fillRef>
-          <a:effectRef idx="0">
-            <a:schemeClr val="accent1"/>
-          </a:effectRef>
-          <a:fontRef idx="minor">
-            <a:schemeClr val="lt1"/>
-          </a:fontRef>
-        </p:style>
-        <p:txBody>
-          <a:bodyPr rtlCol="0" anchor="ctr"/>
-          <a:lstStyle/>
-          <a:p>
-            <a:pPr algn="ctr"/>
-            <a:endParaRPr lang="en-US">
-              <a:ln>
-                <a:solidFill>
-                  <a:sysClr val="windowText" lastClr="000000"/>
-                </a:solidFill>
-              </a:ln>
-            </a:endParaRPr>
-          </a:p>
-        </p:txBody>
-      </p:sp>
-      <p:sp>
-        <p:nvSpPr>
-          <p:cNvPr id="12" name="TextBox 11"/>
+      <p:sp>
+        <p:nvSpPr>
+          <p:cNvPr id="10" name="TextBox 9"/>
           <p:cNvSpPr txBox="1"/>
           <p:nvPr/>
         </p:nvSpPr>
         <p:spPr>
           <a:xfrm>
-            <a:off x="9747909" y="1793594"/>
-            <a:ext cx="2277926" cy="1477328"/>
+            <a:off x="-4022" y="4069618"/>
+            <a:ext cx="2287229" cy="461665"/>
           </a:xfrm>
           <a:prstGeom prst="rect">
             <a:avLst/>
@@ -5715,16 +5539,16 @@
           <a:noFill/>
         </p:spPr>
         <p:txBody>
-          <a:bodyPr wrap="square" rtlCol="0">
+          <a:bodyPr wrap="none" rtlCol="0">
             <a:spAutoFit/>
           </a:bodyPr>
           <a:lstStyle/>
           <a:p>
             <a:r>
-              <a:rPr lang="en-US" dirty="0" smtClean="0">
+              <a:rPr lang="en-US" sz="2400" dirty="0" smtClean="0">
                 <a:ln w="0"/>
                 <a:solidFill>
-                  <a:schemeClr val="accent1"/>
+                  <a:schemeClr val="accent2"/>
                 </a:solidFill>
                 <a:effectLst>
                   <a:outerShdw blurRad="38100" dist="25400" dir="5400000" algn="ctr" rotWithShape="0">
@@ -5734,7 +5558,61 @@
                   </a:outerShdw>
                 </a:effectLst>
               </a:rPr>
-              <a:t>If the mixed vocal is boosted at a center frequency,  we should learn to cut at that frequency.</a:t>
+              <a:t>Model Inference</a:t>
+            </a:r>
+            <a:endParaRPr lang="en-US" sz="2400" dirty="0">
+              <a:ln w="0"/>
+              <a:solidFill>
+                <a:schemeClr val="accent2"/>
+              </a:solidFill>
+              <a:effectLst>
+                <a:outerShdw blurRad="38100" dist="25400" dir="5400000" algn="ctr" rotWithShape="0">
+                  <a:srgbClr val="6E747A">
+                    <a:alpha val="43000"/>
+                  </a:srgbClr>
+                </a:outerShdw>
+              </a:effectLst>
+            </a:endParaRPr>
+          </a:p>
+        </p:txBody>
+      </p:sp>
+      <p:sp>
+        <p:nvSpPr>
+          <p:cNvPr id="13" name="TextBox 12"/>
+          <p:cNvSpPr txBox="1"/>
+          <p:nvPr/>
+        </p:nvSpPr>
+        <p:spPr>
+          <a:xfrm>
+            <a:off x="9782269" y="987562"/>
+            <a:ext cx="2277926" cy="923330"/>
+          </a:xfrm>
+          <a:prstGeom prst="rect">
+            <a:avLst/>
+          </a:prstGeom>
+          <a:noFill/>
+        </p:spPr>
+        <p:txBody>
+          <a:bodyPr wrap="square" rtlCol="0">
+            <a:spAutoFit/>
+          </a:bodyPr>
+          <a:lstStyle/>
+          <a:p>
+            <a:r>
+              <a:rPr lang="en-US" dirty="0" smtClean="0">
+                <a:ln w="0"/>
+                <a:solidFill>
+                  <a:schemeClr val="accent1"/>
+                </a:solidFill>
+                <a:effectLst>
+                  <a:outerShdw blurRad="38100" dist="25400" dir="5400000" algn="ctr" rotWithShape="0">
+                    <a:srgbClr val="6E747A">
+                      <a:alpha val="43000"/>
+                    </a:srgbClr>
+                  </a:outerShdw>
+                </a:effectLst>
+              </a:rPr>
+              <a:t>Ground truth is the direct or intermediate mixing parameters </a:t>
             </a:r>
             <a:endParaRPr lang="en-US" dirty="0">
               <a:ln w="0"/>
@@ -5752,10 +5630,40 @@
           </a:p>
         </p:txBody>
       </p:sp>
+      <p:pic>
+        <p:nvPicPr>
+          <p:cNvPr id="11" name="Picture 10"/>
+          <p:cNvPicPr>
+            <a:picLocks noChangeAspect="1"/>
+          </p:cNvPicPr>
+          <p:nvPr/>
+        </p:nvPicPr>
+        <p:blipFill>
+          <a:blip r:embed="rId4">
+            <a:extLst>
+              <a:ext uri="{28A0092B-C50C-407E-A947-70E740481C1C}">
+                <a14:useLocalDpi xmlns:a14="http://schemas.microsoft.com/office/drawing/2010/main" val="0"/>
+              </a:ext>
+            </a:extLst>
+          </a:blip>
+          <a:stretch>
+            <a:fillRect/>
+          </a:stretch>
+        </p:blipFill>
+        <p:spPr>
+          <a:xfrm>
+            <a:off x="2235822" y="0"/>
+            <a:ext cx="7385928" cy="6858000"/>
+          </a:xfrm>
+          <a:prstGeom prst="rect">
+            <a:avLst/>
+          </a:prstGeom>
+        </p:spPr>
+      </p:pic>
     </p:spTree>
     <p:extLst>
       <p:ext uri="{BB962C8B-B14F-4D97-AF65-F5344CB8AC3E}">
-        <p14:creationId xmlns:p14="http://schemas.microsoft.com/office/powerpoint/2010/main" val="917035409"/>
+        <p14:creationId xmlns:p14="http://schemas.microsoft.com/office/powerpoint/2010/main" val="1644841035"/>
       </p:ext>
     </p:extLst>
   </p:cSld>
@@ -5813,8 +5721,12 @@
           <a:lstStyle/>
           <a:p>
             <a:r>
+              <a:rPr lang="en-US" dirty="0"/>
+              <a:t>Deep Learning Approach: </a:t>
+            </a:r>
+            <a:r>
               <a:rPr lang="en-US" dirty="0" smtClean="0"/>
-              <a:t>Objective Evaluation</a:t>
+              <a:t>EQ</a:t>
             </a:r>
             <a:endParaRPr lang="en-US" dirty="0"/>
           </a:p>
@@ -5822,201 +5734,335 @@
       </p:sp>
       <p:sp>
         <p:nvSpPr>
-          <p:cNvPr id="6" name="Content Placeholder 4"/>
-          <p:cNvSpPr txBox="1">
-            <a:spLocks/>
-          </p:cNvSpPr>
+          <p:cNvPr id="6" name="TextBox 5"/>
+          <p:cNvSpPr txBox="1"/>
           <p:nvPr/>
         </p:nvSpPr>
         <p:spPr>
           <a:xfrm>
-            <a:off x="713231" y="1756709"/>
-            <a:ext cx="11070336" cy="4640166"/>
+            <a:off x="276639" y="1905592"/>
+            <a:ext cx="2054152" cy="461665"/>
           </a:xfrm>
           <a:prstGeom prst="rect">
             <a:avLst/>
           </a:prstGeom>
-        </p:spPr>
-        <p:txBody>
-          <a:bodyPr vert="horz" lIns="91440" tIns="45720" rIns="91440" bIns="45720" rtlCol="0">
-            <a:normAutofit/>
+          <a:noFill/>
+        </p:spPr>
+        <p:txBody>
+          <a:bodyPr wrap="none" rtlCol="0">
+            <a:spAutoFit/>
           </a:bodyPr>
-          <a:lstStyle>
-            <a:lvl1pPr marL="228600" indent="-228600" algn="l" defTabSz="914400" rtl="0" eaLnBrk="1" latinLnBrk="0" hangingPunct="1">
-              <a:lnSpc>
-                <a:spcPct val="90000"/>
-              </a:lnSpc>
-              <a:spcBef>
-                <a:spcPts val="1000"/>
-              </a:spcBef>
-              <a:buFont typeface="Wingdings" panose="05000000000000000000" pitchFamily="2" charset="2"/>
-              <a:buChar char="§"/>
-              <a:defRPr sz="2400" kern="1200">
-                <a:solidFill>
-                  <a:schemeClr val="tx1"/>
-                </a:solidFill>
-                <a:latin typeface="+mj-lt"/>
-                <a:ea typeface="+mn-ea"/>
-                <a:cs typeface="+mn-cs"/>
-              </a:defRPr>
-            </a:lvl1pPr>
-            <a:lvl2pPr marL="685800" indent="-228600" algn="l" defTabSz="914400" rtl="0" eaLnBrk="1" latinLnBrk="0" hangingPunct="1">
-              <a:lnSpc>
-                <a:spcPct val="90000"/>
-              </a:lnSpc>
-              <a:spcBef>
-                <a:spcPts val="500"/>
-              </a:spcBef>
-              <a:buFont typeface="Arial" panose="020B0604020202020204" pitchFamily="34" charset="0"/>
-              <a:buChar char="•"/>
-              <a:defRPr sz="2000" kern="1200">
-                <a:solidFill>
-                  <a:schemeClr val="tx1"/>
-                </a:solidFill>
-                <a:latin typeface="+mj-lt"/>
-                <a:ea typeface="+mn-ea"/>
-                <a:cs typeface="+mn-cs"/>
-              </a:defRPr>
-            </a:lvl2pPr>
-            <a:lvl3pPr marL="1143000" indent="-228600" algn="l" defTabSz="914400" rtl="0" eaLnBrk="1" latinLnBrk="0" hangingPunct="1">
-              <a:lnSpc>
-                <a:spcPct val="90000"/>
-              </a:lnSpc>
-              <a:spcBef>
-                <a:spcPts val="500"/>
-              </a:spcBef>
-              <a:buFont typeface=".AppleSystemUIFont" charset="-120"/>
-              <a:buChar char="−"/>
-              <a:defRPr sz="1800" kern="1200">
-                <a:solidFill>
-                  <a:schemeClr val="tx1"/>
-                </a:solidFill>
-                <a:latin typeface="+mj-lt"/>
-                <a:ea typeface="+mn-ea"/>
-                <a:cs typeface="+mn-cs"/>
-              </a:defRPr>
-            </a:lvl3pPr>
-            <a:lvl4pPr marL="1600200" indent="-228600" algn="l" defTabSz="914400" rtl="0" eaLnBrk="1" latinLnBrk="0" hangingPunct="1">
-              <a:lnSpc>
-                <a:spcPct val="90000"/>
-              </a:lnSpc>
-              <a:spcBef>
-                <a:spcPts val="500"/>
-              </a:spcBef>
-              <a:buFont typeface=".AppleSystemUIFont" charset="-120"/>
-              <a:buChar char="−"/>
-              <a:defRPr sz="1600" kern="1200">
-                <a:solidFill>
-                  <a:schemeClr val="tx1"/>
-                </a:solidFill>
-                <a:latin typeface="+mj-lt"/>
-                <a:ea typeface="+mn-ea"/>
-                <a:cs typeface="+mn-cs"/>
-              </a:defRPr>
-            </a:lvl4pPr>
-            <a:lvl5pPr marL="2057400" indent="-228600" algn="l" defTabSz="914400" rtl="0" eaLnBrk="1" latinLnBrk="0" hangingPunct="1">
-              <a:lnSpc>
-                <a:spcPct val="90000"/>
-              </a:lnSpc>
-              <a:spcBef>
-                <a:spcPts val="500"/>
-              </a:spcBef>
-              <a:buFont typeface=".AppleSystemUIFont" charset="-120"/>
-              <a:buChar char="−"/>
-              <a:defRPr sz="1400" kern="1200">
-                <a:solidFill>
-                  <a:schemeClr val="tx1"/>
-                </a:solidFill>
-                <a:latin typeface="+mj-lt"/>
-                <a:ea typeface="+mn-ea"/>
-                <a:cs typeface="+mn-cs"/>
-              </a:defRPr>
-            </a:lvl5pPr>
-            <a:lvl6pPr marL="2514600" indent="-228600" algn="l" defTabSz="914400" rtl="0" eaLnBrk="1" latinLnBrk="0" hangingPunct="1">
-              <a:lnSpc>
-                <a:spcPct val="90000"/>
-              </a:lnSpc>
-              <a:spcBef>
-                <a:spcPts val="500"/>
-              </a:spcBef>
-              <a:buFont typeface="Arial"/>
-              <a:buChar char="•"/>
-              <a:defRPr sz="1800" kern="1200">
-                <a:solidFill>
-                  <a:schemeClr val="tx1"/>
-                </a:solidFill>
-                <a:latin typeface="+mn-lt"/>
-                <a:ea typeface="+mn-ea"/>
-                <a:cs typeface="+mn-cs"/>
-              </a:defRPr>
-            </a:lvl6pPr>
-            <a:lvl7pPr marL="2971800" indent="-228600" algn="l" defTabSz="914400" rtl="0" eaLnBrk="1" latinLnBrk="0" hangingPunct="1">
-              <a:lnSpc>
-                <a:spcPct val="90000"/>
-              </a:lnSpc>
-              <a:spcBef>
-                <a:spcPts val="500"/>
-              </a:spcBef>
-              <a:buFont typeface="Arial"/>
-              <a:buChar char="•"/>
-              <a:defRPr sz="1800" kern="1200">
-                <a:solidFill>
-                  <a:schemeClr val="tx1"/>
-                </a:solidFill>
-                <a:latin typeface="+mn-lt"/>
-                <a:ea typeface="+mn-ea"/>
-                <a:cs typeface="+mn-cs"/>
-              </a:defRPr>
-            </a:lvl7pPr>
-            <a:lvl8pPr marL="3429000" indent="-228600" algn="l" defTabSz="914400" rtl="0" eaLnBrk="1" latinLnBrk="0" hangingPunct="1">
-              <a:lnSpc>
-                <a:spcPct val="90000"/>
-              </a:lnSpc>
-              <a:spcBef>
-                <a:spcPts val="500"/>
-              </a:spcBef>
-              <a:buFont typeface="Arial"/>
-              <a:buChar char="•"/>
-              <a:defRPr sz="1800" kern="1200">
-                <a:solidFill>
-                  <a:schemeClr val="tx1"/>
-                </a:solidFill>
-                <a:latin typeface="+mn-lt"/>
-                <a:ea typeface="+mn-ea"/>
-                <a:cs typeface="+mn-cs"/>
-              </a:defRPr>
-            </a:lvl8pPr>
-            <a:lvl9pPr marL="3886200" indent="-228600" algn="l" defTabSz="914400" rtl="0" eaLnBrk="1" latinLnBrk="0" hangingPunct="1">
-              <a:lnSpc>
-                <a:spcPct val="90000"/>
-              </a:lnSpc>
-              <a:spcBef>
-                <a:spcPts val="500"/>
-              </a:spcBef>
-              <a:buFont typeface="Arial"/>
-              <a:buChar char="•"/>
-              <a:defRPr sz="1800" kern="1200">
-                <a:solidFill>
-                  <a:schemeClr val="tx1"/>
-                </a:solidFill>
-                <a:latin typeface="+mn-lt"/>
-                <a:ea typeface="+mn-ea"/>
-                <a:cs typeface="+mn-cs"/>
-              </a:defRPr>
-            </a:lvl9pPr>
-          </a:lstStyle>
-          <a:p>
-            <a:pPr marL="0" indent="0">
-              <a:buFont typeface="Wingdings" panose="05000000000000000000" pitchFamily="2" charset="2"/>
-              <a:buNone/>
-            </a:pPr>
-            <a:endParaRPr lang="en-US" sz="3200" dirty="0"/>
+          <a:lstStyle/>
+          <a:p>
+            <a:r>
+              <a:rPr lang="en-US" sz="2400" dirty="0" smtClean="0">
+                <a:ln w="0"/>
+                <a:solidFill>
+                  <a:schemeClr val="accent1"/>
+                </a:solidFill>
+                <a:effectLst>
+                  <a:outerShdw blurRad="38100" dist="25400" dir="5400000" algn="ctr" rotWithShape="0">
+                    <a:srgbClr val="6E747A">
+                      <a:alpha val="43000"/>
+                    </a:srgbClr>
+                  </a:outerShdw>
+                </a:effectLst>
+              </a:rPr>
+              <a:t>Model Training</a:t>
+            </a:r>
+            <a:endParaRPr lang="en-US" sz="2400" dirty="0">
+              <a:ln w="0"/>
+              <a:solidFill>
+                <a:schemeClr val="accent1"/>
+              </a:solidFill>
+              <a:effectLst>
+                <a:outerShdw blurRad="38100" dist="25400" dir="5400000" algn="ctr" rotWithShape="0">
+                  <a:srgbClr val="6E747A">
+                    <a:alpha val="43000"/>
+                  </a:srgbClr>
+                </a:outerShdw>
+              </a:effectLst>
+            </a:endParaRPr>
+          </a:p>
+        </p:txBody>
+      </p:sp>
+      <p:sp>
+        <p:nvSpPr>
+          <p:cNvPr id="7" name="TextBox 6"/>
+          <p:cNvSpPr txBox="1"/>
+          <p:nvPr/>
+        </p:nvSpPr>
+        <p:spPr>
+          <a:xfrm>
+            <a:off x="160100" y="4163402"/>
+            <a:ext cx="2287229" cy="461665"/>
+          </a:xfrm>
+          <a:prstGeom prst="rect">
+            <a:avLst/>
+          </a:prstGeom>
+          <a:noFill/>
+        </p:spPr>
+        <p:txBody>
+          <a:bodyPr wrap="none" rtlCol="0">
+            <a:spAutoFit/>
+          </a:bodyPr>
+          <a:lstStyle/>
+          <a:p>
+            <a:r>
+              <a:rPr lang="en-US" sz="2400" dirty="0" smtClean="0">
+                <a:ln w="0"/>
+                <a:solidFill>
+                  <a:schemeClr val="accent2"/>
+                </a:solidFill>
+                <a:effectLst>
+                  <a:outerShdw blurRad="38100" dist="25400" dir="5400000" algn="ctr" rotWithShape="0">
+                    <a:srgbClr val="6E747A">
+                      <a:alpha val="43000"/>
+                    </a:srgbClr>
+                  </a:outerShdw>
+                </a:effectLst>
+              </a:rPr>
+              <a:t>Model Inference</a:t>
+            </a:r>
+            <a:endParaRPr lang="en-US" sz="2400" dirty="0">
+              <a:ln w="0"/>
+              <a:solidFill>
+                <a:schemeClr val="accent2"/>
+              </a:solidFill>
+              <a:effectLst>
+                <a:outerShdw blurRad="38100" dist="25400" dir="5400000" algn="ctr" rotWithShape="0">
+                  <a:srgbClr val="6E747A">
+                    <a:alpha val="43000"/>
+                  </a:srgbClr>
+                </a:outerShdw>
+              </a:effectLst>
+            </a:endParaRPr>
+          </a:p>
+        </p:txBody>
+      </p:sp>
+      <p:sp>
+        <p:nvSpPr>
+          <p:cNvPr id="8" name="Rounded Rectangle 7"/>
+          <p:cNvSpPr/>
+          <p:nvPr/>
+        </p:nvSpPr>
+        <p:spPr>
+          <a:xfrm>
+            <a:off x="2447329" y="1352540"/>
+            <a:ext cx="7095255" cy="1636846"/>
+          </a:xfrm>
+          <a:prstGeom prst="roundRect">
+            <a:avLst/>
+          </a:prstGeom>
+          <a:solidFill>
+            <a:schemeClr val="accent1">
+              <a:lumMod val="60000"/>
+              <a:lumOff val="40000"/>
+              <a:alpha val="16000"/>
+            </a:schemeClr>
+          </a:solidFill>
+          <a:ln>
+            <a:noFill/>
+          </a:ln>
+        </p:spPr>
+        <p:style>
+          <a:lnRef idx="2">
+            <a:schemeClr val="accent1">
+              <a:shade val="50000"/>
+            </a:schemeClr>
+          </a:lnRef>
+          <a:fillRef idx="1">
+            <a:schemeClr val="accent1"/>
+          </a:fillRef>
+          <a:effectRef idx="0">
+            <a:schemeClr val="accent1"/>
+          </a:effectRef>
+          <a:fontRef idx="minor">
+            <a:schemeClr val="lt1"/>
+          </a:fontRef>
+        </p:style>
+        <p:txBody>
+          <a:bodyPr rtlCol="0" anchor="ctr"/>
+          <a:lstStyle/>
+          <a:p>
+            <a:pPr algn="ctr"/>
+            <a:endParaRPr lang="en-US">
+              <a:ln>
+                <a:solidFill>
+                  <a:sysClr val="windowText" lastClr="000000"/>
+                </a:solidFill>
+              </a:ln>
+            </a:endParaRPr>
+          </a:p>
+        </p:txBody>
+      </p:sp>
+      <p:sp>
+        <p:nvSpPr>
+          <p:cNvPr id="9" name="Rounded Rectangle 8"/>
+          <p:cNvSpPr/>
+          <p:nvPr/>
+        </p:nvSpPr>
+        <p:spPr>
+          <a:xfrm>
+            <a:off x="2447328" y="3321935"/>
+            <a:ext cx="7095255" cy="2083442"/>
+          </a:xfrm>
+          <a:prstGeom prst="roundRect">
+            <a:avLst/>
+          </a:prstGeom>
+          <a:solidFill>
+            <a:schemeClr val="accent2">
+              <a:lumMod val="60000"/>
+              <a:lumOff val="40000"/>
+              <a:alpha val="16000"/>
+            </a:schemeClr>
+          </a:solidFill>
+          <a:ln>
+            <a:noFill/>
+          </a:ln>
+        </p:spPr>
+        <p:style>
+          <a:lnRef idx="2">
+            <a:schemeClr val="accent1">
+              <a:shade val="50000"/>
+            </a:schemeClr>
+          </a:lnRef>
+          <a:fillRef idx="1">
+            <a:schemeClr val="accent1"/>
+          </a:fillRef>
+          <a:effectRef idx="0">
+            <a:schemeClr val="accent1"/>
+          </a:effectRef>
+          <a:fontRef idx="minor">
+            <a:schemeClr val="lt1"/>
+          </a:fontRef>
+        </p:style>
+        <p:txBody>
+          <a:bodyPr rtlCol="0" anchor="ctr"/>
+          <a:lstStyle/>
+          <a:p>
+            <a:pPr algn="ctr"/>
+            <a:endParaRPr lang="en-US">
+              <a:ln>
+                <a:solidFill>
+                  <a:sysClr val="windowText" lastClr="000000"/>
+                </a:solidFill>
+              </a:ln>
+            </a:endParaRPr>
+          </a:p>
+        </p:txBody>
+      </p:sp>
+      <p:sp>
+        <p:nvSpPr>
+          <p:cNvPr id="11" name="Rounded Rectangle 10"/>
+          <p:cNvSpPr/>
+          <p:nvPr/>
+        </p:nvSpPr>
+        <p:spPr>
+          <a:xfrm>
+            <a:off x="7799479" y="2075131"/>
+            <a:ext cx="1743103" cy="914255"/>
+          </a:xfrm>
+          <a:prstGeom prst="roundRect">
+            <a:avLst/>
+          </a:prstGeom>
+          <a:solidFill>
+            <a:srgbClr val="0070C0">
+              <a:alpha val="46000"/>
+            </a:srgbClr>
+          </a:solidFill>
+          <a:ln>
+            <a:noFill/>
+          </a:ln>
+        </p:spPr>
+        <p:style>
+          <a:lnRef idx="2">
+            <a:schemeClr val="accent1">
+              <a:shade val="50000"/>
+            </a:schemeClr>
+          </a:lnRef>
+          <a:fillRef idx="1">
+            <a:schemeClr val="accent1"/>
+          </a:fillRef>
+          <a:effectRef idx="0">
+            <a:schemeClr val="accent1"/>
+          </a:effectRef>
+          <a:fontRef idx="minor">
+            <a:schemeClr val="lt1"/>
+          </a:fontRef>
+        </p:style>
+        <p:txBody>
+          <a:bodyPr rtlCol="0" anchor="ctr"/>
+          <a:lstStyle/>
+          <a:p>
+            <a:pPr algn="ctr"/>
+            <a:endParaRPr lang="en-US">
+              <a:ln>
+                <a:solidFill>
+                  <a:sysClr val="windowText" lastClr="000000"/>
+                </a:solidFill>
+              </a:ln>
+            </a:endParaRPr>
+          </a:p>
+        </p:txBody>
+      </p:sp>
+      <p:sp>
+        <p:nvSpPr>
+          <p:cNvPr id="12" name="TextBox 11"/>
+          <p:cNvSpPr txBox="1"/>
+          <p:nvPr/>
+        </p:nvSpPr>
+        <p:spPr>
+          <a:xfrm>
+            <a:off x="9747909" y="1793594"/>
+            <a:ext cx="2277926" cy="1477328"/>
+          </a:xfrm>
+          <a:prstGeom prst="rect">
+            <a:avLst/>
+          </a:prstGeom>
+          <a:noFill/>
+        </p:spPr>
+        <p:txBody>
+          <a:bodyPr wrap="square" rtlCol="0">
+            <a:spAutoFit/>
+          </a:bodyPr>
+          <a:lstStyle/>
+          <a:p>
+            <a:r>
+              <a:rPr lang="en-US" dirty="0" smtClean="0">
+                <a:ln w="0"/>
+                <a:solidFill>
+                  <a:schemeClr val="accent1"/>
+                </a:solidFill>
+                <a:effectLst>
+                  <a:outerShdw blurRad="38100" dist="25400" dir="5400000" algn="ctr" rotWithShape="0">
+                    <a:srgbClr val="6E747A">
+                      <a:alpha val="43000"/>
+                    </a:srgbClr>
+                  </a:outerShdw>
+                </a:effectLst>
+              </a:rPr>
+              <a:t>If the mixed vocal is boosted at a center frequency,  we should learn to cut at that frequency.</a:t>
+            </a:r>
+            <a:endParaRPr lang="en-US" dirty="0">
+              <a:ln w="0"/>
+              <a:solidFill>
+                <a:schemeClr val="accent1"/>
+              </a:solidFill>
+              <a:effectLst>
+                <a:outerShdw blurRad="38100" dist="25400" dir="5400000" algn="ctr" rotWithShape="0">
+                  <a:srgbClr val="6E747A">
+                    <a:alpha val="43000"/>
+                  </a:srgbClr>
+                </a:outerShdw>
+              </a:effectLst>
+            </a:endParaRPr>
           </a:p>
         </p:txBody>
       </p:sp>
       <p:pic>
         <p:nvPicPr>
-          <p:cNvPr id="7" name="Picture 6"/>
+          <p:cNvPr id="4" name="Picture 3"/>
           <p:cNvPicPr>
             <a:picLocks noChangeAspect="1"/>
           </p:cNvPicPr>
@@ -6036,216 +6082,18 @@
         </p:blipFill>
         <p:spPr>
           <a:xfrm>
-            <a:off x="-1" y="3153932"/>
-            <a:ext cx="12192000" cy="922860"/>
+            <a:off x="2395997" y="1370976"/>
+            <a:ext cx="7197918" cy="5127804"/>
           </a:xfrm>
           <a:prstGeom prst="rect">
             <a:avLst/>
           </a:prstGeom>
         </p:spPr>
       </p:pic>
-      <p:sp>
-        <p:nvSpPr>
-          <p:cNvPr id="8" name="Content Placeholder 4"/>
-          <p:cNvSpPr txBox="1">
-            <a:spLocks/>
-          </p:cNvSpPr>
-          <p:nvPr/>
-        </p:nvSpPr>
-        <p:spPr>
-          <a:xfrm>
-            <a:off x="865631" y="1909109"/>
-            <a:ext cx="11070336" cy="4640166"/>
-          </a:xfrm>
-          <a:prstGeom prst="rect">
-            <a:avLst/>
-          </a:prstGeom>
-        </p:spPr>
-        <p:txBody>
-          <a:bodyPr vert="horz" lIns="91440" tIns="45720" rIns="91440" bIns="45720" rtlCol="0">
-            <a:normAutofit/>
-          </a:bodyPr>
-          <a:lstStyle>
-            <a:lvl1pPr marL="228600" indent="-228600" algn="l" defTabSz="914400" rtl="0" eaLnBrk="1" latinLnBrk="0" hangingPunct="1">
-              <a:lnSpc>
-                <a:spcPct val="90000"/>
-              </a:lnSpc>
-              <a:spcBef>
-                <a:spcPts val="1000"/>
-              </a:spcBef>
-              <a:buFont typeface="Wingdings" panose="05000000000000000000" pitchFamily="2" charset="2"/>
-              <a:buChar char="§"/>
-              <a:defRPr sz="2400" kern="1200">
-                <a:solidFill>
-                  <a:schemeClr val="tx1"/>
-                </a:solidFill>
-                <a:latin typeface="+mj-lt"/>
-                <a:ea typeface="+mn-ea"/>
-                <a:cs typeface="+mn-cs"/>
-              </a:defRPr>
-            </a:lvl1pPr>
-            <a:lvl2pPr marL="685800" indent="-228600" algn="l" defTabSz="914400" rtl="0" eaLnBrk="1" latinLnBrk="0" hangingPunct="1">
-              <a:lnSpc>
-                <a:spcPct val="90000"/>
-              </a:lnSpc>
-              <a:spcBef>
-                <a:spcPts val="500"/>
-              </a:spcBef>
-              <a:buFont typeface="Arial" panose="020B0604020202020204" pitchFamily="34" charset="0"/>
-              <a:buChar char="•"/>
-              <a:defRPr sz="2000" kern="1200">
-                <a:solidFill>
-                  <a:schemeClr val="tx1"/>
-                </a:solidFill>
-                <a:latin typeface="+mj-lt"/>
-                <a:ea typeface="+mn-ea"/>
-                <a:cs typeface="+mn-cs"/>
-              </a:defRPr>
-            </a:lvl2pPr>
-            <a:lvl3pPr marL="1143000" indent="-228600" algn="l" defTabSz="914400" rtl="0" eaLnBrk="1" latinLnBrk="0" hangingPunct="1">
-              <a:lnSpc>
-                <a:spcPct val="90000"/>
-              </a:lnSpc>
-              <a:spcBef>
-                <a:spcPts val="500"/>
-              </a:spcBef>
-              <a:buFont typeface=".AppleSystemUIFont" charset="-120"/>
-              <a:buChar char="−"/>
-              <a:defRPr sz="1800" kern="1200">
-                <a:solidFill>
-                  <a:schemeClr val="tx1"/>
-                </a:solidFill>
-                <a:latin typeface="+mj-lt"/>
-                <a:ea typeface="+mn-ea"/>
-                <a:cs typeface="+mn-cs"/>
-              </a:defRPr>
-            </a:lvl3pPr>
-            <a:lvl4pPr marL="1600200" indent="-228600" algn="l" defTabSz="914400" rtl="0" eaLnBrk="1" latinLnBrk="0" hangingPunct="1">
-              <a:lnSpc>
-                <a:spcPct val="90000"/>
-              </a:lnSpc>
-              <a:spcBef>
-                <a:spcPts val="500"/>
-              </a:spcBef>
-              <a:buFont typeface=".AppleSystemUIFont" charset="-120"/>
-              <a:buChar char="−"/>
-              <a:defRPr sz="1600" kern="1200">
-                <a:solidFill>
-                  <a:schemeClr val="tx1"/>
-                </a:solidFill>
-                <a:latin typeface="+mj-lt"/>
-                <a:ea typeface="+mn-ea"/>
-                <a:cs typeface="+mn-cs"/>
-              </a:defRPr>
-            </a:lvl4pPr>
-            <a:lvl5pPr marL="2057400" indent="-228600" algn="l" defTabSz="914400" rtl="0" eaLnBrk="1" latinLnBrk="0" hangingPunct="1">
-              <a:lnSpc>
-                <a:spcPct val="90000"/>
-              </a:lnSpc>
-              <a:spcBef>
-                <a:spcPts val="500"/>
-              </a:spcBef>
-              <a:buFont typeface=".AppleSystemUIFont" charset="-120"/>
-              <a:buChar char="−"/>
-              <a:defRPr sz="1400" kern="1200">
-                <a:solidFill>
-                  <a:schemeClr val="tx1"/>
-                </a:solidFill>
-                <a:latin typeface="+mj-lt"/>
-                <a:ea typeface="+mn-ea"/>
-                <a:cs typeface="+mn-cs"/>
-              </a:defRPr>
-            </a:lvl5pPr>
-            <a:lvl6pPr marL="2514600" indent="-228600" algn="l" defTabSz="914400" rtl="0" eaLnBrk="1" latinLnBrk="0" hangingPunct="1">
-              <a:lnSpc>
-                <a:spcPct val="90000"/>
-              </a:lnSpc>
-              <a:spcBef>
-                <a:spcPts val="500"/>
-              </a:spcBef>
-              <a:buFont typeface="Arial"/>
-              <a:buChar char="•"/>
-              <a:defRPr sz="1800" kern="1200">
-                <a:solidFill>
-                  <a:schemeClr val="tx1"/>
-                </a:solidFill>
-                <a:latin typeface="+mn-lt"/>
-                <a:ea typeface="+mn-ea"/>
-                <a:cs typeface="+mn-cs"/>
-              </a:defRPr>
-            </a:lvl6pPr>
-            <a:lvl7pPr marL="2971800" indent="-228600" algn="l" defTabSz="914400" rtl="0" eaLnBrk="1" latinLnBrk="0" hangingPunct="1">
-              <a:lnSpc>
-                <a:spcPct val="90000"/>
-              </a:lnSpc>
-              <a:spcBef>
-                <a:spcPts val="500"/>
-              </a:spcBef>
-              <a:buFont typeface="Arial"/>
-              <a:buChar char="•"/>
-              <a:defRPr sz="1800" kern="1200">
-                <a:solidFill>
-                  <a:schemeClr val="tx1"/>
-                </a:solidFill>
-                <a:latin typeface="+mn-lt"/>
-                <a:ea typeface="+mn-ea"/>
-                <a:cs typeface="+mn-cs"/>
-              </a:defRPr>
-            </a:lvl7pPr>
-            <a:lvl8pPr marL="3429000" indent="-228600" algn="l" defTabSz="914400" rtl="0" eaLnBrk="1" latinLnBrk="0" hangingPunct="1">
-              <a:lnSpc>
-                <a:spcPct val="90000"/>
-              </a:lnSpc>
-              <a:spcBef>
-                <a:spcPts val="500"/>
-              </a:spcBef>
-              <a:buFont typeface="Arial"/>
-              <a:buChar char="•"/>
-              <a:defRPr sz="1800" kern="1200">
-                <a:solidFill>
-                  <a:schemeClr val="tx1"/>
-                </a:solidFill>
-                <a:latin typeface="+mn-lt"/>
-                <a:ea typeface="+mn-ea"/>
-                <a:cs typeface="+mn-cs"/>
-              </a:defRPr>
-            </a:lvl8pPr>
-            <a:lvl9pPr marL="3886200" indent="-228600" algn="l" defTabSz="914400" rtl="0" eaLnBrk="1" latinLnBrk="0" hangingPunct="1">
-              <a:lnSpc>
-                <a:spcPct val="90000"/>
-              </a:lnSpc>
-              <a:spcBef>
-                <a:spcPts val="500"/>
-              </a:spcBef>
-              <a:buFont typeface="Arial"/>
-              <a:buChar char="•"/>
-              <a:defRPr sz="1800" kern="1200">
-                <a:solidFill>
-                  <a:schemeClr val="tx1"/>
-                </a:solidFill>
-                <a:latin typeface="+mn-lt"/>
-                <a:ea typeface="+mn-ea"/>
-                <a:cs typeface="+mn-cs"/>
-              </a:defRPr>
-            </a:lvl9pPr>
-          </a:lstStyle>
-          <a:p>
-            <a:pPr marL="0" indent="0">
-              <a:buFont typeface="Wingdings" panose="05000000000000000000" pitchFamily="2" charset="2"/>
-              <a:buNone/>
-            </a:pPr>
-            <a:r>
-              <a:rPr lang="en-US" sz="3200" dirty="0" smtClean="0"/>
-              <a:t>Validation on the MUSDB test set, 48 songs in total</a:t>
-            </a:r>
-            <a:endParaRPr lang="en-US" sz="3200" dirty="0"/>
-          </a:p>
-        </p:txBody>
-      </p:sp>
     </p:spTree>
     <p:extLst>
       <p:ext uri="{BB962C8B-B14F-4D97-AF65-F5344CB8AC3E}">
-        <p14:creationId xmlns:p14="http://schemas.microsoft.com/office/powerpoint/2010/main" val="28210240"/>
+        <p14:creationId xmlns:p14="http://schemas.microsoft.com/office/powerpoint/2010/main" val="917035409"/>
       </p:ext>
     </p:extLst>
   </p:cSld>
@@ -6304,7 +6152,505 @@
           <a:p>
             <a:r>
               <a:rPr lang="en-US" dirty="0" smtClean="0"/>
-              <a:t>Listening Test</a:t>
+              <a:t>Objective Evaluation</a:t>
+            </a:r>
+            <a:endParaRPr lang="en-US" dirty="0"/>
+          </a:p>
+        </p:txBody>
+      </p:sp>
+      <p:sp>
+        <p:nvSpPr>
+          <p:cNvPr id="6" name="Content Placeholder 4"/>
+          <p:cNvSpPr txBox="1">
+            <a:spLocks/>
+          </p:cNvSpPr>
+          <p:nvPr/>
+        </p:nvSpPr>
+        <p:spPr>
+          <a:xfrm>
+            <a:off x="713231" y="1756709"/>
+            <a:ext cx="11070336" cy="4640166"/>
+          </a:xfrm>
+          <a:prstGeom prst="rect">
+            <a:avLst/>
+          </a:prstGeom>
+        </p:spPr>
+        <p:txBody>
+          <a:bodyPr vert="horz" lIns="91440" tIns="45720" rIns="91440" bIns="45720" rtlCol="0">
+            <a:normAutofit/>
+          </a:bodyPr>
+          <a:lstStyle>
+            <a:lvl1pPr marL="228600" indent="-228600" algn="l" defTabSz="914400" rtl="0" eaLnBrk="1" latinLnBrk="0" hangingPunct="1">
+              <a:lnSpc>
+                <a:spcPct val="90000"/>
+              </a:lnSpc>
+              <a:spcBef>
+                <a:spcPts val="1000"/>
+              </a:spcBef>
+              <a:buFont typeface="Wingdings" panose="05000000000000000000" pitchFamily="2" charset="2"/>
+              <a:buChar char="§"/>
+              <a:defRPr sz="2400" kern="1200">
+                <a:solidFill>
+                  <a:schemeClr val="tx1"/>
+                </a:solidFill>
+                <a:latin typeface="+mj-lt"/>
+                <a:ea typeface="+mn-ea"/>
+                <a:cs typeface="+mn-cs"/>
+              </a:defRPr>
+            </a:lvl1pPr>
+            <a:lvl2pPr marL="685800" indent="-228600" algn="l" defTabSz="914400" rtl="0" eaLnBrk="1" latinLnBrk="0" hangingPunct="1">
+              <a:lnSpc>
+                <a:spcPct val="90000"/>
+              </a:lnSpc>
+              <a:spcBef>
+                <a:spcPts val="500"/>
+              </a:spcBef>
+              <a:buFont typeface="Arial" panose="020B0604020202020204" pitchFamily="34" charset="0"/>
+              <a:buChar char="•"/>
+              <a:defRPr sz="2000" kern="1200">
+                <a:solidFill>
+                  <a:schemeClr val="tx1"/>
+                </a:solidFill>
+                <a:latin typeface="+mj-lt"/>
+                <a:ea typeface="+mn-ea"/>
+                <a:cs typeface="+mn-cs"/>
+              </a:defRPr>
+            </a:lvl2pPr>
+            <a:lvl3pPr marL="1143000" indent="-228600" algn="l" defTabSz="914400" rtl="0" eaLnBrk="1" latinLnBrk="0" hangingPunct="1">
+              <a:lnSpc>
+                <a:spcPct val="90000"/>
+              </a:lnSpc>
+              <a:spcBef>
+                <a:spcPts val="500"/>
+              </a:spcBef>
+              <a:buFont typeface=".AppleSystemUIFont" charset="-120"/>
+              <a:buChar char="−"/>
+              <a:defRPr sz="1800" kern="1200">
+                <a:solidFill>
+                  <a:schemeClr val="tx1"/>
+                </a:solidFill>
+                <a:latin typeface="+mj-lt"/>
+                <a:ea typeface="+mn-ea"/>
+                <a:cs typeface="+mn-cs"/>
+              </a:defRPr>
+            </a:lvl3pPr>
+            <a:lvl4pPr marL="1600200" indent="-228600" algn="l" defTabSz="914400" rtl="0" eaLnBrk="1" latinLnBrk="0" hangingPunct="1">
+              <a:lnSpc>
+                <a:spcPct val="90000"/>
+              </a:lnSpc>
+              <a:spcBef>
+                <a:spcPts val="500"/>
+              </a:spcBef>
+              <a:buFont typeface=".AppleSystemUIFont" charset="-120"/>
+              <a:buChar char="−"/>
+              <a:defRPr sz="1600" kern="1200">
+                <a:solidFill>
+                  <a:schemeClr val="tx1"/>
+                </a:solidFill>
+                <a:latin typeface="+mj-lt"/>
+                <a:ea typeface="+mn-ea"/>
+                <a:cs typeface="+mn-cs"/>
+              </a:defRPr>
+            </a:lvl4pPr>
+            <a:lvl5pPr marL="2057400" indent="-228600" algn="l" defTabSz="914400" rtl="0" eaLnBrk="1" latinLnBrk="0" hangingPunct="1">
+              <a:lnSpc>
+                <a:spcPct val="90000"/>
+              </a:lnSpc>
+              <a:spcBef>
+                <a:spcPts val="500"/>
+              </a:spcBef>
+              <a:buFont typeface=".AppleSystemUIFont" charset="-120"/>
+              <a:buChar char="−"/>
+              <a:defRPr sz="1400" kern="1200">
+                <a:solidFill>
+                  <a:schemeClr val="tx1"/>
+                </a:solidFill>
+                <a:latin typeface="+mj-lt"/>
+                <a:ea typeface="+mn-ea"/>
+                <a:cs typeface="+mn-cs"/>
+              </a:defRPr>
+            </a:lvl5pPr>
+            <a:lvl6pPr marL="2514600" indent="-228600" algn="l" defTabSz="914400" rtl="0" eaLnBrk="1" latinLnBrk="0" hangingPunct="1">
+              <a:lnSpc>
+                <a:spcPct val="90000"/>
+              </a:lnSpc>
+              <a:spcBef>
+                <a:spcPts val="500"/>
+              </a:spcBef>
+              <a:buFont typeface="Arial"/>
+              <a:buChar char="•"/>
+              <a:defRPr sz="1800" kern="1200">
+                <a:solidFill>
+                  <a:schemeClr val="tx1"/>
+                </a:solidFill>
+                <a:latin typeface="+mn-lt"/>
+                <a:ea typeface="+mn-ea"/>
+                <a:cs typeface="+mn-cs"/>
+              </a:defRPr>
+            </a:lvl6pPr>
+            <a:lvl7pPr marL="2971800" indent="-228600" algn="l" defTabSz="914400" rtl="0" eaLnBrk="1" latinLnBrk="0" hangingPunct="1">
+              <a:lnSpc>
+                <a:spcPct val="90000"/>
+              </a:lnSpc>
+              <a:spcBef>
+                <a:spcPts val="500"/>
+              </a:spcBef>
+              <a:buFont typeface="Arial"/>
+              <a:buChar char="•"/>
+              <a:defRPr sz="1800" kern="1200">
+                <a:solidFill>
+                  <a:schemeClr val="tx1"/>
+                </a:solidFill>
+                <a:latin typeface="+mn-lt"/>
+                <a:ea typeface="+mn-ea"/>
+                <a:cs typeface="+mn-cs"/>
+              </a:defRPr>
+            </a:lvl7pPr>
+            <a:lvl8pPr marL="3429000" indent="-228600" algn="l" defTabSz="914400" rtl="0" eaLnBrk="1" latinLnBrk="0" hangingPunct="1">
+              <a:lnSpc>
+                <a:spcPct val="90000"/>
+              </a:lnSpc>
+              <a:spcBef>
+                <a:spcPts val="500"/>
+              </a:spcBef>
+              <a:buFont typeface="Arial"/>
+              <a:buChar char="•"/>
+              <a:defRPr sz="1800" kern="1200">
+                <a:solidFill>
+                  <a:schemeClr val="tx1"/>
+                </a:solidFill>
+                <a:latin typeface="+mn-lt"/>
+                <a:ea typeface="+mn-ea"/>
+                <a:cs typeface="+mn-cs"/>
+              </a:defRPr>
+            </a:lvl8pPr>
+            <a:lvl9pPr marL="3886200" indent="-228600" algn="l" defTabSz="914400" rtl="0" eaLnBrk="1" latinLnBrk="0" hangingPunct="1">
+              <a:lnSpc>
+                <a:spcPct val="90000"/>
+              </a:lnSpc>
+              <a:spcBef>
+                <a:spcPts val="500"/>
+              </a:spcBef>
+              <a:buFont typeface="Arial"/>
+              <a:buChar char="•"/>
+              <a:defRPr sz="1800" kern="1200">
+                <a:solidFill>
+                  <a:schemeClr val="tx1"/>
+                </a:solidFill>
+                <a:latin typeface="+mn-lt"/>
+                <a:ea typeface="+mn-ea"/>
+                <a:cs typeface="+mn-cs"/>
+              </a:defRPr>
+            </a:lvl9pPr>
+          </a:lstStyle>
+          <a:p>
+            <a:pPr marL="0" indent="0">
+              <a:buFont typeface="Wingdings" panose="05000000000000000000" pitchFamily="2" charset="2"/>
+              <a:buNone/>
+            </a:pPr>
+            <a:endParaRPr lang="en-US" sz="3200" dirty="0"/>
+          </a:p>
+        </p:txBody>
+      </p:sp>
+      <p:pic>
+        <p:nvPicPr>
+          <p:cNvPr id="7" name="Picture 6"/>
+          <p:cNvPicPr>
+            <a:picLocks noChangeAspect="1"/>
+          </p:cNvPicPr>
+          <p:nvPr/>
+        </p:nvPicPr>
+        <p:blipFill>
+          <a:blip r:embed="rId2">
+            <a:extLst>
+              <a:ext uri="{28A0092B-C50C-407E-A947-70E740481C1C}">
+                <a14:useLocalDpi xmlns:a14="http://schemas.microsoft.com/office/drawing/2010/main" val="0"/>
+              </a:ext>
+            </a:extLst>
+          </a:blip>
+          <a:stretch>
+            <a:fillRect/>
+          </a:stretch>
+        </p:blipFill>
+        <p:spPr>
+          <a:xfrm>
+            <a:off x="-1" y="3153932"/>
+            <a:ext cx="12192000" cy="922860"/>
+          </a:xfrm>
+          <a:prstGeom prst="rect">
+            <a:avLst/>
+          </a:prstGeom>
+        </p:spPr>
+      </p:pic>
+      <p:sp>
+        <p:nvSpPr>
+          <p:cNvPr id="8" name="Content Placeholder 4"/>
+          <p:cNvSpPr txBox="1">
+            <a:spLocks/>
+          </p:cNvSpPr>
+          <p:nvPr/>
+        </p:nvSpPr>
+        <p:spPr>
+          <a:xfrm>
+            <a:off x="865631" y="1909109"/>
+            <a:ext cx="11070336" cy="4640166"/>
+          </a:xfrm>
+          <a:prstGeom prst="rect">
+            <a:avLst/>
+          </a:prstGeom>
+        </p:spPr>
+        <p:txBody>
+          <a:bodyPr vert="horz" lIns="91440" tIns="45720" rIns="91440" bIns="45720" rtlCol="0">
+            <a:normAutofit/>
+          </a:bodyPr>
+          <a:lstStyle>
+            <a:lvl1pPr marL="228600" indent="-228600" algn="l" defTabSz="914400" rtl="0" eaLnBrk="1" latinLnBrk="0" hangingPunct="1">
+              <a:lnSpc>
+                <a:spcPct val="90000"/>
+              </a:lnSpc>
+              <a:spcBef>
+                <a:spcPts val="1000"/>
+              </a:spcBef>
+              <a:buFont typeface="Wingdings" panose="05000000000000000000" pitchFamily="2" charset="2"/>
+              <a:buChar char="§"/>
+              <a:defRPr sz="2400" kern="1200">
+                <a:solidFill>
+                  <a:schemeClr val="tx1"/>
+                </a:solidFill>
+                <a:latin typeface="+mj-lt"/>
+                <a:ea typeface="+mn-ea"/>
+                <a:cs typeface="+mn-cs"/>
+              </a:defRPr>
+            </a:lvl1pPr>
+            <a:lvl2pPr marL="685800" indent="-228600" algn="l" defTabSz="914400" rtl="0" eaLnBrk="1" latinLnBrk="0" hangingPunct="1">
+              <a:lnSpc>
+                <a:spcPct val="90000"/>
+              </a:lnSpc>
+              <a:spcBef>
+                <a:spcPts val="500"/>
+              </a:spcBef>
+              <a:buFont typeface="Arial" panose="020B0604020202020204" pitchFamily="34" charset="0"/>
+              <a:buChar char="•"/>
+              <a:defRPr sz="2000" kern="1200">
+                <a:solidFill>
+                  <a:schemeClr val="tx1"/>
+                </a:solidFill>
+                <a:latin typeface="+mj-lt"/>
+                <a:ea typeface="+mn-ea"/>
+                <a:cs typeface="+mn-cs"/>
+              </a:defRPr>
+            </a:lvl2pPr>
+            <a:lvl3pPr marL="1143000" indent="-228600" algn="l" defTabSz="914400" rtl="0" eaLnBrk="1" latinLnBrk="0" hangingPunct="1">
+              <a:lnSpc>
+                <a:spcPct val="90000"/>
+              </a:lnSpc>
+              <a:spcBef>
+                <a:spcPts val="500"/>
+              </a:spcBef>
+              <a:buFont typeface=".AppleSystemUIFont" charset="-120"/>
+              <a:buChar char="−"/>
+              <a:defRPr sz="1800" kern="1200">
+                <a:solidFill>
+                  <a:schemeClr val="tx1"/>
+                </a:solidFill>
+                <a:latin typeface="+mj-lt"/>
+                <a:ea typeface="+mn-ea"/>
+                <a:cs typeface="+mn-cs"/>
+              </a:defRPr>
+            </a:lvl3pPr>
+            <a:lvl4pPr marL="1600200" indent="-228600" algn="l" defTabSz="914400" rtl="0" eaLnBrk="1" latinLnBrk="0" hangingPunct="1">
+              <a:lnSpc>
+                <a:spcPct val="90000"/>
+              </a:lnSpc>
+              <a:spcBef>
+                <a:spcPts val="500"/>
+              </a:spcBef>
+              <a:buFont typeface=".AppleSystemUIFont" charset="-120"/>
+              <a:buChar char="−"/>
+              <a:defRPr sz="1600" kern="1200">
+                <a:solidFill>
+                  <a:schemeClr val="tx1"/>
+                </a:solidFill>
+                <a:latin typeface="+mj-lt"/>
+                <a:ea typeface="+mn-ea"/>
+                <a:cs typeface="+mn-cs"/>
+              </a:defRPr>
+            </a:lvl4pPr>
+            <a:lvl5pPr marL="2057400" indent="-228600" algn="l" defTabSz="914400" rtl="0" eaLnBrk="1" latinLnBrk="0" hangingPunct="1">
+              <a:lnSpc>
+                <a:spcPct val="90000"/>
+              </a:lnSpc>
+              <a:spcBef>
+                <a:spcPts val="500"/>
+              </a:spcBef>
+              <a:buFont typeface=".AppleSystemUIFont" charset="-120"/>
+              <a:buChar char="−"/>
+              <a:defRPr sz="1400" kern="1200">
+                <a:solidFill>
+                  <a:schemeClr val="tx1"/>
+                </a:solidFill>
+                <a:latin typeface="+mj-lt"/>
+                <a:ea typeface="+mn-ea"/>
+                <a:cs typeface="+mn-cs"/>
+              </a:defRPr>
+            </a:lvl5pPr>
+            <a:lvl6pPr marL="2514600" indent="-228600" algn="l" defTabSz="914400" rtl="0" eaLnBrk="1" latinLnBrk="0" hangingPunct="1">
+              <a:lnSpc>
+                <a:spcPct val="90000"/>
+              </a:lnSpc>
+              <a:spcBef>
+                <a:spcPts val="500"/>
+              </a:spcBef>
+              <a:buFont typeface="Arial"/>
+              <a:buChar char="•"/>
+              <a:defRPr sz="1800" kern="1200">
+                <a:solidFill>
+                  <a:schemeClr val="tx1"/>
+                </a:solidFill>
+                <a:latin typeface="+mn-lt"/>
+                <a:ea typeface="+mn-ea"/>
+                <a:cs typeface="+mn-cs"/>
+              </a:defRPr>
+            </a:lvl6pPr>
+            <a:lvl7pPr marL="2971800" indent="-228600" algn="l" defTabSz="914400" rtl="0" eaLnBrk="1" latinLnBrk="0" hangingPunct="1">
+              <a:lnSpc>
+                <a:spcPct val="90000"/>
+              </a:lnSpc>
+              <a:spcBef>
+                <a:spcPts val="500"/>
+              </a:spcBef>
+              <a:buFont typeface="Arial"/>
+              <a:buChar char="•"/>
+              <a:defRPr sz="1800" kern="1200">
+                <a:solidFill>
+                  <a:schemeClr val="tx1"/>
+                </a:solidFill>
+                <a:latin typeface="+mn-lt"/>
+                <a:ea typeface="+mn-ea"/>
+                <a:cs typeface="+mn-cs"/>
+              </a:defRPr>
+            </a:lvl7pPr>
+            <a:lvl8pPr marL="3429000" indent="-228600" algn="l" defTabSz="914400" rtl="0" eaLnBrk="1" latinLnBrk="0" hangingPunct="1">
+              <a:lnSpc>
+                <a:spcPct val="90000"/>
+              </a:lnSpc>
+              <a:spcBef>
+                <a:spcPts val="500"/>
+              </a:spcBef>
+              <a:buFont typeface="Arial"/>
+              <a:buChar char="•"/>
+              <a:defRPr sz="1800" kern="1200">
+                <a:solidFill>
+                  <a:schemeClr val="tx1"/>
+                </a:solidFill>
+                <a:latin typeface="+mn-lt"/>
+                <a:ea typeface="+mn-ea"/>
+                <a:cs typeface="+mn-cs"/>
+              </a:defRPr>
+            </a:lvl8pPr>
+            <a:lvl9pPr marL="3886200" indent="-228600" algn="l" defTabSz="914400" rtl="0" eaLnBrk="1" latinLnBrk="0" hangingPunct="1">
+              <a:lnSpc>
+                <a:spcPct val="90000"/>
+              </a:lnSpc>
+              <a:spcBef>
+                <a:spcPts val="500"/>
+              </a:spcBef>
+              <a:buFont typeface="Arial"/>
+              <a:buChar char="•"/>
+              <a:defRPr sz="1800" kern="1200">
+                <a:solidFill>
+                  <a:schemeClr val="tx1"/>
+                </a:solidFill>
+                <a:latin typeface="+mn-lt"/>
+                <a:ea typeface="+mn-ea"/>
+                <a:cs typeface="+mn-cs"/>
+              </a:defRPr>
+            </a:lvl9pPr>
+          </a:lstStyle>
+          <a:p>
+            <a:pPr marL="0" indent="0">
+              <a:buFont typeface="Wingdings" panose="05000000000000000000" pitchFamily="2" charset="2"/>
+              <a:buNone/>
+            </a:pPr>
+            <a:r>
+              <a:rPr lang="en-US" sz="3200" dirty="0" smtClean="0"/>
+              <a:t>Validation on the MUSDB test set, 48 songs in total</a:t>
+            </a:r>
+            <a:endParaRPr lang="en-US" sz="3200" dirty="0"/>
+          </a:p>
+        </p:txBody>
+      </p:sp>
+    </p:spTree>
+    <p:extLst>
+      <p:ext uri="{BB962C8B-B14F-4D97-AF65-F5344CB8AC3E}">
+        <p14:creationId xmlns:p14="http://schemas.microsoft.com/office/powerpoint/2010/main" val="28210240"/>
+      </p:ext>
+    </p:extLst>
+  </p:cSld>
+  <p:clrMapOvr>
+    <a:masterClrMapping/>
+  </p:clrMapOvr>
+  <p:timing>
+    <p:tnLst>
+      <p:par>
+        <p:cTn id="1" dur="indefinite" restart="never" nodeType="tmRoot"/>
+      </p:par>
+    </p:tnLst>
+  </p:timing>
+</p:sld>
+</file>
+
+<file path=ppt/slides/slide16.xml><?xml version="1.0" encoding="utf-8"?>
+<p:sld xmlns:a="http://schemas.openxmlformats.org/drawingml/2006/main" xmlns:r="http://schemas.openxmlformats.org/officeDocument/2006/relationships" xmlns:p="http://schemas.openxmlformats.org/presentationml/2006/main">
+  <p:cSld>
+    <p:spTree>
+      <p:nvGrpSpPr>
+        <p:cNvPr id="1" name=""/>
+        <p:cNvGrpSpPr/>
+        <p:nvPr/>
+      </p:nvGrpSpPr>
+      <p:grpSpPr>
+        <a:xfrm>
+          <a:off x="0" y="0"/>
+          <a:ext cx="0" cy="0"/>
+          <a:chOff x="0" y="0"/>
+          <a:chExt cx="0" cy="0"/>
+        </a:xfrm>
+      </p:grpSpPr>
+      <p:sp>
+        <p:nvSpPr>
+          <p:cNvPr id="2" name="Title 1">
+            <a:extLst>
+              <a:ext uri="{FF2B5EF4-FFF2-40B4-BE49-F238E27FC236}">
+                <a16:creationId xmlns="" xmlns:a16="http://schemas.microsoft.com/office/drawing/2014/main" id="{9045A477-9EA3-4F5C-B4B9-8CE29E6FF138}"/>
+              </a:ext>
+            </a:extLst>
+          </p:cNvPr>
+          <p:cNvSpPr>
+            <a:spLocks noGrp="1"/>
+          </p:cNvSpPr>
+          <p:nvPr>
+            <p:ph type="title"/>
+          </p:nvPr>
+        </p:nvSpPr>
+        <p:spPr/>
+        <p:txBody>
+          <a:bodyPr>
+            <a:normAutofit/>
+          </a:bodyPr>
+          <a:lstStyle/>
+          <a:p>
+            <a:r>
+              <a:rPr lang="en-US" dirty="0" smtClean="0"/>
+              <a:t>The Final Step: listening </a:t>
+            </a:r>
+            <a:r>
+              <a:rPr lang="en-US" dirty="0"/>
+              <a:t>t</a:t>
+            </a:r>
+            <a:r>
+              <a:rPr lang="en-US" dirty="0" smtClean="0"/>
+              <a:t>est</a:t>
             </a:r>
             <a:endParaRPr lang="en-US" dirty="0"/>
           </a:p>
@@ -6593,7 +6939,7 @@
 </p:sld>
 </file>
 
-<file path=ppt/slides/slide16.xml><?xml version="1.0" encoding="utf-8"?>
+<file path=ppt/slides/slide17.xml><?xml version="1.0" encoding="utf-8"?>
 <p:sld xmlns:a="http://schemas.openxmlformats.org/drawingml/2006/main" xmlns:r="http://schemas.openxmlformats.org/officeDocument/2006/relationships" xmlns:p="http://schemas.openxmlformats.org/presentationml/2006/main">
   <p:cSld>
     <p:spTree>
@@ -8289,7 +8635,7 @@
           <a:p>
             <a:r>
               <a:rPr lang="en-US" dirty="0" smtClean="0"/>
-              <a:t>Baseline System: level and compression</a:t>
+              <a:t>Audio Example</a:t>
             </a:r>
             <a:endParaRPr lang="en-US" dirty="0"/>
           </a:p>
@@ -8297,89 +8643,425 @@
       </p:sp>
       <p:sp>
         <p:nvSpPr>
-          <p:cNvPr id="3" name="Content Placeholder 2">
+          <p:cNvPr id="9" name="Content Placeholder 2">
             <a:extLst>
               <a:ext uri="{FF2B5EF4-FFF2-40B4-BE49-F238E27FC236}">
                 <a16:creationId xmlns="" xmlns:a16="http://schemas.microsoft.com/office/drawing/2014/main" id="{4FFC9F3E-C7DF-44CE-A057-14D5228F5C26}"/>
               </a:ext>
             </a:extLst>
           </p:cNvPr>
-          <p:cNvSpPr>
-            <a:spLocks noGrp="1"/>
+          <p:cNvSpPr txBox="1">
+            <a:spLocks/>
           </p:cNvSpPr>
-          <p:nvPr>
-            <p:ph idx="1"/>
-          </p:nvPr>
-        </p:nvSpPr>
-        <p:spPr/>
-        <p:txBody>
-          <a:bodyPr>
-            <a:noAutofit/>
+          <p:nvPr/>
+        </p:nvSpPr>
+        <p:spPr>
+          <a:xfrm>
+            <a:off x="560831" y="1604309"/>
+            <a:ext cx="11070336" cy="4640166"/>
+          </a:xfrm>
+          <a:prstGeom prst="rect">
+            <a:avLst/>
+          </a:prstGeom>
+        </p:spPr>
+        <p:txBody>
+          <a:bodyPr vert="horz" lIns="91440" tIns="45720" rIns="91440" bIns="45720" rtlCol="0">
+            <a:normAutofit/>
           </a:bodyPr>
-          <a:lstStyle/>
-          <a:p>
-            <a:pPr marL="0" indent="0">
-              <a:buNone/>
-            </a:pPr>
-            <a:r>
-              <a:rPr lang="en-US" sz="2800" b="1" dirty="0" smtClean="0"/>
-              <a:t>Use the average values extracted from the source-separated Million Song Dataset</a:t>
-            </a:r>
-          </a:p>
-          <a:p>
-            <a:pPr marL="0" indent="0">
-              <a:buNone/>
-            </a:pPr>
-            <a:endParaRPr lang="en-US" sz="2800" b="1" dirty="0"/>
-          </a:p>
-          <a:p>
-            <a:r>
-              <a:rPr lang="en-US" sz="2800" b="1" dirty="0" smtClean="0"/>
-              <a:t>Level balance</a:t>
-            </a:r>
-          </a:p>
-          <a:p>
-            <a:pPr lvl="1"/>
-            <a:r>
-              <a:rPr lang="nb-NO" sz="2400" b="1" dirty="0"/>
-              <a:t>-</a:t>
-            </a:r>
-            <a:r>
-              <a:rPr lang="nb-NO" sz="2400" b="1" dirty="0" smtClean="0"/>
-              <a:t>1.77</a:t>
-            </a:r>
-            <a:r>
-              <a:rPr lang="sk-SK" sz="2400" dirty="0" smtClean="0"/>
-              <a:t> dB</a:t>
-            </a:r>
-            <a:r>
-              <a:rPr lang="en-US" sz="2400" dirty="0" smtClean="0"/>
-              <a:t> vocal-to-backing track ratio </a:t>
-            </a:r>
-          </a:p>
-          <a:p>
-            <a:pPr lvl="1"/>
-            <a:endParaRPr lang="en-US" sz="2400" dirty="0" smtClean="0"/>
-          </a:p>
-          <a:p>
-            <a:r>
-              <a:rPr lang="en-US" sz="2800" b="1" dirty="0" smtClean="0"/>
-              <a:t>Compression</a:t>
-            </a:r>
-          </a:p>
-          <a:p>
-            <a:pPr lvl="1"/>
-            <a:r>
-              <a:rPr lang="en-US" sz="2400" dirty="0" smtClean="0"/>
-              <a:t>16.4 dB </a:t>
-            </a:r>
-            <a:r>
-              <a:rPr lang="en-US" sz="2400" dirty="0"/>
-              <a:t>l</a:t>
-            </a:r>
-            <a:r>
-              <a:rPr lang="en-US" sz="2400" dirty="0" smtClean="0"/>
-              <a:t>oudness range</a:t>
+          <a:lstStyle>
+            <a:lvl1pPr marL="228600" indent="-228600" algn="l" defTabSz="914400" rtl="0" eaLnBrk="1" latinLnBrk="0" hangingPunct="1">
+              <a:lnSpc>
+                <a:spcPct val="90000"/>
+              </a:lnSpc>
+              <a:spcBef>
+                <a:spcPts val="1000"/>
+              </a:spcBef>
+              <a:buFont typeface="Wingdings" panose="05000000000000000000" pitchFamily="2" charset="2"/>
+              <a:buChar char="§"/>
+              <a:defRPr sz="2400" kern="1200">
+                <a:solidFill>
+                  <a:schemeClr val="tx1"/>
+                </a:solidFill>
+                <a:latin typeface="+mj-lt"/>
+                <a:ea typeface="+mn-ea"/>
+                <a:cs typeface="+mn-cs"/>
+              </a:defRPr>
+            </a:lvl1pPr>
+            <a:lvl2pPr marL="685800" indent="-228600" algn="l" defTabSz="914400" rtl="0" eaLnBrk="1" latinLnBrk="0" hangingPunct="1">
+              <a:lnSpc>
+                <a:spcPct val="90000"/>
+              </a:lnSpc>
+              <a:spcBef>
+                <a:spcPts val="500"/>
+              </a:spcBef>
+              <a:buFont typeface="Arial" panose="020B0604020202020204" pitchFamily="34" charset="0"/>
+              <a:buChar char="•"/>
+              <a:defRPr sz="2000" kern="1200">
+                <a:solidFill>
+                  <a:schemeClr val="tx1"/>
+                </a:solidFill>
+                <a:latin typeface="+mj-lt"/>
+                <a:ea typeface="+mn-ea"/>
+                <a:cs typeface="+mn-cs"/>
+              </a:defRPr>
+            </a:lvl2pPr>
+            <a:lvl3pPr marL="1143000" indent="-228600" algn="l" defTabSz="914400" rtl="0" eaLnBrk="1" latinLnBrk="0" hangingPunct="1">
+              <a:lnSpc>
+                <a:spcPct val="90000"/>
+              </a:lnSpc>
+              <a:spcBef>
+                <a:spcPts val="500"/>
+              </a:spcBef>
+              <a:buFont typeface=".AppleSystemUIFont" charset="-120"/>
+              <a:buChar char="−"/>
+              <a:defRPr sz="1800" kern="1200">
+                <a:solidFill>
+                  <a:schemeClr val="tx1"/>
+                </a:solidFill>
+                <a:latin typeface="+mj-lt"/>
+                <a:ea typeface="+mn-ea"/>
+                <a:cs typeface="+mn-cs"/>
+              </a:defRPr>
+            </a:lvl3pPr>
+            <a:lvl4pPr marL="1600200" indent="-228600" algn="l" defTabSz="914400" rtl="0" eaLnBrk="1" latinLnBrk="0" hangingPunct="1">
+              <a:lnSpc>
+                <a:spcPct val="90000"/>
+              </a:lnSpc>
+              <a:spcBef>
+                <a:spcPts val="500"/>
+              </a:spcBef>
+              <a:buFont typeface=".AppleSystemUIFont" charset="-120"/>
+              <a:buChar char="−"/>
+              <a:defRPr sz="1600" kern="1200">
+                <a:solidFill>
+                  <a:schemeClr val="tx1"/>
+                </a:solidFill>
+                <a:latin typeface="+mj-lt"/>
+                <a:ea typeface="+mn-ea"/>
+                <a:cs typeface="+mn-cs"/>
+              </a:defRPr>
+            </a:lvl4pPr>
+            <a:lvl5pPr marL="2057400" indent="-228600" algn="l" defTabSz="914400" rtl="0" eaLnBrk="1" latinLnBrk="0" hangingPunct="1">
+              <a:lnSpc>
+                <a:spcPct val="90000"/>
+              </a:lnSpc>
+              <a:spcBef>
+                <a:spcPts val="500"/>
+              </a:spcBef>
+              <a:buFont typeface=".AppleSystemUIFont" charset="-120"/>
+              <a:buChar char="−"/>
+              <a:defRPr sz="1400" kern="1200">
+                <a:solidFill>
+                  <a:schemeClr val="tx1"/>
+                </a:solidFill>
+                <a:latin typeface="+mj-lt"/>
+                <a:ea typeface="+mn-ea"/>
+                <a:cs typeface="+mn-cs"/>
+              </a:defRPr>
+            </a:lvl5pPr>
+            <a:lvl6pPr marL="2514600" indent="-228600" algn="l" defTabSz="914400" rtl="0" eaLnBrk="1" latinLnBrk="0" hangingPunct="1">
+              <a:lnSpc>
+                <a:spcPct val="90000"/>
+              </a:lnSpc>
+              <a:spcBef>
+                <a:spcPts val="500"/>
+              </a:spcBef>
+              <a:buFont typeface="Arial"/>
+              <a:buChar char="•"/>
+              <a:defRPr sz="1800" kern="1200">
+                <a:solidFill>
+                  <a:schemeClr val="tx1"/>
+                </a:solidFill>
+                <a:latin typeface="+mn-lt"/>
+                <a:ea typeface="+mn-ea"/>
+                <a:cs typeface="+mn-cs"/>
+              </a:defRPr>
+            </a:lvl6pPr>
+            <a:lvl7pPr marL="2971800" indent="-228600" algn="l" defTabSz="914400" rtl="0" eaLnBrk="1" latinLnBrk="0" hangingPunct="1">
+              <a:lnSpc>
+                <a:spcPct val="90000"/>
+              </a:lnSpc>
+              <a:spcBef>
+                <a:spcPts val="500"/>
+              </a:spcBef>
+              <a:buFont typeface="Arial"/>
+              <a:buChar char="•"/>
+              <a:defRPr sz="1800" kern="1200">
+                <a:solidFill>
+                  <a:schemeClr val="tx1"/>
+                </a:solidFill>
+                <a:latin typeface="+mn-lt"/>
+                <a:ea typeface="+mn-ea"/>
+                <a:cs typeface="+mn-cs"/>
+              </a:defRPr>
+            </a:lvl7pPr>
+            <a:lvl8pPr marL="3429000" indent="-228600" algn="l" defTabSz="914400" rtl="0" eaLnBrk="1" latinLnBrk="0" hangingPunct="1">
+              <a:lnSpc>
+                <a:spcPct val="90000"/>
+              </a:lnSpc>
+              <a:spcBef>
+                <a:spcPts val="500"/>
+              </a:spcBef>
+              <a:buFont typeface="Arial"/>
+              <a:buChar char="•"/>
+              <a:defRPr sz="1800" kern="1200">
+                <a:solidFill>
+                  <a:schemeClr val="tx1"/>
+                </a:solidFill>
+                <a:latin typeface="+mn-lt"/>
+                <a:ea typeface="+mn-ea"/>
+                <a:cs typeface="+mn-cs"/>
+              </a:defRPr>
+            </a:lvl8pPr>
+            <a:lvl9pPr marL="3886200" indent="-228600" algn="l" defTabSz="914400" rtl="0" eaLnBrk="1" latinLnBrk="0" hangingPunct="1">
+              <a:lnSpc>
+                <a:spcPct val="90000"/>
+              </a:lnSpc>
+              <a:spcBef>
+                <a:spcPts val="500"/>
+              </a:spcBef>
+              <a:buFont typeface="Arial"/>
+              <a:buChar char="•"/>
+              <a:defRPr sz="1800" kern="1200">
+                <a:solidFill>
+                  <a:schemeClr val="tx1"/>
+                </a:solidFill>
+                <a:latin typeface="+mn-lt"/>
+                <a:ea typeface="+mn-ea"/>
+                <a:cs typeface="+mn-cs"/>
+              </a:defRPr>
+            </a:lvl9pPr>
+          </a:lstStyle>
+          <a:p>
+            <a:endParaRPr lang="en-US" sz="2800" dirty="0"/>
+          </a:p>
+        </p:txBody>
+      </p:sp>
+      <p:pic>
+        <p:nvPicPr>
+          <p:cNvPr id="10" name="Picture 9"/>
+          <p:cNvPicPr>
+            <a:picLocks noChangeAspect="1"/>
+          </p:cNvPicPr>
+          <p:nvPr/>
+        </p:nvPicPr>
+        <p:blipFill>
+          <a:blip r:embed="rId2">
+            <a:extLst>
+              <a:ext uri="{28A0092B-C50C-407E-A947-70E740481C1C}">
+                <a14:useLocalDpi xmlns:a14="http://schemas.microsoft.com/office/drawing/2010/main" val="0"/>
+              </a:ext>
+            </a:extLst>
+          </a:blip>
+          <a:stretch>
+            <a:fillRect/>
+          </a:stretch>
+        </p:blipFill>
+        <p:spPr>
+          <a:xfrm>
+            <a:off x="6963940" y="1434601"/>
+            <a:ext cx="4445000" cy="2159643"/>
+          </a:xfrm>
+          <a:prstGeom prst="rect">
+            <a:avLst/>
+          </a:prstGeom>
+        </p:spPr>
+      </p:pic>
+      <p:sp>
+        <p:nvSpPr>
+          <p:cNvPr id="12" name="Content Placeholder 2">
+            <a:extLst>
+              <a:ext uri="{FF2B5EF4-FFF2-40B4-BE49-F238E27FC236}">
+                <a16:creationId xmlns="" xmlns:a16="http://schemas.microsoft.com/office/drawing/2014/main" id="{4FFC9F3E-C7DF-44CE-A057-14D5228F5C26}"/>
+              </a:ext>
+            </a:extLst>
+          </p:cNvPr>
+          <p:cNvSpPr txBox="1">
+            <a:spLocks/>
+          </p:cNvSpPr>
+          <p:nvPr/>
+        </p:nvSpPr>
+        <p:spPr>
+          <a:xfrm>
+            <a:off x="713231" y="1756709"/>
+            <a:ext cx="11070336" cy="4640166"/>
+          </a:xfrm>
+          <a:prstGeom prst="rect">
+            <a:avLst/>
+          </a:prstGeom>
+        </p:spPr>
+        <p:txBody>
+          <a:bodyPr vert="horz" lIns="91440" tIns="45720" rIns="91440" bIns="45720" rtlCol="0">
+            <a:normAutofit/>
+          </a:bodyPr>
+          <a:lstStyle>
+            <a:lvl1pPr marL="228600" indent="-228600" algn="l" defTabSz="914400" rtl="0" eaLnBrk="1" latinLnBrk="0" hangingPunct="1">
+              <a:lnSpc>
+                <a:spcPct val="90000"/>
+              </a:lnSpc>
+              <a:spcBef>
+                <a:spcPts val="1000"/>
+              </a:spcBef>
+              <a:buFont typeface="Wingdings" panose="05000000000000000000" pitchFamily="2" charset="2"/>
+              <a:buChar char="§"/>
+              <a:defRPr sz="2400" kern="1200">
+                <a:solidFill>
+                  <a:schemeClr val="tx1"/>
+                </a:solidFill>
+                <a:latin typeface="+mj-lt"/>
+                <a:ea typeface="+mn-ea"/>
+                <a:cs typeface="+mn-cs"/>
+              </a:defRPr>
+            </a:lvl1pPr>
+            <a:lvl2pPr marL="685800" indent="-228600" algn="l" defTabSz="914400" rtl="0" eaLnBrk="1" latinLnBrk="0" hangingPunct="1">
+              <a:lnSpc>
+                <a:spcPct val="90000"/>
+              </a:lnSpc>
+              <a:spcBef>
+                <a:spcPts val="500"/>
+              </a:spcBef>
+              <a:buFont typeface="Arial" panose="020B0604020202020204" pitchFamily="34" charset="0"/>
+              <a:buChar char="•"/>
+              <a:defRPr sz="2000" kern="1200">
+                <a:solidFill>
+                  <a:schemeClr val="tx1"/>
+                </a:solidFill>
+                <a:latin typeface="+mj-lt"/>
+                <a:ea typeface="+mn-ea"/>
+                <a:cs typeface="+mn-cs"/>
+              </a:defRPr>
+            </a:lvl2pPr>
+            <a:lvl3pPr marL="1143000" indent="-228600" algn="l" defTabSz="914400" rtl="0" eaLnBrk="1" latinLnBrk="0" hangingPunct="1">
+              <a:lnSpc>
+                <a:spcPct val="90000"/>
+              </a:lnSpc>
+              <a:spcBef>
+                <a:spcPts val="500"/>
+              </a:spcBef>
+              <a:buFont typeface=".AppleSystemUIFont" charset="-120"/>
+              <a:buChar char="−"/>
+              <a:defRPr sz="1800" kern="1200">
+                <a:solidFill>
+                  <a:schemeClr val="tx1"/>
+                </a:solidFill>
+                <a:latin typeface="+mj-lt"/>
+                <a:ea typeface="+mn-ea"/>
+                <a:cs typeface="+mn-cs"/>
+              </a:defRPr>
+            </a:lvl3pPr>
+            <a:lvl4pPr marL="1600200" indent="-228600" algn="l" defTabSz="914400" rtl="0" eaLnBrk="1" latinLnBrk="0" hangingPunct="1">
+              <a:lnSpc>
+                <a:spcPct val="90000"/>
+              </a:lnSpc>
+              <a:spcBef>
+                <a:spcPts val="500"/>
+              </a:spcBef>
+              <a:buFont typeface=".AppleSystemUIFont" charset="-120"/>
+              <a:buChar char="−"/>
+              <a:defRPr sz="1600" kern="1200">
+                <a:solidFill>
+                  <a:schemeClr val="tx1"/>
+                </a:solidFill>
+                <a:latin typeface="+mj-lt"/>
+                <a:ea typeface="+mn-ea"/>
+                <a:cs typeface="+mn-cs"/>
+              </a:defRPr>
+            </a:lvl4pPr>
+            <a:lvl5pPr marL="2057400" indent="-228600" algn="l" defTabSz="914400" rtl="0" eaLnBrk="1" latinLnBrk="0" hangingPunct="1">
+              <a:lnSpc>
+                <a:spcPct val="90000"/>
+              </a:lnSpc>
+              <a:spcBef>
+                <a:spcPts val="500"/>
+              </a:spcBef>
+              <a:buFont typeface=".AppleSystemUIFont" charset="-120"/>
+              <a:buChar char="−"/>
+              <a:defRPr sz="1400" kern="1200">
+                <a:solidFill>
+                  <a:schemeClr val="tx1"/>
+                </a:solidFill>
+                <a:latin typeface="+mj-lt"/>
+                <a:ea typeface="+mn-ea"/>
+                <a:cs typeface="+mn-cs"/>
+              </a:defRPr>
+            </a:lvl5pPr>
+            <a:lvl6pPr marL="2514600" indent="-228600" algn="l" defTabSz="914400" rtl="0" eaLnBrk="1" latinLnBrk="0" hangingPunct="1">
+              <a:lnSpc>
+                <a:spcPct val="90000"/>
+              </a:lnSpc>
+              <a:spcBef>
+                <a:spcPts val="500"/>
+              </a:spcBef>
+              <a:buFont typeface="Arial"/>
+              <a:buChar char="•"/>
+              <a:defRPr sz="1800" kern="1200">
+                <a:solidFill>
+                  <a:schemeClr val="tx1"/>
+                </a:solidFill>
+                <a:latin typeface="+mn-lt"/>
+                <a:ea typeface="+mn-ea"/>
+                <a:cs typeface="+mn-cs"/>
+              </a:defRPr>
+            </a:lvl6pPr>
+            <a:lvl7pPr marL="2971800" indent="-228600" algn="l" defTabSz="914400" rtl="0" eaLnBrk="1" latinLnBrk="0" hangingPunct="1">
+              <a:lnSpc>
+                <a:spcPct val="90000"/>
+              </a:lnSpc>
+              <a:spcBef>
+                <a:spcPts val="500"/>
+              </a:spcBef>
+              <a:buFont typeface="Arial"/>
+              <a:buChar char="•"/>
+              <a:defRPr sz="1800" kern="1200">
+                <a:solidFill>
+                  <a:schemeClr val="tx1"/>
+                </a:solidFill>
+                <a:latin typeface="+mn-lt"/>
+                <a:ea typeface="+mn-ea"/>
+                <a:cs typeface="+mn-cs"/>
+              </a:defRPr>
+            </a:lvl7pPr>
+            <a:lvl8pPr marL="3429000" indent="-228600" algn="l" defTabSz="914400" rtl="0" eaLnBrk="1" latinLnBrk="0" hangingPunct="1">
+              <a:lnSpc>
+                <a:spcPct val="90000"/>
+              </a:lnSpc>
+              <a:spcBef>
+                <a:spcPts val="500"/>
+              </a:spcBef>
+              <a:buFont typeface="Arial"/>
+              <a:buChar char="•"/>
+              <a:defRPr sz="1800" kern="1200">
+                <a:solidFill>
+                  <a:schemeClr val="tx1"/>
+                </a:solidFill>
+                <a:latin typeface="+mn-lt"/>
+                <a:ea typeface="+mn-ea"/>
+                <a:cs typeface="+mn-cs"/>
+              </a:defRPr>
+            </a:lvl8pPr>
+            <a:lvl9pPr marL="3886200" indent="-228600" algn="l" defTabSz="914400" rtl="0" eaLnBrk="1" latinLnBrk="0" hangingPunct="1">
+              <a:lnSpc>
+                <a:spcPct val="90000"/>
+              </a:lnSpc>
+              <a:spcBef>
+                <a:spcPts val="500"/>
+              </a:spcBef>
+              <a:buFont typeface="Arial"/>
+              <a:buChar char="•"/>
+              <a:defRPr sz="1800" kern="1200">
+                <a:solidFill>
+                  <a:schemeClr val="tx1"/>
+                </a:solidFill>
+                <a:latin typeface="+mn-lt"/>
+                <a:ea typeface="+mn-ea"/>
+                <a:cs typeface="+mn-cs"/>
+              </a:defRPr>
+            </a:lvl9pPr>
+          </a:lstStyle>
+          <a:p>
+            <a:r>
+              <a:rPr lang="en-US" sz="2800" dirty="0" smtClean="0"/>
+              <a:t>“Very Good” mix</a:t>
             </a:r>
           </a:p>
         </p:txBody>
@@ -8387,7 +9069,7 @@
     </p:spTree>
     <p:extLst>
       <p:ext uri="{BB962C8B-B14F-4D97-AF65-F5344CB8AC3E}">
-        <p14:creationId xmlns:p14="http://schemas.microsoft.com/office/powerpoint/2010/main" val="2109491910"/>
+        <p14:creationId xmlns:p14="http://schemas.microsoft.com/office/powerpoint/2010/main" val="46189162"/>
       </p:ext>
     </p:extLst>
   </p:cSld>
@@ -8444,7 +9126,7 @@
           <a:p>
             <a:r>
               <a:rPr lang="en-US" dirty="0" smtClean="0"/>
-              <a:t>Baseline System: EQ</a:t>
+              <a:t>Audio Example</a:t>
             </a:r>
             <a:endParaRPr lang="en-US" dirty="0"/>
           </a:p>
@@ -8452,44 +9134,203 @@
       </p:sp>
       <p:sp>
         <p:nvSpPr>
-          <p:cNvPr id="3" name="Content Placeholder 2">
+          <p:cNvPr id="9" name="Content Placeholder 2">
             <a:extLst>
               <a:ext uri="{FF2B5EF4-FFF2-40B4-BE49-F238E27FC236}">
                 <a16:creationId xmlns="" xmlns:a16="http://schemas.microsoft.com/office/drawing/2014/main" id="{4FFC9F3E-C7DF-44CE-A057-14D5228F5C26}"/>
               </a:ext>
             </a:extLst>
           </p:cNvPr>
-          <p:cNvSpPr>
-            <a:spLocks noGrp="1"/>
+          <p:cNvSpPr txBox="1">
+            <a:spLocks/>
           </p:cNvSpPr>
-          <p:nvPr>
-            <p:ph idx="1"/>
-          </p:nvPr>
-        </p:nvSpPr>
-        <p:spPr/>
-        <p:txBody>
-          <a:bodyPr>
-            <a:noAutofit/>
+          <p:nvPr/>
+        </p:nvSpPr>
+        <p:spPr>
+          <a:xfrm>
+            <a:off x="560831" y="1604309"/>
+            <a:ext cx="11070336" cy="4640166"/>
+          </a:xfrm>
+          <a:prstGeom prst="rect">
+            <a:avLst/>
+          </a:prstGeom>
+        </p:spPr>
+        <p:txBody>
+          <a:bodyPr vert="horz" lIns="91440" tIns="45720" rIns="91440" bIns="45720" rtlCol="0">
+            <a:normAutofit/>
           </a:bodyPr>
-          <a:lstStyle/>
-          <a:p>
-            <a:r>
-              <a:rPr lang="en-US" sz="2800" b="1" dirty="0" smtClean="0"/>
-              <a:t>EQ</a:t>
-            </a:r>
-          </a:p>
-          <a:p>
-            <a:pPr lvl="1"/>
-            <a:r>
-              <a:rPr lang="en-US" sz="2400" dirty="0" smtClean="0"/>
-              <a:t>Frequency unmasking</a:t>
-            </a:r>
+          <a:lstStyle>
+            <a:lvl1pPr marL="228600" indent="-228600" algn="l" defTabSz="914400" rtl="0" eaLnBrk="1" latinLnBrk="0" hangingPunct="1">
+              <a:lnSpc>
+                <a:spcPct val="90000"/>
+              </a:lnSpc>
+              <a:spcBef>
+                <a:spcPts val="1000"/>
+              </a:spcBef>
+              <a:buFont typeface="Wingdings" panose="05000000000000000000" pitchFamily="2" charset="2"/>
+              <a:buChar char="§"/>
+              <a:defRPr sz="2400" kern="1200">
+                <a:solidFill>
+                  <a:schemeClr val="tx1"/>
+                </a:solidFill>
+                <a:latin typeface="+mj-lt"/>
+                <a:ea typeface="+mn-ea"/>
+                <a:cs typeface="+mn-cs"/>
+              </a:defRPr>
+            </a:lvl1pPr>
+            <a:lvl2pPr marL="685800" indent="-228600" algn="l" defTabSz="914400" rtl="0" eaLnBrk="1" latinLnBrk="0" hangingPunct="1">
+              <a:lnSpc>
+                <a:spcPct val="90000"/>
+              </a:lnSpc>
+              <a:spcBef>
+                <a:spcPts val="500"/>
+              </a:spcBef>
+              <a:buFont typeface="Arial" panose="020B0604020202020204" pitchFamily="34" charset="0"/>
+              <a:buChar char="•"/>
+              <a:defRPr sz="2000" kern="1200">
+                <a:solidFill>
+                  <a:schemeClr val="tx1"/>
+                </a:solidFill>
+                <a:latin typeface="+mj-lt"/>
+                <a:ea typeface="+mn-ea"/>
+                <a:cs typeface="+mn-cs"/>
+              </a:defRPr>
+            </a:lvl2pPr>
+            <a:lvl3pPr marL="1143000" indent="-228600" algn="l" defTabSz="914400" rtl="0" eaLnBrk="1" latinLnBrk="0" hangingPunct="1">
+              <a:lnSpc>
+                <a:spcPct val="90000"/>
+              </a:lnSpc>
+              <a:spcBef>
+                <a:spcPts val="500"/>
+              </a:spcBef>
+              <a:buFont typeface=".AppleSystemUIFont" charset="-120"/>
+              <a:buChar char="−"/>
+              <a:defRPr sz="1800" kern="1200">
+                <a:solidFill>
+                  <a:schemeClr val="tx1"/>
+                </a:solidFill>
+                <a:latin typeface="+mj-lt"/>
+                <a:ea typeface="+mn-ea"/>
+                <a:cs typeface="+mn-cs"/>
+              </a:defRPr>
+            </a:lvl3pPr>
+            <a:lvl4pPr marL="1600200" indent="-228600" algn="l" defTabSz="914400" rtl="0" eaLnBrk="1" latinLnBrk="0" hangingPunct="1">
+              <a:lnSpc>
+                <a:spcPct val="90000"/>
+              </a:lnSpc>
+              <a:spcBef>
+                <a:spcPts val="500"/>
+              </a:spcBef>
+              <a:buFont typeface=".AppleSystemUIFont" charset="-120"/>
+              <a:buChar char="−"/>
+              <a:defRPr sz="1600" kern="1200">
+                <a:solidFill>
+                  <a:schemeClr val="tx1"/>
+                </a:solidFill>
+                <a:latin typeface="+mj-lt"/>
+                <a:ea typeface="+mn-ea"/>
+                <a:cs typeface="+mn-cs"/>
+              </a:defRPr>
+            </a:lvl4pPr>
+            <a:lvl5pPr marL="2057400" indent="-228600" algn="l" defTabSz="914400" rtl="0" eaLnBrk="1" latinLnBrk="0" hangingPunct="1">
+              <a:lnSpc>
+                <a:spcPct val="90000"/>
+              </a:lnSpc>
+              <a:spcBef>
+                <a:spcPts val="500"/>
+              </a:spcBef>
+              <a:buFont typeface=".AppleSystemUIFont" charset="-120"/>
+              <a:buChar char="−"/>
+              <a:defRPr sz="1400" kern="1200">
+                <a:solidFill>
+                  <a:schemeClr val="tx1"/>
+                </a:solidFill>
+                <a:latin typeface="+mj-lt"/>
+                <a:ea typeface="+mn-ea"/>
+                <a:cs typeface="+mn-cs"/>
+              </a:defRPr>
+            </a:lvl5pPr>
+            <a:lvl6pPr marL="2514600" indent="-228600" algn="l" defTabSz="914400" rtl="0" eaLnBrk="1" latinLnBrk="0" hangingPunct="1">
+              <a:lnSpc>
+                <a:spcPct val="90000"/>
+              </a:lnSpc>
+              <a:spcBef>
+                <a:spcPts val="500"/>
+              </a:spcBef>
+              <a:buFont typeface="Arial"/>
+              <a:buChar char="•"/>
+              <a:defRPr sz="1800" kern="1200">
+                <a:solidFill>
+                  <a:schemeClr val="tx1"/>
+                </a:solidFill>
+                <a:latin typeface="+mn-lt"/>
+                <a:ea typeface="+mn-ea"/>
+                <a:cs typeface="+mn-cs"/>
+              </a:defRPr>
+            </a:lvl6pPr>
+            <a:lvl7pPr marL="2971800" indent="-228600" algn="l" defTabSz="914400" rtl="0" eaLnBrk="1" latinLnBrk="0" hangingPunct="1">
+              <a:lnSpc>
+                <a:spcPct val="90000"/>
+              </a:lnSpc>
+              <a:spcBef>
+                <a:spcPts val="500"/>
+              </a:spcBef>
+              <a:buFont typeface="Arial"/>
+              <a:buChar char="•"/>
+              <a:defRPr sz="1800" kern="1200">
+                <a:solidFill>
+                  <a:schemeClr val="tx1"/>
+                </a:solidFill>
+                <a:latin typeface="+mn-lt"/>
+                <a:ea typeface="+mn-ea"/>
+                <a:cs typeface="+mn-cs"/>
+              </a:defRPr>
+            </a:lvl7pPr>
+            <a:lvl8pPr marL="3429000" indent="-228600" algn="l" defTabSz="914400" rtl="0" eaLnBrk="1" latinLnBrk="0" hangingPunct="1">
+              <a:lnSpc>
+                <a:spcPct val="90000"/>
+              </a:lnSpc>
+              <a:spcBef>
+                <a:spcPts val="500"/>
+              </a:spcBef>
+              <a:buFont typeface="Arial"/>
+              <a:buChar char="•"/>
+              <a:defRPr sz="1800" kern="1200">
+                <a:solidFill>
+                  <a:schemeClr val="tx1"/>
+                </a:solidFill>
+                <a:latin typeface="+mn-lt"/>
+                <a:ea typeface="+mn-ea"/>
+                <a:cs typeface="+mn-cs"/>
+              </a:defRPr>
+            </a:lvl8pPr>
+            <a:lvl9pPr marL="3886200" indent="-228600" algn="l" defTabSz="914400" rtl="0" eaLnBrk="1" latinLnBrk="0" hangingPunct="1">
+              <a:lnSpc>
+                <a:spcPct val="90000"/>
+              </a:lnSpc>
+              <a:spcBef>
+                <a:spcPts val="500"/>
+              </a:spcBef>
+              <a:buFont typeface="Arial"/>
+              <a:buChar char="•"/>
+              <a:defRPr sz="1800" kern="1200">
+                <a:solidFill>
+                  <a:schemeClr val="tx1"/>
+                </a:solidFill>
+                <a:latin typeface="+mn-lt"/>
+                <a:ea typeface="+mn-ea"/>
+                <a:cs typeface="+mn-cs"/>
+              </a:defRPr>
+            </a:lvl9pPr>
+          </a:lstStyle>
+          <a:p>
+            <a:endParaRPr lang="en-US" sz="2800" dirty="0"/>
           </a:p>
         </p:txBody>
       </p:sp>
       <p:pic>
         <p:nvPicPr>
-          <p:cNvPr id="4" name="Picture 3"/>
+          <p:cNvPr id="10" name="Picture 9"/>
           <p:cNvPicPr>
             <a:picLocks noChangeAspect="1"/>
           </p:cNvPicPr>
@@ -8509,18 +9350,254 @@
         </p:blipFill>
         <p:spPr>
           <a:xfrm>
-            <a:off x="6095999" y="2099349"/>
-            <a:ext cx="3526903" cy="3650085"/>
+            <a:off x="6975515" y="1434601"/>
+            <a:ext cx="4445000" cy="2159643"/>
           </a:xfrm>
           <a:prstGeom prst="rect">
             <a:avLst/>
           </a:prstGeom>
         </p:spPr>
       </p:pic>
+      <p:pic>
+        <p:nvPicPr>
+          <p:cNvPr id="11" name="Picture 10"/>
+          <p:cNvPicPr>
+            <a:picLocks noChangeAspect="1"/>
+          </p:cNvPicPr>
+          <p:nvPr/>
+        </p:nvPicPr>
+        <p:blipFill>
+          <a:blip r:embed="rId3">
+            <a:extLst>
+              <a:ext uri="{28A0092B-C50C-407E-A947-70E740481C1C}">
+                <a14:useLocalDpi xmlns:a14="http://schemas.microsoft.com/office/drawing/2010/main" val="0"/>
+              </a:ext>
+            </a:extLst>
+          </a:blip>
+          <a:stretch>
+            <a:fillRect/>
+          </a:stretch>
+        </p:blipFill>
+        <p:spPr>
+          <a:xfrm>
+            <a:off x="6975515" y="3673997"/>
+            <a:ext cx="4445000" cy="2171218"/>
+          </a:xfrm>
+          <a:prstGeom prst="rect">
+            <a:avLst/>
+          </a:prstGeom>
+        </p:spPr>
+      </p:pic>
+      <p:sp>
+        <p:nvSpPr>
+          <p:cNvPr id="12" name="Content Placeholder 2">
+            <a:extLst>
+              <a:ext uri="{FF2B5EF4-FFF2-40B4-BE49-F238E27FC236}">
+                <a16:creationId xmlns="" xmlns:a16="http://schemas.microsoft.com/office/drawing/2014/main" id="{4FFC9F3E-C7DF-44CE-A057-14D5228F5C26}"/>
+              </a:ext>
+            </a:extLst>
+          </p:cNvPr>
+          <p:cNvSpPr txBox="1">
+            <a:spLocks/>
+          </p:cNvSpPr>
+          <p:nvPr/>
+        </p:nvSpPr>
+        <p:spPr>
+          <a:xfrm>
+            <a:off x="713231" y="1756709"/>
+            <a:ext cx="11070336" cy="4640166"/>
+          </a:xfrm>
+          <a:prstGeom prst="rect">
+            <a:avLst/>
+          </a:prstGeom>
+        </p:spPr>
+        <p:txBody>
+          <a:bodyPr vert="horz" lIns="91440" tIns="45720" rIns="91440" bIns="45720" rtlCol="0">
+            <a:normAutofit/>
+          </a:bodyPr>
+          <a:lstStyle>
+            <a:lvl1pPr marL="228600" indent="-228600" algn="l" defTabSz="914400" rtl="0" eaLnBrk="1" latinLnBrk="0" hangingPunct="1">
+              <a:lnSpc>
+                <a:spcPct val="90000"/>
+              </a:lnSpc>
+              <a:spcBef>
+                <a:spcPts val="1000"/>
+              </a:spcBef>
+              <a:buFont typeface="Wingdings" panose="05000000000000000000" pitchFamily="2" charset="2"/>
+              <a:buChar char="§"/>
+              <a:defRPr sz="2400" kern="1200">
+                <a:solidFill>
+                  <a:schemeClr val="tx1"/>
+                </a:solidFill>
+                <a:latin typeface="+mj-lt"/>
+                <a:ea typeface="+mn-ea"/>
+                <a:cs typeface="+mn-cs"/>
+              </a:defRPr>
+            </a:lvl1pPr>
+            <a:lvl2pPr marL="685800" indent="-228600" algn="l" defTabSz="914400" rtl="0" eaLnBrk="1" latinLnBrk="0" hangingPunct="1">
+              <a:lnSpc>
+                <a:spcPct val="90000"/>
+              </a:lnSpc>
+              <a:spcBef>
+                <a:spcPts val="500"/>
+              </a:spcBef>
+              <a:buFont typeface="Arial" panose="020B0604020202020204" pitchFamily="34" charset="0"/>
+              <a:buChar char="•"/>
+              <a:defRPr sz="2000" kern="1200">
+                <a:solidFill>
+                  <a:schemeClr val="tx1"/>
+                </a:solidFill>
+                <a:latin typeface="+mj-lt"/>
+                <a:ea typeface="+mn-ea"/>
+                <a:cs typeface="+mn-cs"/>
+              </a:defRPr>
+            </a:lvl2pPr>
+            <a:lvl3pPr marL="1143000" indent="-228600" algn="l" defTabSz="914400" rtl="0" eaLnBrk="1" latinLnBrk="0" hangingPunct="1">
+              <a:lnSpc>
+                <a:spcPct val="90000"/>
+              </a:lnSpc>
+              <a:spcBef>
+                <a:spcPts val="500"/>
+              </a:spcBef>
+              <a:buFont typeface=".AppleSystemUIFont" charset="-120"/>
+              <a:buChar char="−"/>
+              <a:defRPr sz="1800" kern="1200">
+                <a:solidFill>
+                  <a:schemeClr val="tx1"/>
+                </a:solidFill>
+                <a:latin typeface="+mj-lt"/>
+                <a:ea typeface="+mn-ea"/>
+                <a:cs typeface="+mn-cs"/>
+              </a:defRPr>
+            </a:lvl3pPr>
+            <a:lvl4pPr marL="1600200" indent="-228600" algn="l" defTabSz="914400" rtl="0" eaLnBrk="1" latinLnBrk="0" hangingPunct="1">
+              <a:lnSpc>
+                <a:spcPct val="90000"/>
+              </a:lnSpc>
+              <a:spcBef>
+                <a:spcPts val="500"/>
+              </a:spcBef>
+              <a:buFont typeface=".AppleSystemUIFont" charset="-120"/>
+              <a:buChar char="−"/>
+              <a:defRPr sz="1600" kern="1200">
+                <a:solidFill>
+                  <a:schemeClr val="tx1"/>
+                </a:solidFill>
+                <a:latin typeface="+mj-lt"/>
+                <a:ea typeface="+mn-ea"/>
+                <a:cs typeface="+mn-cs"/>
+              </a:defRPr>
+            </a:lvl4pPr>
+            <a:lvl5pPr marL="2057400" indent="-228600" algn="l" defTabSz="914400" rtl="0" eaLnBrk="1" latinLnBrk="0" hangingPunct="1">
+              <a:lnSpc>
+                <a:spcPct val="90000"/>
+              </a:lnSpc>
+              <a:spcBef>
+                <a:spcPts val="500"/>
+              </a:spcBef>
+              <a:buFont typeface=".AppleSystemUIFont" charset="-120"/>
+              <a:buChar char="−"/>
+              <a:defRPr sz="1400" kern="1200">
+                <a:solidFill>
+                  <a:schemeClr val="tx1"/>
+                </a:solidFill>
+                <a:latin typeface="+mj-lt"/>
+                <a:ea typeface="+mn-ea"/>
+                <a:cs typeface="+mn-cs"/>
+              </a:defRPr>
+            </a:lvl5pPr>
+            <a:lvl6pPr marL="2514600" indent="-228600" algn="l" defTabSz="914400" rtl="0" eaLnBrk="1" latinLnBrk="0" hangingPunct="1">
+              <a:lnSpc>
+                <a:spcPct val="90000"/>
+              </a:lnSpc>
+              <a:spcBef>
+                <a:spcPts val="500"/>
+              </a:spcBef>
+              <a:buFont typeface="Arial"/>
+              <a:buChar char="•"/>
+              <a:defRPr sz="1800" kern="1200">
+                <a:solidFill>
+                  <a:schemeClr val="tx1"/>
+                </a:solidFill>
+                <a:latin typeface="+mn-lt"/>
+                <a:ea typeface="+mn-ea"/>
+                <a:cs typeface="+mn-cs"/>
+              </a:defRPr>
+            </a:lvl6pPr>
+            <a:lvl7pPr marL="2971800" indent="-228600" algn="l" defTabSz="914400" rtl="0" eaLnBrk="1" latinLnBrk="0" hangingPunct="1">
+              <a:lnSpc>
+                <a:spcPct val="90000"/>
+              </a:lnSpc>
+              <a:spcBef>
+                <a:spcPts val="500"/>
+              </a:spcBef>
+              <a:buFont typeface="Arial"/>
+              <a:buChar char="•"/>
+              <a:defRPr sz="1800" kern="1200">
+                <a:solidFill>
+                  <a:schemeClr val="tx1"/>
+                </a:solidFill>
+                <a:latin typeface="+mn-lt"/>
+                <a:ea typeface="+mn-ea"/>
+                <a:cs typeface="+mn-cs"/>
+              </a:defRPr>
+            </a:lvl7pPr>
+            <a:lvl8pPr marL="3429000" indent="-228600" algn="l" defTabSz="914400" rtl="0" eaLnBrk="1" latinLnBrk="0" hangingPunct="1">
+              <a:lnSpc>
+                <a:spcPct val="90000"/>
+              </a:lnSpc>
+              <a:spcBef>
+                <a:spcPts val="500"/>
+              </a:spcBef>
+              <a:buFont typeface="Arial"/>
+              <a:buChar char="•"/>
+              <a:defRPr sz="1800" kern="1200">
+                <a:solidFill>
+                  <a:schemeClr val="tx1"/>
+                </a:solidFill>
+                <a:latin typeface="+mn-lt"/>
+                <a:ea typeface="+mn-ea"/>
+                <a:cs typeface="+mn-cs"/>
+              </a:defRPr>
+            </a:lvl8pPr>
+            <a:lvl9pPr marL="3886200" indent="-228600" algn="l" defTabSz="914400" rtl="0" eaLnBrk="1" latinLnBrk="0" hangingPunct="1">
+              <a:lnSpc>
+                <a:spcPct val="90000"/>
+              </a:lnSpc>
+              <a:spcBef>
+                <a:spcPts val="500"/>
+              </a:spcBef>
+              <a:buFont typeface="Arial"/>
+              <a:buChar char="•"/>
+              <a:defRPr sz="1800" kern="1200">
+                <a:solidFill>
+                  <a:schemeClr val="tx1"/>
+                </a:solidFill>
+                <a:latin typeface="+mn-lt"/>
+                <a:ea typeface="+mn-ea"/>
+                <a:cs typeface="+mn-cs"/>
+              </a:defRPr>
+            </a:lvl9pPr>
+          </a:lstStyle>
+          <a:p>
+            <a:r>
+              <a:rPr lang="en-US" sz="2800" dirty="0" smtClean="0"/>
+              <a:t>“Very Good” mix</a:t>
+            </a:r>
+          </a:p>
+          <a:p>
+            <a:r>
+              <a:rPr lang="en-US" sz="2800" smtClean="0"/>
+              <a:t>“Very Poor” mix</a:t>
+            </a:r>
+            <a:endParaRPr lang="en-US" sz="2800" dirty="0"/>
+          </a:p>
+        </p:txBody>
+      </p:sp>
     </p:spTree>
     <p:extLst>
       <p:ext uri="{BB962C8B-B14F-4D97-AF65-F5344CB8AC3E}">
-        <p14:creationId xmlns:p14="http://schemas.microsoft.com/office/powerpoint/2010/main" val="2075727282"/>
+        <p14:creationId xmlns:p14="http://schemas.microsoft.com/office/powerpoint/2010/main" val="1518835858"/>
       </p:ext>
     </p:extLst>
   </p:cSld>
@@ -8577,7 +9654,11 @@
           <a:p>
             <a:r>
               <a:rPr lang="en-US" dirty="0" smtClean="0"/>
-              <a:t>Rule-based System: reverb</a:t>
+              <a:t>Data Analysis Approach: </a:t>
+            </a:r>
+            <a:r>
+              <a:rPr lang="en-US" dirty="0" smtClean="0"/>
+              <a:t>level and compression</a:t>
             </a:r>
             <a:endParaRPr lang="en-US" dirty="0"/>
           </a:p>
@@ -8606,134 +9687,76 @@
           </a:bodyPr>
           <a:lstStyle/>
           <a:p>
-            <a:pPr marL="514350" indent="-514350">
-              <a:buFont typeface="+mj-lt"/>
-              <a:buAutoNum type="arabicPeriod"/>
+            <a:pPr marL="0" indent="0">
+              <a:buNone/>
             </a:pPr>
             <a:r>
               <a:rPr lang="en-US" sz="2800" b="1" dirty="0" smtClean="0"/>
-              <a:t>Get the estimated impulse responses from the Chameleon plugin</a:t>
-            </a:r>
-          </a:p>
-          <a:p>
-            <a:pPr marL="514350" indent="-514350">
-              <a:buFont typeface="+mj-lt"/>
-              <a:buAutoNum type="arabicPeriod"/>
+              <a:t>Use the average values extracted from the source-separated Million Song Dataset</a:t>
+            </a:r>
+          </a:p>
+          <a:p>
+            <a:pPr marL="0" indent="0">
+              <a:buNone/>
             </a:pPr>
+            <a:endParaRPr lang="en-US" sz="2800" b="1" dirty="0"/>
+          </a:p>
+          <a:p>
             <a:r>
               <a:rPr lang="en-US" sz="2800" b="1" dirty="0" smtClean="0"/>
-              <a:t>Estimate the reverb parameters by the genetic algorithm</a:t>
-            </a:r>
-          </a:p>
-          <a:p>
-            <a:pPr marL="514350" indent="-514350">
-              <a:buFont typeface="+mj-lt"/>
-              <a:buAutoNum type="arabicPeriod"/>
-            </a:pPr>
+              <a:t>Level balance</a:t>
+            </a:r>
+          </a:p>
+          <a:p>
+            <a:pPr lvl="1"/>
+            <a:r>
+              <a:rPr lang="nb-NO" sz="2400" b="1" dirty="0"/>
+              <a:t>-</a:t>
+            </a:r>
+            <a:r>
+              <a:rPr lang="nb-NO" sz="2400" b="1" dirty="0" smtClean="0"/>
+              <a:t>1.77</a:t>
+            </a:r>
+            <a:r>
+              <a:rPr lang="sk-SK" sz="2400" dirty="0" smtClean="0"/>
+              <a:t> dB</a:t>
+            </a:r>
+            <a:r>
+              <a:rPr lang="en-US" sz="2400" dirty="0" smtClean="0"/>
+              <a:t> vocal-to-backing track ratio </a:t>
+            </a:r>
+          </a:p>
+          <a:p>
+            <a:pPr lvl="1"/>
+            <a:endParaRPr lang="en-US" sz="2400" dirty="0" smtClean="0"/>
+          </a:p>
+          <a:p>
             <a:r>
               <a:rPr lang="en-US" sz="2800" b="1" dirty="0" smtClean="0"/>
-              <a:t>Use mean </a:t>
-            </a:r>
-            <a:r>
-              <a:rPr lang="en-US" sz="2800" b="1" dirty="0"/>
-              <a:t>values extracted from the MUSDB18 </a:t>
-            </a:r>
-            <a:r>
-              <a:rPr lang="en-US" sz="2800" b="1" dirty="0" smtClean="0"/>
-              <a:t>train </a:t>
-            </a:r>
-            <a:r>
-              <a:rPr lang="en-US" sz="2800" b="1" dirty="0"/>
-              <a:t>set</a:t>
-            </a:r>
-          </a:p>
-          <a:p>
-            <a:endParaRPr lang="en-US" sz="2800" b="1" dirty="0" smtClean="0"/>
-          </a:p>
-          <a:p>
-            <a:r>
-              <a:rPr lang="en-US" sz="2800" b="1" dirty="0" smtClean="0"/>
-              <a:t>Reverb</a:t>
-            </a:r>
-            <a:endParaRPr lang="en-US" sz="2400" dirty="0"/>
+              <a:t>Compression</a:t>
+            </a:r>
           </a:p>
           <a:p>
             <a:pPr lvl="1"/>
             <a:r>
               <a:rPr lang="en-US" sz="2400" dirty="0" smtClean="0"/>
-              <a:t>Dry/wet ratio: 11.5%</a:t>
-            </a:r>
-          </a:p>
-          <a:p>
-            <a:pPr lvl="1"/>
+              <a:t>16.4 dB </a:t>
+            </a:r>
             <a:r>
               <a:rPr lang="en-US" sz="2400" dirty="0"/>
-              <a:t>Reverb time: Linear mapping from </a:t>
+              <a:t>l</a:t>
             </a:r>
             <a:r>
               <a:rPr lang="en-US" sz="2400" dirty="0" smtClean="0"/>
-              <a:t>tempo</a:t>
-            </a:r>
-          </a:p>
-          <a:p>
-            <a:pPr lvl="1"/>
-            <a:r>
-              <a:rPr lang="en-US" sz="2400" dirty="0" smtClean="0"/>
-              <a:t>Room size: </a:t>
-            </a:r>
-            <a:r>
-              <a:rPr lang="en-US" sz="2400" dirty="0"/>
-              <a:t>14.54</a:t>
-            </a:r>
-          </a:p>
-          <a:p>
-            <a:pPr lvl="1"/>
-            <a:r>
-              <a:rPr lang="en-US" sz="2400" dirty="0"/>
-              <a:t>Fade in time: 0.68 </a:t>
-            </a:r>
-            <a:r>
-              <a:rPr lang="en-US" sz="2400" dirty="0" smtClean="0"/>
-              <a:t>s</a:t>
-            </a:r>
-            <a:endParaRPr lang="en-US" sz="2400" dirty="0"/>
-          </a:p>
-        </p:txBody>
-      </p:sp>
-      <p:pic>
-        <p:nvPicPr>
-          <p:cNvPr id="4" name="Picture 3"/>
-          <p:cNvPicPr>
-            <a:picLocks noChangeAspect="1"/>
-          </p:cNvPicPr>
-          <p:nvPr/>
-        </p:nvPicPr>
-        <p:blipFill>
-          <a:blip r:embed="rId2">
-            <a:extLst>
-              <a:ext uri="{28A0092B-C50C-407E-A947-70E740481C1C}">
-                <a14:useLocalDpi xmlns:a14="http://schemas.microsoft.com/office/drawing/2010/main" val="0"/>
-              </a:ext>
-            </a:extLst>
-          </a:blip>
-          <a:stretch>
-            <a:fillRect/>
-          </a:stretch>
-        </p:blipFill>
-        <p:spPr>
-          <a:xfrm>
-            <a:off x="9323239" y="3356658"/>
-            <a:ext cx="2307928" cy="2673350"/>
-          </a:xfrm>
-          <a:prstGeom prst="rect">
-            <a:avLst/>
-          </a:prstGeom>
-        </p:spPr>
-      </p:pic>
+              <a:t>oudness range</a:t>
+            </a:r>
+          </a:p>
+        </p:txBody>
+      </p:sp>
     </p:spTree>
     <p:extLst>
       <p:ext uri="{BB962C8B-B14F-4D97-AF65-F5344CB8AC3E}">
-        <p14:creationId xmlns:p14="http://schemas.microsoft.com/office/powerpoint/2010/main" val="1210131308"/>
+        <p14:creationId xmlns:p14="http://schemas.microsoft.com/office/powerpoint/2010/main" val="2109491910"/>
       </p:ext>
     </p:extLst>
   </p:cSld>

--- a/doc/PPT_final/ Automatic Mixing.pptx
+++ b/doc/PPT_final/ Automatic Mixing.pptx
@@ -164,7 +164,7 @@
           <p:cNvPr id="2" name="Header Placeholder 1">
             <a:extLst>
               <a:ext uri="{FF2B5EF4-FFF2-40B4-BE49-F238E27FC236}">
-                <a16:creationId xmlns="" xmlns:a16="http://schemas.microsoft.com/office/drawing/2014/main" id="{840B08AC-E5DB-2346-9522-E13FDAED48B6}"/>
+                <a16:creationId xmlns:a16="http://schemas.microsoft.com/office/drawing/2014/main" xmlns="" id="{840B08AC-E5DB-2346-9522-E13FDAED48B6}"/>
               </a:ext>
             </a:extLst>
           </p:cNvPr>
@@ -201,7 +201,7 @@
           <p:cNvPr id="3" name="Date Placeholder 2">
             <a:extLst>
               <a:ext uri="{FF2B5EF4-FFF2-40B4-BE49-F238E27FC236}">
-                <a16:creationId xmlns="" xmlns:a16="http://schemas.microsoft.com/office/drawing/2014/main" id="{8FEF2A5E-8AC0-D242-BDB0-D48C52EC46F6}"/>
+                <a16:creationId xmlns:a16="http://schemas.microsoft.com/office/drawing/2014/main" xmlns="" id="{8FEF2A5E-8AC0-D242-BDB0-D48C52EC46F6}"/>
               </a:ext>
             </a:extLst>
           </p:cNvPr>
@@ -242,7 +242,7 @@
           <p:cNvPr id="4" name="Footer Placeholder 3">
             <a:extLst>
               <a:ext uri="{FF2B5EF4-FFF2-40B4-BE49-F238E27FC236}">
-                <a16:creationId xmlns="" xmlns:a16="http://schemas.microsoft.com/office/drawing/2014/main" id="{04CDD624-43F6-2E45-9536-1E4A096D8D9B}"/>
+                <a16:creationId xmlns:a16="http://schemas.microsoft.com/office/drawing/2014/main" xmlns="" id="{04CDD624-43F6-2E45-9536-1E4A096D8D9B}"/>
               </a:ext>
             </a:extLst>
           </p:cNvPr>
@@ -279,7 +279,7 @@
           <p:cNvPr id="5" name="Slide Number Placeholder 4">
             <a:extLst>
               <a:ext uri="{FF2B5EF4-FFF2-40B4-BE49-F238E27FC236}">
-                <a16:creationId xmlns="" xmlns:a16="http://schemas.microsoft.com/office/drawing/2014/main" id="{4BD07A2B-CDBD-BE48-8A80-8CCEF44924D9}"/>
+                <a16:creationId xmlns:a16="http://schemas.microsoft.com/office/drawing/2014/main" xmlns="" id="{4BD07A2B-CDBD-BE48-8A80-8CCEF44924D9}"/>
               </a:ext>
             </a:extLst>
           </p:cNvPr>
@@ -1008,7 +1008,7 @@
           <p:cNvPr id="5" name="Graphic 4">
             <a:extLst>
               <a:ext uri="{FF2B5EF4-FFF2-40B4-BE49-F238E27FC236}">
-                <a16:creationId xmlns="" xmlns:a16="http://schemas.microsoft.com/office/drawing/2014/main" id="{19727A66-6455-4B6B-B6B0-C885C09984FC}"/>
+                <a16:creationId xmlns:a16="http://schemas.microsoft.com/office/drawing/2014/main" xmlns="" id="{19727A66-6455-4B6B-B6B0-C885C09984FC}"/>
               </a:ext>
             </a:extLst>
           </p:cNvPr>
@@ -1021,7 +1021,7 @@
           <a:blip r:embed="rId2">
             <a:extLst>
               <a:ext uri="{96DAC541-7B7A-43D3-8B79-37D633B846F1}">
-                <asvg:svgBlip xmlns="" xmlns:asvg="http://schemas.microsoft.com/office/drawing/2016/SVG/main" r:embed="rId3"/>
+                <asvg:svgBlip xmlns:asvg="http://schemas.microsoft.com/office/drawing/2016/SVG/main" xmlns="" r:embed="rId3"/>
               </a:ext>
             </a:extLst>
           </a:blip>
@@ -1195,7 +1195,7 @@
           <p:cNvPr id="16" name="TextBox 15">
             <a:extLst>
               <a:ext uri="{FF2B5EF4-FFF2-40B4-BE49-F238E27FC236}">
-                <a16:creationId xmlns="" xmlns:a16="http://schemas.microsoft.com/office/drawing/2014/main" id="{4F90BFBB-34F3-6C4E-AE14-F79FC96106B4}"/>
+                <a16:creationId xmlns:a16="http://schemas.microsoft.com/office/drawing/2014/main" xmlns="" id="{4F90BFBB-34F3-6C4E-AE14-F79FC96106B4}"/>
               </a:ext>
             </a:extLst>
           </p:cNvPr>
@@ -1232,7 +1232,7 @@
           <p:cNvPr id="17" name="TextBox 16">
             <a:extLst>
               <a:ext uri="{FF2B5EF4-FFF2-40B4-BE49-F238E27FC236}">
-                <a16:creationId xmlns="" xmlns:a16="http://schemas.microsoft.com/office/drawing/2014/main" id="{C69906DC-87C5-E442-8918-7F76D287958D}"/>
+                <a16:creationId xmlns:a16="http://schemas.microsoft.com/office/drawing/2014/main" xmlns="" id="{C69906DC-87C5-E442-8918-7F76D287958D}"/>
               </a:ext>
             </a:extLst>
           </p:cNvPr>
@@ -1285,7 +1285,7 @@
           <p:cNvPr id="18" name="Graphic 17">
             <a:extLst>
               <a:ext uri="{FF2B5EF4-FFF2-40B4-BE49-F238E27FC236}">
-                <a16:creationId xmlns="" xmlns:a16="http://schemas.microsoft.com/office/drawing/2014/main" id="{C2C99E5F-79BF-4DC9-BB46-FFC780AFFE85}"/>
+                <a16:creationId xmlns:a16="http://schemas.microsoft.com/office/drawing/2014/main" xmlns="" id="{C2C99E5F-79BF-4DC9-BB46-FFC780AFFE85}"/>
               </a:ext>
             </a:extLst>
           </p:cNvPr>
@@ -1298,7 +1298,7 @@
           <a:blip r:embed="rId2">
             <a:extLst>
               <a:ext uri="{96DAC541-7B7A-43D3-8B79-37D633B846F1}">
-                <asvg:svgBlip xmlns="" xmlns:asvg="http://schemas.microsoft.com/office/drawing/2016/SVG/main" r:embed="rId3"/>
+                <asvg:svgBlip xmlns:asvg="http://schemas.microsoft.com/office/drawing/2016/SVG/main" xmlns="" r:embed="rId3"/>
               </a:ext>
             </a:extLst>
           </a:blip>
@@ -1482,7 +1482,7 @@
           <p:cNvPr id="16" name="TextBox 15">
             <a:extLst>
               <a:ext uri="{FF2B5EF4-FFF2-40B4-BE49-F238E27FC236}">
-                <a16:creationId xmlns="" xmlns:a16="http://schemas.microsoft.com/office/drawing/2014/main" id="{00F103E9-D16A-EB46-9F7B-A8705483339D}"/>
+                <a16:creationId xmlns:a16="http://schemas.microsoft.com/office/drawing/2014/main" xmlns="" id="{00F103E9-D16A-EB46-9F7B-A8705483339D}"/>
               </a:ext>
             </a:extLst>
           </p:cNvPr>
@@ -1519,7 +1519,7 @@
           <p:cNvPr id="17" name="TextBox 16">
             <a:extLst>
               <a:ext uri="{FF2B5EF4-FFF2-40B4-BE49-F238E27FC236}">
-                <a16:creationId xmlns="" xmlns:a16="http://schemas.microsoft.com/office/drawing/2014/main" id="{66CFA407-F8A1-7642-9F56-93689CE11E42}"/>
+                <a16:creationId xmlns:a16="http://schemas.microsoft.com/office/drawing/2014/main" xmlns="" id="{66CFA407-F8A1-7642-9F56-93689CE11E42}"/>
               </a:ext>
             </a:extLst>
           </p:cNvPr>
@@ -1572,7 +1572,7 @@
           <p:cNvPr id="18" name="Graphic 17">
             <a:extLst>
               <a:ext uri="{FF2B5EF4-FFF2-40B4-BE49-F238E27FC236}">
-                <a16:creationId xmlns="" xmlns:a16="http://schemas.microsoft.com/office/drawing/2014/main" id="{E219413A-BB37-4E7C-B085-A0D943A15432}"/>
+                <a16:creationId xmlns:a16="http://schemas.microsoft.com/office/drawing/2014/main" xmlns="" id="{E219413A-BB37-4E7C-B085-A0D943A15432}"/>
               </a:ext>
             </a:extLst>
           </p:cNvPr>
@@ -1585,7 +1585,7 @@
           <a:blip r:embed="rId2">
             <a:extLst>
               <a:ext uri="{96DAC541-7B7A-43D3-8B79-37D633B846F1}">
-                <asvg:svgBlip xmlns="" xmlns:asvg="http://schemas.microsoft.com/office/drawing/2016/SVG/main" r:embed="rId3"/>
+                <asvg:svgBlip xmlns:asvg="http://schemas.microsoft.com/office/drawing/2016/SVG/main" xmlns="" r:embed="rId3"/>
               </a:ext>
             </a:extLst>
           </a:blip>
@@ -1998,7 +1998,7 @@
           <p:cNvPr id="15" name="Graphic 14">
             <a:extLst>
               <a:ext uri="{FF2B5EF4-FFF2-40B4-BE49-F238E27FC236}">
-                <a16:creationId xmlns="" xmlns:a16="http://schemas.microsoft.com/office/drawing/2014/main" id="{94289BB5-E802-4E3E-9EF3-493812A6E29A}"/>
+                <a16:creationId xmlns:a16="http://schemas.microsoft.com/office/drawing/2014/main" xmlns="" id="{94289BB5-E802-4E3E-9EF3-493812A6E29A}"/>
               </a:ext>
             </a:extLst>
           </p:cNvPr>
@@ -2011,7 +2011,7 @@
           <a:blip r:embed="rId2">
             <a:extLst>
               <a:ext uri="{96DAC541-7B7A-43D3-8B79-37D633B846F1}">
-                <asvg:svgBlip xmlns="" xmlns:asvg="http://schemas.microsoft.com/office/drawing/2016/SVG/main" r:embed="rId3"/>
+                <asvg:svgBlip xmlns:asvg="http://schemas.microsoft.com/office/drawing/2016/SVG/main" xmlns="" r:embed="rId3"/>
               </a:ext>
             </a:extLst>
           </a:blip>
@@ -2192,7 +2192,7 @@
           <p:cNvPr id="28" name="TextBox 27">
             <a:extLst>
               <a:ext uri="{FF2B5EF4-FFF2-40B4-BE49-F238E27FC236}">
-                <a16:creationId xmlns="" xmlns:a16="http://schemas.microsoft.com/office/drawing/2014/main" id="{E766909F-446E-5A44-9EA1-75B086A02941}"/>
+                <a16:creationId xmlns:a16="http://schemas.microsoft.com/office/drawing/2014/main" xmlns="" id="{E766909F-446E-5A44-9EA1-75B086A02941}"/>
               </a:ext>
             </a:extLst>
           </p:cNvPr>
@@ -2229,7 +2229,7 @@
           <p:cNvPr id="6" name="Graphic 5">
             <a:extLst>
               <a:ext uri="{FF2B5EF4-FFF2-40B4-BE49-F238E27FC236}">
-                <a16:creationId xmlns="" xmlns:a16="http://schemas.microsoft.com/office/drawing/2014/main" id="{5C1EAA8F-F34E-45FC-9E10-C12246B4945A}"/>
+                <a16:creationId xmlns:a16="http://schemas.microsoft.com/office/drawing/2014/main" xmlns="" id="{5C1EAA8F-F34E-45FC-9E10-C12246B4945A}"/>
               </a:ext>
             </a:extLst>
           </p:cNvPr>
@@ -2242,7 +2242,7 @@
           <a:blip r:embed="rId2">
             <a:extLst>
               <a:ext uri="{96DAC541-7B7A-43D3-8B79-37D633B846F1}">
-                <asvg:svgBlip xmlns="" xmlns:asvg="http://schemas.microsoft.com/office/drawing/2016/SVG/main" r:embed="rId3"/>
+                <asvg:svgBlip xmlns:asvg="http://schemas.microsoft.com/office/drawing/2016/SVG/main" xmlns="" r:embed="rId3"/>
               </a:ext>
             </a:extLst>
           </a:blip>
@@ -2493,7 +2493,7 @@
           <p:cNvPr id="18" name="TextBox 17">
             <a:extLst>
               <a:ext uri="{FF2B5EF4-FFF2-40B4-BE49-F238E27FC236}">
-                <a16:creationId xmlns="" xmlns:a16="http://schemas.microsoft.com/office/drawing/2014/main" id="{B09DEBDD-94B7-DE41-A403-C96CB3E1D8AE}"/>
+                <a16:creationId xmlns:a16="http://schemas.microsoft.com/office/drawing/2014/main" xmlns="" id="{B09DEBDD-94B7-DE41-A403-C96CB3E1D8AE}"/>
               </a:ext>
             </a:extLst>
           </p:cNvPr>
@@ -2530,7 +2530,7 @@
           <p:cNvPr id="19" name="TextBox 18">
             <a:extLst>
               <a:ext uri="{FF2B5EF4-FFF2-40B4-BE49-F238E27FC236}">
-                <a16:creationId xmlns="" xmlns:a16="http://schemas.microsoft.com/office/drawing/2014/main" id="{EB58DFE1-15D0-9443-B5D0-33A92FE3806F}"/>
+                <a16:creationId xmlns:a16="http://schemas.microsoft.com/office/drawing/2014/main" xmlns="" id="{EB58DFE1-15D0-9443-B5D0-33A92FE3806F}"/>
               </a:ext>
             </a:extLst>
           </p:cNvPr>
@@ -2583,7 +2583,7 @@
           <p:cNvPr id="17" name="Graphic 16">
             <a:extLst>
               <a:ext uri="{FF2B5EF4-FFF2-40B4-BE49-F238E27FC236}">
-                <a16:creationId xmlns="" xmlns:a16="http://schemas.microsoft.com/office/drawing/2014/main" id="{16F8265F-1D5C-47BE-B72E-76932958F3A6}"/>
+                <a16:creationId xmlns:a16="http://schemas.microsoft.com/office/drawing/2014/main" xmlns="" id="{16F8265F-1D5C-47BE-B72E-76932958F3A6}"/>
               </a:ext>
             </a:extLst>
           </p:cNvPr>
@@ -2596,7 +2596,7 @@
           <a:blip r:embed="rId2">
             <a:extLst>
               <a:ext uri="{96DAC541-7B7A-43D3-8B79-37D633B846F1}">
-                <asvg:svgBlip xmlns="" xmlns:asvg="http://schemas.microsoft.com/office/drawing/2016/SVG/main" r:embed="rId3"/>
+                <asvg:svgBlip xmlns:asvg="http://schemas.microsoft.com/office/drawing/2016/SVG/main" xmlns="" r:embed="rId3"/>
               </a:ext>
             </a:extLst>
           </a:blip>
@@ -2908,7 +2908,7 @@
           <p:cNvPr id="19" name="TextBox 18">
             <a:extLst>
               <a:ext uri="{FF2B5EF4-FFF2-40B4-BE49-F238E27FC236}">
-                <a16:creationId xmlns="" xmlns:a16="http://schemas.microsoft.com/office/drawing/2014/main" id="{BEF3DDB2-0665-BB4D-A7BB-D6E15B1BDEBE}"/>
+                <a16:creationId xmlns:a16="http://schemas.microsoft.com/office/drawing/2014/main" xmlns="" id="{BEF3DDB2-0665-BB4D-A7BB-D6E15B1BDEBE}"/>
               </a:ext>
             </a:extLst>
           </p:cNvPr>
@@ -2945,7 +2945,7 @@
           <p:cNvPr id="20" name="TextBox 19">
             <a:extLst>
               <a:ext uri="{FF2B5EF4-FFF2-40B4-BE49-F238E27FC236}">
-                <a16:creationId xmlns="" xmlns:a16="http://schemas.microsoft.com/office/drawing/2014/main" id="{C2F0BE45-414F-044C-A933-3D62AEBB17B5}"/>
+                <a16:creationId xmlns:a16="http://schemas.microsoft.com/office/drawing/2014/main" xmlns="" id="{C2F0BE45-414F-044C-A933-3D62AEBB17B5}"/>
               </a:ext>
             </a:extLst>
           </p:cNvPr>
@@ -2998,7 +2998,7 @@
           <p:cNvPr id="18" name="Graphic 17">
             <a:extLst>
               <a:ext uri="{FF2B5EF4-FFF2-40B4-BE49-F238E27FC236}">
-                <a16:creationId xmlns="" xmlns:a16="http://schemas.microsoft.com/office/drawing/2014/main" id="{679613E3-F659-4F6B-A525-3814C323F7E8}"/>
+                <a16:creationId xmlns:a16="http://schemas.microsoft.com/office/drawing/2014/main" xmlns="" id="{679613E3-F659-4F6B-A525-3814C323F7E8}"/>
               </a:ext>
             </a:extLst>
           </p:cNvPr>
@@ -3011,7 +3011,7 @@
           <a:blip r:embed="rId2">
             <a:extLst>
               <a:ext uri="{96DAC541-7B7A-43D3-8B79-37D633B846F1}">
-                <asvg:svgBlip xmlns="" xmlns:asvg="http://schemas.microsoft.com/office/drawing/2016/SVG/main" r:embed="rId3"/>
+                <asvg:svgBlip xmlns:asvg="http://schemas.microsoft.com/office/drawing/2016/SVG/main" xmlns="" r:embed="rId3"/>
               </a:ext>
             </a:extLst>
           </a:blip>
@@ -3133,7 +3133,7 @@
           <p:cNvPr id="15" name="TextBox 14">
             <a:extLst>
               <a:ext uri="{FF2B5EF4-FFF2-40B4-BE49-F238E27FC236}">
-                <a16:creationId xmlns="" xmlns:a16="http://schemas.microsoft.com/office/drawing/2014/main" id="{61E30C84-59E8-9E44-A555-8B1373AB1B1A}"/>
+                <a16:creationId xmlns:a16="http://schemas.microsoft.com/office/drawing/2014/main" xmlns="" id="{61E30C84-59E8-9E44-A555-8B1373AB1B1A}"/>
               </a:ext>
             </a:extLst>
           </p:cNvPr>
@@ -3170,7 +3170,7 @@
           <p:cNvPr id="16" name="TextBox 15">
             <a:extLst>
               <a:ext uri="{FF2B5EF4-FFF2-40B4-BE49-F238E27FC236}">
-                <a16:creationId xmlns="" xmlns:a16="http://schemas.microsoft.com/office/drawing/2014/main" id="{F2BA38A8-83A5-E149-BF88-F17D812DBE80}"/>
+                <a16:creationId xmlns:a16="http://schemas.microsoft.com/office/drawing/2014/main" xmlns="" id="{F2BA38A8-83A5-E149-BF88-F17D812DBE80}"/>
               </a:ext>
             </a:extLst>
           </p:cNvPr>
@@ -3223,7 +3223,7 @@
           <p:cNvPr id="18" name="Graphic 17">
             <a:extLst>
               <a:ext uri="{FF2B5EF4-FFF2-40B4-BE49-F238E27FC236}">
-                <a16:creationId xmlns="" xmlns:a16="http://schemas.microsoft.com/office/drawing/2014/main" id="{F533209D-E000-476D-B7FA-1A35997E0521}"/>
+                <a16:creationId xmlns:a16="http://schemas.microsoft.com/office/drawing/2014/main" xmlns="" id="{F533209D-E000-476D-B7FA-1A35997E0521}"/>
               </a:ext>
             </a:extLst>
           </p:cNvPr>
@@ -3236,7 +3236,7 @@
           <a:blip r:embed="rId2">
             <a:extLst>
               <a:ext uri="{96DAC541-7B7A-43D3-8B79-37D633B846F1}">
-                <asvg:svgBlip xmlns="" xmlns:asvg="http://schemas.microsoft.com/office/drawing/2016/SVG/main" r:embed="rId3"/>
+                <asvg:svgBlip xmlns:asvg="http://schemas.microsoft.com/office/drawing/2016/SVG/main" xmlns="" r:embed="rId3"/>
               </a:ext>
             </a:extLst>
           </a:blip>
@@ -3335,7 +3335,7 @@
           <p:cNvPr id="19" name="TextBox 18">
             <a:extLst>
               <a:ext uri="{FF2B5EF4-FFF2-40B4-BE49-F238E27FC236}">
-                <a16:creationId xmlns="" xmlns:a16="http://schemas.microsoft.com/office/drawing/2014/main" id="{3814FAE4-C3CE-8945-8C50-23225D3560EE}"/>
+                <a16:creationId xmlns:a16="http://schemas.microsoft.com/office/drawing/2014/main" xmlns="" id="{3814FAE4-C3CE-8945-8C50-23225D3560EE}"/>
               </a:ext>
             </a:extLst>
           </p:cNvPr>
@@ -3372,7 +3372,7 @@
           <p:cNvPr id="20" name="TextBox 19">
             <a:extLst>
               <a:ext uri="{FF2B5EF4-FFF2-40B4-BE49-F238E27FC236}">
-                <a16:creationId xmlns="" xmlns:a16="http://schemas.microsoft.com/office/drawing/2014/main" id="{ED8E22FF-8F07-5448-88EA-2ADF8A34A1E6}"/>
+                <a16:creationId xmlns:a16="http://schemas.microsoft.com/office/drawing/2014/main" xmlns="" id="{ED8E22FF-8F07-5448-88EA-2ADF8A34A1E6}"/>
               </a:ext>
             </a:extLst>
           </p:cNvPr>
@@ -3425,7 +3425,7 @@
           <p:cNvPr id="14" name="Graphic 13">
             <a:extLst>
               <a:ext uri="{FF2B5EF4-FFF2-40B4-BE49-F238E27FC236}">
-                <a16:creationId xmlns="" xmlns:a16="http://schemas.microsoft.com/office/drawing/2014/main" id="{AB16132E-0B74-4CB4-818A-E7CB3F95FB55}"/>
+                <a16:creationId xmlns:a16="http://schemas.microsoft.com/office/drawing/2014/main" xmlns="" id="{AB16132E-0B74-4CB4-818A-E7CB3F95FB55}"/>
               </a:ext>
             </a:extLst>
           </p:cNvPr>
@@ -3438,7 +3438,7 @@
           <a:blip r:embed="rId2">
             <a:extLst>
               <a:ext uri="{96DAC541-7B7A-43D3-8B79-37D633B846F1}">
-                <asvg:svgBlip xmlns="" xmlns:asvg="http://schemas.microsoft.com/office/drawing/2016/SVG/main" r:embed="rId3"/>
+                <asvg:svgBlip xmlns:asvg="http://schemas.microsoft.com/office/drawing/2016/SVG/main" xmlns="" r:embed="rId3"/>
               </a:ext>
             </a:extLst>
           </a:blip>
@@ -3719,7 +3719,7 @@
           <p:cNvPr id="17" name="TextBox 16">
             <a:extLst>
               <a:ext uri="{FF2B5EF4-FFF2-40B4-BE49-F238E27FC236}">
-                <a16:creationId xmlns="" xmlns:a16="http://schemas.microsoft.com/office/drawing/2014/main" id="{EF90A807-0D75-8046-B1F9-FB7BE21BCEB5}"/>
+                <a16:creationId xmlns:a16="http://schemas.microsoft.com/office/drawing/2014/main" xmlns="" id="{EF90A807-0D75-8046-B1F9-FB7BE21BCEB5}"/>
               </a:ext>
             </a:extLst>
           </p:cNvPr>
@@ -3756,7 +3756,7 @@
           <p:cNvPr id="18" name="TextBox 17">
             <a:extLst>
               <a:ext uri="{FF2B5EF4-FFF2-40B4-BE49-F238E27FC236}">
-                <a16:creationId xmlns="" xmlns:a16="http://schemas.microsoft.com/office/drawing/2014/main" id="{DB11F5CE-32A3-7C4F-9727-B808DCFEDD2D}"/>
+                <a16:creationId xmlns:a16="http://schemas.microsoft.com/office/drawing/2014/main" xmlns="" id="{DB11F5CE-32A3-7C4F-9727-B808DCFEDD2D}"/>
               </a:ext>
             </a:extLst>
           </p:cNvPr>
@@ -3809,7 +3809,7 @@
           <p:cNvPr id="19" name="Graphic 18">
             <a:extLst>
               <a:ext uri="{FF2B5EF4-FFF2-40B4-BE49-F238E27FC236}">
-                <a16:creationId xmlns="" xmlns:a16="http://schemas.microsoft.com/office/drawing/2014/main" id="{EBD44E6D-3D6F-4868-AA74-A0E507BB7E75}"/>
+                <a16:creationId xmlns:a16="http://schemas.microsoft.com/office/drawing/2014/main" xmlns="" id="{EBD44E6D-3D6F-4868-AA74-A0E507BB7E75}"/>
               </a:ext>
             </a:extLst>
           </p:cNvPr>
@@ -3822,7 +3822,7 @@
           <a:blip r:embed="rId2">
             <a:extLst>
               <a:ext uri="{96DAC541-7B7A-43D3-8B79-37D633B846F1}">
-                <asvg:svgBlip xmlns="" xmlns:asvg="http://schemas.microsoft.com/office/drawing/2016/SVG/main" r:embed="rId3"/>
+                <asvg:svgBlip xmlns:asvg="http://schemas.microsoft.com/office/drawing/2016/SVG/main" xmlns="" r:embed="rId3"/>
               </a:ext>
             </a:extLst>
           </a:blip>
@@ -4083,7 +4083,7 @@
           <p:cNvPr id="17" name="TextBox 16">
             <a:extLst>
               <a:ext uri="{FF2B5EF4-FFF2-40B4-BE49-F238E27FC236}">
-                <a16:creationId xmlns="" xmlns:a16="http://schemas.microsoft.com/office/drawing/2014/main" id="{3CAF80FF-3C5D-6F43-8A74-58134F834FB5}"/>
+                <a16:creationId xmlns:a16="http://schemas.microsoft.com/office/drawing/2014/main" xmlns="" id="{3CAF80FF-3C5D-6F43-8A74-58134F834FB5}"/>
               </a:ext>
             </a:extLst>
           </p:cNvPr>
@@ -4120,7 +4120,7 @@
           <p:cNvPr id="18" name="TextBox 17">
             <a:extLst>
               <a:ext uri="{FF2B5EF4-FFF2-40B4-BE49-F238E27FC236}">
-                <a16:creationId xmlns="" xmlns:a16="http://schemas.microsoft.com/office/drawing/2014/main" id="{4024CBF7-36BB-C848-9C0A-A657B15810D9}"/>
+                <a16:creationId xmlns:a16="http://schemas.microsoft.com/office/drawing/2014/main" xmlns="" id="{4024CBF7-36BB-C848-9C0A-A657B15810D9}"/>
               </a:ext>
             </a:extLst>
           </p:cNvPr>
@@ -4173,7 +4173,7 @@
           <p:cNvPr id="19" name="Graphic 18">
             <a:extLst>
               <a:ext uri="{FF2B5EF4-FFF2-40B4-BE49-F238E27FC236}">
-                <a16:creationId xmlns="" xmlns:a16="http://schemas.microsoft.com/office/drawing/2014/main" id="{E0509593-4E93-46FF-B3D2-A6EC0CBF0985}"/>
+                <a16:creationId xmlns:a16="http://schemas.microsoft.com/office/drawing/2014/main" xmlns="" id="{E0509593-4E93-46FF-B3D2-A6EC0CBF0985}"/>
               </a:ext>
             </a:extLst>
           </p:cNvPr>
@@ -4186,7 +4186,7 @@
           <a:blip r:embed="rId2">
             <a:extLst>
               <a:ext uri="{96DAC541-7B7A-43D3-8B79-37D633B846F1}">
-                <asvg:svgBlip xmlns="" xmlns:asvg="http://schemas.microsoft.com/office/drawing/2016/SVG/main" r:embed="rId3"/>
+                <asvg:svgBlip xmlns:asvg="http://schemas.microsoft.com/office/drawing/2016/SVG/main" xmlns="" r:embed="rId3"/>
               </a:ext>
             </a:extLst>
           </a:blip>
@@ -4661,7 +4661,7 @@
           <p:cNvPr id="2" name="Title 1">
             <a:extLst>
               <a:ext uri="{FF2B5EF4-FFF2-40B4-BE49-F238E27FC236}">
-                <a16:creationId xmlns="" xmlns:a16="http://schemas.microsoft.com/office/drawing/2014/main" id="{B100FC07-DFB9-468B-95C1-22281A00D4C4}"/>
+                <a16:creationId xmlns:a16="http://schemas.microsoft.com/office/drawing/2014/main" xmlns="" id="{B100FC07-DFB9-468B-95C1-22281A00D4C4}"/>
               </a:ext>
             </a:extLst>
           </p:cNvPr>
@@ -4697,7 +4697,7 @@
           <p:cNvPr id="3" name="Subtitle 2">
             <a:extLst>
               <a:ext uri="{FF2B5EF4-FFF2-40B4-BE49-F238E27FC236}">
-                <a16:creationId xmlns="" xmlns:a16="http://schemas.microsoft.com/office/drawing/2014/main" id="{F939B8E8-A3AB-46B3-8726-E933C8297D94}"/>
+                <a16:creationId xmlns:a16="http://schemas.microsoft.com/office/drawing/2014/main" xmlns="" id="{F939B8E8-A3AB-46B3-8726-E933C8297D94}"/>
               </a:ext>
             </a:extLst>
           </p:cNvPr>
@@ -4776,7 +4776,7 @@
           <p:cNvPr id="2" name="Title 1">
             <a:extLst>
               <a:ext uri="{FF2B5EF4-FFF2-40B4-BE49-F238E27FC236}">
-                <a16:creationId xmlns="" xmlns:a16="http://schemas.microsoft.com/office/drawing/2014/main" id="{9045A477-9EA3-4F5C-B4B9-8CE29E6FF138}"/>
+                <a16:creationId xmlns:a16="http://schemas.microsoft.com/office/drawing/2014/main" xmlns="" id="{9045A477-9EA3-4F5C-B4B9-8CE29E6FF138}"/>
               </a:ext>
             </a:extLst>
           </p:cNvPr>
@@ -4798,11 +4798,7 @@
             </a:r>
             <a:r>
               <a:rPr lang="en-US" dirty="0" smtClean="0"/>
-              <a:t>Approach: </a:t>
-            </a:r>
-            <a:r>
-              <a:rPr lang="en-US" dirty="0" smtClean="0"/>
-              <a:t>EQ</a:t>
+              <a:t>Approach: EQ</a:t>
             </a:r>
             <a:endParaRPr lang="en-US" dirty="0"/>
           </a:p>
@@ -4813,7 +4809,7 @@
           <p:cNvPr id="3" name="Content Placeholder 2">
             <a:extLst>
               <a:ext uri="{FF2B5EF4-FFF2-40B4-BE49-F238E27FC236}">
-                <a16:creationId xmlns="" xmlns:a16="http://schemas.microsoft.com/office/drawing/2014/main" id="{4FFC9F3E-C7DF-44CE-A057-14D5228F5C26}"/>
+                <a16:creationId xmlns:a16="http://schemas.microsoft.com/office/drawing/2014/main" xmlns="" id="{4FFC9F3E-C7DF-44CE-A057-14D5228F5C26}"/>
               </a:ext>
             </a:extLst>
           </p:cNvPr>
@@ -4917,7 +4913,7 @@
           <p:cNvPr id="2" name="Title 1">
             <a:extLst>
               <a:ext uri="{FF2B5EF4-FFF2-40B4-BE49-F238E27FC236}">
-                <a16:creationId xmlns="" xmlns:a16="http://schemas.microsoft.com/office/drawing/2014/main" id="{9045A477-9EA3-4F5C-B4B9-8CE29E6FF138}"/>
+                <a16:creationId xmlns:a16="http://schemas.microsoft.com/office/drawing/2014/main" xmlns="" id="{9045A477-9EA3-4F5C-B4B9-8CE29E6FF138}"/>
               </a:ext>
             </a:extLst>
           </p:cNvPr>
@@ -4939,11 +4935,7 @@
             </a:r>
             <a:r>
               <a:rPr lang="en-US" dirty="0" smtClean="0"/>
-              <a:t>Approach: </a:t>
-            </a:r>
-            <a:r>
-              <a:rPr lang="en-US" dirty="0" smtClean="0"/>
-              <a:t>reverb</a:t>
+              <a:t>Approach: reverb</a:t>
             </a:r>
             <a:endParaRPr lang="en-US" dirty="0"/>
           </a:p>
@@ -4954,7 +4946,7 @@
           <p:cNvPr id="3" name="Content Placeholder 2">
             <a:extLst>
               <a:ext uri="{FF2B5EF4-FFF2-40B4-BE49-F238E27FC236}">
-                <a16:creationId xmlns="" xmlns:a16="http://schemas.microsoft.com/office/drawing/2014/main" id="{4FFC9F3E-C7DF-44CE-A057-14D5228F5C26}"/>
+                <a16:creationId xmlns:a16="http://schemas.microsoft.com/office/drawing/2014/main" xmlns="" id="{4FFC9F3E-C7DF-44CE-A057-14D5228F5C26}"/>
               </a:ext>
             </a:extLst>
           </p:cNvPr>
@@ -5138,7 +5130,7 @@
           <p:cNvPr id="2" name="Title 1">
             <a:extLst>
               <a:ext uri="{FF2B5EF4-FFF2-40B4-BE49-F238E27FC236}">
-                <a16:creationId xmlns="" xmlns:a16="http://schemas.microsoft.com/office/drawing/2014/main" id="{9045A477-9EA3-4F5C-B4B9-8CE29E6FF138}"/>
+                <a16:creationId xmlns:a16="http://schemas.microsoft.com/office/drawing/2014/main" xmlns="" id="{9045A477-9EA3-4F5C-B4B9-8CE29E6FF138}"/>
               </a:ext>
             </a:extLst>
           </p:cNvPr>
@@ -5702,7 +5694,7 @@
           <p:cNvPr id="2" name="Title 1">
             <a:extLst>
               <a:ext uri="{FF2B5EF4-FFF2-40B4-BE49-F238E27FC236}">
-                <a16:creationId xmlns="" xmlns:a16="http://schemas.microsoft.com/office/drawing/2014/main" id="{9045A477-9EA3-4F5C-B4B9-8CE29E6FF138}"/>
+                <a16:creationId xmlns:a16="http://schemas.microsoft.com/office/drawing/2014/main" xmlns="" id="{9045A477-9EA3-4F5C-B4B9-8CE29E6FF138}"/>
               </a:ext>
             </a:extLst>
           </p:cNvPr>
@@ -6132,7 +6124,7 @@
           <p:cNvPr id="2" name="Title 1">
             <a:extLst>
               <a:ext uri="{FF2B5EF4-FFF2-40B4-BE49-F238E27FC236}">
-                <a16:creationId xmlns="" xmlns:a16="http://schemas.microsoft.com/office/drawing/2014/main" id="{9045A477-9EA3-4F5C-B4B9-8CE29E6FF138}"/>
+                <a16:creationId xmlns:a16="http://schemas.microsoft.com/office/drawing/2014/main" xmlns="" id="{9045A477-9EA3-4F5C-B4B9-8CE29E6FF138}"/>
               </a:ext>
             </a:extLst>
           </p:cNvPr>
@@ -6352,9 +6344,211 @@
           </a:p>
         </p:txBody>
       </p:sp>
+      <p:sp>
+        <p:nvSpPr>
+          <p:cNvPr id="8" name="Content Placeholder 4"/>
+          <p:cNvSpPr txBox="1">
+            <a:spLocks/>
+          </p:cNvSpPr>
+          <p:nvPr/>
+        </p:nvSpPr>
+        <p:spPr>
+          <a:xfrm>
+            <a:off x="917448" y="1503996"/>
+            <a:ext cx="11070336" cy="4640166"/>
+          </a:xfrm>
+          <a:prstGeom prst="rect">
+            <a:avLst/>
+          </a:prstGeom>
+        </p:spPr>
+        <p:txBody>
+          <a:bodyPr vert="horz" lIns="91440" tIns="45720" rIns="91440" bIns="45720" rtlCol="0">
+            <a:normAutofit/>
+          </a:bodyPr>
+          <a:lstStyle>
+            <a:lvl1pPr marL="228600" indent="-228600" algn="l" defTabSz="914400" rtl="0" eaLnBrk="1" latinLnBrk="0" hangingPunct="1">
+              <a:lnSpc>
+                <a:spcPct val="90000"/>
+              </a:lnSpc>
+              <a:spcBef>
+                <a:spcPts val="1000"/>
+              </a:spcBef>
+              <a:buFont typeface="Wingdings" panose="05000000000000000000" pitchFamily="2" charset="2"/>
+              <a:buChar char="§"/>
+              <a:defRPr sz="2400" kern="1200">
+                <a:solidFill>
+                  <a:schemeClr val="tx1"/>
+                </a:solidFill>
+                <a:latin typeface="+mj-lt"/>
+                <a:ea typeface="+mn-ea"/>
+                <a:cs typeface="+mn-cs"/>
+              </a:defRPr>
+            </a:lvl1pPr>
+            <a:lvl2pPr marL="685800" indent="-228600" algn="l" defTabSz="914400" rtl="0" eaLnBrk="1" latinLnBrk="0" hangingPunct="1">
+              <a:lnSpc>
+                <a:spcPct val="90000"/>
+              </a:lnSpc>
+              <a:spcBef>
+                <a:spcPts val="500"/>
+              </a:spcBef>
+              <a:buFont typeface="Arial" panose="020B0604020202020204" pitchFamily="34" charset="0"/>
+              <a:buChar char="•"/>
+              <a:defRPr sz="2000" kern="1200">
+                <a:solidFill>
+                  <a:schemeClr val="tx1"/>
+                </a:solidFill>
+                <a:latin typeface="+mj-lt"/>
+                <a:ea typeface="+mn-ea"/>
+                <a:cs typeface="+mn-cs"/>
+              </a:defRPr>
+            </a:lvl2pPr>
+            <a:lvl3pPr marL="1143000" indent="-228600" algn="l" defTabSz="914400" rtl="0" eaLnBrk="1" latinLnBrk="0" hangingPunct="1">
+              <a:lnSpc>
+                <a:spcPct val="90000"/>
+              </a:lnSpc>
+              <a:spcBef>
+                <a:spcPts val="500"/>
+              </a:spcBef>
+              <a:buFont typeface=".AppleSystemUIFont" charset="-120"/>
+              <a:buChar char="−"/>
+              <a:defRPr sz="1800" kern="1200">
+                <a:solidFill>
+                  <a:schemeClr val="tx1"/>
+                </a:solidFill>
+                <a:latin typeface="+mj-lt"/>
+                <a:ea typeface="+mn-ea"/>
+                <a:cs typeface="+mn-cs"/>
+              </a:defRPr>
+            </a:lvl3pPr>
+            <a:lvl4pPr marL="1600200" indent="-228600" algn="l" defTabSz="914400" rtl="0" eaLnBrk="1" latinLnBrk="0" hangingPunct="1">
+              <a:lnSpc>
+                <a:spcPct val="90000"/>
+              </a:lnSpc>
+              <a:spcBef>
+                <a:spcPts val="500"/>
+              </a:spcBef>
+              <a:buFont typeface=".AppleSystemUIFont" charset="-120"/>
+              <a:buChar char="−"/>
+              <a:defRPr sz="1600" kern="1200">
+                <a:solidFill>
+                  <a:schemeClr val="tx1"/>
+                </a:solidFill>
+                <a:latin typeface="+mj-lt"/>
+                <a:ea typeface="+mn-ea"/>
+                <a:cs typeface="+mn-cs"/>
+              </a:defRPr>
+            </a:lvl4pPr>
+            <a:lvl5pPr marL="2057400" indent="-228600" algn="l" defTabSz="914400" rtl="0" eaLnBrk="1" latinLnBrk="0" hangingPunct="1">
+              <a:lnSpc>
+                <a:spcPct val="90000"/>
+              </a:lnSpc>
+              <a:spcBef>
+                <a:spcPts val="500"/>
+              </a:spcBef>
+              <a:buFont typeface=".AppleSystemUIFont" charset="-120"/>
+              <a:buChar char="−"/>
+              <a:defRPr sz="1400" kern="1200">
+                <a:solidFill>
+                  <a:schemeClr val="tx1"/>
+                </a:solidFill>
+                <a:latin typeface="+mj-lt"/>
+                <a:ea typeface="+mn-ea"/>
+                <a:cs typeface="+mn-cs"/>
+              </a:defRPr>
+            </a:lvl5pPr>
+            <a:lvl6pPr marL="2514600" indent="-228600" algn="l" defTabSz="914400" rtl="0" eaLnBrk="1" latinLnBrk="0" hangingPunct="1">
+              <a:lnSpc>
+                <a:spcPct val="90000"/>
+              </a:lnSpc>
+              <a:spcBef>
+                <a:spcPts val="500"/>
+              </a:spcBef>
+              <a:buFont typeface="Arial"/>
+              <a:buChar char="•"/>
+              <a:defRPr sz="1800" kern="1200">
+                <a:solidFill>
+                  <a:schemeClr val="tx1"/>
+                </a:solidFill>
+                <a:latin typeface="+mn-lt"/>
+                <a:ea typeface="+mn-ea"/>
+                <a:cs typeface="+mn-cs"/>
+              </a:defRPr>
+            </a:lvl6pPr>
+            <a:lvl7pPr marL="2971800" indent="-228600" algn="l" defTabSz="914400" rtl="0" eaLnBrk="1" latinLnBrk="0" hangingPunct="1">
+              <a:lnSpc>
+                <a:spcPct val="90000"/>
+              </a:lnSpc>
+              <a:spcBef>
+                <a:spcPts val="500"/>
+              </a:spcBef>
+              <a:buFont typeface="Arial"/>
+              <a:buChar char="•"/>
+              <a:defRPr sz="1800" kern="1200">
+                <a:solidFill>
+                  <a:schemeClr val="tx1"/>
+                </a:solidFill>
+                <a:latin typeface="+mn-lt"/>
+                <a:ea typeface="+mn-ea"/>
+                <a:cs typeface="+mn-cs"/>
+              </a:defRPr>
+            </a:lvl7pPr>
+            <a:lvl8pPr marL="3429000" indent="-228600" algn="l" defTabSz="914400" rtl="0" eaLnBrk="1" latinLnBrk="0" hangingPunct="1">
+              <a:lnSpc>
+                <a:spcPct val="90000"/>
+              </a:lnSpc>
+              <a:spcBef>
+                <a:spcPts val="500"/>
+              </a:spcBef>
+              <a:buFont typeface="Arial"/>
+              <a:buChar char="•"/>
+              <a:defRPr sz="1800" kern="1200">
+                <a:solidFill>
+                  <a:schemeClr val="tx1"/>
+                </a:solidFill>
+                <a:latin typeface="+mn-lt"/>
+                <a:ea typeface="+mn-ea"/>
+                <a:cs typeface="+mn-cs"/>
+              </a:defRPr>
+            </a:lvl8pPr>
+            <a:lvl9pPr marL="3886200" indent="-228600" algn="l" defTabSz="914400" rtl="0" eaLnBrk="1" latinLnBrk="0" hangingPunct="1">
+              <a:lnSpc>
+                <a:spcPct val="90000"/>
+              </a:lnSpc>
+              <a:spcBef>
+                <a:spcPts val="500"/>
+              </a:spcBef>
+              <a:buFont typeface="Arial"/>
+              <a:buChar char="•"/>
+              <a:defRPr sz="1800" kern="1200">
+                <a:solidFill>
+                  <a:schemeClr val="tx1"/>
+                </a:solidFill>
+                <a:latin typeface="+mn-lt"/>
+                <a:ea typeface="+mn-ea"/>
+                <a:cs typeface="+mn-cs"/>
+              </a:defRPr>
+            </a:lvl9pPr>
+          </a:lstStyle>
+          <a:p>
+            <a:pPr marL="0" indent="0">
+              <a:buFont typeface="Wingdings" panose="05000000000000000000" pitchFamily="2" charset="2"/>
+              <a:buNone/>
+            </a:pPr>
+            <a:r>
+              <a:rPr lang="en-US" sz="3200" dirty="0" smtClean="0"/>
+              <a:t>Validation error </a:t>
+            </a:r>
+            <a:r>
+              <a:rPr lang="en-US" sz="3200" dirty="0" smtClean="0"/>
+              <a:t>on the MUSDB test set, 48 songs in total</a:t>
+            </a:r>
+            <a:endParaRPr lang="en-US" sz="3200" dirty="0"/>
+          </a:p>
+        </p:txBody>
+      </p:sp>
       <p:pic>
         <p:nvPicPr>
-          <p:cNvPr id="7" name="Picture 6"/>
+          <p:cNvPr id="3" name="Picture 2"/>
           <p:cNvPicPr>
             <a:picLocks noChangeAspect="1"/>
           </p:cNvPicPr>
@@ -6374,212 +6568,14 @@
         </p:blipFill>
         <p:spPr>
           <a:xfrm>
-            <a:off x="-1" y="3153932"/>
-            <a:ext cx="12192000" cy="922860"/>
+            <a:off x="-1" y="2140674"/>
+            <a:ext cx="12192000" cy="862061"/>
           </a:xfrm>
           <a:prstGeom prst="rect">
             <a:avLst/>
           </a:prstGeom>
         </p:spPr>
       </p:pic>
-      <p:sp>
-        <p:nvSpPr>
-          <p:cNvPr id="8" name="Content Placeholder 4"/>
-          <p:cNvSpPr txBox="1">
-            <a:spLocks/>
-          </p:cNvSpPr>
-          <p:nvPr/>
-        </p:nvSpPr>
-        <p:spPr>
-          <a:xfrm>
-            <a:off x="865631" y="1909109"/>
-            <a:ext cx="11070336" cy="4640166"/>
-          </a:xfrm>
-          <a:prstGeom prst="rect">
-            <a:avLst/>
-          </a:prstGeom>
-        </p:spPr>
-        <p:txBody>
-          <a:bodyPr vert="horz" lIns="91440" tIns="45720" rIns="91440" bIns="45720" rtlCol="0">
-            <a:normAutofit/>
-          </a:bodyPr>
-          <a:lstStyle>
-            <a:lvl1pPr marL="228600" indent="-228600" algn="l" defTabSz="914400" rtl="0" eaLnBrk="1" latinLnBrk="0" hangingPunct="1">
-              <a:lnSpc>
-                <a:spcPct val="90000"/>
-              </a:lnSpc>
-              <a:spcBef>
-                <a:spcPts val="1000"/>
-              </a:spcBef>
-              <a:buFont typeface="Wingdings" panose="05000000000000000000" pitchFamily="2" charset="2"/>
-              <a:buChar char="§"/>
-              <a:defRPr sz="2400" kern="1200">
-                <a:solidFill>
-                  <a:schemeClr val="tx1"/>
-                </a:solidFill>
-                <a:latin typeface="+mj-lt"/>
-                <a:ea typeface="+mn-ea"/>
-                <a:cs typeface="+mn-cs"/>
-              </a:defRPr>
-            </a:lvl1pPr>
-            <a:lvl2pPr marL="685800" indent="-228600" algn="l" defTabSz="914400" rtl="0" eaLnBrk="1" latinLnBrk="0" hangingPunct="1">
-              <a:lnSpc>
-                <a:spcPct val="90000"/>
-              </a:lnSpc>
-              <a:spcBef>
-                <a:spcPts val="500"/>
-              </a:spcBef>
-              <a:buFont typeface="Arial" panose="020B0604020202020204" pitchFamily="34" charset="0"/>
-              <a:buChar char="•"/>
-              <a:defRPr sz="2000" kern="1200">
-                <a:solidFill>
-                  <a:schemeClr val="tx1"/>
-                </a:solidFill>
-                <a:latin typeface="+mj-lt"/>
-                <a:ea typeface="+mn-ea"/>
-                <a:cs typeface="+mn-cs"/>
-              </a:defRPr>
-            </a:lvl2pPr>
-            <a:lvl3pPr marL="1143000" indent="-228600" algn="l" defTabSz="914400" rtl="0" eaLnBrk="1" latinLnBrk="0" hangingPunct="1">
-              <a:lnSpc>
-                <a:spcPct val="90000"/>
-              </a:lnSpc>
-              <a:spcBef>
-                <a:spcPts val="500"/>
-              </a:spcBef>
-              <a:buFont typeface=".AppleSystemUIFont" charset="-120"/>
-              <a:buChar char="−"/>
-              <a:defRPr sz="1800" kern="1200">
-                <a:solidFill>
-                  <a:schemeClr val="tx1"/>
-                </a:solidFill>
-                <a:latin typeface="+mj-lt"/>
-                <a:ea typeface="+mn-ea"/>
-                <a:cs typeface="+mn-cs"/>
-              </a:defRPr>
-            </a:lvl3pPr>
-            <a:lvl4pPr marL="1600200" indent="-228600" algn="l" defTabSz="914400" rtl="0" eaLnBrk="1" latinLnBrk="0" hangingPunct="1">
-              <a:lnSpc>
-                <a:spcPct val="90000"/>
-              </a:lnSpc>
-              <a:spcBef>
-                <a:spcPts val="500"/>
-              </a:spcBef>
-              <a:buFont typeface=".AppleSystemUIFont" charset="-120"/>
-              <a:buChar char="−"/>
-              <a:defRPr sz="1600" kern="1200">
-                <a:solidFill>
-                  <a:schemeClr val="tx1"/>
-                </a:solidFill>
-                <a:latin typeface="+mj-lt"/>
-                <a:ea typeface="+mn-ea"/>
-                <a:cs typeface="+mn-cs"/>
-              </a:defRPr>
-            </a:lvl4pPr>
-            <a:lvl5pPr marL="2057400" indent="-228600" algn="l" defTabSz="914400" rtl="0" eaLnBrk="1" latinLnBrk="0" hangingPunct="1">
-              <a:lnSpc>
-                <a:spcPct val="90000"/>
-              </a:lnSpc>
-              <a:spcBef>
-                <a:spcPts val="500"/>
-              </a:spcBef>
-              <a:buFont typeface=".AppleSystemUIFont" charset="-120"/>
-              <a:buChar char="−"/>
-              <a:defRPr sz="1400" kern="1200">
-                <a:solidFill>
-                  <a:schemeClr val="tx1"/>
-                </a:solidFill>
-                <a:latin typeface="+mj-lt"/>
-                <a:ea typeface="+mn-ea"/>
-                <a:cs typeface="+mn-cs"/>
-              </a:defRPr>
-            </a:lvl5pPr>
-            <a:lvl6pPr marL="2514600" indent="-228600" algn="l" defTabSz="914400" rtl="0" eaLnBrk="1" latinLnBrk="0" hangingPunct="1">
-              <a:lnSpc>
-                <a:spcPct val="90000"/>
-              </a:lnSpc>
-              <a:spcBef>
-                <a:spcPts val="500"/>
-              </a:spcBef>
-              <a:buFont typeface="Arial"/>
-              <a:buChar char="•"/>
-              <a:defRPr sz="1800" kern="1200">
-                <a:solidFill>
-                  <a:schemeClr val="tx1"/>
-                </a:solidFill>
-                <a:latin typeface="+mn-lt"/>
-                <a:ea typeface="+mn-ea"/>
-                <a:cs typeface="+mn-cs"/>
-              </a:defRPr>
-            </a:lvl6pPr>
-            <a:lvl7pPr marL="2971800" indent="-228600" algn="l" defTabSz="914400" rtl="0" eaLnBrk="1" latinLnBrk="0" hangingPunct="1">
-              <a:lnSpc>
-                <a:spcPct val="90000"/>
-              </a:lnSpc>
-              <a:spcBef>
-                <a:spcPts val="500"/>
-              </a:spcBef>
-              <a:buFont typeface="Arial"/>
-              <a:buChar char="•"/>
-              <a:defRPr sz="1800" kern="1200">
-                <a:solidFill>
-                  <a:schemeClr val="tx1"/>
-                </a:solidFill>
-                <a:latin typeface="+mn-lt"/>
-                <a:ea typeface="+mn-ea"/>
-                <a:cs typeface="+mn-cs"/>
-              </a:defRPr>
-            </a:lvl7pPr>
-            <a:lvl8pPr marL="3429000" indent="-228600" algn="l" defTabSz="914400" rtl="0" eaLnBrk="1" latinLnBrk="0" hangingPunct="1">
-              <a:lnSpc>
-                <a:spcPct val="90000"/>
-              </a:lnSpc>
-              <a:spcBef>
-                <a:spcPts val="500"/>
-              </a:spcBef>
-              <a:buFont typeface="Arial"/>
-              <a:buChar char="•"/>
-              <a:defRPr sz="1800" kern="1200">
-                <a:solidFill>
-                  <a:schemeClr val="tx1"/>
-                </a:solidFill>
-                <a:latin typeface="+mn-lt"/>
-                <a:ea typeface="+mn-ea"/>
-                <a:cs typeface="+mn-cs"/>
-              </a:defRPr>
-            </a:lvl8pPr>
-            <a:lvl9pPr marL="3886200" indent="-228600" algn="l" defTabSz="914400" rtl="0" eaLnBrk="1" latinLnBrk="0" hangingPunct="1">
-              <a:lnSpc>
-                <a:spcPct val="90000"/>
-              </a:lnSpc>
-              <a:spcBef>
-                <a:spcPts val="500"/>
-              </a:spcBef>
-              <a:buFont typeface="Arial"/>
-              <a:buChar char="•"/>
-              <a:defRPr sz="1800" kern="1200">
-                <a:solidFill>
-                  <a:schemeClr val="tx1"/>
-                </a:solidFill>
-                <a:latin typeface="+mn-lt"/>
-                <a:ea typeface="+mn-ea"/>
-                <a:cs typeface="+mn-cs"/>
-              </a:defRPr>
-            </a:lvl9pPr>
-          </a:lstStyle>
-          <a:p>
-            <a:pPr marL="0" indent="0">
-              <a:buFont typeface="Wingdings" panose="05000000000000000000" pitchFamily="2" charset="2"/>
-              <a:buNone/>
-            </a:pPr>
-            <a:r>
-              <a:rPr lang="en-US" sz="3200" dirty="0" smtClean="0"/>
-              <a:t>Validation on the MUSDB test set, 48 songs in total</a:t>
-            </a:r>
-            <a:endParaRPr lang="en-US" sz="3200" dirty="0"/>
-          </a:p>
-        </p:txBody>
-      </p:sp>
     </p:spTree>
     <p:extLst>
       <p:ext uri="{BB962C8B-B14F-4D97-AF65-F5344CB8AC3E}">
@@ -6622,7 +6618,7 @@
           <p:cNvPr id="2" name="Title 1">
             <a:extLst>
               <a:ext uri="{FF2B5EF4-FFF2-40B4-BE49-F238E27FC236}">
-                <a16:creationId xmlns="" xmlns:a16="http://schemas.microsoft.com/office/drawing/2014/main" id="{9045A477-9EA3-4F5C-B4B9-8CE29E6FF138}"/>
+                <a16:creationId xmlns:a16="http://schemas.microsoft.com/office/drawing/2014/main" xmlns="" id="{9045A477-9EA3-4F5C-B4B9-8CE29E6FF138}"/>
               </a:ext>
             </a:extLst>
           </p:cNvPr>
@@ -7073,7 +7069,7 @@
           <p:cNvPr id="2" name="Title 1">
             <a:extLst>
               <a:ext uri="{FF2B5EF4-FFF2-40B4-BE49-F238E27FC236}">
-                <a16:creationId xmlns="" xmlns:a16="http://schemas.microsoft.com/office/drawing/2014/main" id="{9045A477-9EA3-4F5C-B4B9-8CE29E6FF138}"/>
+                <a16:creationId xmlns:a16="http://schemas.microsoft.com/office/drawing/2014/main" xmlns="" id="{9045A477-9EA3-4F5C-B4B9-8CE29E6FF138}"/>
               </a:ext>
             </a:extLst>
           </p:cNvPr>
@@ -7102,7 +7098,7 @@
           <p:cNvPr id="3" name="Content Placeholder 2">
             <a:extLst>
               <a:ext uri="{FF2B5EF4-FFF2-40B4-BE49-F238E27FC236}">
-                <a16:creationId xmlns="" xmlns:a16="http://schemas.microsoft.com/office/drawing/2014/main" id="{4FFC9F3E-C7DF-44CE-A057-14D5228F5C26}"/>
+                <a16:creationId xmlns:a16="http://schemas.microsoft.com/office/drawing/2014/main" xmlns="" id="{4FFC9F3E-C7DF-44CE-A057-14D5228F5C26}"/>
               </a:ext>
             </a:extLst>
           </p:cNvPr>
@@ -7216,7 +7212,7 @@
           <p:cNvPr id="2" name="Title 1">
             <a:extLst>
               <a:ext uri="{FF2B5EF4-FFF2-40B4-BE49-F238E27FC236}">
-                <a16:creationId xmlns="" xmlns:a16="http://schemas.microsoft.com/office/drawing/2014/main" id="{9045A477-9EA3-4F5C-B4B9-8CE29E6FF138}"/>
+                <a16:creationId xmlns:a16="http://schemas.microsoft.com/office/drawing/2014/main" xmlns="" id="{9045A477-9EA3-4F5C-B4B9-8CE29E6FF138}"/>
               </a:ext>
             </a:extLst>
           </p:cNvPr>
@@ -7274,7 +7270,7 @@
           <p:cNvPr id="9" name="Content Placeholder 2">
             <a:extLst>
               <a:ext uri="{FF2B5EF4-FFF2-40B4-BE49-F238E27FC236}">
-                <a16:creationId xmlns="" xmlns:a16="http://schemas.microsoft.com/office/drawing/2014/main" id="{4FFC9F3E-C7DF-44CE-A057-14D5228F5C26}"/>
+                <a16:creationId xmlns:a16="http://schemas.microsoft.com/office/drawing/2014/main" xmlns="" id="{4FFC9F3E-C7DF-44CE-A057-14D5228F5C26}"/>
               </a:ext>
             </a:extLst>
           </p:cNvPr>
@@ -7510,7 +7506,7 @@
           <p:cNvPr id="2" name="Title 1">
             <a:extLst>
               <a:ext uri="{FF2B5EF4-FFF2-40B4-BE49-F238E27FC236}">
-                <a16:creationId xmlns="" xmlns:a16="http://schemas.microsoft.com/office/drawing/2014/main" id="{9045A477-9EA3-4F5C-B4B9-8CE29E6FF138}"/>
+                <a16:creationId xmlns:a16="http://schemas.microsoft.com/office/drawing/2014/main" xmlns="" id="{9045A477-9EA3-4F5C-B4B9-8CE29E6FF138}"/>
               </a:ext>
             </a:extLst>
           </p:cNvPr>
@@ -7598,7 +7594,7 @@
           <p:cNvPr id="9" name="Content Placeholder 2">
             <a:extLst>
               <a:ext uri="{FF2B5EF4-FFF2-40B4-BE49-F238E27FC236}">
-                <a16:creationId xmlns="" xmlns:a16="http://schemas.microsoft.com/office/drawing/2014/main" id="{4FFC9F3E-C7DF-44CE-A057-14D5228F5C26}"/>
+                <a16:creationId xmlns:a16="http://schemas.microsoft.com/office/drawing/2014/main" xmlns="" id="{4FFC9F3E-C7DF-44CE-A057-14D5228F5C26}"/>
               </a:ext>
             </a:extLst>
           </p:cNvPr>
@@ -7843,7 +7839,7 @@
           <p:cNvPr id="2" name="Title 1">
             <a:extLst>
               <a:ext uri="{FF2B5EF4-FFF2-40B4-BE49-F238E27FC236}">
-                <a16:creationId xmlns="" xmlns:a16="http://schemas.microsoft.com/office/drawing/2014/main" id="{9045A477-9EA3-4F5C-B4B9-8CE29E6FF138}"/>
+                <a16:creationId xmlns:a16="http://schemas.microsoft.com/office/drawing/2014/main" xmlns="" id="{9045A477-9EA3-4F5C-B4B9-8CE29E6FF138}"/>
               </a:ext>
             </a:extLst>
           </p:cNvPr>
@@ -7961,7 +7957,7 @@
           <p:cNvPr id="9" name="Content Placeholder 2">
             <a:extLst>
               <a:ext uri="{FF2B5EF4-FFF2-40B4-BE49-F238E27FC236}">
-                <a16:creationId xmlns="" xmlns:a16="http://schemas.microsoft.com/office/drawing/2014/main" id="{4FFC9F3E-C7DF-44CE-A057-14D5228F5C26}"/>
+                <a16:creationId xmlns:a16="http://schemas.microsoft.com/office/drawing/2014/main" xmlns="" id="{4FFC9F3E-C7DF-44CE-A057-14D5228F5C26}"/>
               </a:ext>
             </a:extLst>
           </p:cNvPr>
@@ -8212,7 +8208,7 @@
           <p:cNvPr id="2" name="Title 1">
             <a:extLst>
               <a:ext uri="{FF2B5EF4-FFF2-40B4-BE49-F238E27FC236}">
-                <a16:creationId xmlns="" xmlns:a16="http://schemas.microsoft.com/office/drawing/2014/main" id="{9045A477-9EA3-4F5C-B4B9-8CE29E6FF138}"/>
+                <a16:creationId xmlns:a16="http://schemas.microsoft.com/office/drawing/2014/main" xmlns="" id="{9045A477-9EA3-4F5C-B4B9-8CE29E6FF138}"/>
               </a:ext>
             </a:extLst>
           </p:cNvPr>
@@ -8330,7 +8326,7 @@
           <p:cNvPr id="9" name="Content Placeholder 2">
             <a:extLst>
               <a:ext uri="{FF2B5EF4-FFF2-40B4-BE49-F238E27FC236}">
-                <a16:creationId xmlns="" xmlns:a16="http://schemas.microsoft.com/office/drawing/2014/main" id="{4FFC9F3E-C7DF-44CE-A057-14D5228F5C26}"/>
+                <a16:creationId xmlns:a16="http://schemas.microsoft.com/office/drawing/2014/main" xmlns="" id="{4FFC9F3E-C7DF-44CE-A057-14D5228F5C26}"/>
               </a:ext>
             </a:extLst>
           </p:cNvPr>
@@ -8617,7 +8613,7 @@
           <p:cNvPr id="2" name="Title 1">
             <a:extLst>
               <a:ext uri="{FF2B5EF4-FFF2-40B4-BE49-F238E27FC236}">
-                <a16:creationId xmlns="" xmlns:a16="http://schemas.microsoft.com/office/drawing/2014/main" id="{9045A477-9EA3-4F5C-B4B9-8CE29E6FF138}"/>
+                <a16:creationId xmlns:a16="http://schemas.microsoft.com/office/drawing/2014/main" xmlns="" id="{9045A477-9EA3-4F5C-B4B9-8CE29E6FF138}"/>
               </a:ext>
             </a:extLst>
           </p:cNvPr>
@@ -8646,7 +8642,7 @@
           <p:cNvPr id="9" name="Content Placeholder 2">
             <a:extLst>
               <a:ext uri="{FF2B5EF4-FFF2-40B4-BE49-F238E27FC236}">
-                <a16:creationId xmlns="" xmlns:a16="http://schemas.microsoft.com/office/drawing/2014/main" id="{4FFC9F3E-C7DF-44CE-A057-14D5228F5C26}"/>
+                <a16:creationId xmlns:a16="http://schemas.microsoft.com/office/drawing/2014/main" xmlns="" id="{4FFC9F3E-C7DF-44CE-A057-14D5228F5C26}"/>
               </a:ext>
             </a:extLst>
           </p:cNvPr>
@@ -8872,7 +8868,7 @@
           <p:cNvPr id="12" name="Content Placeholder 2">
             <a:extLst>
               <a:ext uri="{FF2B5EF4-FFF2-40B4-BE49-F238E27FC236}">
-                <a16:creationId xmlns="" xmlns:a16="http://schemas.microsoft.com/office/drawing/2014/main" id="{4FFC9F3E-C7DF-44CE-A057-14D5228F5C26}"/>
+                <a16:creationId xmlns:a16="http://schemas.microsoft.com/office/drawing/2014/main" xmlns="" id="{4FFC9F3E-C7DF-44CE-A057-14D5228F5C26}"/>
               </a:ext>
             </a:extLst>
           </p:cNvPr>
@@ -9108,7 +9104,7 @@
           <p:cNvPr id="2" name="Title 1">
             <a:extLst>
               <a:ext uri="{FF2B5EF4-FFF2-40B4-BE49-F238E27FC236}">
-                <a16:creationId xmlns="" xmlns:a16="http://schemas.microsoft.com/office/drawing/2014/main" id="{9045A477-9EA3-4F5C-B4B9-8CE29E6FF138}"/>
+                <a16:creationId xmlns:a16="http://schemas.microsoft.com/office/drawing/2014/main" xmlns="" id="{9045A477-9EA3-4F5C-B4B9-8CE29E6FF138}"/>
               </a:ext>
             </a:extLst>
           </p:cNvPr>
@@ -9137,7 +9133,7 @@
           <p:cNvPr id="9" name="Content Placeholder 2">
             <a:extLst>
               <a:ext uri="{FF2B5EF4-FFF2-40B4-BE49-F238E27FC236}">
-                <a16:creationId xmlns="" xmlns:a16="http://schemas.microsoft.com/office/drawing/2014/main" id="{4FFC9F3E-C7DF-44CE-A057-14D5228F5C26}"/>
+                <a16:creationId xmlns:a16="http://schemas.microsoft.com/office/drawing/2014/main" xmlns="" id="{4FFC9F3E-C7DF-44CE-A057-14D5228F5C26}"/>
               </a:ext>
             </a:extLst>
           </p:cNvPr>
@@ -9393,7 +9389,7 @@
           <p:cNvPr id="12" name="Content Placeholder 2">
             <a:extLst>
               <a:ext uri="{FF2B5EF4-FFF2-40B4-BE49-F238E27FC236}">
-                <a16:creationId xmlns="" xmlns:a16="http://schemas.microsoft.com/office/drawing/2014/main" id="{4FFC9F3E-C7DF-44CE-A057-14D5228F5C26}"/>
+                <a16:creationId xmlns:a16="http://schemas.microsoft.com/office/drawing/2014/main" xmlns="" id="{4FFC9F3E-C7DF-44CE-A057-14D5228F5C26}"/>
               </a:ext>
             </a:extLst>
           </p:cNvPr>
@@ -9636,7 +9632,7 @@
           <p:cNvPr id="2" name="Title 1">
             <a:extLst>
               <a:ext uri="{FF2B5EF4-FFF2-40B4-BE49-F238E27FC236}">
-                <a16:creationId xmlns="" xmlns:a16="http://schemas.microsoft.com/office/drawing/2014/main" id="{9045A477-9EA3-4F5C-B4B9-8CE29E6FF138}"/>
+                <a16:creationId xmlns:a16="http://schemas.microsoft.com/office/drawing/2014/main" xmlns="" id="{9045A477-9EA3-4F5C-B4B9-8CE29E6FF138}"/>
               </a:ext>
             </a:extLst>
           </p:cNvPr>
@@ -9654,11 +9650,7 @@
           <a:p>
             <a:r>
               <a:rPr lang="en-US" dirty="0" smtClean="0"/>
-              <a:t>Data Analysis Approach: </a:t>
-            </a:r>
-            <a:r>
-              <a:rPr lang="en-US" dirty="0" smtClean="0"/>
-              <a:t>level and compression</a:t>
+              <a:t>Data Analysis Approach: level and compression</a:t>
             </a:r>
             <a:endParaRPr lang="en-US" dirty="0"/>
           </a:p>
@@ -9669,7 +9661,7 @@
           <p:cNvPr id="3" name="Content Placeholder 2">
             <a:extLst>
               <a:ext uri="{FF2B5EF4-FFF2-40B4-BE49-F238E27FC236}">
-                <a16:creationId xmlns="" xmlns:a16="http://schemas.microsoft.com/office/drawing/2014/main" id="{4FFC9F3E-C7DF-44CE-A057-14D5228F5C26}"/>
+                <a16:creationId xmlns:a16="http://schemas.microsoft.com/office/drawing/2014/main" xmlns="" id="{4FFC9F3E-C7DF-44CE-A057-14D5228F5C26}"/>
               </a:ext>
             </a:extLst>
           </p:cNvPr>

--- a/doc/PPT_final/ Automatic Mixing.pptx
+++ b/doc/PPT_final/ Automatic Mixing.pptx
@@ -164,7 +164,7 @@
           <p:cNvPr id="2" name="Header Placeholder 1">
             <a:extLst>
               <a:ext uri="{FF2B5EF4-FFF2-40B4-BE49-F238E27FC236}">
-                <a16:creationId xmlns:a16="http://schemas.microsoft.com/office/drawing/2014/main" xmlns="" id="{840B08AC-E5DB-2346-9522-E13FDAED48B6}"/>
+                <a16:creationId xmlns="" xmlns:a16="http://schemas.microsoft.com/office/drawing/2014/main" id="{840B08AC-E5DB-2346-9522-E13FDAED48B6}"/>
               </a:ext>
             </a:extLst>
           </p:cNvPr>
@@ -201,7 +201,7 @@
           <p:cNvPr id="3" name="Date Placeholder 2">
             <a:extLst>
               <a:ext uri="{FF2B5EF4-FFF2-40B4-BE49-F238E27FC236}">
-                <a16:creationId xmlns:a16="http://schemas.microsoft.com/office/drawing/2014/main" xmlns="" id="{8FEF2A5E-8AC0-D242-BDB0-D48C52EC46F6}"/>
+                <a16:creationId xmlns="" xmlns:a16="http://schemas.microsoft.com/office/drawing/2014/main" id="{8FEF2A5E-8AC0-D242-BDB0-D48C52EC46F6}"/>
               </a:ext>
             </a:extLst>
           </p:cNvPr>
@@ -231,7 +231,7 @@
           <a:p>
             <a:fld id="{1790BDCF-FDED-7944-8BF6-2AC6A3D70E73}" type="datetimeFigureOut">
               <a:rPr lang="en-US" smtClean="0"/>
-              <a:t>11/25/22</a:t>
+              <a:t>11/26/22</a:t>
             </a:fld>
             <a:endParaRPr lang="en-US"/>
           </a:p>
@@ -242,7 +242,7 @@
           <p:cNvPr id="4" name="Footer Placeholder 3">
             <a:extLst>
               <a:ext uri="{FF2B5EF4-FFF2-40B4-BE49-F238E27FC236}">
-                <a16:creationId xmlns:a16="http://schemas.microsoft.com/office/drawing/2014/main" xmlns="" id="{04CDD624-43F6-2E45-9536-1E4A096D8D9B}"/>
+                <a16:creationId xmlns="" xmlns:a16="http://schemas.microsoft.com/office/drawing/2014/main" id="{04CDD624-43F6-2E45-9536-1E4A096D8D9B}"/>
               </a:ext>
             </a:extLst>
           </p:cNvPr>
@@ -279,7 +279,7 @@
           <p:cNvPr id="5" name="Slide Number Placeholder 4">
             <a:extLst>
               <a:ext uri="{FF2B5EF4-FFF2-40B4-BE49-F238E27FC236}">
-                <a16:creationId xmlns:a16="http://schemas.microsoft.com/office/drawing/2014/main" xmlns="" id="{4BD07A2B-CDBD-BE48-8A80-8CCEF44924D9}"/>
+                <a16:creationId xmlns="" xmlns:a16="http://schemas.microsoft.com/office/drawing/2014/main" id="{4BD07A2B-CDBD-BE48-8A80-8CCEF44924D9}"/>
               </a:ext>
             </a:extLst>
           </p:cNvPr>
@@ -408,7 +408,7 @@
           <a:p>
             <a:fld id="{7FC19A01-7786-9E40-A342-3F309B51F3C8}" type="datetimeFigureOut">
               <a:rPr lang="en-US" smtClean="0"/>
-              <a:t>11/25/22</a:t>
+              <a:t>11/26/22</a:t>
             </a:fld>
             <a:endParaRPr lang="en-US"/>
           </a:p>
@@ -1008,7 +1008,7 @@
           <p:cNvPr id="5" name="Graphic 4">
             <a:extLst>
               <a:ext uri="{FF2B5EF4-FFF2-40B4-BE49-F238E27FC236}">
-                <a16:creationId xmlns:a16="http://schemas.microsoft.com/office/drawing/2014/main" xmlns="" id="{19727A66-6455-4B6B-B6B0-C885C09984FC}"/>
+                <a16:creationId xmlns="" xmlns:a16="http://schemas.microsoft.com/office/drawing/2014/main" id="{19727A66-6455-4B6B-B6B0-C885C09984FC}"/>
               </a:ext>
             </a:extLst>
           </p:cNvPr>
@@ -1021,7 +1021,7 @@
           <a:blip r:embed="rId2">
             <a:extLst>
               <a:ext uri="{96DAC541-7B7A-43D3-8B79-37D633B846F1}">
-                <asvg:svgBlip xmlns:asvg="http://schemas.microsoft.com/office/drawing/2016/SVG/main" xmlns="" r:embed="rId3"/>
+                <asvg:svgBlip xmlns="" xmlns:asvg="http://schemas.microsoft.com/office/drawing/2016/SVG/main" r:embed="rId3"/>
               </a:ext>
             </a:extLst>
           </a:blip>
@@ -1195,7 +1195,7 @@
           <p:cNvPr id="16" name="TextBox 15">
             <a:extLst>
               <a:ext uri="{FF2B5EF4-FFF2-40B4-BE49-F238E27FC236}">
-                <a16:creationId xmlns:a16="http://schemas.microsoft.com/office/drawing/2014/main" xmlns="" id="{4F90BFBB-34F3-6C4E-AE14-F79FC96106B4}"/>
+                <a16:creationId xmlns="" xmlns:a16="http://schemas.microsoft.com/office/drawing/2014/main" id="{4F90BFBB-34F3-6C4E-AE14-F79FC96106B4}"/>
               </a:ext>
             </a:extLst>
           </p:cNvPr>
@@ -1232,7 +1232,7 @@
           <p:cNvPr id="17" name="TextBox 16">
             <a:extLst>
               <a:ext uri="{FF2B5EF4-FFF2-40B4-BE49-F238E27FC236}">
-                <a16:creationId xmlns:a16="http://schemas.microsoft.com/office/drawing/2014/main" xmlns="" id="{C69906DC-87C5-E442-8918-7F76D287958D}"/>
+                <a16:creationId xmlns="" xmlns:a16="http://schemas.microsoft.com/office/drawing/2014/main" id="{C69906DC-87C5-E442-8918-7F76D287958D}"/>
               </a:ext>
             </a:extLst>
           </p:cNvPr>
@@ -1285,7 +1285,7 @@
           <p:cNvPr id="18" name="Graphic 17">
             <a:extLst>
               <a:ext uri="{FF2B5EF4-FFF2-40B4-BE49-F238E27FC236}">
-                <a16:creationId xmlns:a16="http://schemas.microsoft.com/office/drawing/2014/main" xmlns="" id="{C2C99E5F-79BF-4DC9-BB46-FFC780AFFE85}"/>
+                <a16:creationId xmlns="" xmlns:a16="http://schemas.microsoft.com/office/drawing/2014/main" id="{C2C99E5F-79BF-4DC9-BB46-FFC780AFFE85}"/>
               </a:ext>
             </a:extLst>
           </p:cNvPr>
@@ -1298,7 +1298,7 @@
           <a:blip r:embed="rId2">
             <a:extLst>
               <a:ext uri="{96DAC541-7B7A-43D3-8B79-37D633B846F1}">
-                <asvg:svgBlip xmlns:asvg="http://schemas.microsoft.com/office/drawing/2016/SVG/main" xmlns="" r:embed="rId3"/>
+                <asvg:svgBlip xmlns="" xmlns:asvg="http://schemas.microsoft.com/office/drawing/2016/SVG/main" r:embed="rId3"/>
               </a:ext>
             </a:extLst>
           </a:blip>
@@ -1482,7 +1482,7 @@
           <p:cNvPr id="16" name="TextBox 15">
             <a:extLst>
               <a:ext uri="{FF2B5EF4-FFF2-40B4-BE49-F238E27FC236}">
-                <a16:creationId xmlns:a16="http://schemas.microsoft.com/office/drawing/2014/main" xmlns="" id="{00F103E9-D16A-EB46-9F7B-A8705483339D}"/>
+                <a16:creationId xmlns="" xmlns:a16="http://schemas.microsoft.com/office/drawing/2014/main" id="{00F103E9-D16A-EB46-9F7B-A8705483339D}"/>
               </a:ext>
             </a:extLst>
           </p:cNvPr>
@@ -1519,7 +1519,7 @@
           <p:cNvPr id="17" name="TextBox 16">
             <a:extLst>
               <a:ext uri="{FF2B5EF4-FFF2-40B4-BE49-F238E27FC236}">
-                <a16:creationId xmlns:a16="http://schemas.microsoft.com/office/drawing/2014/main" xmlns="" id="{66CFA407-F8A1-7642-9F56-93689CE11E42}"/>
+                <a16:creationId xmlns="" xmlns:a16="http://schemas.microsoft.com/office/drawing/2014/main" id="{66CFA407-F8A1-7642-9F56-93689CE11E42}"/>
               </a:ext>
             </a:extLst>
           </p:cNvPr>
@@ -1572,7 +1572,7 @@
           <p:cNvPr id="18" name="Graphic 17">
             <a:extLst>
               <a:ext uri="{FF2B5EF4-FFF2-40B4-BE49-F238E27FC236}">
-                <a16:creationId xmlns:a16="http://schemas.microsoft.com/office/drawing/2014/main" xmlns="" id="{E219413A-BB37-4E7C-B085-A0D943A15432}"/>
+                <a16:creationId xmlns="" xmlns:a16="http://schemas.microsoft.com/office/drawing/2014/main" id="{E219413A-BB37-4E7C-B085-A0D943A15432}"/>
               </a:ext>
             </a:extLst>
           </p:cNvPr>
@@ -1585,7 +1585,7 @@
           <a:blip r:embed="rId2">
             <a:extLst>
               <a:ext uri="{96DAC541-7B7A-43D3-8B79-37D633B846F1}">
-                <asvg:svgBlip xmlns:asvg="http://schemas.microsoft.com/office/drawing/2016/SVG/main" xmlns="" r:embed="rId3"/>
+                <asvg:svgBlip xmlns="" xmlns:asvg="http://schemas.microsoft.com/office/drawing/2016/SVG/main" r:embed="rId3"/>
               </a:ext>
             </a:extLst>
           </a:blip>
@@ -1998,7 +1998,7 @@
           <p:cNvPr id="15" name="Graphic 14">
             <a:extLst>
               <a:ext uri="{FF2B5EF4-FFF2-40B4-BE49-F238E27FC236}">
-                <a16:creationId xmlns:a16="http://schemas.microsoft.com/office/drawing/2014/main" xmlns="" id="{94289BB5-E802-4E3E-9EF3-493812A6E29A}"/>
+                <a16:creationId xmlns="" xmlns:a16="http://schemas.microsoft.com/office/drawing/2014/main" id="{94289BB5-E802-4E3E-9EF3-493812A6E29A}"/>
               </a:ext>
             </a:extLst>
           </p:cNvPr>
@@ -2011,7 +2011,7 @@
           <a:blip r:embed="rId2">
             <a:extLst>
               <a:ext uri="{96DAC541-7B7A-43D3-8B79-37D633B846F1}">
-                <asvg:svgBlip xmlns:asvg="http://schemas.microsoft.com/office/drawing/2016/SVG/main" xmlns="" r:embed="rId3"/>
+                <asvg:svgBlip xmlns="" xmlns:asvg="http://schemas.microsoft.com/office/drawing/2016/SVG/main" r:embed="rId3"/>
               </a:ext>
             </a:extLst>
           </a:blip>
@@ -2192,7 +2192,7 @@
           <p:cNvPr id="28" name="TextBox 27">
             <a:extLst>
               <a:ext uri="{FF2B5EF4-FFF2-40B4-BE49-F238E27FC236}">
-                <a16:creationId xmlns:a16="http://schemas.microsoft.com/office/drawing/2014/main" xmlns="" id="{E766909F-446E-5A44-9EA1-75B086A02941}"/>
+                <a16:creationId xmlns="" xmlns:a16="http://schemas.microsoft.com/office/drawing/2014/main" id="{E766909F-446E-5A44-9EA1-75B086A02941}"/>
               </a:ext>
             </a:extLst>
           </p:cNvPr>
@@ -2229,7 +2229,7 @@
           <p:cNvPr id="6" name="Graphic 5">
             <a:extLst>
               <a:ext uri="{FF2B5EF4-FFF2-40B4-BE49-F238E27FC236}">
-                <a16:creationId xmlns:a16="http://schemas.microsoft.com/office/drawing/2014/main" xmlns="" id="{5C1EAA8F-F34E-45FC-9E10-C12246B4945A}"/>
+                <a16:creationId xmlns="" xmlns:a16="http://schemas.microsoft.com/office/drawing/2014/main" id="{5C1EAA8F-F34E-45FC-9E10-C12246B4945A}"/>
               </a:ext>
             </a:extLst>
           </p:cNvPr>
@@ -2242,7 +2242,7 @@
           <a:blip r:embed="rId2">
             <a:extLst>
               <a:ext uri="{96DAC541-7B7A-43D3-8B79-37D633B846F1}">
-                <asvg:svgBlip xmlns:asvg="http://schemas.microsoft.com/office/drawing/2016/SVG/main" xmlns="" r:embed="rId3"/>
+                <asvg:svgBlip xmlns="" xmlns:asvg="http://schemas.microsoft.com/office/drawing/2016/SVG/main" r:embed="rId3"/>
               </a:ext>
             </a:extLst>
           </a:blip>
@@ -2493,7 +2493,7 @@
           <p:cNvPr id="18" name="TextBox 17">
             <a:extLst>
               <a:ext uri="{FF2B5EF4-FFF2-40B4-BE49-F238E27FC236}">
-                <a16:creationId xmlns:a16="http://schemas.microsoft.com/office/drawing/2014/main" xmlns="" id="{B09DEBDD-94B7-DE41-A403-C96CB3E1D8AE}"/>
+                <a16:creationId xmlns="" xmlns:a16="http://schemas.microsoft.com/office/drawing/2014/main" id="{B09DEBDD-94B7-DE41-A403-C96CB3E1D8AE}"/>
               </a:ext>
             </a:extLst>
           </p:cNvPr>
@@ -2530,7 +2530,7 @@
           <p:cNvPr id="19" name="TextBox 18">
             <a:extLst>
               <a:ext uri="{FF2B5EF4-FFF2-40B4-BE49-F238E27FC236}">
-                <a16:creationId xmlns:a16="http://schemas.microsoft.com/office/drawing/2014/main" xmlns="" id="{EB58DFE1-15D0-9443-B5D0-33A92FE3806F}"/>
+                <a16:creationId xmlns="" xmlns:a16="http://schemas.microsoft.com/office/drawing/2014/main" id="{EB58DFE1-15D0-9443-B5D0-33A92FE3806F}"/>
               </a:ext>
             </a:extLst>
           </p:cNvPr>
@@ -2583,7 +2583,7 @@
           <p:cNvPr id="17" name="Graphic 16">
             <a:extLst>
               <a:ext uri="{FF2B5EF4-FFF2-40B4-BE49-F238E27FC236}">
-                <a16:creationId xmlns:a16="http://schemas.microsoft.com/office/drawing/2014/main" xmlns="" id="{16F8265F-1D5C-47BE-B72E-76932958F3A6}"/>
+                <a16:creationId xmlns="" xmlns:a16="http://schemas.microsoft.com/office/drawing/2014/main" id="{16F8265F-1D5C-47BE-B72E-76932958F3A6}"/>
               </a:ext>
             </a:extLst>
           </p:cNvPr>
@@ -2596,7 +2596,7 @@
           <a:blip r:embed="rId2">
             <a:extLst>
               <a:ext uri="{96DAC541-7B7A-43D3-8B79-37D633B846F1}">
-                <asvg:svgBlip xmlns:asvg="http://schemas.microsoft.com/office/drawing/2016/SVG/main" xmlns="" r:embed="rId3"/>
+                <asvg:svgBlip xmlns="" xmlns:asvg="http://schemas.microsoft.com/office/drawing/2016/SVG/main" r:embed="rId3"/>
               </a:ext>
             </a:extLst>
           </a:blip>
@@ -2908,7 +2908,7 @@
           <p:cNvPr id="19" name="TextBox 18">
             <a:extLst>
               <a:ext uri="{FF2B5EF4-FFF2-40B4-BE49-F238E27FC236}">
-                <a16:creationId xmlns:a16="http://schemas.microsoft.com/office/drawing/2014/main" xmlns="" id="{BEF3DDB2-0665-BB4D-A7BB-D6E15B1BDEBE}"/>
+                <a16:creationId xmlns="" xmlns:a16="http://schemas.microsoft.com/office/drawing/2014/main" id="{BEF3DDB2-0665-BB4D-A7BB-D6E15B1BDEBE}"/>
               </a:ext>
             </a:extLst>
           </p:cNvPr>
@@ -2945,7 +2945,7 @@
           <p:cNvPr id="20" name="TextBox 19">
             <a:extLst>
               <a:ext uri="{FF2B5EF4-FFF2-40B4-BE49-F238E27FC236}">
-                <a16:creationId xmlns:a16="http://schemas.microsoft.com/office/drawing/2014/main" xmlns="" id="{C2F0BE45-414F-044C-A933-3D62AEBB17B5}"/>
+                <a16:creationId xmlns="" xmlns:a16="http://schemas.microsoft.com/office/drawing/2014/main" id="{C2F0BE45-414F-044C-A933-3D62AEBB17B5}"/>
               </a:ext>
             </a:extLst>
           </p:cNvPr>
@@ -2998,7 +2998,7 @@
           <p:cNvPr id="18" name="Graphic 17">
             <a:extLst>
               <a:ext uri="{FF2B5EF4-FFF2-40B4-BE49-F238E27FC236}">
-                <a16:creationId xmlns:a16="http://schemas.microsoft.com/office/drawing/2014/main" xmlns="" id="{679613E3-F659-4F6B-A525-3814C323F7E8}"/>
+                <a16:creationId xmlns="" xmlns:a16="http://schemas.microsoft.com/office/drawing/2014/main" id="{679613E3-F659-4F6B-A525-3814C323F7E8}"/>
               </a:ext>
             </a:extLst>
           </p:cNvPr>
@@ -3011,7 +3011,7 @@
           <a:blip r:embed="rId2">
             <a:extLst>
               <a:ext uri="{96DAC541-7B7A-43D3-8B79-37D633B846F1}">
-                <asvg:svgBlip xmlns:asvg="http://schemas.microsoft.com/office/drawing/2016/SVG/main" xmlns="" r:embed="rId3"/>
+                <asvg:svgBlip xmlns="" xmlns:asvg="http://schemas.microsoft.com/office/drawing/2016/SVG/main" r:embed="rId3"/>
               </a:ext>
             </a:extLst>
           </a:blip>
@@ -3133,7 +3133,7 @@
           <p:cNvPr id="15" name="TextBox 14">
             <a:extLst>
               <a:ext uri="{FF2B5EF4-FFF2-40B4-BE49-F238E27FC236}">
-                <a16:creationId xmlns:a16="http://schemas.microsoft.com/office/drawing/2014/main" xmlns="" id="{61E30C84-59E8-9E44-A555-8B1373AB1B1A}"/>
+                <a16:creationId xmlns="" xmlns:a16="http://schemas.microsoft.com/office/drawing/2014/main" id="{61E30C84-59E8-9E44-A555-8B1373AB1B1A}"/>
               </a:ext>
             </a:extLst>
           </p:cNvPr>
@@ -3170,7 +3170,7 @@
           <p:cNvPr id="16" name="TextBox 15">
             <a:extLst>
               <a:ext uri="{FF2B5EF4-FFF2-40B4-BE49-F238E27FC236}">
-                <a16:creationId xmlns:a16="http://schemas.microsoft.com/office/drawing/2014/main" xmlns="" id="{F2BA38A8-83A5-E149-BF88-F17D812DBE80}"/>
+                <a16:creationId xmlns="" xmlns:a16="http://schemas.microsoft.com/office/drawing/2014/main" id="{F2BA38A8-83A5-E149-BF88-F17D812DBE80}"/>
               </a:ext>
             </a:extLst>
           </p:cNvPr>
@@ -3223,7 +3223,7 @@
           <p:cNvPr id="18" name="Graphic 17">
             <a:extLst>
               <a:ext uri="{FF2B5EF4-FFF2-40B4-BE49-F238E27FC236}">
-                <a16:creationId xmlns:a16="http://schemas.microsoft.com/office/drawing/2014/main" xmlns="" id="{F533209D-E000-476D-B7FA-1A35997E0521}"/>
+                <a16:creationId xmlns="" xmlns:a16="http://schemas.microsoft.com/office/drawing/2014/main" id="{F533209D-E000-476D-B7FA-1A35997E0521}"/>
               </a:ext>
             </a:extLst>
           </p:cNvPr>
@@ -3236,7 +3236,7 @@
           <a:blip r:embed="rId2">
             <a:extLst>
               <a:ext uri="{96DAC541-7B7A-43D3-8B79-37D633B846F1}">
-                <asvg:svgBlip xmlns:asvg="http://schemas.microsoft.com/office/drawing/2016/SVG/main" xmlns="" r:embed="rId3"/>
+                <asvg:svgBlip xmlns="" xmlns:asvg="http://schemas.microsoft.com/office/drawing/2016/SVG/main" r:embed="rId3"/>
               </a:ext>
             </a:extLst>
           </a:blip>
@@ -3335,7 +3335,7 @@
           <p:cNvPr id="19" name="TextBox 18">
             <a:extLst>
               <a:ext uri="{FF2B5EF4-FFF2-40B4-BE49-F238E27FC236}">
-                <a16:creationId xmlns:a16="http://schemas.microsoft.com/office/drawing/2014/main" xmlns="" id="{3814FAE4-C3CE-8945-8C50-23225D3560EE}"/>
+                <a16:creationId xmlns="" xmlns:a16="http://schemas.microsoft.com/office/drawing/2014/main" id="{3814FAE4-C3CE-8945-8C50-23225D3560EE}"/>
               </a:ext>
             </a:extLst>
           </p:cNvPr>
@@ -3372,7 +3372,7 @@
           <p:cNvPr id="20" name="TextBox 19">
             <a:extLst>
               <a:ext uri="{FF2B5EF4-FFF2-40B4-BE49-F238E27FC236}">
-                <a16:creationId xmlns:a16="http://schemas.microsoft.com/office/drawing/2014/main" xmlns="" id="{ED8E22FF-8F07-5448-88EA-2ADF8A34A1E6}"/>
+                <a16:creationId xmlns="" xmlns:a16="http://schemas.microsoft.com/office/drawing/2014/main" id="{ED8E22FF-8F07-5448-88EA-2ADF8A34A1E6}"/>
               </a:ext>
             </a:extLst>
           </p:cNvPr>
@@ -3425,7 +3425,7 @@
           <p:cNvPr id="14" name="Graphic 13">
             <a:extLst>
               <a:ext uri="{FF2B5EF4-FFF2-40B4-BE49-F238E27FC236}">
-                <a16:creationId xmlns:a16="http://schemas.microsoft.com/office/drawing/2014/main" xmlns="" id="{AB16132E-0B74-4CB4-818A-E7CB3F95FB55}"/>
+                <a16:creationId xmlns="" xmlns:a16="http://schemas.microsoft.com/office/drawing/2014/main" id="{AB16132E-0B74-4CB4-818A-E7CB3F95FB55}"/>
               </a:ext>
             </a:extLst>
           </p:cNvPr>
@@ -3438,7 +3438,7 @@
           <a:blip r:embed="rId2">
             <a:extLst>
               <a:ext uri="{96DAC541-7B7A-43D3-8B79-37D633B846F1}">
-                <asvg:svgBlip xmlns:asvg="http://schemas.microsoft.com/office/drawing/2016/SVG/main" xmlns="" r:embed="rId3"/>
+                <asvg:svgBlip xmlns="" xmlns:asvg="http://schemas.microsoft.com/office/drawing/2016/SVG/main" r:embed="rId3"/>
               </a:ext>
             </a:extLst>
           </a:blip>
@@ -3719,7 +3719,7 @@
           <p:cNvPr id="17" name="TextBox 16">
             <a:extLst>
               <a:ext uri="{FF2B5EF4-FFF2-40B4-BE49-F238E27FC236}">
-                <a16:creationId xmlns:a16="http://schemas.microsoft.com/office/drawing/2014/main" xmlns="" id="{EF90A807-0D75-8046-B1F9-FB7BE21BCEB5}"/>
+                <a16:creationId xmlns="" xmlns:a16="http://schemas.microsoft.com/office/drawing/2014/main" id="{EF90A807-0D75-8046-B1F9-FB7BE21BCEB5}"/>
               </a:ext>
             </a:extLst>
           </p:cNvPr>
@@ -3756,7 +3756,7 @@
           <p:cNvPr id="18" name="TextBox 17">
             <a:extLst>
               <a:ext uri="{FF2B5EF4-FFF2-40B4-BE49-F238E27FC236}">
-                <a16:creationId xmlns:a16="http://schemas.microsoft.com/office/drawing/2014/main" xmlns="" id="{DB11F5CE-32A3-7C4F-9727-B808DCFEDD2D}"/>
+                <a16:creationId xmlns="" xmlns:a16="http://schemas.microsoft.com/office/drawing/2014/main" id="{DB11F5CE-32A3-7C4F-9727-B808DCFEDD2D}"/>
               </a:ext>
             </a:extLst>
           </p:cNvPr>
@@ -3809,7 +3809,7 @@
           <p:cNvPr id="19" name="Graphic 18">
             <a:extLst>
               <a:ext uri="{FF2B5EF4-FFF2-40B4-BE49-F238E27FC236}">
-                <a16:creationId xmlns:a16="http://schemas.microsoft.com/office/drawing/2014/main" xmlns="" id="{EBD44E6D-3D6F-4868-AA74-A0E507BB7E75}"/>
+                <a16:creationId xmlns="" xmlns:a16="http://schemas.microsoft.com/office/drawing/2014/main" id="{EBD44E6D-3D6F-4868-AA74-A0E507BB7E75}"/>
               </a:ext>
             </a:extLst>
           </p:cNvPr>
@@ -3822,7 +3822,7 @@
           <a:blip r:embed="rId2">
             <a:extLst>
               <a:ext uri="{96DAC541-7B7A-43D3-8B79-37D633B846F1}">
-                <asvg:svgBlip xmlns:asvg="http://schemas.microsoft.com/office/drawing/2016/SVG/main" xmlns="" r:embed="rId3"/>
+                <asvg:svgBlip xmlns="" xmlns:asvg="http://schemas.microsoft.com/office/drawing/2016/SVG/main" r:embed="rId3"/>
               </a:ext>
             </a:extLst>
           </a:blip>
@@ -4083,7 +4083,7 @@
           <p:cNvPr id="17" name="TextBox 16">
             <a:extLst>
               <a:ext uri="{FF2B5EF4-FFF2-40B4-BE49-F238E27FC236}">
-                <a16:creationId xmlns:a16="http://schemas.microsoft.com/office/drawing/2014/main" xmlns="" id="{3CAF80FF-3C5D-6F43-8A74-58134F834FB5}"/>
+                <a16:creationId xmlns="" xmlns:a16="http://schemas.microsoft.com/office/drawing/2014/main" id="{3CAF80FF-3C5D-6F43-8A74-58134F834FB5}"/>
               </a:ext>
             </a:extLst>
           </p:cNvPr>
@@ -4120,7 +4120,7 @@
           <p:cNvPr id="18" name="TextBox 17">
             <a:extLst>
               <a:ext uri="{FF2B5EF4-FFF2-40B4-BE49-F238E27FC236}">
-                <a16:creationId xmlns:a16="http://schemas.microsoft.com/office/drawing/2014/main" xmlns="" id="{4024CBF7-36BB-C848-9C0A-A657B15810D9}"/>
+                <a16:creationId xmlns="" xmlns:a16="http://schemas.microsoft.com/office/drawing/2014/main" id="{4024CBF7-36BB-C848-9C0A-A657B15810D9}"/>
               </a:ext>
             </a:extLst>
           </p:cNvPr>
@@ -4173,7 +4173,7 @@
           <p:cNvPr id="19" name="Graphic 18">
             <a:extLst>
               <a:ext uri="{FF2B5EF4-FFF2-40B4-BE49-F238E27FC236}">
-                <a16:creationId xmlns:a16="http://schemas.microsoft.com/office/drawing/2014/main" xmlns="" id="{E0509593-4E93-46FF-B3D2-A6EC0CBF0985}"/>
+                <a16:creationId xmlns="" xmlns:a16="http://schemas.microsoft.com/office/drawing/2014/main" id="{E0509593-4E93-46FF-B3D2-A6EC0CBF0985}"/>
               </a:ext>
             </a:extLst>
           </p:cNvPr>
@@ -4186,7 +4186,7 @@
           <a:blip r:embed="rId2">
             <a:extLst>
               <a:ext uri="{96DAC541-7B7A-43D3-8B79-37D633B846F1}">
-                <asvg:svgBlip xmlns:asvg="http://schemas.microsoft.com/office/drawing/2016/SVG/main" xmlns="" r:embed="rId3"/>
+                <asvg:svgBlip xmlns="" xmlns:asvg="http://schemas.microsoft.com/office/drawing/2016/SVG/main" r:embed="rId3"/>
               </a:ext>
             </a:extLst>
           </a:blip>
@@ -4661,7 +4661,7 @@
           <p:cNvPr id="2" name="Title 1">
             <a:extLst>
               <a:ext uri="{FF2B5EF4-FFF2-40B4-BE49-F238E27FC236}">
-                <a16:creationId xmlns:a16="http://schemas.microsoft.com/office/drawing/2014/main" xmlns="" id="{B100FC07-DFB9-468B-95C1-22281A00D4C4}"/>
+                <a16:creationId xmlns="" xmlns:a16="http://schemas.microsoft.com/office/drawing/2014/main" id="{B100FC07-DFB9-468B-95C1-22281A00D4C4}"/>
               </a:ext>
             </a:extLst>
           </p:cNvPr>
@@ -4697,7 +4697,7 @@
           <p:cNvPr id="3" name="Subtitle 2">
             <a:extLst>
               <a:ext uri="{FF2B5EF4-FFF2-40B4-BE49-F238E27FC236}">
-                <a16:creationId xmlns:a16="http://schemas.microsoft.com/office/drawing/2014/main" xmlns="" id="{F939B8E8-A3AB-46B3-8726-E933C8297D94}"/>
+                <a16:creationId xmlns="" xmlns:a16="http://schemas.microsoft.com/office/drawing/2014/main" id="{F939B8E8-A3AB-46B3-8726-E933C8297D94}"/>
               </a:ext>
             </a:extLst>
           </p:cNvPr>
@@ -4776,7 +4776,7 @@
           <p:cNvPr id="2" name="Title 1">
             <a:extLst>
               <a:ext uri="{FF2B5EF4-FFF2-40B4-BE49-F238E27FC236}">
-                <a16:creationId xmlns:a16="http://schemas.microsoft.com/office/drawing/2014/main" xmlns="" id="{9045A477-9EA3-4F5C-B4B9-8CE29E6FF138}"/>
+                <a16:creationId xmlns="" xmlns:a16="http://schemas.microsoft.com/office/drawing/2014/main" id="{9045A477-9EA3-4F5C-B4B9-8CE29E6FF138}"/>
               </a:ext>
             </a:extLst>
           </p:cNvPr>
@@ -4809,7 +4809,7 @@
           <p:cNvPr id="3" name="Content Placeholder 2">
             <a:extLst>
               <a:ext uri="{FF2B5EF4-FFF2-40B4-BE49-F238E27FC236}">
-                <a16:creationId xmlns:a16="http://schemas.microsoft.com/office/drawing/2014/main" xmlns="" id="{4FFC9F3E-C7DF-44CE-A057-14D5228F5C26}"/>
+                <a16:creationId xmlns="" xmlns:a16="http://schemas.microsoft.com/office/drawing/2014/main" id="{4FFC9F3E-C7DF-44CE-A057-14D5228F5C26}"/>
               </a:ext>
             </a:extLst>
           </p:cNvPr>
@@ -4913,7 +4913,7 @@
           <p:cNvPr id="2" name="Title 1">
             <a:extLst>
               <a:ext uri="{FF2B5EF4-FFF2-40B4-BE49-F238E27FC236}">
-                <a16:creationId xmlns:a16="http://schemas.microsoft.com/office/drawing/2014/main" xmlns="" id="{9045A477-9EA3-4F5C-B4B9-8CE29E6FF138}"/>
+                <a16:creationId xmlns="" xmlns:a16="http://schemas.microsoft.com/office/drawing/2014/main" id="{9045A477-9EA3-4F5C-B4B9-8CE29E6FF138}"/>
               </a:ext>
             </a:extLst>
           </p:cNvPr>
@@ -4946,7 +4946,7 @@
           <p:cNvPr id="3" name="Content Placeholder 2">
             <a:extLst>
               <a:ext uri="{FF2B5EF4-FFF2-40B4-BE49-F238E27FC236}">
-                <a16:creationId xmlns:a16="http://schemas.microsoft.com/office/drawing/2014/main" xmlns="" id="{4FFC9F3E-C7DF-44CE-A057-14D5228F5C26}"/>
+                <a16:creationId xmlns="" xmlns:a16="http://schemas.microsoft.com/office/drawing/2014/main" id="{4FFC9F3E-C7DF-44CE-A057-14D5228F5C26}"/>
               </a:ext>
             </a:extLst>
           </p:cNvPr>
@@ -5130,7 +5130,7 @@
           <p:cNvPr id="2" name="Title 1">
             <a:extLst>
               <a:ext uri="{FF2B5EF4-FFF2-40B4-BE49-F238E27FC236}">
-                <a16:creationId xmlns:a16="http://schemas.microsoft.com/office/drawing/2014/main" xmlns="" id="{9045A477-9EA3-4F5C-B4B9-8CE29E6FF138}"/>
+                <a16:creationId xmlns="" xmlns:a16="http://schemas.microsoft.com/office/drawing/2014/main" id="{9045A477-9EA3-4F5C-B4B9-8CE29E6FF138}"/>
               </a:ext>
             </a:extLst>
           </p:cNvPr>
@@ -5694,7 +5694,7 @@
           <p:cNvPr id="2" name="Title 1">
             <a:extLst>
               <a:ext uri="{FF2B5EF4-FFF2-40B4-BE49-F238E27FC236}">
-                <a16:creationId xmlns:a16="http://schemas.microsoft.com/office/drawing/2014/main" xmlns="" id="{9045A477-9EA3-4F5C-B4B9-8CE29E6FF138}"/>
+                <a16:creationId xmlns="" xmlns:a16="http://schemas.microsoft.com/office/drawing/2014/main" id="{9045A477-9EA3-4F5C-B4B9-8CE29E6FF138}"/>
               </a:ext>
             </a:extLst>
           </p:cNvPr>
@@ -6124,7 +6124,7 @@
           <p:cNvPr id="2" name="Title 1">
             <a:extLst>
               <a:ext uri="{FF2B5EF4-FFF2-40B4-BE49-F238E27FC236}">
-                <a16:creationId xmlns:a16="http://schemas.microsoft.com/office/drawing/2014/main" xmlns="" id="{9045A477-9EA3-4F5C-B4B9-8CE29E6FF138}"/>
+                <a16:creationId xmlns="" xmlns:a16="http://schemas.microsoft.com/office/drawing/2014/main" id="{9045A477-9EA3-4F5C-B4B9-8CE29E6FF138}"/>
               </a:ext>
             </a:extLst>
           </p:cNvPr>
@@ -6536,11 +6536,7 @@
             </a:pPr>
             <a:r>
               <a:rPr lang="en-US" sz="3200" dirty="0" smtClean="0"/>
-              <a:t>Validation error </a:t>
-            </a:r>
-            <a:r>
-              <a:rPr lang="en-US" sz="3200" dirty="0" smtClean="0"/>
-              <a:t>on the MUSDB test set, 48 songs in total</a:t>
+              <a:t>Validation error on the MUSDB test set, 48 songs in total</a:t>
             </a:r>
             <a:endParaRPr lang="en-US" sz="3200" dirty="0"/>
           </a:p>
@@ -6568,8 +6564,38 @@
         </p:blipFill>
         <p:spPr>
           <a:xfrm>
-            <a:off x="-1" y="2140674"/>
+            <a:off x="0" y="5035375"/>
             <a:ext cx="12192000" cy="862061"/>
+          </a:xfrm>
+          <a:prstGeom prst="rect">
+            <a:avLst/>
+          </a:prstGeom>
+        </p:spPr>
+      </p:pic>
+      <p:pic>
+        <p:nvPicPr>
+          <p:cNvPr id="4" name="Picture 3"/>
+          <p:cNvPicPr>
+            <a:picLocks noChangeAspect="1"/>
+          </p:cNvPicPr>
+          <p:nvPr/>
+        </p:nvPicPr>
+        <p:blipFill>
+          <a:blip r:embed="rId3">
+            <a:extLst>
+              <a:ext uri="{28A0092B-C50C-407E-A947-70E740481C1C}">
+                <a14:useLocalDpi xmlns:a14="http://schemas.microsoft.com/office/drawing/2010/main" val="0"/>
+              </a:ext>
+            </a:extLst>
+          </a:blip>
+          <a:stretch>
+            <a:fillRect/>
+          </a:stretch>
+        </p:blipFill>
+        <p:spPr>
+          <a:xfrm>
+            <a:off x="102107" y="1987375"/>
+            <a:ext cx="11987784" cy="3048000"/>
           </a:xfrm>
           <a:prstGeom prst="rect">
             <a:avLst/>
@@ -6618,7 +6644,7 @@
           <p:cNvPr id="2" name="Title 1">
             <a:extLst>
               <a:ext uri="{FF2B5EF4-FFF2-40B4-BE49-F238E27FC236}">
-                <a16:creationId xmlns:a16="http://schemas.microsoft.com/office/drawing/2014/main" xmlns="" id="{9045A477-9EA3-4F5C-B4B9-8CE29E6FF138}"/>
+                <a16:creationId xmlns="" xmlns:a16="http://schemas.microsoft.com/office/drawing/2014/main" id="{9045A477-9EA3-4F5C-B4B9-8CE29E6FF138}"/>
               </a:ext>
             </a:extLst>
           </p:cNvPr>
@@ -7069,7 +7095,7 @@
           <p:cNvPr id="2" name="Title 1">
             <a:extLst>
               <a:ext uri="{FF2B5EF4-FFF2-40B4-BE49-F238E27FC236}">
-                <a16:creationId xmlns:a16="http://schemas.microsoft.com/office/drawing/2014/main" xmlns="" id="{9045A477-9EA3-4F5C-B4B9-8CE29E6FF138}"/>
+                <a16:creationId xmlns="" xmlns:a16="http://schemas.microsoft.com/office/drawing/2014/main" id="{9045A477-9EA3-4F5C-B4B9-8CE29E6FF138}"/>
               </a:ext>
             </a:extLst>
           </p:cNvPr>
@@ -7098,7 +7124,7 @@
           <p:cNvPr id="3" name="Content Placeholder 2">
             <a:extLst>
               <a:ext uri="{FF2B5EF4-FFF2-40B4-BE49-F238E27FC236}">
-                <a16:creationId xmlns:a16="http://schemas.microsoft.com/office/drawing/2014/main" xmlns="" id="{4FFC9F3E-C7DF-44CE-A057-14D5228F5C26}"/>
+                <a16:creationId xmlns="" xmlns:a16="http://schemas.microsoft.com/office/drawing/2014/main" id="{4FFC9F3E-C7DF-44CE-A057-14D5228F5C26}"/>
               </a:ext>
             </a:extLst>
           </p:cNvPr>
@@ -7212,7 +7238,7 @@
           <p:cNvPr id="2" name="Title 1">
             <a:extLst>
               <a:ext uri="{FF2B5EF4-FFF2-40B4-BE49-F238E27FC236}">
-                <a16:creationId xmlns:a16="http://schemas.microsoft.com/office/drawing/2014/main" xmlns="" id="{9045A477-9EA3-4F5C-B4B9-8CE29E6FF138}"/>
+                <a16:creationId xmlns="" xmlns:a16="http://schemas.microsoft.com/office/drawing/2014/main" id="{9045A477-9EA3-4F5C-B4B9-8CE29E6FF138}"/>
               </a:ext>
             </a:extLst>
           </p:cNvPr>
@@ -7270,7 +7296,7 @@
           <p:cNvPr id="9" name="Content Placeholder 2">
             <a:extLst>
               <a:ext uri="{FF2B5EF4-FFF2-40B4-BE49-F238E27FC236}">
-                <a16:creationId xmlns:a16="http://schemas.microsoft.com/office/drawing/2014/main" xmlns="" id="{4FFC9F3E-C7DF-44CE-A057-14D5228F5C26}"/>
+                <a16:creationId xmlns="" xmlns:a16="http://schemas.microsoft.com/office/drawing/2014/main" id="{4FFC9F3E-C7DF-44CE-A057-14D5228F5C26}"/>
               </a:ext>
             </a:extLst>
           </p:cNvPr>
@@ -7506,7 +7532,7 @@
           <p:cNvPr id="2" name="Title 1">
             <a:extLst>
               <a:ext uri="{FF2B5EF4-FFF2-40B4-BE49-F238E27FC236}">
-                <a16:creationId xmlns:a16="http://schemas.microsoft.com/office/drawing/2014/main" xmlns="" id="{9045A477-9EA3-4F5C-B4B9-8CE29E6FF138}"/>
+                <a16:creationId xmlns="" xmlns:a16="http://schemas.microsoft.com/office/drawing/2014/main" id="{9045A477-9EA3-4F5C-B4B9-8CE29E6FF138}"/>
               </a:ext>
             </a:extLst>
           </p:cNvPr>
@@ -7594,7 +7620,7 @@
           <p:cNvPr id="9" name="Content Placeholder 2">
             <a:extLst>
               <a:ext uri="{FF2B5EF4-FFF2-40B4-BE49-F238E27FC236}">
-                <a16:creationId xmlns:a16="http://schemas.microsoft.com/office/drawing/2014/main" xmlns="" id="{4FFC9F3E-C7DF-44CE-A057-14D5228F5C26}"/>
+                <a16:creationId xmlns="" xmlns:a16="http://schemas.microsoft.com/office/drawing/2014/main" id="{4FFC9F3E-C7DF-44CE-A057-14D5228F5C26}"/>
               </a:ext>
             </a:extLst>
           </p:cNvPr>
@@ -7839,7 +7865,7 @@
           <p:cNvPr id="2" name="Title 1">
             <a:extLst>
               <a:ext uri="{FF2B5EF4-FFF2-40B4-BE49-F238E27FC236}">
-                <a16:creationId xmlns:a16="http://schemas.microsoft.com/office/drawing/2014/main" xmlns="" id="{9045A477-9EA3-4F5C-B4B9-8CE29E6FF138}"/>
+                <a16:creationId xmlns="" xmlns:a16="http://schemas.microsoft.com/office/drawing/2014/main" id="{9045A477-9EA3-4F5C-B4B9-8CE29E6FF138}"/>
               </a:ext>
             </a:extLst>
           </p:cNvPr>
@@ -7957,7 +7983,7 @@
           <p:cNvPr id="9" name="Content Placeholder 2">
             <a:extLst>
               <a:ext uri="{FF2B5EF4-FFF2-40B4-BE49-F238E27FC236}">
-                <a16:creationId xmlns:a16="http://schemas.microsoft.com/office/drawing/2014/main" xmlns="" id="{4FFC9F3E-C7DF-44CE-A057-14D5228F5C26}"/>
+                <a16:creationId xmlns="" xmlns:a16="http://schemas.microsoft.com/office/drawing/2014/main" id="{4FFC9F3E-C7DF-44CE-A057-14D5228F5C26}"/>
               </a:ext>
             </a:extLst>
           </p:cNvPr>
@@ -8208,7 +8234,7 @@
           <p:cNvPr id="2" name="Title 1">
             <a:extLst>
               <a:ext uri="{FF2B5EF4-FFF2-40B4-BE49-F238E27FC236}">
-                <a16:creationId xmlns:a16="http://schemas.microsoft.com/office/drawing/2014/main" xmlns="" id="{9045A477-9EA3-4F5C-B4B9-8CE29E6FF138}"/>
+                <a16:creationId xmlns="" xmlns:a16="http://schemas.microsoft.com/office/drawing/2014/main" id="{9045A477-9EA3-4F5C-B4B9-8CE29E6FF138}"/>
               </a:ext>
             </a:extLst>
           </p:cNvPr>
@@ -8326,7 +8352,7 @@
           <p:cNvPr id="9" name="Content Placeholder 2">
             <a:extLst>
               <a:ext uri="{FF2B5EF4-FFF2-40B4-BE49-F238E27FC236}">
-                <a16:creationId xmlns:a16="http://schemas.microsoft.com/office/drawing/2014/main" xmlns="" id="{4FFC9F3E-C7DF-44CE-A057-14D5228F5C26}"/>
+                <a16:creationId xmlns="" xmlns:a16="http://schemas.microsoft.com/office/drawing/2014/main" id="{4FFC9F3E-C7DF-44CE-A057-14D5228F5C26}"/>
               </a:ext>
             </a:extLst>
           </p:cNvPr>
@@ -8613,7 +8639,7 @@
           <p:cNvPr id="2" name="Title 1">
             <a:extLst>
               <a:ext uri="{FF2B5EF4-FFF2-40B4-BE49-F238E27FC236}">
-                <a16:creationId xmlns:a16="http://schemas.microsoft.com/office/drawing/2014/main" xmlns="" id="{9045A477-9EA3-4F5C-B4B9-8CE29E6FF138}"/>
+                <a16:creationId xmlns="" xmlns:a16="http://schemas.microsoft.com/office/drawing/2014/main" id="{9045A477-9EA3-4F5C-B4B9-8CE29E6FF138}"/>
               </a:ext>
             </a:extLst>
           </p:cNvPr>
@@ -8642,7 +8668,7 @@
           <p:cNvPr id="9" name="Content Placeholder 2">
             <a:extLst>
               <a:ext uri="{FF2B5EF4-FFF2-40B4-BE49-F238E27FC236}">
-                <a16:creationId xmlns:a16="http://schemas.microsoft.com/office/drawing/2014/main" xmlns="" id="{4FFC9F3E-C7DF-44CE-A057-14D5228F5C26}"/>
+                <a16:creationId xmlns="" xmlns:a16="http://schemas.microsoft.com/office/drawing/2014/main" id="{4FFC9F3E-C7DF-44CE-A057-14D5228F5C26}"/>
               </a:ext>
             </a:extLst>
           </p:cNvPr>
@@ -8868,7 +8894,7 @@
           <p:cNvPr id="12" name="Content Placeholder 2">
             <a:extLst>
               <a:ext uri="{FF2B5EF4-FFF2-40B4-BE49-F238E27FC236}">
-                <a16:creationId xmlns:a16="http://schemas.microsoft.com/office/drawing/2014/main" xmlns="" id="{4FFC9F3E-C7DF-44CE-A057-14D5228F5C26}"/>
+                <a16:creationId xmlns="" xmlns:a16="http://schemas.microsoft.com/office/drawing/2014/main" id="{4FFC9F3E-C7DF-44CE-A057-14D5228F5C26}"/>
               </a:ext>
             </a:extLst>
           </p:cNvPr>
@@ -9104,7 +9130,7 @@
           <p:cNvPr id="2" name="Title 1">
             <a:extLst>
               <a:ext uri="{FF2B5EF4-FFF2-40B4-BE49-F238E27FC236}">
-                <a16:creationId xmlns:a16="http://schemas.microsoft.com/office/drawing/2014/main" xmlns="" id="{9045A477-9EA3-4F5C-B4B9-8CE29E6FF138}"/>
+                <a16:creationId xmlns="" xmlns:a16="http://schemas.microsoft.com/office/drawing/2014/main" id="{9045A477-9EA3-4F5C-B4B9-8CE29E6FF138}"/>
               </a:ext>
             </a:extLst>
           </p:cNvPr>
@@ -9133,7 +9159,7 @@
           <p:cNvPr id="9" name="Content Placeholder 2">
             <a:extLst>
               <a:ext uri="{FF2B5EF4-FFF2-40B4-BE49-F238E27FC236}">
-                <a16:creationId xmlns:a16="http://schemas.microsoft.com/office/drawing/2014/main" xmlns="" id="{4FFC9F3E-C7DF-44CE-A057-14D5228F5C26}"/>
+                <a16:creationId xmlns="" xmlns:a16="http://schemas.microsoft.com/office/drawing/2014/main" id="{4FFC9F3E-C7DF-44CE-A057-14D5228F5C26}"/>
               </a:ext>
             </a:extLst>
           </p:cNvPr>
@@ -9389,7 +9415,7 @@
           <p:cNvPr id="12" name="Content Placeholder 2">
             <a:extLst>
               <a:ext uri="{FF2B5EF4-FFF2-40B4-BE49-F238E27FC236}">
-                <a16:creationId xmlns:a16="http://schemas.microsoft.com/office/drawing/2014/main" xmlns="" id="{4FFC9F3E-C7DF-44CE-A057-14D5228F5C26}"/>
+                <a16:creationId xmlns="" xmlns:a16="http://schemas.microsoft.com/office/drawing/2014/main" id="{4FFC9F3E-C7DF-44CE-A057-14D5228F5C26}"/>
               </a:ext>
             </a:extLst>
           </p:cNvPr>
@@ -9632,7 +9658,7 @@
           <p:cNvPr id="2" name="Title 1">
             <a:extLst>
               <a:ext uri="{FF2B5EF4-FFF2-40B4-BE49-F238E27FC236}">
-                <a16:creationId xmlns:a16="http://schemas.microsoft.com/office/drawing/2014/main" xmlns="" id="{9045A477-9EA3-4F5C-B4B9-8CE29E6FF138}"/>
+                <a16:creationId xmlns="" xmlns:a16="http://schemas.microsoft.com/office/drawing/2014/main" id="{9045A477-9EA3-4F5C-B4B9-8CE29E6FF138}"/>
               </a:ext>
             </a:extLst>
           </p:cNvPr>
@@ -9661,7 +9687,7 @@
           <p:cNvPr id="3" name="Content Placeholder 2">
             <a:extLst>
               <a:ext uri="{FF2B5EF4-FFF2-40B4-BE49-F238E27FC236}">
-                <a16:creationId xmlns:a16="http://schemas.microsoft.com/office/drawing/2014/main" xmlns="" id="{4FFC9F3E-C7DF-44CE-A057-14D5228F5C26}"/>
+                <a16:creationId xmlns="" xmlns:a16="http://schemas.microsoft.com/office/drawing/2014/main" id="{4FFC9F3E-C7DF-44CE-A057-14D5228F5C26}"/>
               </a:ext>
             </a:extLst>
           </p:cNvPr>

--- a/doc/PPT_final/ Automatic Mixing.pptx
+++ b/doc/PPT_final/ Automatic Mixing.pptx
@@ -5,10 +5,10 @@
     <p:sldMasterId id="2147483648" r:id="rId1"/>
   </p:sldMasterIdLst>
   <p:notesMasterIdLst>
-    <p:notesMasterId r:id="rId19"/>
+    <p:notesMasterId r:id="rId20"/>
   </p:notesMasterIdLst>
   <p:handoutMasterIdLst>
-    <p:handoutMasterId r:id="rId20"/>
+    <p:handoutMasterId r:id="rId21"/>
   </p:handoutMasterIdLst>
   <p:sldIdLst>
     <p:sldId id="256" r:id="rId2"/>
@@ -24,10 +24,11 @@
     <p:sldId id="297" r:id="rId12"/>
     <p:sldId id="275" r:id="rId13"/>
     <p:sldId id="288" r:id="rId14"/>
-    <p:sldId id="303" r:id="rId15"/>
-    <p:sldId id="300" r:id="rId16"/>
-    <p:sldId id="302" r:id="rId17"/>
-    <p:sldId id="301" r:id="rId18"/>
+    <p:sldId id="310" r:id="rId15"/>
+    <p:sldId id="303" r:id="rId16"/>
+    <p:sldId id="300" r:id="rId17"/>
+    <p:sldId id="302" r:id="rId18"/>
+    <p:sldId id="301" r:id="rId19"/>
   </p:sldIdLst>
   <p:sldSz cx="12192000" cy="6858000"/>
   <p:notesSz cx="6858000" cy="9144000"/>
@@ -164,7 +165,7 @@
           <p:cNvPr id="2" name="Header Placeholder 1">
             <a:extLst>
               <a:ext uri="{FF2B5EF4-FFF2-40B4-BE49-F238E27FC236}">
-                <a16:creationId xmlns="" xmlns:a16="http://schemas.microsoft.com/office/drawing/2014/main" id="{840B08AC-E5DB-2346-9522-E13FDAED48B6}"/>
+                <a16:creationId xmlns:a16="http://schemas.microsoft.com/office/drawing/2014/main" xmlns="" id="{840B08AC-E5DB-2346-9522-E13FDAED48B6}"/>
               </a:ext>
             </a:extLst>
           </p:cNvPr>
@@ -201,7 +202,7 @@
           <p:cNvPr id="3" name="Date Placeholder 2">
             <a:extLst>
               <a:ext uri="{FF2B5EF4-FFF2-40B4-BE49-F238E27FC236}">
-                <a16:creationId xmlns="" xmlns:a16="http://schemas.microsoft.com/office/drawing/2014/main" id="{8FEF2A5E-8AC0-D242-BDB0-D48C52EC46F6}"/>
+                <a16:creationId xmlns:a16="http://schemas.microsoft.com/office/drawing/2014/main" xmlns="" id="{8FEF2A5E-8AC0-D242-BDB0-D48C52EC46F6}"/>
               </a:ext>
             </a:extLst>
           </p:cNvPr>
@@ -231,7 +232,7 @@
           <a:p>
             <a:fld id="{1790BDCF-FDED-7944-8BF6-2AC6A3D70E73}" type="datetimeFigureOut">
               <a:rPr lang="en-US" smtClean="0"/>
-              <a:t>11/26/22</a:t>
+              <a:t>12/3/22</a:t>
             </a:fld>
             <a:endParaRPr lang="en-US"/>
           </a:p>
@@ -242,7 +243,7 @@
           <p:cNvPr id="4" name="Footer Placeholder 3">
             <a:extLst>
               <a:ext uri="{FF2B5EF4-FFF2-40B4-BE49-F238E27FC236}">
-                <a16:creationId xmlns="" xmlns:a16="http://schemas.microsoft.com/office/drawing/2014/main" id="{04CDD624-43F6-2E45-9536-1E4A096D8D9B}"/>
+                <a16:creationId xmlns:a16="http://schemas.microsoft.com/office/drawing/2014/main" xmlns="" id="{04CDD624-43F6-2E45-9536-1E4A096D8D9B}"/>
               </a:ext>
             </a:extLst>
           </p:cNvPr>
@@ -279,7 +280,7 @@
           <p:cNvPr id="5" name="Slide Number Placeholder 4">
             <a:extLst>
               <a:ext uri="{FF2B5EF4-FFF2-40B4-BE49-F238E27FC236}">
-                <a16:creationId xmlns="" xmlns:a16="http://schemas.microsoft.com/office/drawing/2014/main" id="{4BD07A2B-CDBD-BE48-8A80-8CCEF44924D9}"/>
+                <a16:creationId xmlns:a16="http://schemas.microsoft.com/office/drawing/2014/main" xmlns="" id="{4BD07A2B-CDBD-BE48-8A80-8CCEF44924D9}"/>
               </a:ext>
             </a:extLst>
           </p:cNvPr>
@@ -408,7 +409,7 @@
           <a:p>
             <a:fld id="{7FC19A01-7786-9E40-A342-3F309B51F3C8}" type="datetimeFigureOut">
               <a:rPr lang="en-US" smtClean="0"/>
-              <a:t>11/26/22</a:t>
+              <a:t>12/3/22</a:t>
             </a:fld>
             <a:endParaRPr lang="en-US"/>
           </a:p>
@@ -791,6 +792,122 @@
 </p:notes>
 </file>
 
+<file path=ppt/notesSlides/notesSlide2.xml><?xml version="1.0" encoding="utf-8"?>
+<p:notes xmlns:a="http://schemas.openxmlformats.org/drawingml/2006/main" xmlns:r="http://schemas.openxmlformats.org/officeDocument/2006/relationships" xmlns:p="http://schemas.openxmlformats.org/presentationml/2006/main">
+  <p:cSld>
+    <p:spTree>
+      <p:nvGrpSpPr>
+        <p:cNvPr id="1" name=""/>
+        <p:cNvGrpSpPr/>
+        <p:nvPr/>
+      </p:nvGrpSpPr>
+      <p:grpSpPr>
+        <a:xfrm>
+          <a:off x="0" y="0"/>
+          <a:ext cx="0" cy="0"/>
+          <a:chOff x="0" y="0"/>
+          <a:chExt cx="0" cy="0"/>
+        </a:xfrm>
+      </p:grpSpPr>
+      <p:sp>
+        <p:nvSpPr>
+          <p:cNvPr id="2" name="Slide Image Placeholder 1"/>
+          <p:cNvSpPr>
+            <a:spLocks noGrp="1" noRot="1" noChangeAspect="1"/>
+          </p:cNvSpPr>
+          <p:nvPr>
+            <p:ph type="sldImg"/>
+          </p:nvPr>
+        </p:nvSpPr>
+        <p:spPr/>
+      </p:sp>
+      <p:sp>
+        <p:nvSpPr>
+          <p:cNvPr id="3" name="Notes Placeholder 2"/>
+          <p:cNvSpPr>
+            <a:spLocks noGrp="1"/>
+          </p:cNvSpPr>
+          <p:nvPr>
+            <p:ph type="body" idx="1"/>
+          </p:nvPr>
+        </p:nvSpPr>
+        <p:spPr/>
+        <p:txBody>
+          <a:bodyPr/>
+          <a:lstStyle/>
+          <a:p>
+            <a:r>
+              <a:rPr lang="en-US" dirty="0" smtClean="0"/>
+              <a:t>inference the same for both system </a:t>
+            </a:r>
+          </a:p>
+          <a:p>
+            <a:endParaRPr lang="en-US" dirty="0" smtClean="0"/>
+          </a:p>
+          <a:p>
+            <a:pPr marL="0" marR="0" indent="0" algn="l" defTabSz="914400" rtl="0" eaLnBrk="1" fontAlgn="auto" latinLnBrk="0" hangingPunct="1">
+              <a:lnSpc>
+                <a:spcPct val="100000"/>
+              </a:lnSpc>
+              <a:spcBef>
+                <a:spcPts val="0"/>
+              </a:spcBef>
+              <a:spcAft>
+                <a:spcPts val="0"/>
+              </a:spcAft>
+              <a:buClrTx/>
+              <a:buSzTx/>
+              <a:buFontTx/>
+              <a:buNone/>
+              <a:tabLst/>
+              <a:defRPr/>
+            </a:pPr>
+            <a:r>
+              <a:rPr lang="en-US" dirty="0" smtClean="0"/>
+              <a:t>separate training and inference </a:t>
+            </a:r>
+          </a:p>
+          <a:p>
+            <a:endParaRPr lang="en-US" dirty="0"/>
+          </a:p>
+        </p:txBody>
+      </p:sp>
+      <p:sp>
+        <p:nvSpPr>
+          <p:cNvPr id="4" name="Slide Number Placeholder 3"/>
+          <p:cNvSpPr>
+            <a:spLocks noGrp="1"/>
+          </p:cNvSpPr>
+          <p:nvPr>
+            <p:ph type="sldNum" sz="quarter" idx="10"/>
+          </p:nvPr>
+        </p:nvSpPr>
+        <p:spPr/>
+        <p:txBody>
+          <a:bodyPr/>
+          <a:lstStyle/>
+          <a:p>
+            <a:fld id="{DBFC0A0D-D265-1E4C-84AF-204ED6BDECB7}" type="slidenum">
+              <a:rPr lang="en-US" smtClean="0"/>
+              <a:t>14</a:t>
+            </a:fld>
+            <a:endParaRPr lang="en-US"/>
+          </a:p>
+        </p:txBody>
+      </p:sp>
+    </p:spTree>
+    <p:extLst>
+      <p:ext uri="{BB962C8B-B14F-4D97-AF65-F5344CB8AC3E}">
+        <p14:creationId xmlns:p14="http://schemas.microsoft.com/office/powerpoint/2010/main" val="1961252507"/>
+      </p:ext>
+    </p:extLst>
+  </p:cSld>
+  <p:clrMapOvr>
+    <a:masterClrMapping/>
+  </p:clrMapOvr>
+</p:notes>
+</file>
+
 <file path=ppt/slideLayouts/slideLayout1.xml><?xml version="1.0" encoding="utf-8"?>
 <p:sldLayout xmlns:a="http://schemas.openxmlformats.org/drawingml/2006/main" xmlns:r="http://schemas.openxmlformats.org/officeDocument/2006/relationships" xmlns:p="http://schemas.openxmlformats.org/presentationml/2006/main" type="title" preserve="1">
   <p:cSld name="Title Slide">
@@ -1008,7 +1125,7 @@
           <p:cNvPr id="5" name="Graphic 4">
             <a:extLst>
               <a:ext uri="{FF2B5EF4-FFF2-40B4-BE49-F238E27FC236}">
-                <a16:creationId xmlns="" xmlns:a16="http://schemas.microsoft.com/office/drawing/2014/main" id="{19727A66-6455-4B6B-B6B0-C885C09984FC}"/>
+                <a16:creationId xmlns:a16="http://schemas.microsoft.com/office/drawing/2014/main" xmlns="" id="{19727A66-6455-4B6B-B6B0-C885C09984FC}"/>
               </a:ext>
             </a:extLst>
           </p:cNvPr>
@@ -1021,7 +1138,7 @@
           <a:blip r:embed="rId2">
             <a:extLst>
               <a:ext uri="{96DAC541-7B7A-43D3-8B79-37D633B846F1}">
-                <asvg:svgBlip xmlns="" xmlns:asvg="http://schemas.microsoft.com/office/drawing/2016/SVG/main" r:embed="rId3"/>
+                <asvg:svgBlip xmlns:asvg="http://schemas.microsoft.com/office/drawing/2016/SVG/main" xmlns="" r:embed="rId3"/>
               </a:ext>
             </a:extLst>
           </a:blip>
@@ -1195,7 +1312,7 @@
           <p:cNvPr id="16" name="TextBox 15">
             <a:extLst>
               <a:ext uri="{FF2B5EF4-FFF2-40B4-BE49-F238E27FC236}">
-                <a16:creationId xmlns="" xmlns:a16="http://schemas.microsoft.com/office/drawing/2014/main" id="{4F90BFBB-34F3-6C4E-AE14-F79FC96106B4}"/>
+                <a16:creationId xmlns:a16="http://schemas.microsoft.com/office/drawing/2014/main" xmlns="" id="{4F90BFBB-34F3-6C4E-AE14-F79FC96106B4}"/>
               </a:ext>
             </a:extLst>
           </p:cNvPr>
@@ -1232,7 +1349,7 @@
           <p:cNvPr id="17" name="TextBox 16">
             <a:extLst>
               <a:ext uri="{FF2B5EF4-FFF2-40B4-BE49-F238E27FC236}">
-                <a16:creationId xmlns="" xmlns:a16="http://schemas.microsoft.com/office/drawing/2014/main" id="{C69906DC-87C5-E442-8918-7F76D287958D}"/>
+                <a16:creationId xmlns:a16="http://schemas.microsoft.com/office/drawing/2014/main" xmlns="" id="{C69906DC-87C5-E442-8918-7F76D287958D}"/>
               </a:ext>
             </a:extLst>
           </p:cNvPr>
@@ -1285,7 +1402,7 @@
           <p:cNvPr id="18" name="Graphic 17">
             <a:extLst>
               <a:ext uri="{FF2B5EF4-FFF2-40B4-BE49-F238E27FC236}">
-                <a16:creationId xmlns="" xmlns:a16="http://schemas.microsoft.com/office/drawing/2014/main" id="{C2C99E5F-79BF-4DC9-BB46-FFC780AFFE85}"/>
+                <a16:creationId xmlns:a16="http://schemas.microsoft.com/office/drawing/2014/main" xmlns="" id="{C2C99E5F-79BF-4DC9-BB46-FFC780AFFE85}"/>
               </a:ext>
             </a:extLst>
           </p:cNvPr>
@@ -1298,7 +1415,7 @@
           <a:blip r:embed="rId2">
             <a:extLst>
               <a:ext uri="{96DAC541-7B7A-43D3-8B79-37D633B846F1}">
-                <asvg:svgBlip xmlns="" xmlns:asvg="http://schemas.microsoft.com/office/drawing/2016/SVG/main" r:embed="rId3"/>
+                <asvg:svgBlip xmlns:asvg="http://schemas.microsoft.com/office/drawing/2016/SVG/main" xmlns="" r:embed="rId3"/>
               </a:ext>
             </a:extLst>
           </a:blip>
@@ -1482,7 +1599,7 @@
           <p:cNvPr id="16" name="TextBox 15">
             <a:extLst>
               <a:ext uri="{FF2B5EF4-FFF2-40B4-BE49-F238E27FC236}">
-                <a16:creationId xmlns="" xmlns:a16="http://schemas.microsoft.com/office/drawing/2014/main" id="{00F103E9-D16A-EB46-9F7B-A8705483339D}"/>
+                <a16:creationId xmlns:a16="http://schemas.microsoft.com/office/drawing/2014/main" xmlns="" id="{00F103E9-D16A-EB46-9F7B-A8705483339D}"/>
               </a:ext>
             </a:extLst>
           </p:cNvPr>
@@ -1519,7 +1636,7 @@
           <p:cNvPr id="17" name="TextBox 16">
             <a:extLst>
               <a:ext uri="{FF2B5EF4-FFF2-40B4-BE49-F238E27FC236}">
-                <a16:creationId xmlns="" xmlns:a16="http://schemas.microsoft.com/office/drawing/2014/main" id="{66CFA407-F8A1-7642-9F56-93689CE11E42}"/>
+                <a16:creationId xmlns:a16="http://schemas.microsoft.com/office/drawing/2014/main" xmlns="" id="{66CFA407-F8A1-7642-9F56-93689CE11E42}"/>
               </a:ext>
             </a:extLst>
           </p:cNvPr>
@@ -1572,7 +1689,7 @@
           <p:cNvPr id="18" name="Graphic 17">
             <a:extLst>
               <a:ext uri="{FF2B5EF4-FFF2-40B4-BE49-F238E27FC236}">
-                <a16:creationId xmlns="" xmlns:a16="http://schemas.microsoft.com/office/drawing/2014/main" id="{E219413A-BB37-4E7C-B085-A0D943A15432}"/>
+                <a16:creationId xmlns:a16="http://schemas.microsoft.com/office/drawing/2014/main" xmlns="" id="{E219413A-BB37-4E7C-B085-A0D943A15432}"/>
               </a:ext>
             </a:extLst>
           </p:cNvPr>
@@ -1585,7 +1702,7 @@
           <a:blip r:embed="rId2">
             <a:extLst>
               <a:ext uri="{96DAC541-7B7A-43D3-8B79-37D633B846F1}">
-                <asvg:svgBlip xmlns="" xmlns:asvg="http://schemas.microsoft.com/office/drawing/2016/SVG/main" r:embed="rId3"/>
+                <asvg:svgBlip xmlns:asvg="http://schemas.microsoft.com/office/drawing/2016/SVG/main" xmlns="" r:embed="rId3"/>
               </a:ext>
             </a:extLst>
           </a:blip>
@@ -1998,7 +2115,7 @@
           <p:cNvPr id="15" name="Graphic 14">
             <a:extLst>
               <a:ext uri="{FF2B5EF4-FFF2-40B4-BE49-F238E27FC236}">
-                <a16:creationId xmlns="" xmlns:a16="http://schemas.microsoft.com/office/drawing/2014/main" id="{94289BB5-E802-4E3E-9EF3-493812A6E29A}"/>
+                <a16:creationId xmlns:a16="http://schemas.microsoft.com/office/drawing/2014/main" xmlns="" id="{94289BB5-E802-4E3E-9EF3-493812A6E29A}"/>
               </a:ext>
             </a:extLst>
           </p:cNvPr>
@@ -2011,7 +2128,7 @@
           <a:blip r:embed="rId2">
             <a:extLst>
               <a:ext uri="{96DAC541-7B7A-43D3-8B79-37D633B846F1}">
-                <asvg:svgBlip xmlns="" xmlns:asvg="http://schemas.microsoft.com/office/drawing/2016/SVG/main" r:embed="rId3"/>
+                <asvg:svgBlip xmlns:asvg="http://schemas.microsoft.com/office/drawing/2016/SVG/main" xmlns="" r:embed="rId3"/>
               </a:ext>
             </a:extLst>
           </a:blip>
@@ -2192,7 +2309,7 @@
           <p:cNvPr id="28" name="TextBox 27">
             <a:extLst>
               <a:ext uri="{FF2B5EF4-FFF2-40B4-BE49-F238E27FC236}">
-                <a16:creationId xmlns="" xmlns:a16="http://schemas.microsoft.com/office/drawing/2014/main" id="{E766909F-446E-5A44-9EA1-75B086A02941}"/>
+                <a16:creationId xmlns:a16="http://schemas.microsoft.com/office/drawing/2014/main" xmlns="" id="{E766909F-446E-5A44-9EA1-75B086A02941}"/>
               </a:ext>
             </a:extLst>
           </p:cNvPr>
@@ -2229,7 +2346,7 @@
           <p:cNvPr id="6" name="Graphic 5">
             <a:extLst>
               <a:ext uri="{FF2B5EF4-FFF2-40B4-BE49-F238E27FC236}">
-                <a16:creationId xmlns="" xmlns:a16="http://schemas.microsoft.com/office/drawing/2014/main" id="{5C1EAA8F-F34E-45FC-9E10-C12246B4945A}"/>
+                <a16:creationId xmlns:a16="http://schemas.microsoft.com/office/drawing/2014/main" xmlns="" id="{5C1EAA8F-F34E-45FC-9E10-C12246B4945A}"/>
               </a:ext>
             </a:extLst>
           </p:cNvPr>
@@ -2242,7 +2359,7 @@
           <a:blip r:embed="rId2">
             <a:extLst>
               <a:ext uri="{96DAC541-7B7A-43D3-8B79-37D633B846F1}">
-                <asvg:svgBlip xmlns="" xmlns:asvg="http://schemas.microsoft.com/office/drawing/2016/SVG/main" r:embed="rId3"/>
+                <asvg:svgBlip xmlns:asvg="http://schemas.microsoft.com/office/drawing/2016/SVG/main" xmlns="" r:embed="rId3"/>
               </a:ext>
             </a:extLst>
           </a:blip>
@@ -2493,7 +2610,7 @@
           <p:cNvPr id="18" name="TextBox 17">
             <a:extLst>
               <a:ext uri="{FF2B5EF4-FFF2-40B4-BE49-F238E27FC236}">
-                <a16:creationId xmlns="" xmlns:a16="http://schemas.microsoft.com/office/drawing/2014/main" id="{B09DEBDD-94B7-DE41-A403-C96CB3E1D8AE}"/>
+                <a16:creationId xmlns:a16="http://schemas.microsoft.com/office/drawing/2014/main" xmlns="" id="{B09DEBDD-94B7-DE41-A403-C96CB3E1D8AE}"/>
               </a:ext>
             </a:extLst>
           </p:cNvPr>
@@ -2530,7 +2647,7 @@
           <p:cNvPr id="19" name="TextBox 18">
             <a:extLst>
               <a:ext uri="{FF2B5EF4-FFF2-40B4-BE49-F238E27FC236}">
-                <a16:creationId xmlns="" xmlns:a16="http://schemas.microsoft.com/office/drawing/2014/main" id="{EB58DFE1-15D0-9443-B5D0-33A92FE3806F}"/>
+                <a16:creationId xmlns:a16="http://schemas.microsoft.com/office/drawing/2014/main" xmlns="" id="{EB58DFE1-15D0-9443-B5D0-33A92FE3806F}"/>
               </a:ext>
             </a:extLst>
           </p:cNvPr>
@@ -2583,7 +2700,7 @@
           <p:cNvPr id="17" name="Graphic 16">
             <a:extLst>
               <a:ext uri="{FF2B5EF4-FFF2-40B4-BE49-F238E27FC236}">
-                <a16:creationId xmlns="" xmlns:a16="http://schemas.microsoft.com/office/drawing/2014/main" id="{16F8265F-1D5C-47BE-B72E-76932958F3A6}"/>
+                <a16:creationId xmlns:a16="http://schemas.microsoft.com/office/drawing/2014/main" xmlns="" id="{16F8265F-1D5C-47BE-B72E-76932958F3A6}"/>
               </a:ext>
             </a:extLst>
           </p:cNvPr>
@@ -2596,7 +2713,7 @@
           <a:blip r:embed="rId2">
             <a:extLst>
               <a:ext uri="{96DAC541-7B7A-43D3-8B79-37D633B846F1}">
-                <asvg:svgBlip xmlns="" xmlns:asvg="http://schemas.microsoft.com/office/drawing/2016/SVG/main" r:embed="rId3"/>
+                <asvg:svgBlip xmlns:asvg="http://schemas.microsoft.com/office/drawing/2016/SVG/main" xmlns="" r:embed="rId3"/>
               </a:ext>
             </a:extLst>
           </a:blip>
@@ -2908,7 +3025,7 @@
           <p:cNvPr id="19" name="TextBox 18">
             <a:extLst>
               <a:ext uri="{FF2B5EF4-FFF2-40B4-BE49-F238E27FC236}">
-                <a16:creationId xmlns="" xmlns:a16="http://schemas.microsoft.com/office/drawing/2014/main" id="{BEF3DDB2-0665-BB4D-A7BB-D6E15B1BDEBE}"/>
+                <a16:creationId xmlns:a16="http://schemas.microsoft.com/office/drawing/2014/main" xmlns="" id="{BEF3DDB2-0665-BB4D-A7BB-D6E15B1BDEBE}"/>
               </a:ext>
             </a:extLst>
           </p:cNvPr>
@@ -2945,7 +3062,7 @@
           <p:cNvPr id="20" name="TextBox 19">
             <a:extLst>
               <a:ext uri="{FF2B5EF4-FFF2-40B4-BE49-F238E27FC236}">
-                <a16:creationId xmlns="" xmlns:a16="http://schemas.microsoft.com/office/drawing/2014/main" id="{C2F0BE45-414F-044C-A933-3D62AEBB17B5}"/>
+                <a16:creationId xmlns:a16="http://schemas.microsoft.com/office/drawing/2014/main" xmlns="" id="{C2F0BE45-414F-044C-A933-3D62AEBB17B5}"/>
               </a:ext>
             </a:extLst>
           </p:cNvPr>
@@ -2998,7 +3115,7 @@
           <p:cNvPr id="18" name="Graphic 17">
             <a:extLst>
               <a:ext uri="{FF2B5EF4-FFF2-40B4-BE49-F238E27FC236}">
-                <a16:creationId xmlns="" xmlns:a16="http://schemas.microsoft.com/office/drawing/2014/main" id="{679613E3-F659-4F6B-A525-3814C323F7E8}"/>
+                <a16:creationId xmlns:a16="http://schemas.microsoft.com/office/drawing/2014/main" xmlns="" id="{679613E3-F659-4F6B-A525-3814C323F7E8}"/>
               </a:ext>
             </a:extLst>
           </p:cNvPr>
@@ -3011,7 +3128,7 @@
           <a:blip r:embed="rId2">
             <a:extLst>
               <a:ext uri="{96DAC541-7B7A-43D3-8B79-37D633B846F1}">
-                <asvg:svgBlip xmlns="" xmlns:asvg="http://schemas.microsoft.com/office/drawing/2016/SVG/main" r:embed="rId3"/>
+                <asvg:svgBlip xmlns:asvg="http://schemas.microsoft.com/office/drawing/2016/SVG/main" xmlns="" r:embed="rId3"/>
               </a:ext>
             </a:extLst>
           </a:blip>
@@ -3133,7 +3250,7 @@
           <p:cNvPr id="15" name="TextBox 14">
             <a:extLst>
               <a:ext uri="{FF2B5EF4-FFF2-40B4-BE49-F238E27FC236}">
-                <a16:creationId xmlns="" xmlns:a16="http://schemas.microsoft.com/office/drawing/2014/main" id="{61E30C84-59E8-9E44-A555-8B1373AB1B1A}"/>
+                <a16:creationId xmlns:a16="http://schemas.microsoft.com/office/drawing/2014/main" xmlns="" id="{61E30C84-59E8-9E44-A555-8B1373AB1B1A}"/>
               </a:ext>
             </a:extLst>
           </p:cNvPr>
@@ -3170,7 +3287,7 @@
           <p:cNvPr id="16" name="TextBox 15">
             <a:extLst>
               <a:ext uri="{FF2B5EF4-FFF2-40B4-BE49-F238E27FC236}">
-                <a16:creationId xmlns="" xmlns:a16="http://schemas.microsoft.com/office/drawing/2014/main" id="{F2BA38A8-83A5-E149-BF88-F17D812DBE80}"/>
+                <a16:creationId xmlns:a16="http://schemas.microsoft.com/office/drawing/2014/main" xmlns="" id="{F2BA38A8-83A5-E149-BF88-F17D812DBE80}"/>
               </a:ext>
             </a:extLst>
           </p:cNvPr>
@@ -3223,7 +3340,7 @@
           <p:cNvPr id="18" name="Graphic 17">
             <a:extLst>
               <a:ext uri="{FF2B5EF4-FFF2-40B4-BE49-F238E27FC236}">
-                <a16:creationId xmlns="" xmlns:a16="http://schemas.microsoft.com/office/drawing/2014/main" id="{F533209D-E000-476D-B7FA-1A35997E0521}"/>
+                <a16:creationId xmlns:a16="http://schemas.microsoft.com/office/drawing/2014/main" xmlns="" id="{F533209D-E000-476D-B7FA-1A35997E0521}"/>
               </a:ext>
             </a:extLst>
           </p:cNvPr>
@@ -3236,7 +3353,7 @@
           <a:blip r:embed="rId2">
             <a:extLst>
               <a:ext uri="{96DAC541-7B7A-43D3-8B79-37D633B846F1}">
-                <asvg:svgBlip xmlns="" xmlns:asvg="http://schemas.microsoft.com/office/drawing/2016/SVG/main" r:embed="rId3"/>
+                <asvg:svgBlip xmlns:asvg="http://schemas.microsoft.com/office/drawing/2016/SVG/main" xmlns="" r:embed="rId3"/>
               </a:ext>
             </a:extLst>
           </a:blip>
@@ -3335,7 +3452,7 @@
           <p:cNvPr id="19" name="TextBox 18">
             <a:extLst>
               <a:ext uri="{FF2B5EF4-FFF2-40B4-BE49-F238E27FC236}">
-                <a16:creationId xmlns="" xmlns:a16="http://schemas.microsoft.com/office/drawing/2014/main" id="{3814FAE4-C3CE-8945-8C50-23225D3560EE}"/>
+                <a16:creationId xmlns:a16="http://schemas.microsoft.com/office/drawing/2014/main" xmlns="" id="{3814FAE4-C3CE-8945-8C50-23225D3560EE}"/>
               </a:ext>
             </a:extLst>
           </p:cNvPr>
@@ -3372,7 +3489,7 @@
           <p:cNvPr id="20" name="TextBox 19">
             <a:extLst>
               <a:ext uri="{FF2B5EF4-FFF2-40B4-BE49-F238E27FC236}">
-                <a16:creationId xmlns="" xmlns:a16="http://schemas.microsoft.com/office/drawing/2014/main" id="{ED8E22FF-8F07-5448-88EA-2ADF8A34A1E6}"/>
+                <a16:creationId xmlns:a16="http://schemas.microsoft.com/office/drawing/2014/main" xmlns="" id="{ED8E22FF-8F07-5448-88EA-2ADF8A34A1E6}"/>
               </a:ext>
             </a:extLst>
           </p:cNvPr>
@@ -3425,7 +3542,7 @@
           <p:cNvPr id="14" name="Graphic 13">
             <a:extLst>
               <a:ext uri="{FF2B5EF4-FFF2-40B4-BE49-F238E27FC236}">
-                <a16:creationId xmlns="" xmlns:a16="http://schemas.microsoft.com/office/drawing/2014/main" id="{AB16132E-0B74-4CB4-818A-E7CB3F95FB55}"/>
+                <a16:creationId xmlns:a16="http://schemas.microsoft.com/office/drawing/2014/main" xmlns="" id="{AB16132E-0B74-4CB4-818A-E7CB3F95FB55}"/>
               </a:ext>
             </a:extLst>
           </p:cNvPr>
@@ -3438,7 +3555,7 @@
           <a:blip r:embed="rId2">
             <a:extLst>
               <a:ext uri="{96DAC541-7B7A-43D3-8B79-37D633B846F1}">
-                <asvg:svgBlip xmlns="" xmlns:asvg="http://schemas.microsoft.com/office/drawing/2016/SVG/main" r:embed="rId3"/>
+                <asvg:svgBlip xmlns:asvg="http://schemas.microsoft.com/office/drawing/2016/SVG/main" xmlns="" r:embed="rId3"/>
               </a:ext>
             </a:extLst>
           </a:blip>
@@ -3719,7 +3836,7 @@
           <p:cNvPr id="17" name="TextBox 16">
             <a:extLst>
               <a:ext uri="{FF2B5EF4-FFF2-40B4-BE49-F238E27FC236}">
-                <a16:creationId xmlns="" xmlns:a16="http://schemas.microsoft.com/office/drawing/2014/main" id="{EF90A807-0D75-8046-B1F9-FB7BE21BCEB5}"/>
+                <a16:creationId xmlns:a16="http://schemas.microsoft.com/office/drawing/2014/main" xmlns="" id="{EF90A807-0D75-8046-B1F9-FB7BE21BCEB5}"/>
               </a:ext>
             </a:extLst>
           </p:cNvPr>
@@ -3756,7 +3873,7 @@
           <p:cNvPr id="18" name="TextBox 17">
             <a:extLst>
               <a:ext uri="{FF2B5EF4-FFF2-40B4-BE49-F238E27FC236}">
-                <a16:creationId xmlns="" xmlns:a16="http://schemas.microsoft.com/office/drawing/2014/main" id="{DB11F5CE-32A3-7C4F-9727-B808DCFEDD2D}"/>
+                <a16:creationId xmlns:a16="http://schemas.microsoft.com/office/drawing/2014/main" xmlns="" id="{DB11F5CE-32A3-7C4F-9727-B808DCFEDD2D}"/>
               </a:ext>
             </a:extLst>
           </p:cNvPr>
@@ -3809,7 +3926,7 @@
           <p:cNvPr id="19" name="Graphic 18">
             <a:extLst>
               <a:ext uri="{FF2B5EF4-FFF2-40B4-BE49-F238E27FC236}">
-                <a16:creationId xmlns="" xmlns:a16="http://schemas.microsoft.com/office/drawing/2014/main" id="{EBD44E6D-3D6F-4868-AA74-A0E507BB7E75}"/>
+                <a16:creationId xmlns:a16="http://schemas.microsoft.com/office/drawing/2014/main" xmlns="" id="{EBD44E6D-3D6F-4868-AA74-A0E507BB7E75}"/>
               </a:ext>
             </a:extLst>
           </p:cNvPr>
@@ -3822,7 +3939,7 @@
           <a:blip r:embed="rId2">
             <a:extLst>
               <a:ext uri="{96DAC541-7B7A-43D3-8B79-37D633B846F1}">
-                <asvg:svgBlip xmlns="" xmlns:asvg="http://schemas.microsoft.com/office/drawing/2016/SVG/main" r:embed="rId3"/>
+                <asvg:svgBlip xmlns:asvg="http://schemas.microsoft.com/office/drawing/2016/SVG/main" xmlns="" r:embed="rId3"/>
               </a:ext>
             </a:extLst>
           </a:blip>
@@ -4083,7 +4200,7 @@
           <p:cNvPr id="17" name="TextBox 16">
             <a:extLst>
               <a:ext uri="{FF2B5EF4-FFF2-40B4-BE49-F238E27FC236}">
-                <a16:creationId xmlns="" xmlns:a16="http://schemas.microsoft.com/office/drawing/2014/main" id="{3CAF80FF-3C5D-6F43-8A74-58134F834FB5}"/>
+                <a16:creationId xmlns:a16="http://schemas.microsoft.com/office/drawing/2014/main" xmlns="" id="{3CAF80FF-3C5D-6F43-8A74-58134F834FB5}"/>
               </a:ext>
             </a:extLst>
           </p:cNvPr>
@@ -4120,7 +4237,7 @@
           <p:cNvPr id="18" name="TextBox 17">
             <a:extLst>
               <a:ext uri="{FF2B5EF4-FFF2-40B4-BE49-F238E27FC236}">
-                <a16:creationId xmlns="" xmlns:a16="http://schemas.microsoft.com/office/drawing/2014/main" id="{4024CBF7-36BB-C848-9C0A-A657B15810D9}"/>
+                <a16:creationId xmlns:a16="http://schemas.microsoft.com/office/drawing/2014/main" xmlns="" id="{4024CBF7-36BB-C848-9C0A-A657B15810D9}"/>
               </a:ext>
             </a:extLst>
           </p:cNvPr>
@@ -4173,7 +4290,7 @@
           <p:cNvPr id="19" name="Graphic 18">
             <a:extLst>
               <a:ext uri="{FF2B5EF4-FFF2-40B4-BE49-F238E27FC236}">
-                <a16:creationId xmlns="" xmlns:a16="http://schemas.microsoft.com/office/drawing/2014/main" id="{E0509593-4E93-46FF-B3D2-A6EC0CBF0985}"/>
+                <a16:creationId xmlns:a16="http://schemas.microsoft.com/office/drawing/2014/main" xmlns="" id="{E0509593-4E93-46FF-B3D2-A6EC0CBF0985}"/>
               </a:ext>
             </a:extLst>
           </p:cNvPr>
@@ -4186,7 +4303,7 @@
           <a:blip r:embed="rId2">
             <a:extLst>
               <a:ext uri="{96DAC541-7B7A-43D3-8B79-37D633B846F1}">
-                <asvg:svgBlip xmlns="" xmlns:asvg="http://schemas.microsoft.com/office/drawing/2016/SVG/main" r:embed="rId3"/>
+                <asvg:svgBlip xmlns:asvg="http://schemas.microsoft.com/office/drawing/2016/SVG/main" xmlns="" r:embed="rId3"/>
               </a:ext>
             </a:extLst>
           </a:blip>
@@ -4661,7 +4778,7 @@
           <p:cNvPr id="2" name="Title 1">
             <a:extLst>
               <a:ext uri="{FF2B5EF4-FFF2-40B4-BE49-F238E27FC236}">
-                <a16:creationId xmlns="" xmlns:a16="http://schemas.microsoft.com/office/drawing/2014/main" id="{B100FC07-DFB9-468B-95C1-22281A00D4C4}"/>
+                <a16:creationId xmlns:a16="http://schemas.microsoft.com/office/drawing/2014/main" xmlns="" id="{B100FC07-DFB9-468B-95C1-22281A00D4C4}"/>
               </a:ext>
             </a:extLst>
           </p:cNvPr>
@@ -4697,7 +4814,7 @@
           <p:cNvPr id="3" name="Subtitle 2">
             <a:extLst>
               <a:ext uri="{FF2B5EF4-FFF2-40B4-BE49-F238E27FC236}">
-                <a16:creationId xmlns="" xmlns:a16="http://schemas.microsoft.com/office/drawing/2014/main" id="{F939B8E8-A3AB-46B3-8726-E933C8297D94}"/>
+                <a16:creationId xmlns:a16="http://schemas.microsoft.com/office/drawing/2014/main" xmlns="" id="{F939B8E8-A3AB-46B3-8726-E933C8297D94}"/>
               </a:ext>
             </a:extLst>
           </p:cNvPr>
@@ -4776,7 +4893,7 @@
           <p:cNvPr id="2" name="Title 1">
             <a:extLst>
               <a:ext uri="{FF2B5EF4-FFF2-40B4-BE49-F238E27FC236}">
-                <a16:creationId xmlns="" xmlns:a16="http://schemas.microsoft.com/office/drawing/2014/main" id="{9045A477-9EA3-4F5C-B4B9-8CE29E6FF138}"/>
+                <a16:creationId xmlns:a16="http://schemas.microsoft.com/office/drawing/2014/main" xmlns="" id="{9045A477-9EA3-4F5C-B4B9-8CE29E6FF138}"/>
               </a:ext>
             </a:extLst>
           </p:cNvPr>
@@ -4809,7 +4926,7 @@
           <p:cNvPr id="3" name="Content Placeholder 2">
             <a:extLst>
               <a:ext uri="{FF2B5EF4-FFF2-40B4-BE49-F238E27FC236}">
-                <a16:creationId xmlns="" xmlns:a16="http://schemas.microsoft.com/office/drawing/2014/main" id="{4FFC9F3E-C7DF-44CE-A057-14D5228F5C26}"/>
+                <a16:creationId xmlns:a16="http://schemas.microsoft.com/office/drawing/2014/main" xmlns="" id="{4FFC9F3E-C7DF-44CE-A057-14D5228F5C26}"/>
               </a:ext>
             </a:extLst>
           </p:cNvPr>
@@ -4913,7 +5030,7 @@
           <p:cNvPr id="2" name="Title 1">
             <a:extLst>
               <a:ext uri="{FF2B5EF4-FFF2-40B4-BE49-F238E27FC236}">
-                <a16:creationId xmlns="" xmlns:a16="http://schemas.microsoft.com/office/drawing/2014/main" id="{9045A477-9EA3-4F5C-B4B9-8CE29E6FF138}"/>
+                <a16:creationId xmlns:a16="http://schemas.microsoft.com/office/drawing/2014/main" xmlns="" id="{9045A477-9EA3-4F5C-B4B9-8CE29E6FF138}"/>
               </a:ext>
             </a:extLst>
           </p:cNvPr>
@@ -4946,7 +5063,7 @@
           <p:cNvPr id="3" name="Content Placeholder 2">
             <a:extLst>
               <a:ext uri="{FF2B5EF4-FFF2-40B4-BE49-F238E27FC236}">
-                <a16:creationId xmlns="" xmlns:a16="http://schemas.microsoft.com/office/drawing/2014/main" id="{4FFC9F3E-C7DF-44CE-A057-14D5228F5C26}"/>
+                <a16:creationId xmlns:a16="http://schemas.microsoft.com/office/drawing/2014/main" xmlns="" id="{4FFC9F3E-C7DF-44CE-A057-14D5228F5C26}"/>
               </a:ext>
             </a:extLst>
           </p:cNvPr>
@@ -5130,7 +5247,7 @@
           <p:cNvPr id="2" name="Title 1">
             <a:extLst>
               <a:ext uri="{FF2B5EF4-FFF2-40B4-BE49-F238E27FC236}">
-                <a16:creationId xmlns="" xmlns:a16="http://schemas.microsoft.com/office/drawing/2014/main" id="{9045A477-9EA3-4F5C-B4B9-8CE29E6FF138}"/>
+                <a16:creationId xmlns:a16="http://schemas.microsoft.com/office/drawing/2014/main" xmlns="" id="{9045A477-9EA3-4F5C-B4B9-8CE29E6FF138}"/>
               </a:ext>
             </a:extLst>
           </p:cNvPr>
@@ -5689,159 +5806,46 @@
           <a:chExt cx="0" cy="0"/>
         </a:xfrm>
       </p:grpSpPr>
-      <p:sp>
-        <p:nvSpPr>
-          <p:cNvPr id="2" name="Title 1">
+      <p:pic>
+        <p:nvPicPr>
+          <p:cNvPr id="2" name="Picture 1"/>
+          <p:cNvPicPr>
+            <a:picLocks noChangeAspect="1"/>
+          </p:cNvPicPr>
+          <p:nvPr/>
+        </p:nvPicPr>
+        <p:blipFill>
+          <a:blip r:embed="rId3">
             <a:extLst>
-              <a:ext uri="{FF2B5EF4-FFF2-40B4-BE49-F238E27FC236}">
-                <a16:creationId xmlns="" xmlns:a16="http://schemas.microsoft.com/office/drawing/2014/main" id="{9045A477-9EA3-4F5C-B4B9-8CE29E6FF138}"/>
+              <a:ext uri="{28A0092B-C50C-407E-A947-70E740481C1C}">
+                <a14:useLocalDpi xmlns:a14="http://schemas.microsoft.com/office/drawing/2010/main" val="0"/>
               </a:ext>
             </a:extLst>
-          </p:cNvPr>
-          <p:cNvSpPr>
-            <a:spLocks noGrp="1"/>
-          </p:cNvSpPr>
-          <p:nvPr>
-            <p:ph type="title"/>
-          </p:nvPr>
-        </p:nvSpPr>
-        <p:spPr/>
-        <p:txBody>
-          <a:bodyPr>
-            <a:normAutofit/>
-          </a:bodyPr>
-          <a:lstStyle/>
-          <a:p>
-            <a:r>
-              <a:rPr lang="en-US" dirty="0"/>
-              <a:t>Deep Learning Approach: </a:t>
-            </a:r>
-            <a:r>
-              <a:rPr lang="en-US" dirty="0" smtClean="0"/>
-              <a:t>EQ</a:t>
-            </a:r>
-            <a:endParaRPr lang="en-US" dirty="0"/>
-          </a:p>
-        </p:txBody>
-      </p:sp>
-      <p:sp>
-        <p:nvSpPr>
-          <p:cNvPr id="6" name="TextBox 5"/>
-          <p:cNvSpPr txBox="1"/>
-          <p:nvPr/>
-        </p:nvSpPr>
-        <p:spPr>
-          <a:xfrm>
-            <a:off x="276639" y="1905592"/>
-            <a:ext cx="2054152" cy="461665"/>
+          </a:blip>
+          <a:stretch>
+            <a:fillRect/>
+          </a:stretch>
+        </p:blipFill>
+        <p:spPr>
+          <a:xfrm>
+            <a:off x="164432" y="6306552"/>
+            <a:ext cx="1816100" cy="381000"/>
           </a:xfrm>
           <a:prstGeom prst="rect">
             <a:avLst/>
           </a:prstGeom>
-          <a:noFill/>
-        </p:spPr>
-        <p:txBody>
-          <a:bodyPr wrap="none" rtlCol="0">
-            <a:spAutoFit/>
-          </a:bodyPr>
-          <a:lstStyle/>
-          <a:p>
-            <a:r>
-              <a:rPr lang="en-US" sz="2400" dirty="0" smtClean="0">
-                <a:ln w="0"/>
-                <a:solidFill>
-                  <a:schemeClr val="accent1"/>
-                </a:solidFill>
-                <a:effectLst>
-                  <a:outerShdw blurRad="38100" dist="25400" dir="5400000" algn="ctr" rotWithShape="0">
-                    <a:srgbClr val="6E747A">
-                      <a:alpha val="43000"/>
-                    </a:srgbClr>
-                  </a:outerShdw>
-                </a:effectLst>
-              </a:rPr>
-              <a:t>Model Training</a:t>
-            </a:r>
-            <a:endParaRPr lang="en-US" sz="2400" dirty="0">
-              <a:ln w="0"/>
-              <a:solidFill>
-                <a:schemeClr val="accent1"/>
-              </a:solidFill>
-              <a:effectLst>
-                <a:outerShdw blurRad="38100" dist="25400" dir="5400000" algn="ctr" rotWithShape="0">
-                  <a:srgbClr val="6E747A">
-                    <a:alpha val="43000"/>
-                  </a:srgbClr>
-                </a:outerShdw>
-              </a:effectLst>
-            </a:endParaRPr>
-          </a:p>
-        </p:txBody>
-      </p:sp>
-      <p:sp>
-        <p:nvSpPr>
-          <p:cNvPr id="7" name="TextBox 6"/>
-          <p:cNvSpPr txBox="1"/>
-          <p:nvPr/>
-        </p:nvSpPr>
-        <p:spPr>
-          <a:xfrm>
-            <a:off x="160100" y="4163402"/>
-            <a:ext cx="2287229" cy="461665"/>
-          </a:xfrm>
-          <a:prstGeom prst="rect">
-            <a:avLst/>
-          </a:prstGeom>
-          <a:noFill/>
-        </p:spPr>
-        <p:txBody>
-          <a:bodyPr wrap="none" rtlCol="0">
-            <a:spAutoFit/>
-          </a:bodyPr>
-          <a:lstStyle/>
-          <a:p>
-            <a:r>
-              <a:rPr lang="en-US" sz="2400" dirty="0" smtClean="0">
-                <a:ln w="0"/>
-                <a:solidFill>
-                  <a:schemeClr val="accent2"/>
-                </a:solidFill>
-                <a:effectLst>
-                  <a:outerShdw blurRad="38100" dist="25400" dir="5400000" algn="ctr" rotWithShape="0">
-                    <a:srgbClr val="6E747A">
-                      <a:alpha val="43000"/>
-                    </a:srgbClr>
-                  </a:outerShdw>
-                </a:effectLst>
-              </a:rPr>
-              <a:t>Model Inference</a:t>
-            </a:r>
-            <a:endParaRPr lang="en-US" sz="2400" dirty="0">
-              <a:ln w="0"/>
-              <a:solidFill>
-                <a:schemeClr val="accent2"/>
-              </a:solidFill>
-              <a:effectLst>
-                <a:outerShdw blurRad="38100" dist="25400" dir="5400000" algn="ctr" rotWithShape="0">
-                  <a:srgbClr val="6E747A">
-                    <a:alpha val="43000"/>
-                  </a:srgbClr>
-                </a:outerShdw>
-              </a:effectLst>
-            </a:endParaRPr>
-          </a:p>
-        </p:txBody>
-      </p:sp>
-      <p:sp>
-        <p:nvSpPr>
-          <p:cNvPr id="8" name="Rounded Rectangle 7"/>
+        </p:spPr>
+      </p:pic>
+      <p:sp>
+        <p:nvSpPr>
+          <p:cNvPr id="6" name="Rounded Rectangle 5"/>
           <p:cNvSpPr/>
           <p:nvPr/>
         </p:nvSpPr>
         <p:spPr>
           <a:xfrm>
-            <a:off x="2447329" y="1352540"/>
-            <a:ext cx="7095255" cy="1636846"/>
+            <a:off x="2188436" y="0"/>
+            <a:ext cx="7385929" cy="2199503"/>
           </a:xfrm>
           <a:prstGeom prst="roundRect">
             <a:avLst/>
@@ -5890,14 +5894,68 @@
       </p:sp>
       <p:sp>
         <p:nvSpPr>
-          <p:cNvPr id="9" name="Rounded Rectangle 8"/>
+          <p:cNvPr id="9" name="TextBox 8"/>
+          <p:cNvSpPr txBox="1"/>
+          <p:nvPr/>
+        </p:nvSpPr>
+        <p:spPr>
+          <a:xfrm>
+            <a:off x="112516" y="756730"/>
+            <a:ext cx="2054152" cy="461665"/>
+          </a:xfrm>
+          <a:prstGeom prst="rect">
+            <a:avLst/>
+          </a:prstGeom>
+          <a:noFill/>
+        </p:spPr>
+        <p:txBody>
+          <a:bodyPr wrap="none" rtlCol="0">
+            <a:spAutoFit/>
+          </a:bodyPr>
+          <a:lstStyle/>
+          <a:p>
+            <a:r>
+              <a:rPr lang="en-US" sz="2400" dirty="0" smtClean="0">
+                <a:ln w="0"/>
+                <a:solidFill>
+                  <a:schemeClr val="accent1"/>
+                </a:solidFill>
+                <a:effectLst>
+                  <a:outerShdw blurRad="38100" dist="25400" dir="5400000" algn="ctr" rotWithShape="0">
+                    <a:srgbClr val="6E747A">
+                      <a:alpha val="43000"/>
+                    </a:srgbClr>
+                  </a:outerShdw>
+                </a:effectLst>
+              </a:rPr>
+              <a:t>Model Training</a:t>
+            </a:r>
+            <a:endParaRPr lang="en-US" sz="2400" dirty="0">
+              <a:ln w="0"/>
+              <a:solidFill>
+                <a:schemeClr val="accent1"/>
+              </a:solidFill>
+              <a:effectLst>
+                <a:outerShdw blurRad="38100" dist="25400" dir="5400000" algn="ctr" rotWithShape="0">
+                  <a:srgbClr val="6E747A">
+                    <a:alpha val="43000"/>
+                  </a:srgbClr>
+                </a:outerShdw>
+              </a:effectLst>
+            </a:endParaRPr>
+          </a:p>
+        </p:txBody>
+      </p:sp>
+      <p:sp>
+        <p:nvSpPr>
+          <p:cNvPr id="8" name="Rounded Rectangle 7"/>
           <p:cNvSpPr/>
           <p:nvPr/>
         </p:nvSpPr>
         <p:spPr>
           <a:xfrm>
-            <a:off x="2447328" y="3321935"/>
-            <a:ext cx="7095255" cy="2083442"/>
+            <a:off x="2188436" y="2409568"/>
+            <a:ext cx="7385929" cy="3373394"/>
           </a:xfrm>
           <a:prstGeom prst="roundRect">
             <a:avLst/>
@@ -5946,68 +6004,14 @@
       </p:sp>
       <p:sp>
         <p:nvSpPr>
-          <p:cNvPr id="11" name="Rounded Rectangle 10"/>
-          <p:cNvSpPr/>
-          <p:nvPr/>
-        </p:nvSpPr>
-        <p:spPr>
-          <a:xfrm>
-            <a:off x="7799479" y="2075131"/>
-            <a:ext cx="1743103" cy="914255"/>
-          </a:xfrm>
-          <a:prstGeom prst="roundRect">
-            <a:avLst/>
-          </a:prstGeom>
-          <a:solidFill>
-            <a:srgbClr val="0070C0">
-              <a:alpha val="46000"/>
-            </a:srgbClr>
-          </a:solidFill>
-          <a:ln>
-            <a:noFill/>
-          </a:ln>
-        </p:spPr>
-        <p:style>
-          <a:lnRef idx="2">
-            <a:schemeClr val="accent1">
-              <a:shade val="50000"/>
-            </a:schemeClr>
-          </a:lnRef>
-          <a:fillRef idx="1">
-            <a:schemeClr val="accent1"/>
-          </a:fillRef>
-          <a:effectRef idx="0">
-            <a:schemeClr val="accent1"/>
-          </a:effectRef>
-          <a:fontRef idx="minor">
-            <a:schemeClr val="lt1"/>
-          </a:fontRef>
-        </p:style>
-        <p:txBody>
-          <a:bodyPr rtlCol="0" anchor="ctr"/>
-          <a:lstStyle/>
-          <a:p>
-            <a:pPr algn="ctr"/>
-            <a:endParaRPr lang="en-US">
-              <a:ln>
-                <a:solidFill>
-                  <a:sysClr val="windowText" lastClr="000000"/>
-                </a:solidFill>
-              </a:ln>
-            </a:endParaRPr>
-          </a:p>
-        </p:txBody>
-      </p:sp>
-      <p:sp>
-        <p:nvSpPr>
-          <p:cNvPr id="12" name="TextBox 11"/>
+          <p:cNvPr id="10" name="TextBox 9"/>
           <p:cNvSpPr txBox="1"/>
           <p:nvPr/>
         </p:nvSpPr>
         <p:spPr>
           <a:xfrm>
-            <a:off x="9747909" y="1793594"/>
-            <a:ext cx="2277926" cy="1477328"/>
+            <a:off x="-4022" y="4069618"/>
+            <a:ext cx="2287229" cy="461665"/>
           </a:xfrm>
           <a:prstGeom prst="rect">
             <a:avLst/>
@@ -6015,16 +6019,16 @@
           <a:noFill/>
         </p:spPr>
         <p:txBody>
-          <a:bodyPr wrap="square" rtlCol="0">
+          <a:bodyPr wrap="none" rtlCol="0">
             <a:spAutoFit/>
           </a:bodyPr>
           <a:lstStyle/>
           <a:p>
             <a:r>
-              <a:rPr lang="en-US" dirty="0" smtClean="0">
+              <a:rPr lang="en-US" sz="2400" dirty="0" smtClean="0">
                 <a:ln w="0"/>
                 <a:solidFill>
-                  <a:schemeClr val="accent1"/>
+                  <a:schemeClr val="accent2"/>
                 </a:solidFill>
                 <a:effectLst>
                   <a:outerShdw blurRad="38100" dist="25400" dir="5400000" algn="ctr" rotWithShape="0">
@@ -6034,12 +6038,12 @@
                   </a:outerShdw>
                 </a:effectLst>
               </a:rPr>
-              <a:t>If the mixed vocal is boosted at a center frequency,  we should learn to cut at that frequency.</a:t>
-            </a:r>
-            <a:endParaRPr lang="en-US" dirty="0">
+              <a:t>Model Inference</a:t>
+            </a:r>
+            <a:endParaRPr lang="en-US" sz="2400" dirty="0">
               <a:ln w="0"/>
               <a:solidFill>
-                <a:schemeClr val="accent1"/>
+                <a:schemeClr val="accent2"/>
               </a:solidFill>
               <a:effectLst>
                 <a:outerShdw blurRad="38100" dist="25400" dir="5400000" algn="ctr" rotWithShape="0">
@@ -6054,14 +6058,14 @@
       </p:sp>
       <p:pic>
         <p:nvPicPr>
-          <p:cNvPr id="4" name="Picture 3"/>
+          <p:cNvPr id="11" name="Picture 10"/>
           <p:cNvPicPr>
             <a:picLocks noChangeAspect="1"/>
           </p:cNvPicPr>
           <p:nvPr/>
         </p:nvPicPr>
         <p:blipFill>
-          <a:blip r:embed="rId2">
+          <a:blip r:embed="rId4">
             <a:extLst>
               <a:ext uri="{28A0092B-C50C-407E-A947-70E740481C1C}">
                 <a14:useLocalDpi xmlns:a14="http://schemas.microsoft.com/office/drawing/2010/main" val="0"/>
@@ -6074,8 +6078,38 @@
         </p:blipFill>
         <p:spPr>
           <a:xfrm>
-            <a:off x="2395997" y="1370976"/>
-            <a:ext cx="7197918" cy="5127804"/>
+            <a:off x="2235822" y="0"/>
+            <a:ext cx="7385928" cy="6858000"/>
+          </a:xfrm>
+          <a:prstGeom prst="rect">
+            <a:avLst/>
+          </a:prstGeom>
+        </p:spPr>
+      </p:pic>
+      <p:pic>
+        <p:nvPicPr>
+          <p:cNvPr id="12" name="Picture 11"/>
+          <p:cNvPicPr>
+            <a:picLocks noChangeAspect="1"/>
+          </p:cNvPicPr>
+          <p:nvPr/>
+        </p:nvPicPr>
+        <p:blipFill>
+          <a:blip r:embed="rId3">
+            <a:extLst>
+              <a:ext uri="{28A0092B-C50C-407E-A947-70E740481C1C}">
+                <a14:useLocalDpi xmlns:a14="http://schemas.microsoft.com/office/drawing/2010/main" val="0"/>
+              </a:ext>
+            </a:extLst>
+          </a:blip>
+          <a:stretch>
+            <a:fillRect/>
+          </a:stretch>
+        </p:blipFill>
+        <p:spPr>
+          <a:xfrm>
+            <a:off x="9321935" y="6116052"/>
+            <a:ext cx="2724150" cy="571500"/>
           </a:xfrm>
           <a:prstGeom prst="rect">
             <a:avLst/>
@@ -6085,7 +6119,7 @@
     </p:spTree>
     <p:extLst>
       <p:ext uri="{BB962C8B-B14F-4D97-AF65-F5344CB8AC3E}">
-        <p14:creationId xmlns:p14="http://schemas.microsoft.com/office/powerpoint/2010/main" val="917035409"/>
+        <p14:creationId xmlns:p14="http://schemas.microsoft.com/office/powerpoint/2010/main" val="651632080"/>
       </p:ext>
     </p:extLst>
   </p:cSld>
@@ -6124,7 +6158,7 @@
           <p:cNvPr id="2" name="Title 1">
             <a:extLst>
               <a:ext uri="{FF2B5EF4-FFF2-40B4-BE49-F238E27FC236}">
-                <a16:creationId xmlns="" xmlns:a16="http://schemas.microsoft.com/office/drawing/2014/main" id="{9045A477-9EA3-4F5C-B4B9-8CE29E6FF138}"/>
+                <a16:creationId xmlns:a16="http://schemas.microsoft.com/office/drawing/2014/main" xmlns="" id="{9045A477-9EA3-4F5C-B4B9-8CE29E6FF138}"/>
               </a:ext>
             </a:extLst>
           </p:cNvPr>
@@ -6143,8 +6177,12 @@
           <a:lstStyle/>
           <a:p>
             <a:r>
+              <a:rPr lang="en-US" dirty="0"/>
+              <a:t>Deep Learning Approach: </a:t>
+            </a:r>
+            <a:r>
               <a:rPr lang="en-US" dirty="0" smtClean="0"/>
-              <a:t>Objective Evaluation</a:t>
+              <a:t>EQ</a:t>
             </a:r>
             <a:endParaRPr lang="en-US" dirty="0"/>
           </a:p>
@@ -6152,399 +6190,335 @@
       </p:sp>
       <p:sp>
         <p:nvSpPr>
-          <p:cNvPr id="6" name="Content Placeholder 4"/>
-          <p:cNvSpPr txBox="1">
-            <a:spLocks/>
-          </p:cNvSpPr>
+          <p:cNvPr id="6" name="TextBox 5"/>
+          <p:cNvSpPr txBox="1"/>
           <p:nvPr/>
         </p:nvSpPr>
         <p:spPr>
           <a:xfrm>
-            <a:off x="713231" y="1756709"/>
-            <a:ext cx="11070336" cy="4640166"/>
+            <a:off x="276639" y="1905592"/>
+            <a:ext cx="2054152" cy="461665"/>
           </a:xfrm>
           <a:prstGeom prst="rect">
             <a:avLst/>
           </a:prstGeom>
-        </p:spPr>
-        <p:txBody>
-          <a:bodyPr vert="horz" lIns="91440" tIns="45720" rIns="91440" bIns="45720" rtlCol="0">
-            <a:normAutofit/>
+          <a:noFill/>
+        </p:spPr>
+        <p:txBody>
+          <a:bodyPr wrap="none" rtlCol="0">
+            <a:spAutoFit/>
           </a:bodyPr>
-          <a:lstStyle>
-            <a:lvl1pPr marL="228600" indent="-228600" algn="l" defTabSz="914400" rtl="0" eaLnBrk="1" latinLnBrk="0" hangingPunct="1">
-              <a:lnSpc>
-                <a:spcPct val="90000"/>
-              </a:lnSpc>
-              <a:spcBef>
-                <a:spcPts val="1000"/>
-              </a:spcBef>
-              <a:buFont typeface="Wingdings" panose="05000000000000000000" pitchFamily="2" charset="2"/>
-              <a:buChar char="§"/>
-              <a:defRPr sz="2400" kern="1200">
-                <a:solidFill>
-                  <a:schemeClr val="tx1"/>
-                </a:solidFill>
-                <a:latin typeface="+mj-lt"/>
-                <a:ea typeface="+mn-ea"/>
-                <a:cs typeface="+mn-cs"/>
-              </a:defRPr>
-            </a:lvl1pPr>
-            <a:lvl2pPr marL="685800" indent="-228600" algn="l" defTabSz="914400" rtl="0" eaLnBrk="1" latinLnBrk="0" hangingPunct="1">
-              <a:lnSpc>
-                <a:spcPct val="90000"/>
-              </a:lnSpc>
-              <a:spcBef>
-                <a:spcPts val="500"/>
-              </a:spcBef>
-              <a:buFont typeface="Arial" panose="020B0604020202020204" pitchFamily="34" charset="0"/>
-              <a:buChar char="•"/>
-              <a:defRPr sz="2000" kern="1200">
-                <a:solidFill>
-                  <a:schemeClr val="tx1"/>
-                </a:solidFill>
-                <a:latin typeface="+mj-lt"/>
-                <a:ea typeface="+mn-ea"/>
-                <a:cs typeface="+mn-cs"/>
-              </a:defRPr>
-            </a:lvl2pPr>
-            <a:lvl3pPr marL="1143000" indent="-228600" algn="l" defTabSz="914400" rtl="0" eaLnBrk="1" latinLnBrk="0" hangingPunct="1">
-              <a:lnSpc>
-                <a:spcPct val="90000"/>
-              </a:lnSpc>
-              <a:spcBef>
-                <a:spcPts val="500"/>
-              </a:spcBef>
-              <a:buFont typeface=".AppleSystemUIFont" charset="-120"/>
-              <a:buChar char="−"/>
-              <a:defRPr sz="1800" kern="1200">
-                <a:solidFill>
-                  <a:schemeClr val="tx1"/>
-                </a:solidFill>
-                <a:latin typeface="+mj-lt"/>
-                <a:ea typeface="+mn-ea"/>
-                <a:cs typeface="+mn-cs"/>
-              </a:defRPr>
-            </a:lvl3pPr>
-            <a:lvl4pPr marL="1600200" indent="-228600" algn="l" defTabSz="914400" rtl="0" eaLnBrk="1" latinLnBrk="0" hangingPunct="1">
-              <a:lnSpc>
-                <a:spcPct val="90000"/>
-              </a:lnSpc>
-              <a:spcBef>
-                <a:spcPts val="500"/>
-              </a:spcBef>
-              <a:buFont typeface=".AppleSystemUIFont" charset="-120"/>
-              <a:buChar char="−"/>
-              <a:defRPr sz="1600" kern="1200">
-                <a:solidFill>
-                  <a:schemeClr val="tx1"/>
-                </a:solidFill>
-                <a:latin typeface="+mj-lt"/>
-                <a:ea typeface="+mn-ea"/>
-                <a:cs typeface="+mn-cs"/>
-              </a:defRPr>
-            </a:lvl4pPr>
-            <a:lvl5pPr marL="2057400" indent="-228600" algn="l" defTabSz="914400" rtl="0" eaLnBrk="1" latinLnBrk="0" hangingPunct="1">
-              <a:lnSpc>
-                <a:spcPct val="90000"/>
-              </a:lnSpc>
-              <a:spcBef>
-                <a:spcPts val="500"/>
-              </a:spcBef>
-              <a:buFont typeface=".AppleSystemUIFont" charset="-120"/>
-              <a:buChar char="−"/>
-              <a:defRPr sz="1400" kern="1200">
-                <a:solidFill>
-                  <a:schemeClr val="tx1"/>
-                </a:solidFill>
-                <a:latin typeface="+mj-lt"/>
-                <a:ea typeface="+mn-ea"/>
-                <a:cs typeface="+mn-cs"/>
-              </a:defRPr>
-            </a:lvl5pPr>
-            <a:lvl6pPr marL="2514600" indent="-228600" algn="l" defTabSz="914400" rtl="0" eaLnBrk="1" latinLnBrk="0" hangingPunct="1">
-              <a:lnSpc>
-                <a:spcPct val="90000"/>
-              </a:lnSpc>
-              <a:spcBef>
-                <a:spcPts val="500"/>
-              </a:spcBef>
-              <a:buFont typeface="Arial"/>
-              <a:buChar char="•"/>
-              <a:defRPr sz="1800" kern="1200">
-                <a:solidFill>
-                  <a:schemeClr val="tx1"/>
-                </a:solidFill>
-                <a:latin typeface="+mn-lt"/>
-                <a:ea typeface="+mn-ea"/>
-                <a:cs typeface="+mn-cs"/>
-              </a:defRPr>
-            </a:lvl6pPr>
-            <a:lvl7pPr marL="2971800" indent="-228600" algn="l" defTabSz="914400" rtl="0" eaLnBrk="1" latinLnBrk="0" hangingPunct="1">
-              <a:lnSpc>
-                <a:spcPct val="90000"/>
-              </a:lnSpc>
-              <a:spcBef>
-                <a:spcPts val="500"/>
-              </a:spcBef>
-              <a:buFont typeface="Arial"/>
-              <a:buChar char="•"/>
-              <a:defRPr sz="1800" kern="1200">
-                <a:solidFill>
-                  <a:schemeClr val="tx1"/>
-                </a:solidFill>
-                <a:latin typeface="+mn-lt"/>
-                <a:ea typeface="+mn-ea"/>
-                <a:cs typeface="+mn-cs"/>
-              </a:defRPr>
-            </a:lvl7pPr>
-            <a:lvl8pPr marL="3429000" indent="-228600" algn="l" defTabSz="914400" rtl="0" eaLnBrk="1" latinLnBrk="0" hangingPunct="1">
-              <a:lnSpc>
-                <a:spcPct val="90000"/>
-              </a:lnSpc>
-              <a:spcBef>
-                <a:spcPts val="500"/>
-              </a:spcBef>
-              <a:buFont typeface="Arial"/>
-              <a:buChar char="•"/>
-              <a:defRPr sz="1800" kern="1200">
-                <a:solidFill>
-                  <a:schemeClr val="tx1"/>
-                </a:solidFill>
-                <a:latin typeface="+mn-lt"/>
-                <a:ea typeface="+mn-ea"/>
-                <a:cs typeface="+mn-cs"/>
-              </a:defRPr>
-            </a:lvl8pPr>
-            <a:lvl9pPr marL="3886200" indent="-228600" algn="l" defTabSz="914400" rtl="0" eaLnBrk="1" latinLnBrk="0" hangingPunct="1">
-              <a:lnSpc>
-                <a:spcPct val="90000"/>
-              </a:lnSpc>
-              <a:spcBef>
-                <a:spcPts val="500"/>
-              </a:spcBef>
-              <a:buFont typeface="Arial"/>
-              <a:buChar char="•"/>
-              <a:defRPr sz="1800" kern="1200">
-                <a:solidFill>
-                  <a:schemeClr val="tx1"/>
-                </a:solidFill>
-                <a:latin typeface="+mn-lt"/>
-                <a:ea typeface="+mn-ea"/>
-                <a:cs typeface="+mn-cs"/>
-              </a:defRPr>
-            </a:lvl9pPr>
-          </a:lstStyle>
-          <a:p>
-            <a:pPr marL="0" indent="0">
-              <a:buFont typeface="Wingdings" panose="05000000000000000000" pitchFamily="2" charset="2"/>
-              <a:buNone/>
-            </a:pPr>
-            <a:endParaRPr lang="en-US" sz="3200" dirty="0"/>
-          </a:p>
-        </p:txBody>
-      </p:sp>
-      <p:sp>
-        <p:nvSpPr>
-          <p:cNvPr id="8" name="Content Placeholder 4"/>
-          <p:cNvSpPr txBox="1">
-            <a:spLocks/>
-          </p:cNvSpPr>
+          <a:lstStyle/>
+          <a:p>
+            <a:r>
+              <a:rPr lang="en-US" sz="2400" dirty="0" smtClean="0">
+                <a:ln w="0"/>
+                <a:solidFill>
+                  <a:schemeClr val="accent1"/>
+                </a:solidFill>
+                <a:effectLst>
+                  <a:outerShdw blurRad="38100" dist="25400" dir="5400000" algn="ctr" rotWithShape="0">
+                    <a:srgbClr val="6E747A">
+                      <a:alpha val="43000"/>
+                    </a:srgbClr>
+                  </a:outerShdw>
+                </a:effectLst>
+              </a:rPr>
+              <a:t>Model Training</a:t>
+            </a:r>
+            <a:endParaRPr lang="en-US" sz="2400" dirty="0">
+              <a:ln w="0"/>
+              <a:solidFill>
+                <a:schemeClr val="accent1"/>
+              </a:solidFill>
+              <a:effectLst>
+                <a:outerShdw blurRad="38100" dist="25400" dir="5400000" algn="ctr" rotWithShape="0">
+                  <a:srgbClr val="6E747A">
+                    <a:alpha val="43000"/>
+                  </a:srgbClr>
+                </a:outerShdw>
+              </a:effectLst>
+            </a:endParaRPr>
+          </a:p>
+        </p:txBody>
+      </p:sp>
+      <p:sp>
+        <p:nvSpPr>
+          <p:cNvPr id="7" name="TextBox 6"/>
+          <p:cNvSpPr txBox="1"/>
           <p:nvPr/>
         </p:nvSpPr>
         <p:spPr>
           <a:xfrm>
-            <a:off x="917448" y="1503996"/>
-            <a:ext cx="11070336" cy="4640166"/>
+            <a:off x="160100" y="4163402"/>
+            <a:ext cx="2287229" cy="461665"/>
           </a:xfrm>
           <a:prstGeom prst="rect">
             <a:avLst/>
           </a:prstGeom>
-        </p:spPr>
-        <p:txBody>
-          <a:bodyPr vert="horz" lIns="91440" tIns="45720" rIns="91440" bIns="45720" rtlCol="0">
-            <a:normAutofit/>
+          <a:noFill/>
+        </p:spPr>
+        <p:txBody>
+          <a:bodyPr wrap="none" rtlCol="0">
+            <a:spAutoFit/>
           </a:bodyPr>
-          <a:lstStyle>
-            <a:lvl1pPr marL="228600" indent="-228600" algn="l" defTabSz="914400" rtl="0" eaLnBrk="1" latinLnBrk="0" hangingPunct="1">
-              <a:lnSpc>
-                <a:spcPct val="90000"/>
-              </a:lnSpc>
-              <a:spcBef>
-                <a:spcPts val="1000"/>
-              </a:spcBef>
-              <a:buFont typeface="Wingdings" panose="05000000000000000000" pitchFamily="2" charset="2"/>
-              <a:buChar char="§"/>
-              <a:defRPr sz="2400" kern="1200">
-                <a:solidFill>
-                  <a:schemeClr val="tx1"/>
-                </a:solidFill>
-                <a:latin typeface="+mj-lt"/>
-                <a:ea typeface="+mn-ea"/>
-                <a:cs typeface="+mn-cs"/>
-              </a:defRPr>
-            </a:lvl1pPr>
-            <a:lvl2pPr marL="685800" indent="-228600" algn="l" defTabSz="914400" rtl="0" eaLnBrk="1" latinLnBrk="0" hangingPunct="1">
-              <a:lnSpc>
-                <a:spcPct val="90000"/>
-              </a:lnSpc>
-              <a:spcBef>
-                <a:spcPts val="500"/>
-              </a:spcBef>
-              <a:buFont typeface="Arial" panose="020B0604020202020204" pitchFamily="34" charset="0"/>
-              <a:buChar char="•"/>
-              <a:defRPr sz="2000" kern="1200">
-                <a:solidFill>
-                  <a:schemeClr val="tx1"/>
-                </a:solidFill>
-                <a:latin typeface="+mj-lt"/>
-                <a:ea typeface="+mn-ea"/>
-                <a:cs typeface="+mn-cs"/>
-              </a:defRPr>
-            </a:lvl2pPr>
-            <a:lvl3pPr marL="1143000" indent="-228600" algn="l" defTabSz="914400" rtl="0" eaLnBrk="1" latinLnBrk="0" hangingPunct="1">
-              <a:lnSpc>
-                <a:spcPct val="90000"/>
-              </a:lnSpc>
-              <a:spcBef>
-                <a:spcPts val="500"/>
-              </a:spcBef>
-              <a:buFont typeface=".AppleSystemUIFont" charset="-120"/>
-              <a:buChar char="−"/>
-              <a:defRPr sz="1800" kern="1200">
-                <a:solidFill>
-                  <a:schemeClr val="tx1"/>
-                </a:solidFill>
-                <a:latin typeface="+mj-lt"/>
-                <a:ea typeface="+mn-ea"/>
-                <a:cs typeface="+mn-cs"/>
-              </a:defRPr>
-            </a:lvl3pPr>
-            <a:lvl4pPr marL="1600200" indent="-228600" algn="l" defTabSz="914400" rtl="0" eaLnBrk="1" latinLnBrk="0" hangingPunct="1">
-              <a:lnSpc>
-                <a:spcPct val="90000"/>
-              </a:lnSpc>
-              <a:spcBef>
-                <a:spcPts val="500"/>
-              </a:spcBef>
-              <a:buFont typeface=".AppleSystemUIFont" charset="-120"/>
-              <a:buChar char="−"/>
-              <a:defRPr sz="1600" kern="1200">
-                <a:solidFill>
-                  <a:schemeClr val="tx1"/>
-                </a:solidFill>
-                <a:latin typeface="+mj-lt"/>
-                <a:ea typeface="+mn-ea"/>
-                <a:cs typeface="+mn-cs"/>
-              </a:defRPr>
-            </a:lvl4pPr>
-            <a:lvl5pPr marL="2057400" indent="-228600" algn="l" defTabSz="914400" rtl="0" eaLnBrk="1" latinLnBrk="0" hangingPunct="1">
-              <a:lnSpc>
-                <a:spcPct val="90000"/>
-              </a:lnSpc>
-              <a:spcBef>
-                <a:spcPts val="500"/>
-              </a:spcBef>
-              <a:buFont typeface=".AppleSystemUIFont" charset="-120"/>
-              <a:buChar char="−"/>
-              <a:defRPr sz="1400" kern="1200">
-                <a:solidFill>
-                  <a:schemeClr val="tx1"/>
-                </a:solidFill>
-                <a:latin typeface="+mj-lt"/>
-                <a:ea typeface="+mn-ea"/>
-                <a:cs typeface="+mn-cs"/>
-              </a:defRPr>
-            </a:lvl5pPr>
-            <a:lvl6pPr marL="2514600" indent="-228600" algn="l" defTabSz="914400" rtl="0" eaLnBrk="1" latinLnBrk="0" hangingPunct="1">
-              <a:lnSpc>
-                <a:spcPct val="90000"/>
-              </a:lnSpc>
-              <a:spcBef>
-                <a:spcPts val="500"/>
-              </a:spcBef>
-              <a:buFont typeface="Arial"/>
-              <a:buChar char="•"/>
-              <a:defRPr sz="1800" kern="1200">
-                <a:solidFill>
-                  <a:schemeClr val="tx1"/>
-                </a:solidFill>
-                <a:latin typeface="+mn-lt"/>
-                <a:ea typeface="+mn-ea"/>
-                <a:cs typeface="+mn-cs"/>
-              </a:defRPr>
-            </a:lvl6pPr>
-            <a:lvl7pPr marL="2971800" indent="-228600" algn="l" defTabSz="914400" rtl="0" eaLnBrk="1" latinLnBrk="0" hangingPunct="1">
-              <a:lnSpc>
-                <a:spcPct val="90000"/>
-              </a:lnSpc>
-              <a:spcBef>
-                <a:spcPts val="500"/>
-              </a:spcBef>
-              <a:buFont typeface="Arial"/>
-              <a:buChar char="•"/>
-              <a:defRPr sz="1800" kern="1200">
-                <a:solidFill>
-                  <a:schemeClr val="tx1"/>
-                </a:solidFill>
-                <a:latin typeface="+mn-lt"/>
-                <a:ea typeface="+mn-ea"/>
-                <a:cs typeface="+mn-cs"/>
-              </a:defRPr>
-            </a:lvl7pPr>
-            <a:lvl8pPr marL="3429000" indent="-228600" algn="l" defTabSz="914400" rtl="0" eaLnBrk="1" latinLnBrk="0" hangingPunct="1">
-              <a:lnSpc>
-                <a:spcPct val="90000"/>
-              </a:lnSpc>
-              <a:spcBef>
-                <a:spcPts val="500"/>
-              </a:spcBef>
-              <a:buFont typeface="Arial"/>
-              <a:buChar char="•"/>
-              <a:defRPr sz="1800" kern="1200">
-                <a:solidFill>
-                  <a:schemeClr val="tx1"/>
-                </a:solidFill>
-                <a:latin typeface="+mn-lt"/>
-                <a:ea typeface="+mn-ea"/>
-                <a:cs typeface="+mn-cs"/>
-              </a:defRPr>
-            </a:lvl8pPr>
-            <a:lvl9pPr marL="3886200" indent="-228600" algn="l" defTabSz="914400" rtl="0" eaLnBrk="1" latinLnBrk="0" hangingPunct="1">
-              <a:lnSpc>
-                <a:spcPct val="90000"/>
-              </a:lnSpc>
-              <a:spcBef>
-                <a:spcPts val="500"/>
-              </a:spcBef>
-              <a:buFont typeface="Arial"/>
-              <a:buChar char="•"/>
-              <a:defRPr sz="1800" kern="1200">
-                <a:solidFill>
-                  <a:schemeClr val="tx1"/>
-                </a:solidFill>
-                <a:latin typeface="+mn-lt"/>
-                <a:ea typeface="+mn-ea"/>
-                <a:cs typeface="+mn-cs"/>
-              </a:defRPr>
-            </a:lvl9pPr>
-          </a:lstStyle>
-          <a:p>
-            <a:pPr marL="0" indent="0">
-              <a:buFont typeface="Wingdings" panose="05000000000000000000" pitchFamily="2" charset="2"/>
-              <a:buNone/>
-            </a:pPr>
-            <a:r>
-              <a:rPr lang="en-US" sz="3200" dirty="0" smtClean="0"/>
-              <a:t>Validation error on the MUSDB test set, 48 songs in total</a:t>
-            </a:r>
-            <a:endParaRPr lang="en-US" sz="3200" dirty="0"/>
+          <a:lstStyle/>
+          <a:p>
+            <a:r>
+              <a:rPr lang="en-US" sz="2400" dirty="0" smtClean="0">
+                <a:ln w="0"/>
+                <a:solidFill>
+                  <a:schemeClr val="accent2"/>
+                </a:solidFill>
+                <a:effectLst>
+                  <a:outerShdw blurRad="38100" dist="25400" dir="5400000" algn="ctr" rotWithShape="0">
+                    <a:srgbClr val="6E747A">
+                      <a:alpha val="43000"/>
+                    </a:srgbClr>
+                  </a:outerShdw>
+                </a:effectLst>
+              </a:rPr>
+              <a:t>Model Inference</a:t>
+            </a:r>
+            <a:endParaRPr lang="en-US" sz="2400" dirty="0">
+              <a:ln w="0"/>
+              <a:solidFill>
+                <a:schemeClr val="accent2"/>
+              </a:solidFill>
+              <a:effectLst>
+                <a:outerShdw blurRad="38100" dist="25400" dir="5400000" algn="ctr" rotWithShape="0">
+                  <a:srgbClr val="6E747A">
+                    <a:alpha val="43000"/>
+                  </a:srgbClr>
+                </a:outerShdw>
+              </a:effectLst>
+            </a:endParaRPr>
+          </a:p>
+        </p:txBody>
+      </p:sp>
+      <p:sp>
+        <p:nvSpPr>
+          <p:cNvPr id="8" name="Rounded Rectangle 7"/>
+          <p:cNvSpPr/>
+          <p:nvPr/>
+        </p:nvSpPr>
+        <p:spPr>
+          <a:xfrm>
+            <a:off x="2447329" y="1352540"/>
+            <a:ext cx="7095255" cy="1636846"/>
+          </a:xfrm>
+          <a:prstGeom prst="roundRect">
+            <a:avLst/>
+          </a:prstGeom>
+          <a:solidFill>
+            <a:schemeClr val="accent1">
+              <a:lumMod val="60000"/>
+              <a:lumOff val="40000"/>
+              <a:alpha val="16000"/>
+            </a:schemeClr>
+          </a:solidFill>
+          <a:ln>
+            <a:noFill/>
+          </a:ln>
+        </p:spPr>
+        <p:style>
+          <a:lnRef idx="2">
+            <a:schemeClr val="accent1">
+              <a:shade val="50000"/>
+            </a:schemeClr>
+          </a:lnRef>
+          <a:fillRef idx="1">
+            <a:schemeClr val="accent1"/>
+          </a:fillRef>
+          <a:effectRef idx="0">
+            <a:schemeClr val="accent1"/>
+          </a:effectRef>
+          <a:fontRef idx="minor">
+            <a:schemeClr val="lt1"/>
+          </a:fontRef>
+        </p:style>
+        <p:txBody>
+          <a:bodyPr rtlCol="0" anchor="ctr"/>
+          <a:lstStyle/>
+          <a:p>
+            <a:pPr algn="ctr"/>
+            <a:endParaRPr lang="en-US">
+              <a:ln>
+                <a:solidFill>
+                  <a:sysClr val="windowText" lastClr="000000"/>
+                </a:solidFill>
+              </a:ln>
+            </a:endParaRPr>
+          </a:p>
+        </p:txBody>
+      </p:sp>
+      <p:sp>
+        <p:nvSpPr>
+          <p:cNvPr id="9" name="Rounded Rectangle 8"/>
+          <p:cNvSpPr/>
+          <p:nvPr/>
+        </p:nvSpPr>
+        <p:spPr>
+          <a:xfrm>
+            <a:off x="2447328" y="3321935"/>
+            <a:ext cx="7095255" cy="2083442"/>
+          </a:xfrm>
+          <a:prstGeom prst="roundRect">
+            <a:avLst/>
+          </a:prstGeom>
+          <a:solidFill>
+            <a:schemeClr val="accent2">
+              <a:lumMod val="60000"/>
+              <a:lumOff val="40000"/>
+              <a:alpha val="16000"/>
+            </a:schemeClr>
+          </a:solidFill>
+          <a:ln>
+            <a:noFill/>
+          </a:ln>
+        </p:spPr>
+        <p:style>
+          <a:lnRef idx="2">
+            <a:schemeClr val="accent1">
+              <a:shade val="50000"/>
+            </a:schemeClr>
+          </a:lnRef>
+          <a:fillRef idx="1">
+            <a:schemeClr val="accent1"/>
+          </a:fillRef>
+          <a:effectRef idx="0">
+            <a:schemeClr val="accent1"/>
+          </a:effectRef>
+          <a:fontRef idx="minor">
+            <a:schemeClr val="lt1"/>
+          </a:fontRef>
+        </p:style>
+        <p:txBody>
+          <a:bodyPr rtlCol="0" anchor="ctr"/>
+          <a:lstStyle/>
+          <a:p>
+            <a:pPr algn="ctr"/>
+            <a:endParaRPr lang="en-US">
+              <a:ln>
+                <a:solidFill>
+                  <a:sysClr val="windowText" lastClr="000000"/>
+                </a:solidFill>
+              </a:ln>
+            </a:endParaRPr>
+          </a:p>
+        </p:txBody>
+      </p:sp>
+      <p:sp>
+        <p:nvSpPr>
+          <p:cNvPr id="11" name="Rounded Rectangle 10"/>
+          <p:cNvSpPr/>
+          <p:nvPr/>
+        </p:nvSpPr>
+        <p:spPr>
+          <a:xfrm>
+            <a:off x="7799479" y="2075131"/>
+            <a:ext cx="1743103" cy="914255"/>
+          </a:xfrm>
+          <a:prstGeom prst="roundRect">
+            <a:avLst/>
+          </a:prstGeom>
+          <a:solidFill>
+            <a:srgbClr val="0070C0">
+              <a:alpha val="46000"/>
+            </a:srgbClr>
+          </a:solidFill>
+          <a:ln>
+            <a:noFill/>
+          </a:ln>
+        </p:spPr>
+        <p:style>
+          <a:lnRef idx="2">
+            <a:schemeClr val="accent1">
+              <a:shade val="50000"/>
+            </a:schemeClr>
+          </a:lnRef>
+          <a:fillRef idx="1">
+            <a:schemeClr val="accent1"/>
+          </a:fillRef>
+          <a:effectRef idx="0">
+            <a:schemeClr val="accent1"/>
+          </a:effectRef>
+          <a:fontRef idx="minor">
+            <a:schemeClr val="lt1"/>
+          </a:fontRef>
+        </p:style>
+        <p:txBody>
+          <a:bodyPr rtlCol="0" anchor="ctr"/>
+          <a:lstStyle/>
+          <a:p>
+            <a:pPr algn="ctr"/>
+            <a:endParaRPr lang="en-US">
+              <a:ln>
+                <a:solidFill>
+                  <a:sysClr val="windowText" lastClr="000000"/>
+                </a:solidFill>
+              </a:ln>
+            </a:endParaRPr>
+          </a:p>
+        </p:txBody>
+      </p:sp>
+      <p:sp>
+        <p:nvSpPr>
+          <p:cNvPr id="12" name="TextBox 11"/>
+          <p:cNvSpPr txBox="1"/>
+          <p:nvPr/>
+        </p:nvSpPr>
+        <p:spPr>
+          <a:xfrm>
+            <a:off x="9747909" y="1793594"/>
+            <a:ext cx="2277926" cy="1477328"/>
+          </a:xfrm>
+          <a:prstGeom prst="rect">
+            <a:avLst/>
+          </a:prstGeom>
+          <a:noFill/>
+        </p:spPr>
+        <p:txBody>
+          <a:bodyPr wrap="square" rtlCol="0">
+            <a:spAutoFit/>
+          </a:bodyPr>
+          <a:lstStyle/>
+          <a:p>
+            <a:r>
+              <a:rPr lang="en-US" dirty="0" smtClean="0">
+                <a:ln w="0"/>
+                <a:solidFill>
+                  <a:schemeClr val="accent1"/>
+                </a:solidFill>
+                <a:effectLst>
+                  <a:outerShdw blurRad="38100" dist="25400" dir="5400000" algn="ctr" rotWithShape="0">
+                    <a:srgbClr val="6E747A">
+                      <a:alpha val="43000"/>
+                    </a:srgbClr>
+                  </a:outerShdw>
+                </a:effectLst>
+              </a:rPr>
+              <a:t>If the mixed vocal is boosted at a center frequency,  we should learn to cut at that frequency.</a:t>
+            </a:r>
+            <a:endParaRPr lang="en-US" dirty="0">
+              <a:ln w="0"/>
+              <a:solidFill>
+                <a:schemeClr val="accent1"/>
+              </a:solidFill>
+              <a:effectLst>
+                <a:outerShdw blurRad="38100" dist="25400" dir="5400000" algn="ctr" rotWithShape="0">
+                  <a:srgbClr val="6E747A">
+                    <a:alpha val="43000"/>
+                  </a:srgbClr>
+                </a:outerShdw>
+              </a:effectLst>
+            </a:endParaRPr>
           </a:p>
         </p:txBody>
       </p:sp>
       <p:pic>
         <p:nvPicPr>
-          <p:cNvPr id="3" name="Picture 2"/>
+          <p:cNvPr id="4" name="Picture 3"/>
           <p:cNvPicPr>
             <a:picLocks noChangeAspect="1"/>
           </p:cNvPicPr>
@@ -6564,38 +6538,8 @@
         </p:blipFill>
         <p:spPr>
           <a:xfrm>
-            <a:off x="0" y="5035375"/>
-            <a:ext cx="12192000" cy="862061"/>
-          </a:xfrm>
-          <a:prstGeom prst="rect">
-            <a:avLst/>
-          </a:prstGeom>
-        </p:spPr>
-      </p:pic>
-      <p:pic>
-        <p:nvPicPr>
-          <p:cNvPr id="4" name="Picture 3"/>
-          <p:cNvPicPr>
-            <a:picLocks noChangeAspect="1"/>
-          </p:cNvPicPr>
-          <p:nvPr/>
-        </p:nvPicPr>
-        <p:blipFill>
-          <a:blip r:embed="rId3">
-            <a:extLst>
-              <a:ext uri="{28A0092B-C50C-407E-A947-70E740481C1C}">
-                <a14:useLocalDpi xmlns:a14="http://schemas.microsoft.com/office/drawing/2010/main" val="0"/>
-              </a:ext>
-            </a:extLst>
-          </a:blip>
-          <a:stretch>
-            <a:fillRect/>
-          </a:stretch>
-        </p:blipFill>
-        <p:spPr>
-          <a:xfrm>
-            <a:off x="102107" y="1987375"/>
-            <a:ext cx="11987784" cy="3048000"/>
+            <a:off x="2395997" y="1370976"/>
+            <a:ext cx="7197918" cy="5127804"/>
           </a:xfrm>
           <a:prstGeom prst="rect">
             <a:avLst/>
@@ -6605,7 +6549,7 @@
     </p:spTree>
     <p:extLst>
       <p:ext uri="{BB962C8B-B14F-4D97-AF65-F5344CB8AC3E}">
-        <p14:creationId xmlns:p14="http://schemas.microsoft.com/office/powerpoint/2010/main" val="28210240"/>
+        <p14:creationId xmlns:p14="http://schemas.microsoft.com/office/powerpoint/2010/main" val="917035409"/>
       </p:ext>
     </p:extLst>
   </p:cSld>
@@ -6644,7 +6588,527 @@
           <p:cNvPr id="2" name="Title 1">
             <a:extLst>
               <a:ext uri="{FF2B5EF4-FFF2-40B4-BE49-F238E27FC236}">
-                <a16:creationId xmlns="" xmlns:a16="http://schemas.microsoft.com/office/drawing/2014/main" id="{9045A477-9EA3-4F5C-B4B9-8CE29E6FF138}"/>
+                <a16:creationId xmlns:a16="http://schemas.microsoft.com/office/drawing/2014/main" xmlns="" id="{9045A477-9EA3-4F5C-B4B9-8CE29E6FF138}"/>
+              </a:ext>
+            </a:extLst>
+          </p:cNvPr>
+          <p:cNvSpPr>
+            <a:spLocks noGrp="1"/>
+          </p:cNvSpPr>
+          <p:nvPr>
+            <p:ph type="title"/>
+          </p:nvPr>
+        </p:nvSpPr>
+        <p:spPr/>
+        <p:txBody>
+          <a:bodyPr>
+            <a:normAutofit/>
+          </a:bodyPr>
+          <a:lstStyle/>
+          <a:p>
+            <a:r>
+              <a:rPr lang="en-US" dirty="0" smtClean="0"/>
+              <a:t>Objective Evaluation</a:t>
+            </a:r>
+            <a:endParaRPr lang="en-US" dirty="0"/>
+          </a:p>
+        </p:txBody>
+      </p:sp>
+      <p:sp>
+        <p:nvSpPr>
+          <p:cNvPr id="6" name="Content Placeholder 4"/>
+          <p:cNvSpPr txBox="1">
+            <a:spLocks/>
+          </p:cNvSpPr>
+          <p:nvPr/>
+        </p:nvSpPr>
+        <p:spPr>
+          <a:xfrm>
+            <a:off x="713231" y="1756709"/>
+            <a:ext cx="11070336" cy="4640166"/>
+          </a:xfrm>
+          <a:prstGeom prst="rect">
+            <a:avLst/>
+          </a:prstGeom>
+        </p:spPr>
+        <p:txBody>
+          <a:bodyPr vert="horz" lIns="91440" tIns="45720" rIns="91440" bIns="45720" rtlCol="0">
+            <a:normAutofit/>
+          </a:bodyPr>
+          <a:lstStyle>
+            <a:lvl1pPr marL="228600" indent="-228600" algn="l" defTabSz="914400" rtl="0" eaLnBrk="1" latinLnBrk="0" hangingPunct="1">
+              <a:lnSpc>
+                <a:spcPct val="90000"/>
+              </a:lnSpc>
+              <a:spcBef>
+                <a:spcPts val="1000"/>
+              </a:spcBef>
+              <a:buFont typeface="Wingdings" panose="05000000000000000000" pitchFamily="2" charset="2"/>
+              <a:buChar char="§"/>
+              <a:defRPr sz="2400" kern="1200">
+                <a:solidFill>
+                  <a:schemeClr val="tx1"/>
+                </a:solidFill>
+                <a:latin typeface="+mj-lt"/>
+                <a:ea typeface="+mn-ea"/>
+                <a:cs typeface="+mn-cs"/>
+              </a:defRPr>
+            </a:lvl1pPr>
+            <a:lvl2pPr marL="685800" indent="-228600" algn="l" defTabSz="914400" rtl="0" eaLnBrk="1" latinLnBrk="0" hangingPunct="1">
+              <a:lnSpc>
+                <a:spcPct val="90000"/>
+              </a:lnSpc>
+              <a:spcBef>
+                <a:spcPts val="500"/>
+              </a:spcBef>
+              <a:buFont typeface="Arial" panose="020B0604020202020204" pitchFamily="34" charset="0"/>
+              <a:buChar char="•"/>
+              <a:defRPr sz="2000" kern="1200">
+                <a:solidFill>
+                  <a:schemeClr val="tx1"/>
+                </a:solidFill>
+                <a:latin typeface="+mj-lt"/>
+                <a:ea typeface="+mn-ea"/>
+                <a:cs typeface="+mn-cs"/>
+              </a:defRPr>
+            </a:lvl2pPr>
+            <a:lvl3pPr marL="1143000" indent="-228600" algn="l" defTabSz="914400" rtl="0" eaLnBrk="1" latinLnBrk="0" hangingPunct="1">
+              <a:lnSpc>
+                <a:spcPct val="90000"/>
+              </a:lnSpc>
+              <a:spcBef>
+                <a:spcPts val="500"/>
+              </a:spcBef>
+              <a:buFont typeface=".AppleSystemUIFont" charset="-120"/>
+              <a:buChar char="−"/>
+              <a:defRPr sz="1800" kern="1200">
+                <a:solidFill>
+                  <a:schemeClr val="tx1"/>
+                </a:solidFill>
+                <a:latin typeface="+mj-lt"/>
+                <a:ea typeface="+mn-ea"/>
+                <a:cs typeface="+mn-cs"/>
+              </a:defRPr>
+            </a:lvl3pPr>
+            <a:lvl4pPr marL="1600200" indent="-228600" algn="l" defTabSz="914400" rtl="0" eaLnBrk="1" latinLnBrk="0" hangingPunct="1">
+              <a:lnSpc>
+                <a:spcPct val="90000"/>
+              </a:lnSpc>
+              <a:spcBef>
+                <a:spcPts val="500"/>
+              </a:spcBef>
+              <a:buFont typeface=".AppleSystemUIFont" charset="-120"/>
+              <a:buChar char="−"/>
+              <a:defRPr sz="1600" kern="1200">
+                <a:solidFill>
+                  <a:schemeClr val="tx1"/>
+                </a:solidFill>
+                <a:latin typeface="+mj-lt"/>
+                <a:ea typeface="+mn-ea"/>
+                <a:cs typeface="+mn-cs"/>
+              </a:defRPr>
+            </a:lvl4pPr>
+            <a:lvl5pPr marL="2057400" indent="-228600" algn="l" defTabSz="914400" rtl="0" eaLnBrk="1" latinLnBrk="0" hangingPunct="1">
+              <a:lnSpc>
+                <a:spcPct val="90000"/>
+              </a:lnSpc>
+              <a:spcBef>
+                <a:spcPts val="500"/>
+              </a:spcBef>
+              <a:buFont typeface=".AppleSystemUIFont" charset="-120"/>
+              <a:buChar char="−"/>
+              <a:defRPr sz="1400" kern="1200">
+                <a:solidFill>
+                  <a:schemeClr val="tx1"/>
+                </a:solidFill>
+                <a:latin typeface="+mj-lt"/>
+                <a:ea typeface="+mn-ea"/>
+                <a:cs typeface="+mn-cs"/>
+              </a:defRPr>
+            </a:lvl5pPr>
+            <a:lvl6pPr marL="2514600" indent="-228600" algn="l" defTabSz="914400" rtl="0" eaLnBrk="1" latinLnBrk="0" hangingPunct="1">
+              <a:lnSpc>
+                <a:spcPct val="90000"/>
+              </a:lnSpc>
+              <a:spcBef>
+                <a:spcPts val="500"/>
+              </a:spcBef>
+              <a:buFont typeface="Arial"/>
+              <a:buChar char="•"/>
+              <a:defRPr sz="1800" kern="1200">
+                <a:solidFill>
+                  <a:schemeClr val="tx1"/>
+                </a:solidFill>
+                <a:latin typeface="+mn-lt"/>
+                <a:ea typeface="+mn-ea"/>
+                <a:cs typeface="+mn-cs"/>
+              </a:defRPr>
+            </a:lvl6pPr>
+            <a:lvl7pPr marL="2971800" indent="-228600" algn="l" defTabSz="914400" rtl="0" eaLnBrk="1" latinLnBrk="0" hangingPunct="1">
+              <a:lnSpc>
+                <a:spcPct val="90000"/>
+              </a:lnSpc>
+              <a:spcBef>
+                <a:spcPts val="500"/>
+              </a:spcBef>
+              <a:buFont typeface="Arial"/>
+              <a:buChar char="•"/>
+              <a:defRPr sz="1800" kern="1200">
+                <a:solidFill>
+                  <a:schemeClr val="tx1"/>
+                </a:solidFill>
+                <a:latin typeface="+mn-lt"/>
+                <a:ea typeface="+mn-ea"/>
+                <a:cs typeface="+mn-cs"/>
+              </a:defRPr>
+            </a:lvl7pPr>
+            <a:lvl8pPr marL="3429000" indent="-228600" algn="l" defTabSz="914400" rtl="0" eaLnBrk="1" latinLnBrk="0" hangingPunct="1">
+              <a:lnSpc>
+                <a:spcPct val="90000"/>
+              </a:lnSpc>
+              <a:spcBef>
+                <a:spcPts val="500"/>
+              </a:spcBef>
+              <a:buFont typeface="Arial"/>
+              <a:buChar char="•"/>
+              <a:defRPr sz="1800" kern="1200">
+                <a:solidFill>
+                  <a:schemeClr val="tx1"/>
+                </a:solidFill>
+                <a:latin typeface="+mn-lt"/>
+                <a:ea typeface="+mn-ea"/>
+                <a:cs typeface="+mn-cs"/>
+              </a:defRPr>
+            </a:lvl8pPr>
+            <a:lvl9pPr marL="3886200" indent="-228600" algn="l" defTabSz="914400" rtl="0" eaLnBrk="1" latinLnBrk="0" hangingPunct="1">
+              <a:lnSpc>
+                <a:spcPct val="90000"/>
+              </a:lnSpc>
+              <a:spcBef>
+                <a:spcPts val="500"/>
+              </a:spcBef>
+              <a:buFont typeface="Arial"/>
+              <a:buChar char="•"/>
+              <a:defRPr sz="1800" kern="1200">
+                <a:solidFill>
+                  <a:schemeClr val="tx1"/>
+                </a:solidFill>
+                <a:latin typeface="+mn-lt"/>
+                <a:ea typeface="+mn-ea"/>
+                <a:cs typeface="+mn-cs"/>
+              </a:defRPr>
+            </a:lvl9pPr>
+          </a:lstStyle>
+          <a:p>
+            <a:pPr marL="0" indent="0">
+              <a:buFont typeface="Wingdings" panose="05000000000000000000" pitchFamily="2" charset="2"/>
+              <a:buNone/>
+            </a:pPr>
+            <a:endParaRPr lang="en-US" sz="3200" dirty="0"/>
+          </a:p>
+        </p:txBody>
+      </p:sp>
+      <p:sp>
+        <p:nvSpPr>
+          <p:cNvPr id="8" name="Content Placeholder 4"/>
+          <p:cNvSpPr txBox="1">
+            <a:spLocks/>
+          </p:cNvSpPr>
+          <p:nvPr/>
+        </p:nvSpPr>
+        <p:spPr>
+          <a:xfrm>
+            <a:off x="917448" y="1503996"/>
+            <a:ext cx="11070336" cy="4640166"/>
+          </a:xfrm>
+          <a:prstGeom prst="rect">
+            <a:avLst/>
+          </a:prstGeom>
+        </p:spPr>
+        <p:txBody>
+          <a:bodyPr vert="horz" lIns="91440" tIns="45720" rIns="91440" bIns="45720" rtlCol="0">
+            <a:normAutofit/>
+          </a:bodyPr>
+          <a:lstStyle>
+            <a:lvl1pPr marL="228600" indent="-228600" algn="l" defTabSz="914400" rtl="0" eaLnBrk="1" latinLnBrk="0" hangingPunct="1">
+              <a:lnSpc>
+                <a:spcPct val="90000"/>
+              </a:lnSpc>
+              <a:spcBef>
+                <a:spcPts val="1000"/>
+              </a:spcBef>
+              <a:buFont typeface="Wingdings" panose="05000000000000000000" pitchFamily="2" charset="2"/>
+              <a:buChar char="§"/>
+              <a:defRPr sz="2400" kern="1200">
+                <a:solidFill>
+                  <a:schemeClr val="tx1"/>
+                </a:solidFill>
+                <a:latin typeface="+mj-lt"/>
+                <a:ea typeface="+mn-ea"/>
+                <a:cs typeface="+mn-cs"/>
+              </a:defRPr>
+            </a:lvl1pPr>
+            <a:lvl2pPr marL="685800" indent="-228600" algn="l" defTabSz="914400" rtl="0" eaLnBrk="1" latinLnBrk="0" hangingPunct="1">
+              <a:lnSpc>
+                <a:spcPct val="90000"/>
+              </a:lnSpc>
+              <a:spcBef>
+                <a:spcPts val="500"/>
+              </a:spcBef>
+              <a:buFont typeface="Arial" panose="020B0604020202020204" pitchFamily="34" charset="0"/>
+              <a:buChar char="•"/>
+              <a:defRPr sz="2000" kern="1200">
+                <a:solidFill>
+                  <a:schemeClr val="tx1"/>
+                </a:solidFill>
+                <a:latin typeface="+mj-lt"/>
+                <a:ea typeface="+mn-ea"/>
+                <a:cs typeface="+mn-cs"/>
+              </a:defRPr>
+            </a:lvl2pPr>
+            <a:lvl3pPr marL="1143000" indent="-228600" algn="l" defTabSz="914400" rtl="0" eaLnBrk="1" latinLnBrk="0" hangingPunct="1">
+              <a:lnSpc>
+                <a:spcPct val="90000"/>
+              </a:lnSpc>
+              <a:spcBef>
+                <a:spcPts val="500"/>
+              </a:spcBef>
+              <a:buFont typeface=".AppleSystemUIFont" charset="-120"/>
+              <a:buChar char="−"/>
+              <a:defRPr sz="1800" kern="1200">
+                <a:solidFill>
+                  <a:schemeClr val="tx1"/>
+                </a:solidFill>
+                <a:latin typeface="+mj-lt"/>
+                <a:ea typeface="+mn-ea"/>
+                <a:cs typeface="+mn-cs"/>
+              </a:defRPr>
+            </a:lvl3pPr>
+            <a:lvl4pPr marL="1600200" indent="-228600" algn="l" defTabSz="914400" rtl="0" eaLnBrk="1" latinLnBrk="0" hangingPunct="1">
+              <a:lnSpc>
+                <a:spcPct val="90000"/>
+              </a:lnSpc>
+              <a:spcBef>
+                <a:spcPts val="500"/>
+              </a:spcBef>
+              <a:buFont typeface=".AppleSystemUIFont" charset="-120"/>
+              <a:buChar char="−"/>
+              <a:defRPr sz="1600" kern="1200">
+                <a:solidFill>
+                  <a:schemeClr val="tx1"/>
+                </a:solidFill>
+                <a:latin typeface="+mj-lt"/>
+                <a:ea typeface="+mn-ea"/>
+                <a:cs typeface="+mn-cs"/>
+              </a:defRPr>
+            </a:lvl4pPr>
+            <a:lvl5pPr marL="2057400" indent="-228600" algn="l" defTabSz="914400" rtl="0" eaLnBrk="1" latinLnBrk="0" hangingPunct="1">
+              <a:lnSpc>
+                <a:spcPct val="90000"/>
+              </a:lnSpc>
+              <a:spcBef>
+                <a:spcPts val="500"/>
+              </a:spcBef>
+              <a:buFont typeface=".AppleSystemUIFont" charset="-120"/>
+              <a:buChar char="−"/>
+              <a:defRPr sz="1400" kern="1200">
+                <a:solidFill>
+                  <a:schemeClr val="tx1"/>
+                </a:solidFill>
+                <a:latin typeface="+mj-lt"/>
+                <a:ea typeface="+mn-ea"/>
+                <a:cs typeface="+mn-cs"/>
+              </a:defRPr>
+            </a:lvl5pPr>
+            <a:lvl6pPr marL="2514600" indent="-228600" algn="l" defTabSz="914400" rtl="0" eaLnBrk="1" latinLnBrk="0" hangingPunct="1">
+              <a:lnSpc>
+                <a:spcPct val="90000"/>
+              </a:lnSpc>
+              <a:spcBef>
+                <a:spcPts val="500"/>
+              </a:spcBef>
+              <a:buFont typeface="Arial"/>
+              <a:buChar char="•"/>
+              <a:defRPr sz="1800" kern="1200">
+                <a:solidFill>
+                  <a:schemeClr val="tx1"/>
+                </a:solidFill>
+                <a:latin typeface="+mn-lt"/>
+                <a:ea typeface="+mn-ea"/>
+                <a:cs typeface="+mn-cs"/>
+              </a:defRPr>
+            </a:lvl6pPr>
+            <a:lvl7pPr marL="2971800" indent="-228600" algn="l" defTabSz="914400" rtl="0" eaLnBrk="1" latinLnBrk="0" hangingPunct="1">
+              <a:lnSpc>
+                <a:spcPct val="90000"/>
+              </a:lnSpc>
+              <a:spcBef>
+                <a:spcPts val="500"/>
+              </a:spcBef>
+              <a:buFont typeface="Arial"/>
+              <a:buChar char="•"/>
+              <a:defRPr sz="1800" kern="1200">
+                <a:solidFill>
+                  <a:schemeClr val="tx1"/>
+                </a:solidFill>
+                <a:latin typeface="+mn-lt"/>
+                <a:ea typeface="+mn-ea"/>
+                <a:cs typeface="+mn-cs"/>
+              </a:defRPr>
+            </a:lvl7pPr>
+            <a:lvl8pPr marL="3429000" indent="-228600" algn="l" defTabSz="914400" rtl="0" eaLnBrk="1" latinLnBrk="0" hangingPunct="1">
+              <a:lnSpc>
+                <a:spcPct val="90000"/>
+              </a:lnSpc>
+              <a:spcBef>
+                <a:spcPts val="500"/>
+              </a:spcBef>
+              <a:buFont typeface="Arial"/>
+              <a:buChar char="•"/>
+              <a:defRPr sz="1800" kern="1200">
+                <a:solidFill>
+                  <a:schemeClr val="tx1"/>
+                </a:solidFill>
+                <a:latin typeface="+mn-lt"/>
+                <a:ea typeface="+mn-ea"/>
+                <a:cs typeface="+mn-cs"/>
+              </a:defRPr>
+            </a:lvl8pPr>
+            <a:lvl9pPr marL="3886200" indent="-228600" algn="l" defTabSz="914400" rtl="0" eaLnBrk="1" latinLnBrk="0" hangingPunct="1">
+              <a:lnSpc>
+                <a:spcPct val="90000"/>
+              </a:lnSpc>
+              <a:spcBef>
+                <a:spcPts val="500"/>
+              </a:spcBef>
+              <a:buFont typeface="Arial"/>
+              <a:buChar char="•"/>
+              <a:defRPr sz="1800" kern="1200">
+                <a:solidFill>
+                  <a:schemeClr val="tx1"/>
+                </a:solidFill>
+                <a:latin typeface="+mn-lt"/>
+                <a:ea typeface="+mn-ea"/>
+                <a:cs typeface="+mn-cs"/>
+              </a:defRPr>
+            </a:lvl9pPr>
+          </a:lstStyle>
+          <a:p>
+            <a:pPr marL="0" indent="0">
+              <a:buFont typeface="Wingdings" panose="05000000000000000000" pitchFamily="2" charset="2"/>
+              <a:buNone/>
+            </a:pPr>
+            <a:r>
+              <a:rPr lang="en-US" sz="3200" dirty="0" smtClean="0"/>
+              <a:t>Validation error on the MUSDB test set, 48 songs in total</a:t>
+            </a:r>
+            <a:endParaRPr lang="en-US" sz="3200" dirty="0"/>
+          </a:p>
+        </p:txBody>
+      </p:sp>
+      <p:pic>
+        <p:nvPicPr>
+          <p:cNvPr id="3" name="Picture 2"/>
+          <p:cNvPicPr>
+            <a:picLocks noChangeAspect="1"/>
+          </p:cNvPicPr>
+          <p:nvPr/>
+        </p:nvPicPr>
+        <p:blipFill>
+          <a:blip r:embed="rId2">
+            <a:extLst>
+              <a:ext uri="{28A0092B-C50C-407E-A947-70E740481C1C}">
+                <a14:useLocalDpi xmlns:a14="http://schemas.microsoft.com/office/drawing/2010/main" val="0"/>
+              </a:ext>
+            </a:extLst>
+          </a:blip>
+          <a:stretch>
+            <a:fillRect/>
+          </a:stretch>
+        </p:blipFill>
+        <p:spPr>
+          <a:xfrm>
+            <a:off x="0" y="5035375"/>
+            <a:ext cx="12192000" cy="862061"/>
+          </a:xfrm>
+          <a:prstGeom prst="rect">
+            <a:avLst/>
+          </a:prstGeom>
+        </p:spPr>
+      </p:pic>
+      <p:pic>
+        <p:nvPicPr>
+          <p:cNvPr id="4" name="Picture 3"/>
+          <p:cNvPicPr>
+            <a:picLocks noChangeAspect="1"/>
+          </p:cNvPicPr>
+          <p:nvPr/>
+        </p:nvPicPr>
+        <p:blipFill>
+          <a:blip r:embed="rId3">
+            <a:extLst>
+              <a:ext uri="{28A0092B-C50C-407E-A947-70E740481C1C}">
+                <a14:useLocalDpi xmlns:a14="http://schemas.microsoft.com/office/drawing/2010/main" val="0"/>
+              </a:ext>
+            </a:extLst>
+          </a:blip>
+          <a:stretch>
+            <a:fillRect/>
+          </a:stretch>
+        </p:blipFill>
+        <p:spPr>
+          <a:xfrm>
+            <a:off x="102107" y="1987375"/>
+            <a:ext cx="11987784" cy="3048000"/>
+          </a:xfrm>
+          <a:prstGeom prst="rect">
+            <a:avLst/>
+          </a:prstGeom>
+        </p:spPr>
+      </p:pic>
+    </p:spTree>
+    <p:extLst>
+      <p:ext uri="{BB962C8B-B14F-4D97-AF65-F5344CB8AC3E}">
+        <p14:creationId xmlns:p14="http://schemas.microsoft.com/office/powerpoint/2010/main" val="28210240"/>
+      </p:ext>
+    </p:extLst>
+  </p:cSld>
+  <p:clrMapOvr>
+    <a:masterClrMapping/>
+  </p:clrMapOvr>
+  <p:timing>
+    <p:tnLst>
+      <p:par>
+        <p:cTn id="1" dur="indefinite" restart="never" nodeType="tmRoot"/>
+      </p:par>
+    </p:tnLst>
+  </p:timing>
+</p:sld>
+</file>
+
+<file path=ppt/slides/slide17.xml><?xml version="1.0" encoding="utf-8"?>
+<p:sld xmlns:a="http://schemas.openxmlformats.org/drawingml/2006/main" xmlns:r="http://schemas.openxmlformats.org/officeDocument/2006/relationships" xmlns:p="http://schemas.openxmlformats.org/presentationml/2006/main">
+  <p:cSld>
+    <p:spTree>
+      <p:nvGrpSpPr>
+        <p:cNvPr id="1" name=""/>
+        <p:cNvGrpSpPr/>
+        <p:nvPr/>
+      </p:nvGrpSpPr>
+      <p:grpSpPr>
+        <a:xfrm>
+          <a:off x="0" y="0"/>
+          <a:ext cx="0" cy="0"/>
+          <a:chOff x="0" y="0"/>
+          <a:chExt cx="0" cy="0"/>
+        </a:xfrm>
+      </p:grpSpPr>
+      <p:sp>
+        <p:nvSpPr>
+          <p:cNvPr id="2" name="Title 1">
+            <a:extLst>
+              <a:ext uri="{FF2B5EF4-FFF2-40B4-BE49-F238E27FC236}">
+                <a16:creationId xmlns:a16="http://schemas.microsoft.com/office/drawing/2014/main" xmlns="" id="{9045A477-9EA3-4F5C-B4B9-8CE29E6FF138}"/>
               </a:ext>
             </a:extLst>
           </p:cNvPr>
@@ -6961,7 +7425,7 @@
 </p:sld>
 </file>
 
-<file path=ppt/slides/slide17.xml><?xml version="1.0" encoding="utf-8"?>
+<file path=ppt/slides/slide18.xml><?xml version="1.0" encoding="utf-8"?>
 <p:sld xmlns:a="http://schemas.openxmlformats.org/drawingml/2006/main" xmlns:r="http://schemas.openxmlformats.org/officeDocument/2006/relationships" xmlns:p="http://schemas.openxmlformats.org/presentationml/2006/main">
   <p:cSld>
     <p:spTree>
@@ -7095,7 +7559,7 @@
           <p:cNvPr id="2" name="Title 1">
             <a:extLst>
               <a:ext uri="{FF2B5EF4-FFF2-40B4-BE49-F238E27FC236}">
-                <a16:creationId xmlns="" xmlns:a16="http://schemas.microsoft.com/office/drawing/2014/main" id="{9045A477-9EA3-4F5C-B4B9-8CE29E6FF138}"/>
+                <a16:creationId xmlns:a16="http://schemas.microsoft.com/office/drawing/2014/main" xmlns="" id="{9045A477-9EA3-4F5C-B4B9-8CE29E6FF138}"/>
               </a:ext>
             </a:extLst>
           </p:cNvPr>
@@ -7124,7 +7588,7 @@
           <p:cNvPr id="3" name="Content Placeholder 2">
             <a:extLst>
               <a:ext uri="{FF2B5EF4-FFF2-40B4-BE49-F238E27FC236}">
-                <a16:creationId xmlns="" xmlns:a16="http://schemas.microsoft.com/office/drawing/2014/main" id="{4FFC9F3E-C7DF-44CE-A057-14D5228F5C26}"/>
+                <a16:creationId xmlns:a16="http://schemas.microsoft.com/office/drawing/2014/main" xmlns="" id="{4FFC9F3E-C7DF-44CE-A057-14D5228F5C26}"/>
               </a:ext>
             </a:extLst>
           </p:cNvPr>
@@ -7238,7 +7702,7 @@
           <p:cNvPr id="2" name="Title 1">
             <a:extLst>
               <a:ext uri="{FF2B5EF4-FFF2-40B4-BE49-F238E27FC236}">
-                <a16:creationId xmlns="" xmlns:a16="http://schemas.microsoft.com/office/drawing/2014/main" id="{9045A477-9EA3-4F5C-B4B9-8CE29E6FF138}"/>
+                <a16:creationId xmlns:a16="http://schemas.microsoft.com/office/drawing/2014/main" xmlns="" id="{9045A477-9EA3-4F5C-B4B9-8CE29E6FF138}"/>
               </a:ext>
             </a:extLst>
           </p:cNvPr>
@@ -7296,7 +7760,7 @@
           <p:cNvPr id="9" name="Content Placeholder 2">
             <a:extLst>
               <a:ext uri="{FF2B5EF4-FFF2-40B4-BE49-F238E27FC236}">
-                <a16:creationId xmlns="" xmlns:a16="http://schemas.microsoft.com/office/drawing/2014/main" id="{4FFC9F3E-C7DF-44CE-A057-14D5228F5C26}"/>
+                <a16:creationId xmlns:a16="http://schemas.microsoft.com/office/drawing/2014/main" xmlns="" id="{4FFC9F3E-C7DF-44CE-A057-14D5228F5C26}"/>
               </a:ext>
             </a:extLst>
           </p:cNvPr>
@@ -7532,7 +7996,7 @@
           <p:cNvPr id="2" name="Title 1">
             <a:extLst>
               <a:ext uri="{FF2B5EF4-FFF2-40B4-BE49-F238E27FC236}">
-                <a16:creationId xmlns="" xmlns:a16="http://schemas.microsoft.com/office/drawing/2014/main" id="{9045A477-9EA3-4F5C-B4B9-8CE29E6FF138}"/>
+                <a16:creationId xmlns:a16="http://schemas.microsoft.com/office/drawing/2014/main" xmlns="" id="{9045A477-9EA3-4F5C-B4B9-8CE29E6FF138}"/>
               </a:ext>
             </a:extLst>
           </p:cNvPr>
@@ -7620,7 +8084,7 @@
           <p:cNvPr id="9" name="Content Placeholder 2">
             <a:extLst>
               <a:ext uri="{FF2B5EF4-FFF2-40B4-BE49-F238E27FC236}">
-                <a16:creationId xmlns="" xmlns:a16="http://schemas.microsoft.com/office/drawing/2014/main" id="{4FFC9F3E-C7DF-44CE-A057-14D5228F5C26}"/>
+                <a16:creationId xmlns:a16="http://schemas.microsoft.com/office/drawing/2014/main" xmlns="" id="{4FFC9F3E-C7DF-44CE-A057-14D5228F5C26}"/>
               </a:ext>
             </a:extLst>
           </p:cNvPr>
@@ -7865,7 +8329,7 @@
           <p:cNvPr id="2" name="Title 1">
             <a:extLst>
               <a:ext uri="{FF2B5EF4-FFF2-40B4-BE49-F238E27FC236}">
-                <a16:creationId xmlns="" xmlns:a16="http://schemas.microsoft.com/office/drawing/2014/main" id="{9045A477-9EA3-4F5C-B4B9-8CE29E6FF138}"/>
+                <a16:creationId xmlns:a16="http://schemas.microsoft.com/office/drawing/2014/main" xmlns="" id="{9045A477-9EA3-4F5C-B4B9-8CE29E6FF138}"/>
               </a:ext>
             </a:extLst>
           </p:cNvPr>
@@ -7983,7 +8447,7 @@
           <p:cNvPr id="9" name="Content Placeholder 2">
             <a:extLst>
               <a:ext uri="{FF2B5EF4-FFF2-40B4-BE49-F238E27FC236}">
-                <a16:creationId xmlns="" xmlns:a16="http://schemas.microsoft.com/office/drawing/2014/main" id="{4FFC9F3E-C7DF-44CE-A057-14D5228F5C26}"/>
+                <a16:creationId xmlns:a16="http://schemas.microsoft.com/office/drawing/2014/main" xmlns="" id="{4FFC9F3E-C7DF-44CE-A057-14D5228F5C26}"/>
               </a:ext>
             </a:extLst>
           </p:cNvPr>
@@ -8234,7 +8698,7 @@
           <p:cNvPr id="2" name="Title 1">
             <a:extLst>
               <a:ext uri="{FF2B5EF4-FFF2-40B4-BE49-F238E27FC236}">
-                <a16:creationId xmlns="" xmlns:a16="http://schemas.microsoft.com/office/drawing/2014/main" id="{9045A477-9EA3-4F5C-B4B9-8CE29E6FF138}"/>
+                <a16:creationId xmlns:a16="http://schemas.microsoft.com/office/drawing/2014/main" xmlns="" id="{9045A477-9EA3-4F5C-B4B9-8CE29E6FF138}"/>
               </a:ext>
             </a:extLst>
           </p:cNvPr>
@@ -8352,7 +8816,7 @@
           <p:cNvPr id="9" name="Content Placeholder 2">
             <a:extLst>
               <a:ext uri="{FF2B5EF4-FFF2-40B4-BE49-F238E27FC236}">
-                <a16:creationId xmlns="" xmlns:a16="http://schemas.microsoft.com/office/drawing/2014/main" id="{4FFC9F3E-C7DF-44CE-A057-14D5228F5C26}"/>
+                <a16:creationId xmlns:a16="http://schemas.microsoft.com/office/drawing/2014/main" xmlns="" id="{4FFC9F3E-C7DF-44CE-A057-14D5228F5C26}"/>
               </a:ext>
             </a:extLst>
           </p:cNvPr>
@@ -8639,7 +9103,7 @@
           <p:cNvPr id="2" name="Title 1">
             <a:extLst>
               <a:ext uri="{FF2B5EF4-FFF2-40B4-BE49-F238E27FC236}">
-                <a16:creationId xmlns="" xmlns:a16="http://schemas.microsoft.com/office/drawing/2014/main" id="{9045A477-9EA3-4F5C-B4B9-8CE29E6FF138}"/>
+                <a16:creationId xmlns:a16="http://schemas.microsoft.com/office/drawing/2014/main" xmlns="" id="{9045A477-9EA3-4F5C-B4B9-8CE29E6FF138}"/>
               </a:ext>
             </a:extLst>
           </p:cNvPr>
@@ -8668,7 +9132,7 @@
           <p:cNvPr id="9" name="Content Placeholder 2">
             <a:extLst>
               <a:ext uri="{FF2B5EF4-FFF2-40B4-BE49-F238E27FC236}">
-                <a16:creationId xmlns="" xmlns:a16="http://schemas.microsoft.com/office/drawing/2014/main" id="{4FFC9F3E-C7DF-44CE-A057-14D5228F5C26}"/>
+                <a16:creationId xmlns:a16="http://schemas.microsoft.com/office/drawing/2014/main" xmlns="" id="{4FFC9F3E-C7DF-44CE-A057-14D5228F5C26}"/>
               </a:ext>
             </a:extLst>
           </p:cNvPr>
@@ -8894,7 +9358,7 @@
           <p:cNvPr id="12" name="Content Placeholder 2">
             <a:extLst>
               <a:ext uri="{FF2B5EF4-FFF2-40B4-BE49-F238E27FC236}">
-                <a16:creationId xmlns="" xmlns:a16="http://schemas.microsoft.com/office/drawing/2014/main" id="{4FFC9F3E-C7DF-44CE-A057-14D5228F5C26}"/>
+                <a16:creationId xmlns:a16="http://schemas.microsoft.com/office/drawing/2014/main" xmlns="" id="{4FFC9F3E-C7DF-44CE-A057-14D5228F5C26}"/>
               </a:ext>
             </a:extLst>
           </p:cNvPr>
@@ -9130,7 +9594,7 @@
           <p:cNvPr id="2" name="Title 1">
             <a:extLst>
               <a:ext uri="{FF2B5EF4-FFF2-40B4-BE49-F238E27FC236}">
-                <a16:creationId xmlns="" xmlns:a16="http://schemas.microsoft.com/office/drawing/2014/main" id="{9045A477-9EA3-4F5C-B4B9-8CE29E6FF138}"/>
+                <a16:creationId xmlns:a16="http://schemas.microsoft.com/office/drawing/2014/main" xmlns="" id="{9045A477-9EA3-4F5C-B4B9-8CE29E6FF138}"/>
               </a:ext>
             </a:extLst>
           </p:cNvPr>
@@ -9159,7 +9623,7 @@
           <p:cNvPr id="9" name="Content Placeholder 2">
             <a:extLst>
               <a:ext uri="{FF2B5EF4-FFF2-40B4-BE49-F238E27FC236}">
-                <a16:creationId xmlns="" xmlns:a16="http://schemas.microsoft.com/office/drawing/2014/main" id="{4FFC9F3E-C7DF-44CE-A057-14D5228F5C26}"/>
+                <a16:creationId xmlns:a16="http://schemas.microsoft.com/office/drawing/2014/main" xmlns="" id="{4FFC9F3E-C7DF-44CE-A057-14D5228F5C26}"/>
               </a:ext>
             </a:extLst>
           </p:cNvPr>
@@ -9415,7 +9879,7 @@
           <p:cNvPr id="12" name="Content Placeholder 2">
             <a:extLst>
               <a:ext uri="{FF2B5EF4-FFF2-40B4-BE49-F238E27FC236}">
-                <a16:creationId xmlns="" xmlns:a16="http://schemas.microsoft.com/office/drawing/2014/main" id="{4FFC9F3E-C7DF-44CE-A057-14D5228F5C26}"/>
+                <a16:creationId xmlns:a16="http://schemas.microsoft.com/office/drawing/2014/main" xmlns="" id="{4FFC9F3E-C7DF-44CE-A057-14D5228F5C26}"/>
               </a:ext>
             </a:extLst>
           </p:cNvPr>
@@ -9658,7 +10122,7 @@
           <p:cNvPr id="2" name="Title 1">
             <a:extLst>
               <a:ext uri="{FF2B5EF4-FFF2-40B4-BE49-F238E27FC236}">
-                <a16:creationId xmlns="" xmlns:a16="http://schemas.microsoft.com/office/drawing/2014/main" id="{9045A477-9EA3-4F5C-B4B9-8CE29E6FF138}"/>
+                <a16:creationId xmlns:a16="http://schemas.microsoft.com/office/drawing/2014/main" xmlns="" id="{9045A477-9EA3-4F5C-B4B9-8CE29E6FF138}"/>
               </a:ext>
             </a:extLst>
           </p:cNvPr>
@@ -9687,7 +10151,7 @@
           <p:cNvPr id="3" name="Content Placeholder 2">
             <a:extLst>
               <a:ext uri="{FF2B5EF4-FFF2-40B4-BE49-F238E27FC236}">
-                <a16:creationId xmlns="" xmlns:a16="http://schemas.microsoft.com/office/drawing/2014/main" id="{4FFC9F3E-C7DF-44CE-A057-14D5228F5C26}"/>
+                <a16:creationId xmlns:a16="http://schemas.microsoft.com/office/drawing/2014/main" xmlns="" id="{4FFC9F3E-C7DF-44CE-A057-14D5228F5C26}"/>
               </a:ext>
             </a:extLst>
           </p:cNvPr>

--- a/doc/PPT_final/ Automatic Mixing.pptx
+++ b/doc/PPT_final/ Automatic Mixing.pptx
@@ -165,7 +165,7 @@
           <p:cNvPr id="2" name="Header Placeholder 1">
             <a:extLst>
               <a:ext uri="{FF2B5EF4-FFF2-40B4-BE49-F238E27FC236}">
-                <a16:creationId xmlns:a16="http://schemas.microsoft.com/office/drawing/2014/main" xmlns="" id="{840B08AC-E5DB-2346-9522-E13FDAED48B6}"/>
+                <a16:creationId xmlns="" xmlns:a16="http://schemas.microsoft.com/office/drawing/2014/main" id="{840B08AC-E5DB-2346-9522-E13FDAED48B6}"/>
               </a:ext>
             </a:extLst>
           </p:cNvPr>
@@ -202,7 +202,7 @@
           <p:cNvPr id="3" name="Date Placeholder 2">
             <a:extLst>
               <a:ext uri="{FF2B5EF4-FFF2-40B4-BE49-F238E27FC236}">
-                <a16:creationId xmlns:a16="http://schemas.microsoft.com/office/drawing/2014/main" xmlns="" id="{8FEF2A5E-8AC0-D242-BDB0-D48C52EC46F6}"/>
+                <a16:creationId xmlns="" xmlns:a16="http://schemas.microsoft.com/office/drawing/2014/main" id="{8FEF2A5E-8AC0-D242-BDB0-D48C52EC46F6}"/>
               </a:ext>
             </a:extLst>
           </p:cNvPr>
@@ -243,7 +243,7 @@
           <p:cNvPr id="4" name="Footer Placeholder 3">
             <a:extLst>
               <a:ext uri="{FF2B5EF4-FFF2-40B4-BE49-F238E27FC236}">
-                <a16:creationId xmlns:a16="http://schemas.microsoft.com/office/drawing/2014/main" xmlns="" id="{04CDD624-43F6-2E45-9536-1E4A096D8D9B}"/>
+                <a16:creationId xmlns="" xmlns:a16="http://schemas.microsoft.com/office/drawing/2014/main" id="{04CDD624-43F6-2E45-9536-1E4A096D8D9B}"/>
               </a:ext>
             </a:extLst>
           </p:cNvPr>
@@ -280,7 +280,7 @@
           <p:cNvPr id="5" name="Slide Number Placeholder 4">
             <a:extLst>
               <a:ext uri="{FF2B5EF4-FFF2-40B4-BE49-F238E27FC236}">
-                <a16:creationId xmlns:a16="http://schemas.microsoft.com/office/drawing/2014/main" xmlns="" id="{4BD07A2B-CDBD-BE48-8A80-8CCEF44924D9}"/>
+                <a16:creationId xmlns="" xmlns:a16="http://schemas.microsoft.com/office/drawing/2014/main" id="{4BD07A2B-CDBD-BE48-8A80-8CCEF44924D9}"/>
               </a:ext>
             </a:extLst>
           </p:cNvPr>
@@ -1125,7 +1125,7 @@
           <p:cNvPr id="5" name="Graphic 4">
             <a:extLst>
               <a:ext uri="{FF2B5EF4-FFF2-40B4-BE49-F238E27FC236}">
-                <a16:creationId xmlns:a16="http://schemas.microsoft.com/office/drawing/2014/main" xmlns="" id="{19727A66-6455-4B6B-B6B0-C885C09984FC}"/>
+                <a16:creationId xmlns="" xmlns:a16="http://schemas.microsoft.com/office/drawing/2014/main" id="{19727A66-6455-4B6B-B6B0-C885C09984FC}"/>
               </a:ext>
             </a:extLst>
           </p:cNvPr>
@@ -1138,7 +1138,7 @@
           <a:blip r:embed="rId2">
             <a:extLst>
               <a:ext uri="{96DAC541-7B7A-43D3-8B79-37D633B846F1}">
-                <asvg:svgBlip xmlns:asvg="http://schemas.microsoft.com/office/drawing/2016/SVG/main" xmlns="" r:embed="rId3"/>
+                <asvg:svgBlip xmlns="" xmlns:asvg="http://schemas.microsoft.com/office/drawing/2016/SVG/main" r:embed="rId3"/>
               </a:ext>
             </a:extLst>
           </a:blip>
@@ -1312,7 +1312,7 @@
           <p:cNvPr id="16" name="TextBox 15">
             <a:extLst>
               <a:ext uri="{FF2B5EF4-FFF2-40B4-BE49-F238E27FC236}">
-                <a16:creationId xmlns:a16="http://schemas.microsoft.com/office/drawing/2014/main" xmlns="" id="{4F90BFBB-34F3-6C4E-AE14-F79FC96106B4}"/>
+                <a16:creationId xmlns="" xmlns:a16="http://schemas.microsoft.com/office/drawing/2014/main" id="{4F90BFBB-34F3-6C4E-AE14-F79FC96106B4}"/>
               </a:ext>
             </a:extLst>
           </p:cNvPr>
@@ -1349,7 +1349,7 @@
           <p:cNvPr id="17" name="TextBox 16">
             <a:extLst>
               <a:ext uri="{FF2B5EF4-FFF2-40B4-BE49-F238E27FC236}">
-                <a16:creationId xmlns:a16="http://schemas.microsoft.com/office/drawing/2014/main" xmlns="" id="{C69906DC-87C5-E442-8918-7F76D287958D}"/>
+                <a16:creationId xmlns="" xmlns:a16="http://schemas.microsoft.com/office/drawing/2014/main" id="{C69906DC-87C5-E442-8918-7F76D287958D}"/>
               </a:ext>
             </a:extLst>
           </p:cNvPr>
@@ -1402,7 +1402,7 @@
           <p:cNvPr id="18" name="Graphic 17">
             <a:extLst>
               <a:ext uri="{FF2B5EF4-FFF2-40B4-BE49-F238E27FC236}">
-                <a16:creationId xmlns:a16="http://schemas.microsoft.com/office/drawing/2014/main" xmlns="" id="{C2C99E5F-79BF-4DC9-BB46-FFC780AFFE85}"/>
+                <a16:creationId xmlns="" xmlns:a16="http://schemas.microsoft.com/office/drawing/2014/main" id="{C2C99E5F-79BF-4DC9-BB46-FFC780AFFE85}"/>
               </a:ext>
             </a:extLst>
           </p:cNvPr>
@@ -1415,7 +1415,7 @@
           <a:blip r:embed="rId2">
             <a:extLst>
               <a:ext uri="{96DAC541-7B7A-43D3-8B79-37D633B846F1}">
-                <asvg:svgBlip xmlns:asvg="http://schemas.microsoft.com/office/drawing/2016/SVG/main" xmlns="" r:embed="rId3"/>
+                <asvg:svgBlip xmlns="" xmlns:asvg="http://schemas.microsoft.com/office/drawing/2016/SVG/main" r:embed="rId3"/>
               </a:ext>
             </a:extLst>
           </a:blip>
@@ -1599,7 +1599,7 @@
           <p:cNvPr id="16" name="TextBox 15">
             <a:extLst>
               <a:ext uri="{FF2B5EF4-FFF2-40B4-BE49-F238E27FC236}">
-                <a16:creationId xmlns:a16="http://schemas.microsoft.com/office/drawing/2014/main" xmlns="" id="{00F103E9-D16A-EB46-9F7B-A8705483339D}"/>
+                <a16:creationId xmlns="" xmlns:a16="http://schemas.microsoft.com/office/drawing/2014/main" id="{00F103E9-D16A-EB46-9F7B-A8705483339D}"/>
               </a:ext>
             </a:extLst>
           </p:cNvPr>
@@ -1636,7 +1636,7 @@
           <p:cNvPr id="17" name="TextBox 16">
             <a:extLst>
               <a:ext uri="{FF2B5EF4-FFF2-40B4-BE49-F238E27FC236}">
-                <a16:creationId xmlns:a16="http://schemas.microsoft.com/office/drawing/2014/main" xmlns="" id="{66CFA407-F8A1-7642-9F56-93689CE11E42}"/>
+                <a16:creationId xmlns="" xmlns:a16="http://schemas.microsoft.com/office/drawing/2014/main" id="{66CFA407-F8A1-7642-9F56-93689CE11E42}"/>
               </a:ext>
             </a:extLst>
           </p:cNvPr>
@@ -1689,7 +1689,7 @@
           <p:cNvPr id="18" name="Graphic 17">
             <a:extLst>
               <a:ext uri="{FF2B5EF4-FFF2-40B4-BE49-F238E27FC236}">
-                <a16:creationId xmlns:a16="http://schemas.microsoft.com/office/drawing/2014/main" xmlns="" id="{E219413A-BB37-4E7C-B085-A0D943A15432}"/>
+                <a16:creationId xmlns="" xmlns:a16="http://schemas.microsoft.com/office/drawing/2014/main" id="{E219413A-BB37-4E7C-B085-A0D943A15432}"/>
               </a:ext>
             </a:extLst>
           </p:cNvPr>
@@ -1702,7 +1702,7 @@
           <a:blip r:embed="rId2">
             <a:extLst>
               <a:ext uri="{96DAC541-7B7A-43D3-8B79-37D633B846F1}">
-                <asvg:svgBlip xmlns:asvg="http://schemas.microsoft.com/office/drawing/2016/SVG/main" xmlns="" r:embed="rId3"/>
+                <asvg:svgBlip xmlns="" xmlns:asvg="http://schemas.microsoft.com/office/drawing/2016/SVG/main" r:embed="rId3"/>
               </a:ext>
             </a:extLst>
           </a:blip>
@@ -2115,7 +2115,7 @@
           <p:cNvPr id="15" name="Graphic 14">
             <a:extLst>
               <a:ext uri="{FF2B5EF4-FFF2-40B4-BE49-F238E27FC236}">
-                <a16:creationId xmlns:a16="http://schemas.microsoft.com/office/drawing/2014/main" xmlns="" id="{94289BB5-E802-4E3E-9EF3-493812A6E29A}"/>
+                <a16:creationId xmlns="" xmlns:a16="http://schemas.microsoft.com/office/drawing/2014/main" id="{94289BB5-E802-4E3E-9EF3-493812A6E29A}"/>
               </a:ext>
             </a:extLst>
           </p:cNvPr>
@@ -2128,7 +2128,7 @@
           <a:blip r:embed="rId2">
             <a:extLst>
               <a:ext uri="{96DAC541-7B7A-43D3-8B79-37D633B846F1}">
-                <asvg:svgBlip xmlns:asvg="http://schemas.microsoft.com/office/drawing/2016/SVG/main" xmlns="" r:embed="rId3"/>
+                <asvg:svgBlip xmlns="" xmlns:asvg="http://schemas.microsoft.com/office/drawing/2016/SVG/main" r:embed="rId3"/>
               </a:ext>
             </a:extLst>
           </a:blip>
@@ -2309,7 +2309,7 @@
           <p:cNvPr id="28" name="TextBox 27">
             <a:extLst>
               <a:ext uri="{FF2B5EF4-FFF2-40B4-BE49-F238E27FC236}">
-                <a16:creationId xmlns:a16="http://schemas.microsoft.com/office/drawing/2014/main" xmlns="" id="{E766909F-446E-5A44-9EA1-75B086A02941}"/>
+                <a16:creationId xmlns="" xmlns:a16="http://schemas.microsoft.com/office/drawing/2014/main" id="{E766909F-446E-5A44-9EA1-75B086A02941}"/>
               </a:ext>
             </a:extLst>
           </p:cNvPr>
@@ -2346,7 +2346,7 @@
           <p:cNvPr id="6" name="Graphic 5">
             <a:extLst>
               <a:ext uri="{FF2B5EF4-FFF2-40B4-BE49-F238E27FC236}">
-                <a16:creationId xmlns:a16="http://schemas.microsoft.com/office/drawing/2014/main" xmlns="" id="{5C1EAA8F-F34E-45FC-9E10-C12246B4945A}"/>
+                <a16:creationId xmlns="" xmlns:a16="http://schemas.microsoft.com/office/drawing/2014/main" id="{5C1EAA8F-F34E-45FC-9E10-C12246B4945A}"/>
               </a:ext>
             </a:extLst>
           </p:cNvPr>
@@ -2359,7 +2359,7 @@
           <a:blip r:embed="rId2">
             <a:extLst>
               <a:ext uri="{96DAC541-7B7A-43D3-8B79-37D633B846F1}">
-                <asvg:svgBlip xmlns:asvg="http://schemas.microsoft.com/office/drawing/2016/SVG/main" xmlns="" r:embed="rId3"/>
+                <asvg:svgBlip xmlns="" xmlns:asvg="http://schemas.microsoft.com/office/drawing/2016/SVG/main" r:embed="rId3"/>
               </a:ext>
             </a:extLst>
           </a:blip>
@@ -2610,7 +2610,7 @@
           <p:cNvPr id="18" name="TextBox 17">
             <a:extLst>
               <a:ext uri="{FF2B5EF4-FFF2-40B4-BE49-F238E27FC236}">
-                <a16:creationId xmlns:a16="http://schemas.microsoft.com/office/drawing/2014/main" xmlns="" id="{B09DEBDD-94B7-DE41-A403-C96CB3E1D8AE}"/>
+                <a16:creationId xmlns="" xmlns:a16="http://schemas.microsoft.com/office/drawing/2014/main" id="{B09DEBDD-94B7-DE41-A403-C96CB3E1D8AE}"/>
               </a:ext>
             </a:extLst>
           </p:cNvPr>
@@ -2647,7 +2647,7 @@
           <p:cNvPr id="19" name="TextBox 18">
             <a:extLst>
               <a:ext uri="{FF2B5EF4-FFF2-40B4-BE49-F238E27FC236}">
-                <a16:creationId xmlns:a16="http://schemas.microsoft.com/office/drawing/2014/main" xmlns="" id="{EB58DFE1-15D0-9443-B5D0-33A92FE3806F}"/>
+                <a16:creationId xmlns="" xmlns:a16="http://schemas.microsoft.com/office/drawing/2014/main" id="{EB58DFE1-15D0-9443-B5D0-33A92FE3806F}"/>
               </a:ext>
             </a:extLst>
           </p:cNvPr>
@@ -2700,7 +2700,7 @@
           <p:cNvPr id="17" name="Graphic 16">
             <a:extLst>
               <a:ext uri="{FF2B5EF4-FFF2-40B4-BE49-F238E27FC236}">
-                <a16:creationId xmlns:a16="http://schemas.microsoft.com/office/drawing/2014/main" xmlns="" id="{16F8265F-1D5C-47BE-B72E-76932958F3A6}"/>
+                <a16:creationId xmlns="" xmlns:a16="http://schemas.microsoft.com/office/drawing/2014/main" id="{16F8265F-1D5C-47BE-B72E-76932958F3A6}"/>
               </a:ext>
             </a:extLst>
           </p:cNvPr>
@@ -2713,7 +2713,7 @@
           <a:blip r:embed="rId2">
             <a:extLst>
               <a:ext uri="{96DAC541-7B7A-43D3-8B79-37D633B846F1}">
-                <asvg:svgBlip xmlns:asvg="http://schemas.microsoft.com/office/drawing/2016/SVG/main" xmlns="" r:embed="rId3"/>
+                <asvg:svgBlip xmlns="" xmlns:asvg="http://schemas.microsoft.com/office/drawing/2016/SVG/main" r:embed="rId3"/>
               </a:ext>
             </a:extLst>
           </a:blip>
@@ -3025,7 +3025,7 @@
           <p:cNvPr id="19" name="TextBox 18">
             <a:extLst>
               <a:ext uri="{FF2B5EF4-FFF2-40B4-BE49-F238E27FC236}">
-                <a16:creationId xmlns:a16="http://schemas.microsoft.com/office/drawing/2014/main" xmlns="" id="{BEF3DDB2-0665-BB4D-A7BB-D6E15B1BDEBE}"/>
+                <a16:creationId xmlns="" xmlns:a16="http://schemas.microsoft.com/office/drawing/2014/main" id="{BEF3DDB2-0665-BB4D-A7BB-D6E15B1BDEBE}"/>
               </a:ext>
             </a:extLst>
           </p:cNvPr>
@@ -3062,7 +3062,7 @@
           <p:cNvPr id="20" name="TextBox 19">
             <a:extLst>
               <a:ext uri="{FF2B5EF4-FFF2-40B4-BE49-F238E27FC236}">
-                <a16:creationId xmlns:a16="http://schemas.microsoft.com/office/drawing/2014/main" xmlns="" id="{C2F0BE45-414F-044C-A933-3D62AEBB17B5}"/>
+                <a16:creationId xmlns="" xmlns:a16="http://schemas.microsoft.com/office/drawing/2014/main" id="{C2F0BE45-414F-044C-A933-3D62AEBB17B5}"/>
               </a:ext>
             </a:extLst>
           </p:cNvPr>
@@ -3115,7 +3115,7 @@
           <p:cNvPr id="18" name="Graphic 17">
             <a:extLst>
               <a:ext uri="{FF2B5EF4-FFF2-40B4-BE49-F238E27FC236}">
-                <a16:creationId xmlns:a16="http://schemas.microsoft.com/office/drawing/2014/main" xmlns="" id="{679613E3-F659-4F6B-A525-3814C323F7E8}"/>
+                <a16:creationId xmlns="" xmlns:a16="http://schemas.microsoft.com/office/drawing/2014/main" id="{679613E3-F659-4F6B-A525-3814C323F7E8}"/>
               </a:ext>
             </a:extLst>
           </p:cNvPr>
@@ -3128,7 +3128,7 @@
           <a:blip r:embed="rId2">
             <a:extLst>
               <a:ext uri="{96DAC541-7B7A-43D3-8B79-37D633B846F1}">
-                <asvg:svgBlip xmlns:asvg="http://schemas.microsoft.com/office/drawing/2016/SVG/main" xmlns="" r:embed="rId3"/>
+                <asvg:svgBlip xmlns="" xmlns:asvg="http://schemas.microsoft.com/office/drawing/2016/SVG/main" r:embed="rId3"/>
               </a:ext>
             </a:extLst>
           </a:blip>
@@ -3250,7 +3250,7 @@
           <p:cNvPr id="15" name="TextBox 14">
             <a:extLst>
               <a:ext uri="{FF2B5EF4-FFF2-40B4-BE49-F238E27FC236}">
-                <a16:creationId xmlns:a16="http://schemas.microsoft.com/office/drawing/2014/main" xmlns="" id="{61E30C84-59E8-9E44-A555-8B1373AB1B1A}"/>
+                <a16:creationId xmlns="" xmlns:a16="http://schemas.microsoft.com/office/drawing/2014/main" id="{61E30C84-59E8-9E44-A555-8B1373AB1B1A}"/>
               </a:ext>
             </a:extLst>
           </p:cNvPr>
@@ -3287,7 +3287,7 @@
           <p:cNvPr id="16" name="TextBox 15">
             <a:extLst>
               <a:ext uri="{FF2B5EF4-FFF2-40B4-BE49-F238E27FC236}">
-                <a16:creationId xmlns:a16="http://schemas.microsoft.com/office/drawing/2014/main" xmlns="" id="{F2BA38A8-83A5-E149-BF88-F17D812DBE80}"/>
+                <a16:creationId xmlns="" xmlns:a16="http://schemas.microsoft.com/office/drawing/2014/main" id="{F2BA38A8-83A5-E149-BF88-F17D812DBE80}"/>
               </a:ext>
             </a:extLst>
           </p:cNvPr>
@@ -3340,7 +3340,7 @@
           <p:cNvPr id="18" name="Graphic 17">
             <a:extLst>
               <a:ext uri="{FF2B5EF4-FFF2-40B4-BE49-F238E27FC236}">
-                <a16:creationId xmlns:a16="http://schemas.microsoft.com/office/drawing/2014/main" xmlns="" id="{F533209D-E000-476D-B7FA-1A35997E0521}"/>
+                <a16:creationId xmlns="" xmlns:a16="http://schemas.microsoft.com/office/drawing/2014/main" id="{F533209D-E000-476D-B7FA-1A35997E0521}"/>
               </a:ext>
             </a:extLst>
           </p:cNvPr>
@@ -3353,7 +3353,7 @@
           <a:blip r:embed="rId2">
             <a:extLst>
               <a:ext uri="{96DAC541-7B7A-43D3-8B79-37D633B846F1}">
-                <asvg:svgBlip xmlns:asvg="http://schemas.microsoft.com/office/drawing/2016/SVG/main" xmlns="" r:embed="rId3"/>
+                <asvg:svgBlip xmlns="" xmlns:asvg="http://schemas.microsoft.com/office/drawing/2016/SVG/main" r:embed="rId3"/>
               </a:ext>
             </a:extLst>
           </a:blip>
@@ -3452,7 +3452,7 @@
           <p:cNvPr id="19" name="TextBox 18">
             <a:extLst>
               <a:ext uri="{FF2B5EF4-FFF2-40B4-BE49-F238E27FC236}">
-                <a16:creationId xmlns:a16="http://schemas.microsoft.com/office/drawing/2014/main" xmlns="" id="{3814FAE4-C3CE-8945-8C50-23225D3560EE}"/>
+                <a16:creationId xmlns="" xmlns:a16="http://schemas.microsoft.com/office/drawing/2014/main" id="{3814FAE4-C3CE-8945-8C50-23225D3560EE}"/>
               </a:ext>
             </a:extLst>
           </p:cNvPr>
@@ -3489,7 +3489,7 @@
           <p:cNvPr id="20" name="TextBox 19">
             <a:extLst>
               <a:ext uri="{FF2B5EF4-FFF2-40B4-BE49-F238E27FC236}">
-                <a16:creationId xmlns:a16="http://schemas.microsoft.com/office/drawing/2014/main" xmlns="" id="{ED8E22FF-8F07-5448-88EA-2ADF8A34A1E6}"/>
+                <a16:creationId xmlns="" xmlns:a16="http://schemas.microsoft.com/office/drawing/2014/main" id="{ED8E22FF-8F07-5448-88EA-2ADF8A34A1E6}"/>
               </a:ext>
             </a:extLst>
           </p:cNvPr>
@@ -3542,7 +3542,7 @@
           <p:cNvPr id="14" name="Graphic 13">
             <a:extLst>
               <a:ext uri="{FF2B5EF4-FFF2-40B4-BE49-F238E27FC236}">
-                <a16:creationId xmlns:a16="http://schemas.microsoft.com/office/drawing/2014/main" xmlns="" id="{AB16132E-0B74-4CB4-818A-E7CB3F95FB55}"/>
+                <a16:creationId xmlns="" xmlns:a16="http://schemas.microsoft.com/office/drawing/2014/main" id="{AB16132E-0B74-4CB4-818A-E7CB3F95FB55}"/>
               </a:ext>
             </a:extLst>
           </p:cNvPr>
@@ -3555,7 +3555,7 @@
           <a:blip r:embed="rId2">
             <a:extLst>
               <a:ext uri="{96DAC541-7B7A-43D3-8B79-37D633B846F1}">
-                <asvg:svgBlip xmlns:asvg="http://schemas.microsoft.com/office/drawing/2016/SVG/main" xmlns="" r:embed="rId3"/>
+                <asvg:svgBlip xmlns="" xmlns:asvg="http://schemas.microsoft.com/office/drawing/2016/SVG/main" r:embed="rId3"/>
               </a:ext>
             </a:extLst>
           </a:blip>
@@ -3836,7 +3836,7 @@
           <p:cNvPr id="17" name="TextBox 16">
             <a:extLst>
               <a:ext uri="{FF2B5EF4-FFF2-40B4-BE49-F238E27FC236}">
-                <a16:creationId xmlns:a16="http://schemas.microsoft.com/office/drawing/2014/main" xmlns="" id="{EF90A807-0D75-8046-B1F9-FB7BE21BCEB5}"/>
+                <a16:creationId xmlns="" xmlns:a16="http://schemas.microsoft.com/office/drawing/2014/main" id="{EF90A807-0D75-8046-B1F9-FB7BE21BCEB5}"/>
               </a:ext>
             </a:extLst>
           </p:cNvPr>
@@ -3873,7 +3873,7 @@
           <p:cNvPr id="18" name="TextBox 17">
             <a:extLst>
               <a:ext uri="{FF2B5EF4-FFF2-40B4-BE49-F238E27FC236}">
-                <a16:creationId xmlns:a16="http://schemas.microsoft.com/office/drawing/2014/main" xmlns="" id="{DB11F5CE-32A3-7C4F-9727-B808DCFEDD2D}"/>
+                <a16:creationId xmlns="" xmlns:a16="http://schemas.microsoft.com/office/drawing/2014/main" id="{DB11F5CE-32A3-7C4F-9727-B808DCFEDD2D}"/>
               </a:ext>
             </a:extLst>
           </p:cNvPr>
@@ -3926,7 +3926,7 @@
           <p:cNvPr id="19" name="Graphic 18">
             <a:extLst>
               <a:ext uri="{FF2B5EF4-FFF2-40B4-BE49-F238E27FC236}">
-                <a16:creationId xmlns:a16="http://schemas.microsoft.com/office/drawing/2014/main" xmlns="" id="{EBD44E6D-3D6F-4868-AA74-A0E507BB7E75}"/>
+                <a16:creationId xmlns="" xmlns:a16="http://schemas.microsoft.com/office/drawing/2014/main" id="{EBD44E6D-3D6F-4868-AA74-A0E507BB7E75}"/>
               </a:ext>
             </a:extLst>
           </p:cNvPr>
@@ -3939,7 +3939,7 @@
           <a:blip r:embed="rId2">
             <a:extLst>
               <a:ext uri="{96DAC541-7B7A-43D3-8B79-37D633B846F1}">
-                <asvg:svgBlip xmlns:asvg="http://schemas.microsoft.com/office/drawing/2016/SVG/main" xmlns="" r:embed="rId3"/>
+                <asvg:svgBlip xmlns="" xmlns:asvg="http://schemas.microsoft.com/office/drawing/2016/SVG/main" r:embed="rId3"/>
               </a:ext>
             </a:extLst>
           </a:blip>
@@ -4200,7 +4200,7 @@
           <p:cNvPr id="17" name="TextBox 16">
             <a:extLst>
               <a:ext uri="{FF2B5EF4-FFF2-40B4-BE49-F238E27FC236}">
-                <a16:creationId xmlns:a16="http://schemas.microsoft.com/office/drawing/2014/main" xmlns="" id="{3CAF80FF-3C5D-6F43-8A74-58134F834FB5}"/>
+                <a16:creationId xmlns="" xmlns:a16="http://schemas.microsoft.com/office/drawing/2014/main" id="{3CAF80FF-3C5D-6F43-8A74-58134F834FB5}"/>
               </a:ext>
             </a:extLst>
           </p:cNvPr>
@@ -4237,7 +4237,7 @@
           <p:cNvPr id="18" name="TextBox 17">
             <a:extLst>
               <a:ext uri="{FF2B5EF4-FFF2-40B4-BE49-F238E27FC236}">
-                <a16:creationId xmlns:a16="http://schemas.microsoft.com/office/drawing/2014/main" xmlns="" id="{4024CBF7-36BB-C848-9C0A-A657B15810D9}"/>
+                <a16:creationId xmlns="" xmlns:a16="http://schemas.microsoft.com/office/drawing/2014/main" id="{4024CBF7-36BB-C848-9C0A-A657B15810D9}"/>
               </a:ext>
             </a:extLst>
           </p:cNvPr>
@@ -4290,7 +4290,7 @@
           <p:cNvPr id="19" name="Graphic 18">
             <a:extLst>
               <a:ext uri="{FF2B5EF4-FFF2-40B4-BE49-F238E27FC236}">
-                <a16:creationId xmlns:a16="http://schemas.microsoft.com/office/drawing/2014/main" xmlns="" id="{E0509593-4E93-46FF-B3D2-A6EC0CBF0985}"/>
+                <a16:creationId xmlns="" xmlns:a16="http://schemas.microsoft.com/office/drawing/2014/main" id="{E0509593-4E93-46FF-B3D2-A6EC0CBF0985}"/>
               </a:ext>
             </a:extLst>
           </p:cNvPr>
@@ -4303,7 +4303,7 @@
           <a:blip r:embed="rId2">
             <a:extLst>
               <a:ext uri="{96DAC541-7B7A-43D3-8B79-37D633B846F1}">
-                <asvg:svgBlip xmlns:asvg="http://schemas.microsoft.com/office/drawing/2016/SVG/main" xmlns="" r:embed="rId3"/>
+                <asvg:svgBlip xmlns="" xmlns:asvg="http://schemas.microsoft.com/office/drawing/2016/SVG/main" r:embed="rId3"/>
               </a:ext>
             </a:extLst>
           </a:blip>
@@ -4778,7 +4778,7 @@
           <p:cNvPr id="2" name="Title 1">
             <a:extLst>
               <a:ext uri="{FF2B5EF4-FFF2-40B4-BE49-F238E27FC236}">
-                <a16:creationId xmlns:a16="http://schemas.microsoft.com/office/drawing/2014/main" xmlns="" id="{B100FC07-DFB9-468B-95C1-22281A00D4C4}"/>
+                <a16:creationId xmlns="" xmlns:a16="http://schemas.microsoft.com/office/drawing/2014/main" id="{B100FC07-DFB9-468B-95C1-22281A00D4C4}"/>
               </a:ext>
             </a:extLst>
           </p:cNvPr>
@@ -4814,7 +4814,7 @@
           <p:cNvPr id="3" name="Subtitle 2">
             <a:extLst>
               <a:ext uri="{FF2B5EF4-FFF2-40B4-BE49-F238E27FC236}">
-                <a16:creationId xmlns:a16="http://schemas.microsoft.com/office/drawing/2014/main" xmlns="" id="{F939B8E8-A3AB-46B3-8726-E933C8297D94}"/>
+                <a16:creationId xmlns="" xmlns:a16="http://schemas.microsoft.com/office/drawing/2014/main" id="{F939B8E8-A3AB-46B3-8726-E933C8297D94}"/>
               </a:ext>
             </a:extLst>
           </p:cNvPr>
@@ -4893,7 +4893,7 @@
           <p:cNvPr id="2" name="Title 1">
             <a:extLst>
               <a:ext uri="{FF2B5EF4-FFF2-40B4-BE49-F238E27FC236}">
-                <a16:creationId xmlns:a16="http://schemas.microsoft.com/office/drawing/2014/main" xmlns="" id="{9045A477-9EA3-4F5C-B4B9-8CE29E6FF138}"/>
+                <a16:creationId xmlns="" xmlns:a16="http://schemas.microsoft.com/office/drawing/2014/main" id="{9045A477-9EA3-4F5C-B4B9-8CE29E6FF138}"/>
               </a:ext>
             </a:extLst>
           </p:cNvPr>
@@ -4926,7 +4926,7 @@
           <p:cNvPr id="3" name="Content Placeholder 2">
             <a:extLst>
               <a:ext uri="{FF2B5EF4-FFF2-40B4-BE49-F238E27FC236}">
-                <a16:creationId xmlns:a16="http://schemas.microsoft.com/office/drawing/2014/main" xmlns="" id="{4FFC9F3E-C7DF-44CE-A057-14D5228F5C26}"/>
+                <a16:creationId xmlns="" xmlns:a16="http://schemas.microsoft.com/office/drawing/2014/main" id="{4FFC9F3E-C7DF-44CE-A057-14D5228F5C26}"/>
               </a:ext>
             </a:extLst>
           </p:cNvPr>
@@ -5030,7 +5030,7 @@
           <p:cNvPr id="2" name="Title 1">
             <a:extLst>
               <a:ext uri="{FF2B5EF4-FFF2-40B4-BE49-F238E27FC236}">
-                <a16:creationId xmlns:a16="http://schemas.microsoft.com/office/drawing/2014/main" xmlns="" id="{9045A477-9EA3-4F5C-B4B9-8CE29E6FF138}"/>
+                <a16:creationId xmlns="" xmlns:a16="http://schemas.microsoft.com/office/drawing/2014/main" id="{9045A477-9EA3-4F5C-B4B9-8CE29E6FF138}"/>
               </a:ext>
             </a:extLst>
           </p:cNvPr>
@@ -5063,7 +5063,7 @@
           <p:cNvPr id="3" name="Content Placeholder 2">
             <a:extLst>
               <a:ext uri="{FF2B5EF4-FFF2-40B4-BE49-F238E27FC236}">
-                <a16:creationId xmlns:a16="http://schemas.microsoft.com/office/drawing/2014/main" xmlns="" id="{4FFC9F3E-C7DF-44CE-A057-14D5228F5C26}"/>
+                <a16:creationId xmlns="" xmlns:a16="http://schemas.microsoft.com/office/drawing/2014/main" id="{4FFC9F3E-C7DF-44CE-A057-14D5228F5C26}"/>
               </a:ext>
             </a:extLst>
           </p:cNvPr>
@@ -5247,7 +5247,7 @@
           <p:cNvPr id="2" name="Title 1">
             <a:extLst>
               <a:ext uri="{FF2B5EF4-FFF2-40B4-BE49-F238E27FC236}">
-                <a16:creationId xmlns:a16="http://schemas.microsoft.com/office/drawing/2014/main" xmlns="" id="{9045A477-9EA3-4F5C-B4B9-8CE29E6FF138}"/>
+                <a16:creationId xmlns="" xmlns:a16="http://schemas.microsoft.com/office/drawing/2014/main" id="{9045A477-9EA3-4F5C-B4B9-8CE29E6FF138}"/>
               </a:ext>
             </a:extLst>
           </p:cNvPr>
@@ -6158,7 +6158,7 @@
           <p:cNvPr id="2" name="Title 1">
             <a:extLst>
               <a:ext uri="{FF2B5EF4-FFF2-40B4-BE49-F238E27FC236}">
-                <a16:creationId xmlns:a16="http://schemas.microsoft.com/office/drawing/2014/main" xmlns="" id="{9045A477-9EA3-4F5C-B4B9-8CE29E6FF138}"/>
+                <a16:creationId xmlns="" xmlns:a16="http://schemas.microsoft.com/office/drawing/2014/main" id="{9045A477-9EA3-4F5C-B4B9-8CE29E6FF138}"/>
               </a:ext>
             </a:extLst>
           </p:cNvPr>
@@ -6588,7 +6588,7 @@
           <p:cNvPr id="2" name="Title 1">
             <a:extLst>
               <a:ext uri="{FF2B5EF4-FFF2-40B4-BE49-F238E27FC236}">
-                <a16:creationId xmlns:a16="http://schemas.microsoft.com/office/drawing/2014/main" xmlns="" id="{9045A477-9EA3-4F5C-B4B9-8CE29E6FF138}"/>
+                <a16:creationId xmlns="" xmlns:a16="http://schemas.microsoft.com/office/drawing/2014/main" id="{9045A477-9EA3-4F5C-B4B9-8CE29E6FF138}"/>
               </a:ext>
             </a:extLst>
           </p:cNvPr>
@@ -7108,7 +7108,7 @@
           <p:cNvPr id="2" name="Title 1">
             <a:extLst>
               <a:ext uri="{FF2B5EF4-FFF2-40B4-BE49-F238E27FC236}">
-                <a16:creationId xmlns:a16="http://schemas.microsoft.com/office/drawing/2014/main" xmlns="" id="{9045A477-9EA3-4F5C-B4B9-8CE29E6FF138}"/>
+                <a16:creationId xmlns="" xmlns:a16="http://schemas.microsoft.com/office/drawing/2014/main" id="{9045A477-9EA3-4F5C-B4B9-8CE29E6FF138}"/>
               </a:ext>
             </a:extLst>
           </p:cNvPr>
@@ -7559,7 +7559,7 @@
           <p:cNvPr id="2" name="Title 1">
             <a:extLst>
               <a:ext uri="{FF2B5EF4-FFF2-40B4-BE49-F238E27FC236}">
-                <a16:creationId xmlns:a16="http://schemas.microsoft.com/office/drawing/2014/main" xmlns="" id="{9045A477-9EA3-4F5C-B4B9-8CE29E6FF138}"/>
+                <a16:creationId xmlns="" xmlns:a16="http://schemas.microsoft.com/office/drawing/2014/main" id="{9045A477-9EA3-4F5C-B4B9-8CE29E6FF138}"/>
               </a:ext>
             </a:extLst>
           </p:cNvPr>
@@ -7588,7 +7588,7 @@
           <p:cNvPr id="3" name="Content Placeholder 2">
             <a:extLst>
               <a:ext uri="{FF2B5EF4-FFF2-40B4-BE49-F238E27FC236}">
-                <a16:creationId xmlns:a16="http://schemas.microsoft.com/office/drawing/2014/main" xmlns="" id="{4FFC9F3E-C7DF-44CE-A057-14D5228F5C26}"/>
+                <a16:creationId xmlns="" xmlns:a16="http://schemas.microsoft.com/office/drawing/2014/main" id="{4FFC9F3E-C7DF-44CE-A057-14D5228F5C26}"/>
               </a:ext>
             </a:extLst>
           </p:cNvPr>
@@ -7702,7 +7702,7 @@
           <p:cNvPr id="2" name="Title 1">
             <a:extLst>
               <a:ext uri="{FF2B5EF4-FFF2-40B4-BE49-F238E27FC236}">
-                <a16:creationId xmlns:a16="http://schemas.microsoft.com/office/drawing/2014/main" xmlns="" id="{9045A477-9EA3-4F5C-B4B9-8CE29E6FF138}"/>
+                <a16:creationId xmlns="" xmlns:a16="http://schemas.microsoft.com/office/drawing/2014/main" id="{9045A477-9EA3-4F5C-B4B9-8CE29E6FF138}"/>
               </a:ext>
             </a:extLst>
           </p:cNvPr>
@@ -7760,7 +7760,7 @@
           <p:cNvPr id="9" name="Content Placeholder 2">
             <a:extLst>
               <a:ext uri="{FF2B5EF4-FFF2-40B4-BE49-F238E27FC236}">
-                <a16:creationId xmlns:a16="http://schemas.microsoft.com/office/drawing/2014/main" xmlns="" id="{4FFC9F3E-C7DF-44CE-A057-14D5228F5C26}"/>
+                <a16:creationId xmlns="" xmlns:a16="http://schemas.microsoft.com/office/drawing/2014/main" id="{4FFC9F3E-C7DF-44CE-A057-14D5228F5C26}"/>
               </a:ext>
             </a:extLst>
           </p:cNvPr>
@@ -7996,7 +7996,7 @@
           <p:cNvPr id="2" name="Title 1">
             <a:extLst>
               <a:ext uri="{FF2B5EF4-FFF2-40B4-BE49-F238E27FC236}">
-                <a16:creationId xmlns:a16="http://schemas.microsoft.com/office/drawing/2014/main" xmlns="" id="{9045A477-9EA3-4F5C-B4B9-8CE29E6FF138}"/>
+                <a16:creationId xmlns="" xmlns:a16="http://schemas.microsoft.com/office/drawing/2014/main" id="{9045A477-9EA3-4F5C-B4B9-8CE29E6FF138}"/>
               </a:ext>
             </a:extLst>
           </p:cNvPr>
@@ -8084,7 +8084,7 @@
           <p:cNvPr id="9" name="Content Placeholder 2">
             <a:extLst>
               <a:ext uri="{FF2B5EF4-FFF2-40B4-BE49-F238E27FC236}">
-                <a16:creationId xmlns:a16="http://schemas.microsoft.com/office/drawing/2014/main" xmlns="" id="{4FFC9F3E-C7DF-44CE-A057-14D5228F5C26}"/>
+                <a16:creationId xmlns="" xmlns:a16="http://schemas.microsoft.com/office/drawing/2014/main" id="{4FFC9F3E-C7DF-44CE-A057-14D5228F5C26}"/>
               </a:ext>
             </a:extLst>
           </p:cNvPr>
@@ -8329,7 +8329,7 @@
           <p:cNvPr id="2" name="Title 1">
             <a:extLst>
               <a:ext uri="{FF2B5EF4-FFF2-40B4-BE49-F238E27FC236}">
-                <a16:creationId xmlns:a16="http://schemas.microsoft.com/office/drawing/2014/main" xmlns="" id="{9045A477-9EA3-4F5C-B4B9-8CE29E6FF138}"/>
+                <a16:creationId xmlns="" xmlns:a16="http://schemas.microsoft.com/office/drawing/2014/main" id="{9045A477-9EA3-4F5C-B4B9-8CE29E6FF138}"/>
               </a:ext>
             </a:extLst>
           </p:cNvPr>
@@ -8447,7 +8447,7 @@
           <p:cNvPr id="9" name="Content Placeholder 2">
             <a:extLst>
               <a:ext uri="{FF2B5EF4-FFF2-40B4-BE49-F238E27FC236}">
-                <a16:creationId xmlns:a16="http://schemas.microsoft.com/office/drawing/2014/main" xmlns="" id="{4FFC9F3E-C7DF-44CE-A057-14D5228F5C26}"/>
+                <a16:creationId xmlns="" xmlns:a16="http://schemas.microsoft.com/office/drawing/2014/main" id="{4FFC9F3E-C7DF-44CE-A057-14D5228F5C26}"/>
               </a:ext>
             </a:extLst>
           </p:cNvPr>
@@ -8698,7 +8698,7 @@
           <p:cNvPr id="2" name="Title 1">
             <a:extLst>
               <a:ext uri="{FF2B5EF4-FFF2-40B4-BE49-F238E27FC236}">
-                <a16:creationId xmlns:a16="http://schemas.microsoft.com/office/drawing/2014/main" xmlns="" id="{9045A477-9EA3-4F5C-B4B9-8CE29E6FF138}"/>
+                <a16:creationId xmlns="" xmlns:a16="http://schemas.microsoft.com/office/drawing/2014/main" id="{9045A477-9EA3-4F5C-B4B9-8CE29E6FF138}"/>
               </a:ext>
             </a:extLst>
           </p:cNvPr>
@@ -8816,7 +8816,7 @@
           <p:cNvPr id="9" name="Content Placeholder 2">
             <a:extLst>
               <a:ext uri="{FF2B5EF4-FFF2-40B4-BE49-F238E27FC236}">
-                <a16:creationId xmlns:a16="http://schemas.microsoft.com/office/drawing/2014/main" xmlns="" id="{4FFC9F3E-C7DF-44CE-A057-14D5228F5C26}"/>
+                <a16:creationId xmlns="" xmlns:a16="http://schemas.microsoft.com/office/drawing/2014/main" id="{4FFC9F3E-C7DF-44CE-A057-14D5228F5C26}"/>
               </a:ext>
             </a:extLst>
           </p:cNvPr>
@@ -9103,7 +9103,7 @@
           <p:cNvPr id="2" name="Title 1">
             <a:extLst>
               <a:ext uri="{FF2B5EF4-FFF2-40B4-BE49-F238E27FC236}">
-                <a16:creationId xmlns:a16="http://schemas.microsoft.com/office/drawing/2014/main" xmlns="" id="{9045A477-9EA3-4F5C-B4B9-8CE29E6FF138}"/>
+                <a16:creationId xmlns="" xmlns:a16="http://schemas.microsoft.com/office/drawing/2014/main" id="{9045A477-9EA3-4F5C-B4B9-8CE29E6FF138}"/>
               </a:ext>
             </a:extLst>
           </p:cNvPr>
@@ -9132,7 +9132,7 @@
           <p:cNvPr id="9" name="Content Placeholder 2">
             <a:extLst>
               <a:ext uri="{FF2B5EF4-FFF2-40B4-BE49-F238E27FC236}">
-                <a16:creationId xmlns:a16="http://schemas.microsoft.com/office/drawing/2014/main" xmlns="" id="{4FFC9F3E-C7DF-44CE-A057-14D5228F5C26}"/>
+                <a16:creationId xmlns="" xmlns:a16="http://schemas.microsoft.com/office/drawing/2014/main" id="{4FFC9F3E-C7DF-44CE-A057-14D5228F5C26}"/>
               </a:ext>
             </a:extLst>
           </p:cNvPr>
@@ -9358,7 +9358,7 @@
           <p:cNvPr id="12" name="Content Placeholder 2">
             <a:extLst>
               <a:ext uri="{FF2B5EF4-FFF2-40B4-BE49-F238E27FC236}">
-                <a16:creationId xmlns:a16="http://schemas.microsoft.com/office/drawing/2014/main" xmlns="" id="{4FFC9F3E-C7DF-44CE-A057-14D5228F5C26}"/>
+                <a16:creationId xmlns="" xmlns:a16="http://schemas.microsoft.com/office/drawing/2014/main" id="{4FFC9F3E-C7DF-44CE-A057-14D5228F5C26}"/>
               </a:ext>
             </a:extLst>
           </p:cNvPr>
@@ -9594,7 +9594,7 @@
           <p:cNvPr id="2" name="Title 1">
             <a:extLst>
               <a:ext uri="{FF2B5EF4-FFF2-40B4-BE49-F238E27FC236}">
-                <a16:creationId xmlns:a16="http://schemas.microsoft.com/office/drawing/2014/main" xmlns="" id="{9045A477-9EA3-4F5C-B4B9-8CE29E6FF138}"/>
+                <a16:creationId xmlns="" xmlns:a16="http://schemas.microsoft.com/office/drawing/2014/main" id="{9045A477-9EA3-4F5C-B4B9-8CE29E6FF138}"/>
               </a:ext>
             </a:extLst>
           </p:cNvPr>
@@ -9623,7 +9623,7 @@
           <p:cNvPr id="9" name="Content Placeholder 2">
             <a:extLst>
               <a:ext uri="{FF2B5EF4-FFF2-40B4-BE49-F238E27FC236}">
-                <a16:creationId xmlns:a16="http://schemas.microsoft.com/office/drawing/2014/main" xmlns="" id="{4FFC9F3E-C7DF-44CE-A057-14D5228F5C26}"/>
+                <a16:creationId xmlns="" xmlns:a16="http://schemas.microsoft.com/office/drawing/2014/main" id="{4FFC9F3E-C7DF-44CE-A057-14D5228F5C26}"/>
               </a:ext>
             </a:extLst>
           </p:cNvPr>
@@ -9879,7 +9879,7 @@
           <p:cNvPr id="12" name="Content Placeholder 2">
             <a:extLst>
               <a:ext uri="{FF2B5EF4-FFF2-40B4-BE49-F238E27FC236}">
-                <a16:creationId xmlns:a16="http://schemas.microsoft.com/office/drawing/2014/main" xmlns="" id="{4FFC9F3E-C7DF-44CE-A057-14D5228F5C26}"/>
+                <a16:creationId xmlns="" xmlns:a16="http://schemas.microsoft.com/office/drawing/2014/main" id="{4FFC9F3E-C7DF-44CE-A057-14D5228F5C26}"/>
               </a:ext>
             </a:extLst>
           </p:cNvPr>
@@ -10122,7 +10122,7 @@
           <p:cNvPr id="2" name="Title 1">
             <a:extLst>
               <a:ext uri="{FF2B5EF4-FFF2-40B4-BE49-F238E27FC236}">
-                <a16:creationId xmlns:a16="http://schemas.microsoft.com/office/drawing/2014/main" xmlns="" id="{9045A477-9EA3-4F5C-B4B9-8CE29E6FF138}"/>
+                <a16:creationId xmlns="" xmlns:a16="http://schemas.microsoft.com/office/drawing/2014/main" id="{9045A477-9EA3-4F5C-B4B9-8CE29E6FF138}"/>
               </a:ext>
             </a:extLst>
           </p:cNvPr>
@@ -10151,7 +10151,7 @@
           <p:cNvPr id="3" name="Content Placeholder 2">
             <a:extLst>
               <a:ext uri="{FF2B5EF4-FFF2-40B4-BE49-F238E27FC236}">
-                <a16:creationId xmlns:a16="http://schemas.microsoft.com/office/drawing/2014/main" xmlns="" id="{4FFC9F3E-C7DF-44CE-A057-14D5228F5C26}"/>
+                <a16:creationId xmlns="" xmlns:a16="http://schemas.microsoft.com/office/drawing/2014/main" id="{4FFC9F3E-C7DF-44CE-A057-14D5228F5C26}"/>
               </a:ext>
             </a:extLst>
           </p:cNvPr>
